--- a/website/pptx/Project_Ideas.pptx
+++ b/website/pptx/Project_Ideas.pptx
@@ -8,10 +8,10 @@
     <p:sldMasterId id="2147483684" r:id="rId4"/>
   </p:sldMasterIdLst>
   <p:notesMasterIdLst>
-    <p:notesMasterId r:id="rId12"/>
+    <p:notesMasterId r:id="rId16"/>
   </p:notesMasterIdLst>
   <p:handoutMasterIdLst>
-    <p:handoutMasterId r:id="rId13"/>
+    <p:handoutMasterId r:id="rId17"/>
   </p:handoutMasterIdLst>
   <p:sldIdLst>
     <p:sldId id="283" r:id="rId5"/>
@@ -19,8 +19,12 @@
     <p:sldId id="285" r:id="rId7"/>
     <p:sldId id="286" r:id="rId8"/>
     <p:sldId id="288" r:id="rId9"/>
-    <p:sldId id="287" r:id="rId10"/>
-    <p:sldId id="265" r:id="rId11"/>
+    <p:sldId id="289" r:id="rId10"/>
+    <p:sldId id="290" r:id="rId11"/>
+    <p:sldId id="292" r:id="rId12"/>
+    <p:sldId id="293" r:id="rId13"/>
+    <p:sldId id="287" r:id="rId14"/>
+    <p:sldId id="265" r:id="rId15"/>
   </p:sldIdLst>
   <p:sldSz cx="9144000" cy="6858000" type="screen4x3"/>
   <p:notesSz cx="7315200" cy="9601200"/>
@@ -1185,10 +1189,99 @@
           <a:bodyPr/>
           <a:lstStyle/>
           <a:p>
+            <a:fld id="{4CE129B3-928B-40AA-A986-E97E02904900}" type="slidenum">
+              <a:rPr lang="en-US" altLang="en-US"/>
+              <a:pPr/>
+              <a:t>9</a:t>
+            </a:fld>
+            <a:endParaRPr lang="en-US" altLang="en-US"/>
+          </a:p>
+        </p:txBody>
+      </p:sp>
+      <p:sp>
+        <p:nvSpPr>
+          <p:cNvPr id="191490" name="Rectangle 2"/>
+          <p:cNvSpPr>
+            <a:spLocks noGrp="1" noRot="1" noChangeAspect="1" noChangeArrowheads="1" noTextEdit="1"/>
+          </p:cNvSpPr>
+          <p:nvPr>
+            <p:ph type="sldImg"/>
+          </p:nvPr>
+        </p:nvSpPr>
+        <p:spPr>
+          <a:ln/>
+        </p:spPr>
+      </p:sp>
+      <p:sp>
+        <p:nvSpPr>
+          <p:cNvPr id="191491" name="Rectangle 3"/>
+          <p:cNvSpPr>
+            <a:spLocks noGrp="1" noChangeArrowheads="1"/>
+          </p:cNvSpPr>
+          <p:nvPr>
+            <p:ph type="body" idx="1"/>
+          </p:nvPr>
+        </p:nvSpPr>
+        <p:spPr/>
+        <p:txBody>
+          <a:bodyPr/>
+          <a:lstStyle/>
+          <a:p>
+            <a:endParaRPr lang="en-US" altLang="en-US"/>
+          </a:p>
+        </p:txBody>
+      </p:sp>
+    </p:spTree>
+    <p:extLst>
+      <p:ext uri="{BB962C8B-B14F-4D97-AF65-F5344CB8AC3E}">
+        <p14:creationId xmlns:p14="http://schemas.microsoft.com/office/powerpoint/2010/main" val="3941759832"/>
+      </p:ext>
+    </p:extLst>
+  </p:cSld>
+  <p:clrMapOvr>
+    <a:masterClrMapping/>
+  </p:clrMapOvr>
+</p:notes>
+</file>
+
+<file path=ppt/notesSlides/notesSlide3.xml><?xml version="1.0" encoding="utf-8"?>
+<p:notes xmlns:a="http://schemas.openxmlformats.org/drawingml/2006/main" xmlns:r="http://schemas.openxmlformats.org/officeDocument/2006/relationships" xmlns:p="http://schemas.openxmlformats.org/presentationml/2006/main">
+  <p:cSld>
+    <p:spTree>
+      <p:nvGrpSpPr>
+        <p:cNvPr id="1" name=""/>
+        <p:cNvGrpSpPr/>
+        <p:nvPr/>
+      </p:nvGrpSpPr>
+      <p:grpSpPr>
+        <a:xfrm>
+          <a:off x="0" y="0"/>
+          <a:ext cx="0" cy="0"/>
+          <a:chOff x="0" y="0"/>
+          <a:chExt cx="0" cy="0"/>
+        </a:xfrm>
+      </p:grpSpPr>
+      <p:sp>
+        <p:nvSpPr>
+          <p:cNvPr id="7" name="Rectangle 7"/>
+          <p:cNvSpPr>
+            <a:spLocks noGrp="1" noChangeArrowheads="1"/>
+          </p:cNvSpPr>
+          <p:nvPr>
+            <p:ph type="sldNum" sz="quarter" idx="5"/>
+          </p:nvPr>
+        </p:nvSpPr>
+        <p:spPr>
+          <a:ln/>
+        </p:spPr>
+        <p:txBody>
+          <a:bodyPr/>
+          <a:lstStyle/>
+          <a:p>
             <a:fld id="{32E5467F-09E8-4FA6-8D51-521E0B1B360E}" type="slidenum">
               <a:rPr lang="en-US" altLang="en-US"/>
               <a:pPr/>
-              <a:t>7</a:t>
+              <a:t>11</a:t>
             </a:fld>
             <a:endParaRPr lang="en-US" altLang="en-US"/>
           </a:p>
@@ -10333,13 +10426,50 @@
               <a:buClrTx/>
             </a:pPr>
             <a:r>
-              <a:rPr lang="en-US" sz="2400" dirty="0">
+              <a:rPr lang="en-US" sz="2400" dirty="0" smtClean="0">
                 <a:solidFill>
                   <a:schemeClr val="bg2"/>
                 </a:solidFill>
               </a:rPr>
-              <a:t>Tractable experiments</a:t>
-            </a:r>
+              <a:t>Experiments that can be done in our lab using our resources and in the time available (</a:t>
+            </a:r>
+            <a:r>
+              <a:rPr lang="en-US" sz="2400" dirty="0" err="1" smtClean="0">
+                <a:solidFill>
+                  <a:schemeClr val="bg2"/>
+                </a:solidFill>
+              </a:rPr>
+              <a:t>phys</a:t>
+            </a:r>
+            <a:r>
+              <a:rPr lang="en-US" sz="2400" dirty="0" smtClean="0">
+                <a:solidFill>
+                  <a:schemeClr val="bg2"/>
+                </a:solidFill>
+              </a:rPr>
+              <a:t>/</a:t>
+            </a:r>
+            <a:r>
+              <a:rPr lang="en-US" sz="2400" dirty="0" err="1" smtClean="0">
+                <a:solidFill>
+                  <a:schemeClr val="bg2"/>
+                </a:solidFill>
+              </a:rPr>
+              <a:t>chem</a:t>
+            </a:r>
+            <a:r>
+              <a:rPr lang="en-US" sz="2400" dirty="0" smtClean="0">
+                <a:solidFill>
+                  <a:schemeClr val="bg2"/>
+                </a:solidFill>
+              </a:rPr>
+              <a:t> is usually faster then microbiology)</a:t>
+            </a:r>
+            <a:endParaRPr lang="en-US" sz="2400" dirty="0">
+              <a:solidFill>
+                <a:schemeClr val="bg2"/>
+              </a:solidFill>
+            </a:endParaRPr>
           </a:p>
           <a:p>
             <a:pPr>
@@ -10395,75 +10525,29 @@
                   <a:schemeClr val="bg2"/>
                 </a:solidFill>
               </a:rPr>
-              <a:t>pH, temperature, turbidity, red dye, other absorbing chemicals, dissolved oxygen</a:t>
-            </a:r>
-          </a:p>
-          <a:p>
-            <a:pPr lvl="1">
-              <a:buClrTx/>
-            </a:pPr>
+              <a:t>pH, temperature, turbidity, red dye, </a:t>
+            </a:r>
+            <a:r>
+              <a:rPr lang="en-US" sz="2000" dirty="0" smtClean="0">
+                <a:solidFill>
+                  <a:schemeClr val="bg2"/>
+                </a:solidFill>
+              </a:rPr>
+              <a:t>some other light adsorbing </a:t>
+            </a:r>
             <a:r>
               <a:rPr lang="en-US" sz="2000" dirty="0">
                 <a:solidFill>
                   <a:schemeClr val="bg2"/>
                 </a:solidFill>
               </a:rPr>
-              <a:t>UV-vis (sipper cell!), </a:t>
-            </a:r>
-            <a:r>
-              <a:rPr lang="en-US" sz="2000" dirty="0" smtClean="0">
-                <a:solidFill>
-                  <a:schemeClr val="bg2"/>
-                </a:solidFill>
-              </a:rPr>
-              <a:t>GCs</a:t>
-            </a:r>
-            <a:endParaRPr lang="en-US" sz="2000" dirty="0">
-              <a:solidFill>
-                <a:schemeClr val="bg2"/>
-              </a:solidFill>
-            </a:endParaRPr>
-          </a:p>
-          <a:p>
-            <a:pPr lvl="1">
-              <a:buClrTx/>
+              <a:t>chemicals, dissolved oxygen</a:t>
+            </a:r>
+          </a:p>
+          <a:p>
+            <a:pPr marL="0" indent="0">
+              <a:buNone/>
             </a:pPr>
-            <a:r>
-              <a:rPr lang="en-US" sz="2000" dirty="0">
-                <a:solidFill>
-                  <a:schemeClr val="bg2"/>
-                </a:solidFill>
-              </a:rPr>
-              <a:t>Free </a:t>
-            </a:r>
-            <a:r>
-              <a:rPr lang="en-US" sz="2000" dirty="0" smtClean="0">
-                <a:solidFill>
-                  <a:schemeClr val="bg2"/>
-                </a:solidFill>
-              </a:rPr>
-              <a:t>chlorine</a:t>
-            </a:r>
-            <a:endParaRPr lang="en-US" sz="2000" dirty="0">
-              <a:solidFill>
-                <a:schemeClr val="bg2"/>
-              </a:solidFill>
-            </a:endParaRPr>
-          </a:p>
-          <a:p>
-            <a:pPr lvl="1">
-              <a:buClrTx/>
-            </a:pPr>
-            <a:r>
-              <a:rPr lang="en-US" sz="2000" dirty="0">
-                <a:solidFill>
-                  <a:schemeClr val="bg2"/>
-                </a:solidFill>
-              </a:rPr>
-              <a:t>Nutrients – colorimetric methods (UV-Vis)</a:t>
-            </a:r>
-          </a:p>
-          <a:p>
             <a:endParaRPr lang="en-US" dirty="0"/>
           </a:p>
         </p:txBody>
@@ -10474,6 +10558,256 @@
         <p14:creationId xmlns:p14="http://schemas.microsoft.com/office/powerpoint/2010/main" val="554146007"/>
       </p:ext>
     </p:extLst>
+  </p:cSld>
+  <p:clrMapOvr>
+    <a:masterClrMapping/>
+  </p:clrMapOvr>
+  <p:transition>
+    <p:fade/>
+  </p:transition>
+  <p:timing>
+    <p:tnLst>
+      <p:par>
+        <p:cTn id="1" dur="indefinite" restart="never" nodeType="tmRoot"/>
+      </p:par>
+    </p:tnLst>
+  </p:timing>
+</p:sld>
+</file>
+
+<file path=ppt/slides/slide10.xml><?xml version="1.0" encoding="utf-8"?>
+<p:sld xmlns:a="http://schemas.openxmlformats.org/drawingml/2006/main" xmlns:r="http://schemas.openxmlformats.org/officeDocument/2006/relationships" xmlns:p="http://schemas.openxmlformats.org/presentationml/2006/main">
+  <p:cSld>
+    <p:spTree>
+      <p:nvGrpSpPr>
+        <p:cNvPr id="1" name=""/>
+        <p:cNvGrpSpPr/>
+        <p:nvPr/>
+      </p:nvGrpSpPr>
+      <p:grpSpPr>
+        <a:xfrm>
+          <a:off x="0" y="0"/>
+          <a:ext cx="0" cy="0"/>
+          <a:chOff x="0" y="0"/>
+          <a:chExt cx="0" cy="0"/>
+        </a:xfrm>
+      </p:grpSpPr>
+      <p:sp>
+        <p:nvSpPr>
+          <p:cNvPr id="2" name="Title 1"/>
+          <p:cNvSpPr>
+            <a:spLocks noGrp="1"/>
+          </p:cNvSpPr>
+          <p:nvPr>
+            <p:ph type="title"/>
+          </p:nvPr>
+        </p:nvSpPr>
+        <p:spPr/>
+        <p:txBody>
+          <a:bodyPr/>
+          <a:lstStyle/>
+          <a:p>
+            <a:r>
+              <a:rPr lang="en-US" smtClean="0"/>
+              <a:t>Next steps</a:t>
+            </a:r>
+            <a:endParaRPr lang="en-US" dirty="0"/>
+          </a:p>
+        </p:txBody>
+      </p:sp>
+      <p:sp>
+        <p:nvSpPr>
+          <p:cNvPr id="3" name="Content Placeholder 2"/>
+          <p:cNvSpPr>
+            <a:spLocks noGrp="1"/>
+          </p:cNvSpPr>
+          <p:nvPr>
+            <p:ph idx="1"/>
+          </p:nvPr>
+        </p:nvSpPr>
+        <p:spPr/>
+        <p:txBody>
+          <a:bodyPr/>
+          <a:lstStyle/>
+          <a:p>
+            <a:r>
+              <a:rPr lang="en-US" dirty="0" smtClean="0"/>
+              <a:t>Come </a:t>
+            </a:r>
+            <a:r>
+              <a:rPr lang="en-US" dirty="0" smtClean="0"/>
+              <a:t>to lab prepared </a:t>
+            </a:r>
+            <a:r>
+              <a:rPr lang="en-US" dirty="0" smtClean="0"/>
+              <a:t>to discuss</a:t>
+            </a:r>
+          </a:p>
+          <a:p>
+            <a:pPr lvl="1"/>
+            <a:r>
+              <a:rPr lang="en-US" dirty="0" smtClean="0"/>
+              <a:t>What seems interesting to you?  </a:t>
+            </a:r>
+          </a:p>
+          <a:p>
+            <a:pPr lvl="1"/>
+            <a:r>
+              <a:rPr lang="en-US" dirty="0" smtClean="0"/>
+              <a:t>Is there anything that can help with other projects (research)?  </a:t>
+            </a:r>
+          </a:p>
+          <a:p>
+            <a:pPr lvl="1"/>
+            <a:r>
+              <a:rPr lang="en-US" dirty="0" smtClean="0"/>
+              <a:t>Anything that is relevant to potential grad school research?  </a:t>
+            </a:r>
+          </a:p>
+          <a:p>
+            <a:pPr lvl="1"/>
+            <a:r>
+              <a:rPr lang="en-US" dirty="0" smtClean="0"/>
+              <a:t>Anything relevant to potential internships/jobs?</a:t>
+            </a:r>
+          </a:p>
+          <a:p>
+            <a:r>
+              <a:rPr lang="en-US" dirty="0" smtClean="0"/>
+              <a:t>BRAINSTORM and discuss with your groups.</a:t>
+            </a:r>
+          </a:p>
+        </p:txBody>
+      </p:sp>
+    </p:spTree>
+    <p:extLst>
+      <p:ext uri="{BB962C8B-B14F-4D97-AF65-F5344CB8AC3E}">
+        <p14:creationId xmlns:p14="http://schemas.microsoft.com/office/powerpoint/2010/main" val="1203524912"/>
+      </p:ext>
+    </p:extLst>
+  </p:cSld>
+  <p:clrMapOvr>
+    <a:masterClrMapping/>
+  </p:clrMapOvr>
+  <p:transition>
+    <p:fade/>
+  </p:transition>
+  <p:timing>
+    <p:tnLst>
+      <p:par>
+        <p:cTn id="1" dur="indefinite" restart="never" nodeType="tmRoot"/>
+      </p:par>
+    </p:tnLst>
+  </p:timing>
+</p:sld>
+</file>
+
+<file path=ppt/slides/slide11.xml><?xml version="1.0" encoding="utf-8"?>
+<p:sld xmlns:a="http://schemas.openxmlformats.org/drawingml/2006/main" xmlns:r="http://schemas.openxmlformats.org/officeDocument/2006/relationships" xmlns:p="http://schemas.openxmlformats.org/presentationml/2006/main">
+  <p:cSld>
+    <p:spTree>
+      <p:nvGrpSpPr>
+        <p:cNvPr id="1" name=""/>
+        <p:cNvGrpSpPr/>
+        <p:nvPr/>
+      </p:nvGrpSpPr>
+      <p:grpSpPr>
+        <a:xfrm>
+          <a:off x="0" y="0"/>
+          <a:ext cx="0" cy="0"/>
+          <a:chOff x="0" y="0"/>
+          <a:chExt cx="0" cy="0"/>
+        </a:xfrm>
+      </p:grpSpPr>
+      <p:sp>
+        <p:nvSpPr>
+          <p:cNvPr id="22530" name="Rectangle 2"/>
+          <p:cNvSpPr>
+            <a:spLocks noGrp="1" noChangeArrowheads="1"/>
+          </p:cNvSpPr>
+          <p:nvPr>
+            <p:ph type="title"/>
+          </p:nvPr>
+        </p:nvSpPr>
+        <p:spPr/>
+        <p:txBody>
+          <a:bodyPr/>
+          <a:lstStyle/>
+          <a:p>
+            <a:r>
+              <a:rPr lang="en-US" altLang="en-US"/>
+              <a:t>Class </a:t>
+            </a:r>
+            <a:r>
+              <a:rPr lang="en-US" altLang="en-US" smtClean="0"/>
+              <a:t>Activity in teams</a:t>
+            </a:r>
+            <a:endParaRPr lang="en-US" altLang="en-US"/>
+          </a:p>
+        </p:txBody>
+      </p:sp>
+      <p:sp>
+        <p:nvSpPr>
+          <p:cNvPr id="22531" name="Rectangle 3"/>
+          <p:cNvSpPr>
+            <a:spLocks noGrp="1" noChangeArrowheads="1"/>
+          </p:cNvSpPr>
+          <p:nvPr>
+            <p:ph idx="1"/>
+          </p:nvPr>
+        </p:nvSpPr>
+        <p:spPr/>
+        <p:txBody>
+          <a:bodyPr/>
+          <a:lstStyle/>
+          <a:p>
+            <a:r>
+              <a:rPr lang="en-US" altLang="en-US" dirty="0"/>
+              <a:t>Write the question you are trying to answer</a:t>
+            </a:r>
+          </a:p>
+          <a:p>
+            <a:r>
+              <a:rPr lang="en-US" altLang="en-US" dirty="0"/>
+              <a:t>List what is required to make the project successful</a:t>
+            </a:r>
+          </a:p>
+          <a:p>
+            <a:r>
+              <a:rPr lang="en-US" altLang="en-US" dirty="0"/>
+              <a:t>What parameters will you vary?</a:t>
+            </a:r>
+          </a:p>
+          <a:p>
+            <a:r>
+              <a:rPr lang="en-US" altLang="en-US" dirty="0"/>
+              <a:t>What parameters will you measure?</a:t>
+            </a:r>
+          </a:p>
+          <a:p>
+            <a:r>
+              <a:rPr lang="en-US" altLang="en-US" dirty="0"/>
+              <a:t>List expected challenges</a:t>
+            </a:r>
+          </a:p>
+          <a:p>
+            <a:r>
+              <a:rPr lang="en-US" altLang="en-US" dirty="0" smtClean="0"/>
+              <a:t>Check Research </a:t>
+            </a:r>
+            <a:r>
+              <a:rPr lang="en-US" altLang="en-US" dirty="0"/>
+              <a:t>Proposal </a:t>
+            </a:r>
+            <a:r>
+              <a:rPr lang="en-US" altLang="en-US" dirty="0" smtClean="0"/>
+              <a:t>due date</a:t>
+            </a:r>
+            <a:endParaRPr lang="en-US" altLang="en-US" dirty="0"/>
+          </a:p>
+        </p:txBody>
+      </p:sp>
+    </p:spTree>
   </p:cSld>
   <p:clrMapOvr>
     <a:masterClrMapping/>
@@ -10553,7 +10887,7 @@
           <a:noFill/>
           <a:ln w="38100" cap="flat" cmpd="sng" algn="ctr">
             <a:solidFill>
-              <a:srgbClr val="C00000"/>
+              <a:schemeClr val="accent1"/>
             </a:solidFill>
             <a:prstDash val="solid"/>
             <a:round/>
@@ -10775,7 +11109,7 @@
           <a:noFill/>
           <a:ln w="38100" cap="flat" cmpd="sng" algn="ctr">
             <a:solidFill>
-              <a:srgbClr val="C00000"/>
+              <a:schemeClr val="accent1"/>
             </a:solidFill>
             <a:prstDash val="solid"/>
             <a:round/>
@@ -10912,7 +11246,7 @@
           <a:noFill/>
           <a:ln w="38100" cap="flat" cmpd="sng" algn="ctr">
             <a:solidFill>
-              <a:srgbClr val="C00000"/>
+              <a:schemeClr val="accent1"/>
             </a:solidFill>
             <a:prstDash val="solid"/>
             <a:round/>
@@ -11047,7 +11381,7 @@
             <a:avLst/>
           </a:prstGeom>
           <a:solidFill>
-            <a:srgbClr val="C00000"/>
+            <a:schemeClr val="accent1"/>
           </a:solidFill>
           <a:ln w="38100" cap="flat" cmpd="sng" algn="ctr">
             <a:solidFill>
@@ -11113,7 +11447,7 @@
             <a:avLst/>
           </a:prstGeom>
           <a:solidFill>
-            <a:srgbClr val="C00000"/>
+            <a:schemeClr val="accent1"/>
           </a:solidFill>
           <a:ln w="38100" cap="flat" cmpd="sng" algn="ctr">
             <a:solidFill>
@@ -11179,7 +11513,7 @@
             <a:avLst/>
           </a:prstGeom>
           <a:solidFill>
-            <a:srgbClr val="C00000"/>
+            <a:schemeClr val="accent1"/>
           </a:solidFill>
           <a:ln w="28575" cap="flat" cmpd="sng" algn="ctr">
             <a:solidFill>
@@ -11778,15 +12112,7 @@
                   <a:schemeClr val="bg2"/>
                 </a:solidFill>
               </a:rPr>
-              <a:t>References/</a:t>
-            </a:r>
-            <a:r>
-              <a:rPr lang="en-US" sz="2400" dirty="0" err="1" smtClean="0">
-                <a:solidFill>
-                  <a:schemeClr val="bg2"/>
-                </a:solidFill>
-              </a:rPr>
-              <a:t>Bibiliography</a:t>
+              <a:t>References/Bibliography</a:t>
             </a:r>
             <a:endParaRPr lang="en-US" sz="2400" dirty="0" smtClean="0">
               <a:solidFill>
@@ -11852,9 +12178,10 @@
           <a:lstStyle/>
           <a:p>
             <a:r>
-              <a:rPr lang="en-US"/>
+              <a:rPr lang="en-US" smtClean="0"/>
               <a:t>Project Expectations</a:t>
             </a:r>
+            <a:endParaRPr lang="en-US"/>
           </a:p>
         </p:txBody>
       </p:sp>
@@ -11868,152 +12195,52 @@
             <p:ph idx="1"/>
           </p:nvPr>
         </p:nvSpPr>
-        <p:spPr>
-          <a:xfrm>
-            <a:off x="241299" y="1981200"/>
-            <a:ext cx="8629323" cy="4114800"/>
-          </a:xfrm>
-        </p:spPr>
+        <p:spPr/>
         <p:txBody>
           <a:bodyPr/>
           <a:lstStyle/>
           <a:p>
-            <a:pPr>
-              <a:buClrTx/>
-            </a:pPr>
-            <a:r>
-              <a:rPr lang="en-US" sz="2400" dirty="0" smtClean="0">
-                <a:solidFill>
-                  <a:schemeClr val="bg2"/>
-                </a:solidFill>
-              </a:rPr>
-              <a:t>Build your primary project apparatus in the week following Spring Break</a:t>
-            </a:r>
-          </a:p>
-          <a:p>
-            <a:pPr>
-              <a:buClrTx/>
-            </a:pPr>
-            <a:r>
-              <a:rPr lang="en-US" sz="2400" dirty="0" smtClean="0">
-                <a:solidFill>
-                  <a:schemeClr val="bg2"/>
-                </a:solidFill>
-              </a:rPr>
-              <a:t>4 </a:t>
-            </a:r>
-            <a:r>
-              <a:rPr lang="en-US" sz="2400" dirty="0">
-                <a:solidFill>
-                  <a:schemeClr val="bg2"/>
-                </a:solidFill>
-              </a:rPr>
-              <a:t>weeks of </a:t>
-            </a:r>
-            <a:r>
-              <a:rPr lang="en-US" sz="2400" dirty="0" smtClean="0">
-                <a:solidFill>
-                  <a:schemeClr val="bg2"/>
-                </a:solidFill>
-              </a:rPr>
-              <a:t>data collection</a:t>
-            </a:r>
-            <a:endParaRPr lang="en-US" sz="2400" dirty="0">
-              <a:solidFill>
-                <a:schemeClr val="bg2"/>
-              </a:solidFill>
-            </a:endParaRPr>
-          </a:p>
-          <a:p>
-            <a:pPr>
-              <a:buClrTx/>
-            </a:pPr>
-            <a:r>
-              <a:rPr lang="en-US" sz="2400" dirty="0">
-                <a:solidFill>
-                  <a:schemeClr val="bg2"/>
-                </a:solidFill>
-              </a:rPr>
-              <a:t>4 hours per week outside of </a:t>
-            </a:r>
-            <a:r>
-              <a:rPr lang="en-US" sz="2400" dirty="0" smtClean="0">
-                <a:solidFill>
-                  <a:schemeClr val="bg2"/>
-                </a:solidFill>
-              </a:rPr>
-              <a:t>class (approx. 8 hours per week in total)</a:t>
-            </a:r>
-            <a:endParaRPr lang="en-US" sz="2400" dirty="0">
-              <a:solidFill>
-                <a:schemeClr val="bg2"/>
-              </a:solidFill>
-            </a:endParaRPr>
-          </a:p>
-          <a:p>
-            <a:pPr>
-              <a:buClrTx/>
-            </a:pPr>
-            <a:r>
-              <a:rPr lang="en-US" sz="2400" dirty="0">
-                <a:solidFill>
-                  <a:schemeClr val="bg2"/>
-                </a:solidFill>
-              </a:rPr>
-              <a:t>Data collection and data analysis used for plant control (evidence of good engineering)</a:t>
-            </a:r>
-          </a:p>
-          <a:p>
-            <a:pPr>
-              <a:buClrTx/>
-            </a:pPr>
-            <a:r>
-              <a:rPr lang="en-US" sz="2400" dirty="0">
-                <a:solidFill>
-                  <a:schemeClr val="bg2"/>
-                </a:solidFill>
-              </a:rPr>
-              <a:t>Maintain good records of what you did and what you learned</a:t>
-            </a:r>
-          </a:p>
-          <a:p>
-            <a:pPr>
-              <a:buClrTx/>
-            </a:pPr>
-            <a:r>
-              <a:rPr lang="en-US" sz="2400" dirty="0">
-                <a:solidFill>
-                  <a:schemeClr val="bg2"/>
-                </a:solidFill>
-              </a:rPr>
-              <a:t>Collaboration between teams is </a:t>
-            </a:r>
-            <a:r>
-              <a:rPr lang="en-US" sz="2400" dirty="0" smtClean="0">
-                <a:solidFill>
-                  <a:schemeClr val="bg2"/>
-                </a:solidFill>
-              </a:rPr>
-              <a:t>fine and encouraged</a:t>
-            </a:r>
-            <a:endParaRPr lang="en-US" sz="2400" dirty="0">
-              <a:solidFill>
-                <a:schemeClr val="bg2"/>
-              </a:solidFill>
-            </a:endParaRPr>
-          </a:p>
-          <a:p>
-            <a:pPr>
-              <a:buClrTx/>
-            </a:pPr>
-            <a:r>
-              <a:rPr lang="en-US" sz="2400" dirty="0">
-                <a:solidFill>
-                  <a:schemeClr val="bg2"/>
-                </a:solidFill>
-              </a:rPr>
+            <a:r>
+              <a:rPr lang="en-US" sz="2800" dirty="0" smtClean="0"/>
+              <a:t>Build your apparatus in the week after break</a:t>
+            </a:r>
+          </a:p>
+          <a:p>
+            <a:r>
+              <a:rPr lang="en-US" sz="2800" dirty="0" smtClean="0"/>
+              <a:t>3 weeks of data collection</a:t>
+            </a:r>
+          </a:p>
+          <a:p>
+            <a:r>
+              <a:rPr lang="en-US" sz="2800" dirty="0" smtClean="0"/>
+              <a:t>4 hours per week outside of class</a:t>
+            </a:r>
+          </a:p>
+          <a:p>
+            <a:r>
+              <a:rPr lang="en-US" sz="2800" dirty="0" smtClean="0"/>
+              <a:t>Data collection and data analysis used for experiment design (evidence of good engineering)</a:t>
+            </a:r>
+          </a:p>
+          <a:p>
+            <a:r>
+              <a:rPr lang="en-US" sz="2800" dirty="0" smtClean="0"/>
+              <a:t>Maintain records of what you did and what you learned</a:t>
+            </a:r>
+          </a:p>
+          <a:p>
+            <a:r>
+              <a:rPr lang="en-US" sz="2800" dirty="0" smtClean="0"/>
+              <a:t>Collaboration between teams is fine and encouraged</a:t>
+            </a:r>
+          </a:p>
+          <a:p>
+            <a:r>
+              <a:rPr lang="en-US" sz="2800" dirty="0" smtClean="0"/>
               <a:t>What is success?</a:t>
             </a:r>
+            <a:endParaRPr lang="en-US" sz="2800" dirty="0"/>
           </a:p>
         </p:txBody>
       </p:sp>
@@ -12074,7 +12301,7 @@
           <a:p>
             <a:r>
               <a:rPr lang="en-US" dirty="0" smtClean="0"/>
-              <a:t>Ideas</a:t>
+              <a:t>Aeration</a:t>
             </a:r>
             <a:endParaRPr lang="en-US" dirty="0"/>
           </a:p>
@@ -12097,27 +12324,36 @@
           <a:p>
             <a:r>
               <a:rPr lang="en-US" dirty="0" smtClean="0"/>
-              <a:t>Design a better reactor for aeration!</a:t>
-            </a:r>
-          </a:p>
-          <a:p>
+              <a:t>Design a better reactor for </a:t>
+            </a:r>
             <a:r>
               <a:rPr lang="en-US" dirty="0" smtClean="0"/>
-              <a:t>Nutrient removal project</a:t>
-            </a:r>
-          </a:p>
-          <a:p>
-            <a:pPr lvl="1"/>
+              <a:t>aeration</a:t>
+            </a:r>
+            <a:r>
+              <a:rPr lang="en-US" dirty="0"/>
+              <a:t> </a:t>
+            </a:r>
             <a:r>
               <a:rPr lang="en-US" dirty="0" smtClean="0"/>
-              <a:t>Sequencing batch reactor</a:t>
-            </a:r>
-          </a:p>
-          <a:p>
+              <a:t>that has a higher OTE (see last year’s project that tested ability to trap bubbles in </a:t>
+            </a:r>
+            <a:r>
+              <a:rPr lang="en-US" dirty="0" err="1" smtClean="0"/>
+              <a:t>downflow</a:t>
+            </a:r>
             <a:r>
               <a:rPr lang="en-US" dirty="0" smtClean="0"/>
-              <a:t>Coagulant</a:t>
-            </a:r>
+              <a:t> velocity)</a:t>
+            </a:r>
+            <a:endParaRPr lang="en-US" dirty="0" smtClean="0"/>
+          </a:p>
+          <a:p>
+            <a:r>
+              <a:rPr lang="en-US" dirty="0" smtClean="0"/>
+              <a:t>Measure aeration on water trickling down a hanging string</a:t>
+            </a:r>
+            <a:endParaRPr lang="en-US" dirty="0" smtClean="0"/>
           </a:p>
           <a:p>
             <a:endParaRPr lang="en-US" dirty="0"/>
@@ -12180,10 +12416,22 @@
           <a:lstStyle/>
           <a:p>
             <a:r>
-              <a:rPr lang="en-US" smtClean="0"/>
-              <a:t>Next steps</a:t>
-            </a:r>
-            <a:endParaRPr lang="en-US" dirty="0"/>
+              <a:rPr lang="en-US" dirty="0" smtClean="0"/>
+              <a:t>Surface water treatment: </a:t>
+            </a:r>
+            <a:r>
+              <a:rPr lang="en-US" sz="3200" dirty="0" smtClean="0"/>
+              <a:t>measure </a:t>
+            </a:r>
+            <a:r>
+              <a:rPr lang="en-US" sz="3200" dirty="0"/>
+              <a:t>particle removal efficiency using a </a:t>
+            </a:r>
+            <a:r>
+              <a:rPr lang="en-US" sz="3200" dirty="0" err="1"/>
+              <a:t>turbidimeter</a:t>
+            </a:r>
+            <a:endParaRPr lang="en-US" sz="3200" dirty="0"/>
           </a:p>
         </p:txBody>
       </p:sp>
@@ -12197,56 +12445,87 @@
             <p:ph idx="1"/>
           </p:nvPr>
         </p:nvSpPr>
-        <p:spPr/>
+        <p:spPr>
+          <a:xfrm>
+            <a:off x="457200" y="1600200"/>
+            <a:ext cx="2798379" cy="4525963"/>
+          </a:xfrm>
+        </p:spPr>
         <p:txBody>
           <a:bodyPr/>
           <a:lstStyle/>
           <a:p>
             <a:r>
               <a:rPr lang="en-US" dirty="0" smtClean="0"/>
-              <a:t>Come prepared to discuss</a:t>
-            </a:r>
-          </a:p>
-          <a:p>
-            <a:pPr lvl="1"/>
+              <a:t>Floc blanket</a:t>
+            </a:r>
+          </a:p>
+          <a:p>
             <a:r>
               <a:rPr lang="en-US" dirty="0" smtClean="0"/>
-              <a:t>What seems interesting to you?  </a:t>
-            </a:r>
-          </a:p>
-          <a:p>
-            <a:pPr lvl="1"/>
+              <a:t>Plate settlers</a:t>
+            </a:r>
+          </a:p>
+          <a:p>
+            <a:r>
+              <a:rPr lang="en-US" dirty="0"/>
+              <a:t>Rapid sand </a:t>
+            </a:r>
             <a:r>
               <a:rPr lang="en-US" dirty="0" smtClean="0"/>
-              <a:t>Is there anything that can help with other projects (research)?  </a:t>
-            </a:r>
-          </a:p>
-          <a:p>
-            <a:pPr lvl="1"/>
+              <a:t>filter</a:t>
+            </a:r>
+          </a:p>
+          <a:p>
             <a:r>
               <a:rPr lang="en-US" dirty="0" smtClean="0"/>
-              <a:t>Anything that is relevant to potential grad school research?  </a:t>
-            </a:r>
-          </a:p>
-          <a:p>
-            <a:pPr lvl="1"/>
+              <a:t>Or a </a:t>
+            </a:r>
+            <a:r>
+              <a:rPr lang="en-US" dirty="0" smtClean="0">
+                <a:hlinkClick r:id="rId2"/>
+              </a:rPr>
+              <a:t>full plant</a:t>
+            </a:r>
             <a:r>
               <a:rPr lang="en-US" dirty="0" smtClean="0"/>
-              <a:t>Anything relevant to potential internships/jobs?</a:t>
-            </a:r>
-          </a:p>
-          <a:p>
-            <a:r>
-              <a:rPr lang="en-US" dirty="0" smtClean="0"/>
-              <a:t>BRAINSTORM and discuss with your groups.</a:t>
-            </a:r>
+              <a:t>! </a:t>
+            </a:r>
+            <a:endParaRPr lang="en-US" dirty="0"/>
+          </a:p>
+          <a:p>
+            <a:endParaRPr lang="en-US" dirty="0"/>
           </a:p>
         </p:txBody>
       </p:sp>
+      <p:pic>
+        <p:nvPicPr>
+          <p:cNvPr id="7" name="Picture 6"/>
+          <p:cNvPicPr>
+            <a:picLocks noChangeAspect="1"/>
+          </p:cNvPicPr>
+          <p:nvPr/>
+        </p:nvPicPr>
+        <p:blipFill>
+          <a:blip r:embed="rId3"/>
+          <a:stretch>
+            <a:fillRect/>
+          </a:stretch>
+        </p:blipFill>
+        <p:spPr>
+          <a:xfrm>
+            <a:off x="3113689" y="1730033"/>
+            <a:ext cx="5723279" cy="3391997"/>
+          </a:xfrm>
+          <a:prstGeom prst="rect">
+            <a:avLst/>
+          </a:prstGeom>
+        </p:spPr>
+      </p:pic>
     </p:spTree>
     <p:extLst>
       <p:ext uri="{BB962C8B-B14F-4D97-AF65-F5344CB8AC3E}">
-        <p14:creationId xmlns:p14="http://schemas.microsoft.com/office/powerpoint/2010/main" val="1203524912"/>
+        <p14:creationId xmlns:p14="http://schemas.microsoft.com/office/powerpoint/2010/main" val="3235157525"/>
       </p:ext>
     </p:extLst>
   </p:cSld>
@@ -12256,13 +12535,6 @@
   <p:transition>
     <p:fade/>
   </p:transition>
-  <p:timing>
-    <p:tnLst>
-      <p:par>
-        <p:cTn id="1" dur="indefinite" restart="never" nodeType="tmRoot"/>
-      </p:par>
-    </p:tnLst>
-  </p:timing>
 </p:sld>
 </file>
 
@@ -12285,7 +12557,295 @@
       </p:grpSpPr>
       <p:sp>
         <p:nvSpPr>
-          <p:cNvPr id="22530" name="Rectangle 2"/>
+          <p:cNvPr id="2" name="Title 1"/>
+          <p:cNvSpPr>
+            <a:spLocks noGrp="1"/>
+          </p:cNvSpPr>
+          <p:nvPr>
+            <p:ph type="title"/>
+          </p:nvPr>
+        </p:nvSpPr>
+        <p:spPr/>
+        <p:txBody>
+          <a:bodyPr/>
+          <a:lstStyle/>
+          <a:p>
+            <a:r>
+              <a:rPr lang="en-US" dirty="0" smtClean="0"/>
+              <a:t>Adsorption</a:t>
+            </a:r>
+            <a:endParaRPr lang="en-US" dirty="0"/>
+          </a:p>
+        </p:txBody>
+      </p:sp>
+      <p:sp>
+        <p:nvSpPr>
+          <p:cNvPr id="3" name="Content Placeholder 2"/>
+          <p:cNvSpPr>
+            <a:spLocks noGrp="1"/>
+          </p:cNvSpPr>
+          <p:nvPr>
+            <p:ph idx="1"/>
+          </p:nvPr>
+        </p:nvSpPr>
+        <p:spPr/>
+        <p:txBody>
+          <a:bodyPr/>
+          <a:lstStyle/>
+          <a:p>
+            <a:r>
+              <a:rPr lang="en-US" dirty="0" smtClean="0"/>
+              <a:t>Test effective of flow rate on shape of adsorption curve (mass transport controls adsorption kinetics and thus time matters)</a:t>
+            </a:r>
+          </a:p>
+          <a:p>
+            <a:r>
+              <a:rPr lang="en-US" dirty="0" smtClean="0"/>
+              <a:t>Test alternative adsorbents</a:t>
+            </a:r>
+          </a:p>
+          <a:p>
+            <a:pPr lvl="1"/>
+            <a:r>
+              <a:rPr lang="en-US" sz="2000" dirty="0" err="1" smtClean="0"/>
+              <a:t>PACl</a:t>
+            </a:r>
+            <a:endParaRPr lang="en-US" sz="2000" dirty="0" smtClean="0"/>
+          </a:p>
+          <a:p>
+            <a:pPr lvl="1"/>
+            <a:r>
+              <a:rPr lang="en-US" sz="2000" dirty="0" smtClean="0"/>
+              <a:t>Ferric chloride</a:t>
+            </a:r>
+          </a:p>
+          <a:p>
+            <a:pPr lvl="1"/>
+            <a:r>
+              <a:rPr lang="en-US" sz="2000" dirty="0" smtClean="0"/>
+              <a:t>Charcoal</a:t>
+            </a:r>
+          </a:p>
+          <a:p>
+            <a:pPr lvl="1"/>
+            <a:r>
+              <a:rPr lang="en-US" sz="2000" dirty="0" err="1" smtClean="0"/>
+              <a:t>Moringa</a:t>
+            </a:r>
+            <a:r>
+              <a:rPr lang="en-US" sz="2000" dirty="0"/>
+              <a:t> </a:t>
+            </a:r>
+            <a:r>
+              <a:rPr lang="en-US" sz="2000" dirty="0" smtClean="0"/>
+              <a:t>seeds</a:t>
+            </a:r>
+          </a:p>
+          <a:p>
+            <a:r>
+              <a:rPr lang="en-US" dirty="0" smtClean="0"/>
+              <a:t>Estimate length of mass transport zone</a:t>
+            </a:r>
+          </a:p>
+          <a:p>
+            <a:r>
+              <a:rPr lang="en-US" dirty="0" smtClean="0"/>
+              <a:t>Test effect of granule size on adsorption kinetics</a:t>
+            </a:r>
+            <a:endParaRPr lang="en-US" dirty="0"/>
+          </a:p>
+        </p:txBody>
+      </p:sp>
+      <p:pic>
+        <p:nvPicPr>
+          <p:cNvPr id="4" name="Picture 3"/>
+          <p:cNvPicPr>
+            <a:picLocks noChangeAspect="1"/>
+          </p:cNvPicPr>
+          <p:nvPr/>
+        </p:nvPicPr>
+        <p:blipFill>
+          <a:blip r:embed="rId2">
+            <a:extLst>
+              <a:ext uri="{28A0092B-C50C-407E-A947-70E740481C1C}">
+                <a14:useLocalDpi xmlns:a14="http://schemas.microsoft.com/office/drawing/2010/main" val="0"/>
+              </a:ext>
+            </a:extLst>
+          </a:blip>
+          <a:stretch>
+            <a:fillRect/>
+          </a:stretch>
+        </p:blipFill>
+        <p:spPr>
+          <a:xfrm>
+            <a:off x="5809593" y="3132498"/>
+            <a:ext cx="3105807" cy="2070538"/>
+          </a:xfrm>
+          <a:prstGeom prst="rect">
+            <a:avLst/>
+          </a:prstGeom>
+        </p:spPr>
+      </p:pic>
+    </p:spTree>
+    <p:extLst>
+      <p:ext uri="{BB962C8B-B14F-4D97-AF65-F5344CB8AC3E}">
+        <p14:creationId xmlns:p14="http://schemas.microsoft.com/office/powerpoint/2010/main" val="4075907691"/>
+      </p:ext>
+    </p:extLst>
+  </p:cSld>
+  <p:clrMapOvr>
+    <a:masterClrMapping/>
+  </p:clrMapOvr>
+  <p:transition>
+    <p:fade/>
+  </p:transition>
+</p:sld>
+</file>
+
+<file path=ppt/slides/slide8.xml><?xml version="1.0" encoding="utf-8"?>
+<p:sld xmlns:a="http://schemas.openxmlformats.org/drawingml/2006/main" xmlns:r="http://schemas.openxmlformats.org/officeDocument/2006/relationships" xmlns:p="http://schemas.openxmlformats.org/presentationml/2006/main">
+  <p:cSld>
+    <p:spTree>
+      <p:nvGrpSpPr>
+        <p:cNvPr id="1" name=""/>
+        <p:cNvGrpSpPr/>
+        <p:nvPr/>
+      </p:nvGrpSpPr>
+      <p:grpSpPr>
+        <a:xfrm>
+          <a:off x="0" y="0"/>
+          <a:ext cx="0" cy="0"/>
+          <a:chOff x="0" y="0"/>
+          <a:chExt cx="0" cy="0"/>
+        </a:xfrm>
+      </p:grpSpPr>
+      <p:sp>
+        <p:nvSpPr>
+          <p:cNvPr id="2" name="Title 1"/>
+          <p:cNvSpPr>
+            <a:spLocks noGrp="1"/>
+          </p:cNvSpPr>
+          <p:nvPr>
+            <p:ph type="title"/>
+          </p:nvPr>
+        </p:nvSpPr>
+        <p:spPr/>
+        <p:txBody>
+          <a:bodyPr/>
+          <a:lstStyle/>
+          <a:p>
+            <a:r>
+              <a:rPr lang="en-US" dirty="0"/>
+              <a:t>Nutrient removal </a:t>
+            </a:r>
+            <a:r>
+              <a:rPr lang="en-US" dirty="0" smtClean="0"/>
+              <a:t>project</a:t>
+            </a:r>
+            <a:endParaRPr lang="en-US" dirty="0"/>
+          </a:p>
+        </p:txBody>
+      </p:sp>
+      <p:sp>
+        <p:nvSpPr>
+          <p:cNvPr id="3" name="Content Placeholder 2"/>
+          <p:cNvSpPr>
+            <a:spLocks noGrp="1"/>
+          </p:cNvSpPr>
+          <p:nvPr>
+            <p:ph idx="1"/>
+          </p:nvPr>
+        </p:nvSpPr>
+        <p:spPr/>
+        <p:txBody>
+          <a:bodyPr/>
+          <a:lstStyle/>
+          <a:p>
+            <a:r>
+              <a:rPr lang="en-US" dirty="0" smtClean="0"/>
+              <a:t>Treat synthetic wastewater with a sequencing batch reactor</a:t>
+            </a:r>
+          </a:p>
+          <a:p>
+            <a:r>
+              <a:rPr lang="en-US" dirty="0" smtClean="0"/>
+              <a:t>Measure oxygen levels</a:t>
+            </a:r>
+          </a:p>
+          <a:p>
+            <a:r>
+              <a:rPr lang="en-US" dirty="0" smtClean="0"/>
+              <a:t>You could test…</a:t>
+            </a:r>
+          </a:p>
+          <a:p>
+            <a:pPr lvl="1"/>
+            <a:r>
+              <a:rPr lang="en-US" dirty="0" smtClean="0"/>
+              <a:t>Methods to control oxygen levels with </a:t>
+            </a:r>
+            <a:r>
+              <a:rPr lang="en-US" dirty="0" err="1" smtClean="0"/>
+              <a:t>ProCoDA</a:t>
+            </a:r>
+            <a:endParaRPr lang="en-US" dirty="0" smtClean="0"/>
+          </a:p>
+          <a:p>
+            <a:pPr lvl="1"/>
+            <a:r>
+              <a:rPr lang="en-US" dirty="0" smtClean="0"/>
+              <a:t>Measure oxygen uptake by turning off air and measuring oxygen uptake rate</a:t>
+            </a:r>
+          </a:p>
+          <a:p>
+            <a:pPr lvl="1"/>
+            <a:endParaRPr lang="en-US" dirty="0" smtClean="0"/>
+          </a:p>
+          <a:p>
+            <a:pPr lvl="1"/>
+            <a:endParaRPr lang="en-US" dirty="0"/>
+          </a:p>
+          <a:p>
+            <a:endParaRPr lang="en-US" dirty="0"/>
+          </a:p>
+        </p:txBody>
+      </p:sp>
+    </p:spTree>
+    <p:extLst>
+      <p:ext uri="{BB962C8B-B14F-4D97-AF65-F5344CB8AC3E}">
+        <p14:creationId xmlns:p14="http://schemas.microsoft.com/office/powerpoint/2010/main" val="3467644242"/>
+      </p:ext>
+    </p:extLst>
+  </p:cSld>
+  <p:clrMapOvr>
+    <a:masterClrMapping/>
+  </p:clrMapOvr>
+  <p:transition>
+    <p:fade/>
+  </p:transition>
+</p:sld>
+</file>
+
+<file path=ppt/slides/slide9.xml><?xml version="1.0" encoding="utf-8"?>
+<p:sld xmlns:a="http://schemas.openxmlformats.org/drawingml/2006/main" xmlns:r="http://schemas.openxmlformats.org/officeDocument/2006/relationships" xmlns:p="http://schemas.openxmlformats.org/presentationml/2006/main">
+  <p:cSld>
+    <p:spTree>
+      <p:nvGrpSpPr>
+        <p:cNvPr id="1" name=""/>
+        <p:cNvGrpSpPr/>
+        <p:nvPr/>
+      </p:nvGrpSpPr>
+      <p:grpSpPr>
+        <a:xfrm>
+          <a:off x="0" y="0"/>
+          <a:ext cx="0" cy="0"/>
+          <a:chOff x="0" y="0"/>
+          <a:chExt cx="0" cy="0"/>
+        </a:xfrm>
+      </p:grpSpPr>
+      <p:sp>
+        <p:nvSpPr>
+          <p:cNvPr id="65538" name="Rectangle 2"/>
           <p:cNvSpPr>
             <a:spLocks noGrp="1" noChangeArrowheads="1"/>
           </p:cNvSpPr>
@@ -12300,73 +12860,7759 @@
           <a:p>
             <a:r>
               <a:rPr lang="en-US" altLang="en-US"/>
-              <a:t>Class Activity</a:t>
+              <a:t>SBR OPERATION for Activated Sludge</a:t>
             </a:r>
           </a:p>
         </p:txBody>
       </p:sp>
       <p:sp>
         <p:nvSpPr>
-          <p:cNvPr id="22531" name="Rectangle 3"/>
+          <p:cNvPr id="65541" name="AutoShape 5" descr="Trellis"/>
           <p:cNvSpPr>
-            <a:spLocks noGrp="1" noChangeArrowheads="1"/>
+            <a:spLocks noChangeArrowheads="1"/>
           </p:cNvSpPr>
-          <p:nvPr>
-            <p:ph idx="1"/>
-          </p:nvPr>
+          <p:nvPr/>
         </p:nvSpPr>
-        <p:spPr/>
+        <p:spPr bwMode="auto">
+          <a:xfrm>
+            <a:off x="412750" y="3640138"/>
+            <a:ext cx="1600200" cy="1219200"/>
+          </a:xfrm>
+          <a:prstGeom prst="roundRect">
+            <a:avLst>
+              <a:gd name="adj" fmla="val 12500"/>
+            </a:avLst>
+          </a:prstGeom>
+          <a:pattFill prst="trellis">
+            <a:fgClr>
+              <a:schemeClr val="accent2"/>
+            </a:fgClr>
+            <a:bgClr>
+              <a:schemeClr val="hlink"/>
+            </a:bgClr>
+          </a:pattFill>
+          <a:ln w="38100">
+            <a:solidFill>
+              <a:schemeClr val="tx1"/>
+            </a:solidFill>
+            <a:round/>
+            <a:headEnd/>
+            <a:tailEnd/>
+          </a:ln>
+          <a:effectLst/>
+          <a:extLst>
+            <a:ext uri="{AF507438-7753-43E0-B8FC-AC1667EBCBE1}">
+              <a14:hiddenEffects xmlns:a14="http://schemas.microsoft.com/office/drawing/2010/main">
+                <a:effectLst>
+                  <a:outerShdw dist="35921" dir="2700000" algn="ctr" rotWithShape="0">
+                    <a:schemeClr val="bg2"/>
+                  </a:outerShdw>
+                </a:effectLst>
+              </a14:hiddenEffects>
+            </a:ext>
+          </a:extLst>
+        </p:spPr>
         <p:txBody>
-          <a:bodyPr/>
+          <a:bodyPr wrap="none" anchor="ctr">
+            <a:spAutoFit/>
+          </a:bodyPr>
           <a:lstStyle/>
           <a:p>
-            <a:r>
-              <a:rPr lang="en-US" altLang="en-US" dirty="0"/>
-              <a:t>Write the question you are trying to answer</a:t>
-            </a:r>
-          </a:p>
-          <a:p>
-            <a:r>
-              <a:rPr lang="en-US" altLang="en-US" dirty="0"/>
-              <a:t>List what is required to make the project successful</a:t>
-            </a:r>
-          </a:p>
-          <a:p>
-            <a:r>
-              <a:rPr lang="en-US" altLang="en-US" dirty="0"/>
-              <a:t>What parameters will you vary?</a:t>
-            </a:r>
-          </a:p>
-          <a:p>
-            <a:r>
-              <a:rPr lang="en-US" altLang="en-US" dirty="0"/>
-              <a:t>What parameters will you measure?</a:t>
-            </a:r>
-          </a:p>
-          <a:p>
-            <a:r>
-              <a:rPr lang="en-US" altLang="en-US" dirty="0"/>
-              <a:t>List expected challenges</a:t>
-            </a:r>
-          </a:p>
-          <a:p>
-            <a:r>
-              <a:rPr lang="en-US" altLang="en-US" dirty="0" smtClean="0"/>
-              <a:t>Check Research </a:t>
-            </a:r>
-            <a:r>
-              <a:rPr lang="en-US" altLang="en-US" dirty="0"/>
-              <a:t>Proposal </a:t>
-            </a:r>
-            <a:r>
-              <a:rPr lang="en-US" altLang="en-US" dirty="0" smtClean="0"/>
-              <a:t>due date</a:t>
-            </a:r>
-            <a:endParaRPr lang="en-US" altLang="en-US" dirty="0"/>
+            <a:endParaRPr lang="en-US"/>
           </a:p>
         </p:txBody>
       </p:sp>
+      <p:sp>
+        <p:nvSpPr>
+          <p:cNvPr id="65542" name="Rectangle 6"/>
+          <p:cNvSpPr>
+            <a:spLocks noChangeArrowheads="1"/>
+          </p:cNvSpPr>
+          <p:nvPr/>
+        </p:nvSpPr>
+        <p:spPr bwMode="auto">
+          <a:xfrm>
+            <a:off x="412750" y="3627438"/>
+            <a:ext cx="1600200" cy="152400"/>
+          </a:xfrm>
+          <a:prstGeom prst="rect">
+            <a:avLst/>
+          </a:prstGeom>
+          <a:solidFill>
+            <a:schemeClr val="bg1"/>
+          </a:solidFill>
+          <a:ln w="57150">
+            <a:solidFill>
+              <a:schemeClr val="bg1"/>
+            </a:solidFill>
+            <a:miter lim="800000"/>
+            <a:headEnd/>
+            <a:tailEnd/>
+          </a:ln>
+          <a:effectLst/>
+          <a:extLst>
+            <a:ext uri="{AF507438-7753-43E0-B8FC-AC1667EBCBE1}">
+              <a14:hiddenEffects xmlns:a14="http://schemas.microsoft.com/office/drawing/2010/main">
+                <a:effectLst>
+                  <a:outerShdw dist="35921" dir="2700000" algn="ctr" rotWithShape="0">
+                    <a:schemeClr val="bg2"/>
+                  </a:outerShdw>
+                </a:effectLst>
+              </a14:hiddenEffects>
+            </a:ext>
+          </a:extLst>
+        </p:spPr>
+        <p:txBody>
+          <a:bodyPr wrap="none" anchor="ctr">
+            <a:spAutoFit/>
+          </a:bodyPr>
+          <a:lstStyle/>
+          <a:p>
+            <a:endParaRPr lang="en-US"/>
+          </a:p>
+        </p:txBody>
+      </p:sp>
+      <p:sp>
+        <p:nvSpPr>
+          <p:cNvPr id="65543" name="Line 7"/>
+          <p:cNvSpPr>
+            <a:spLocks noChangeShapeType="1"/>
+          </p:cNvSpPr>
+          <p:nvPr/>
+        </p:nvSpPr>
+        <p:spPr bwMode="auto">
+          <a:xfrm flipV="1">
+            <a:off x="412750" y="3716338"/>
+            <a:ext cx="0" cy="152400"/>
+          </a:xfrm>
+          <a:prstGeom prst="line">
+            <a:avLst/>
+          </a:prstGeom>
+          <a:noFill/>
+          <a:ln w="38100">
+            <a:solidFill>
+              <a:schemeClr val="tx1"/>
+            </a:solidFill>
+            <a:round/>
+            <a:headEnd/>
+            <a:tailEnd/>
+          </a:ln>
+          <a:effectLst/>
+          <a:extLst>
+            <a:ext uri="{909E8E84-426E-40DD-AFC4-6F175D3DCCD1}">
+              <a14:hiddenFill xmlns:a14="http://schemas.microsoft.com/office/drawing/2010/main">
+                <a:noFill/>
+              </a14:hiddenFill>
+            </a:ext>
+            <a:ext uri="{AF507438-7753-43E0-B8FC-AC1667EBCBE1}">
+              <a14:hiddenEffects xmlns:a14="http://schemas.microsoft.com/office/drawing/2010/main">
+                <a:effectLst>
+                  <a:outerShdw dist="35921" dir="2700000" algn="ctr" rotWithShape="0">
+                    <a:schemeClr val="bg2"/>
+                  </a:outerShdw>
+                </a:effectLst>
+              </a14:hiddenEffects>
+            </a:ext>
+          </a:extLst>
+        </p:spPr>
+        <p:txBody>
+          <a:bodyPr wrap="none" anchor="ctr">
+            <a:spAutoFit/>
+          </a:bodyPr>
+          <a:lstStyle/>
+          <a:p>
+            <a:endParaRPr lang="en-US"/>
+          </a:p>
+        </p:txBody>
+      </p:sp>
+      <p:sp>
+        <p:nvSpPr>
+          <p:cNvPr id="65544" name="Line 8"/>
+          <p:cNvSpPr>
+            <a:spLocks noChangeShapeType="1"/>
+          </p:cNvSpPr>
+          <p:nvPr/>
+        </p:nvSpPr>
+        <p:spPr bwMode="auto">
+          <a:xfrm flipV="1">
+            <a:off x="2101850" y="3716338"/>
+            <a:ext cx="0" cy="152400"/>
+          </a:xfrm>
+          <a:prstGeom prst="line">
+            <a:avLst/>
+          </a:prstGeom>
+          <a:noFill/>
+          <a:ln w="38100">
+            <a:solidFill>
+              <a:schemeClr val="tx1"/>
+            </a:solidFill>
+            <a:round/>
+            <a:headEnd/>
+            <a:tailEnd/>
+          </a:ln>
+          <a:effectLst/>
+          <a:extLst>
+            <a:ext uri="{909E8E84-426E-40DD-AFC4-6F175D3DCCD1}">
+              <a14:hiddenFill xmlns:a14="http://schemas.microsoft.com/office/drawing/2010/main">
+                <a:noFill/>
+              </a14:hiddenFill>
+            </a:ext>
+            <a:ext uri="{AF507438-7753-43E0-B8FC-AC1667EBCBE1}">
+              <a14:hiddenEffects xmlns:a14="http://schemas.microsoft.com/office/drawing/2010/main">
+                <a:effectLst>
+                  <a:outerShdw dist="35921" dir="2700000" algn="ctr" rotWithShape="0">
+                    <a:schemeClr val="bg2"/>
+                  </a:outerShdw>
+                </a:effectLst>
+              </a14:hiddenEffects>
+            </a:ext>
+          </a:extLst>
+        </p:spPr>
+        <p:txBody>
+          <a:bodyPr wrap="none" anchor="ctr">
+            <a:spAutoFit/>
+          </a:bodyPr>
+          <a:lstStyle/>
+          <a:p>
+            <a:endParaRPr lang="en-US"/>
+          </a:p>
+        </p:txBody>
+      </p:sp>
+      <p:grpSp>
+        <p:nvGrpSpPr>
+          <p:cNvPr id="65545" name="Group 9"/>
+          <p:cNvGrpSpPr>
+            <a:grpSpLocks/>
+          </p:cNvGrpSpPr>
+          <p:nvPr/>
+        </p:nvGrpSpPr>
+        <p:grpSpPr bwMode="auto">
+          <a:xfrm>
+            <a:off x="3781425" y="3643313"/>
+            <a:ext cx="1600200" cy="1219200"/>
+            <a:chOff x="1680" y="3216"/>
+            <a:chExt cx="1008" cy="768"/>
+          </a:xfrm>
+        </p:grpSpPr>
+        <p:sp>
+          <p:nvSpPr>
+            <p:cNvPr id="65546" name="AutoShape 10" descr="Large confetti"/>
+            <p:cNvSpPr>
+              <a:spLocks noChangeArrowheads="1"/>
+            </p:cNvSpPr>
+            <p:nvPr/>
+          </p:nvSpPr>
+          <p:spPr bwMode="auto">
+            <a:xfrm>
+              <a:off x="1680" y="3216"/>
+              <a:ext cx="1008" cy="768"/>
+            </a:xfrm>
+            <a:prstGeom prst="roundRect">
+              <a:avLst>
+                <a:gd name="adj" fmla="val 12500"/>
+              </a:avLst>
+            </a:prstGeom>
+            <a:pattFill prst="lgConfetti">
+              <a:fgClr>
+                <a:schemeClr val="accent2"/>
+              </a:fgClr>
+              <a:bgClr>
+                <a:schemeClr val="hlink"/>
+              </a:bgClr>
+            </a:pattFill>
+            <a:ln w="38100">
+              <a:solidFill>
+                <a:schemeClr val="tx1"/>
+              </a:solidFill>
+              <a:round/>
+              <a:headEnd/>
+              <a:tailEnd/>
+            </a:ln>
+            <a:effectLst/>
+            <a:extLst>
+              <a:ext uri="{AF507438-7753-43E0-B8FC-AC1667EBCBE1}">
+                <a14:hiddenEffects xmlns:a14="http://schemas.microsoft.com/office/drawing/2010/main">
+                  <a:effectLst>
+                    <a:outerShdw dist="35921" dir="2700000" algn="ctr" rotWithShape="0">
+                      <a:schemeClr val="bg2"/>
+                    </a:outerShdw>
+                  </a:effectLst>
+                </a14:hiddenEffects>
+              </a:ext>
+            </a:extLst>
+          </p:spPr>
+          <p:txBody>
+            <a:bodyPr wrap="none" anchor="ctr">
+              <a:spAutoFit/>
+            </a:bodyPr>
+            <a:lstStyle/>
+            <a:p>
+              <a:endParaRPr lang="en-US"/>
+            </a:p>
+          </p:txBody>
+        </p:sp>
+        <p:sp>
+          <p:nvSpPr>
+            <p:cNvPr id="65547" name="Rectangle 11"/>
+            <p:cNvSpPr>
+              <a:spLocks noChangeArrowheads="1"/>
+            </p:cNvSpPr>
+            <p:nvPr/>
+          </p:nvSpPr>
+          <p:spPr bwMode="auto">
+            <a:xfrm>
+              <a:off x="1680" y="3216"/>
+              <a:ext cx="1008" cy="96"/>
+            </a:xfrm>
+            <a:prstGeom prst="rect">
+              <a:avLst/>
+            </a:prstGeom>
+            <a:solidFill>
+              <a:schemeClr val="bg1"/>
+            </a:solidFill>
+            <a:ln w="57150">
+              <a:solidFill>
+                <a:schemeClr val="bg1"/>
+              </a:solidFill>
+              <a:miter lim="800000"/>
+              <a:headEnd/>
+              <a:tailEnd/>
+            </a:ln>
+            <a:effectLst/>
+            <a:extLst>
+              <a:ext uri="{AF507438-7753-43E0-B8FC-AC1667EBCBE1}">
+                <a14:hiddenEffects xmlns:a14="http://schemas.microsoft.com/office/drawing/2010/main">
+                  <a:effectLst>
+                    <a:outerShdw dist="35921" dir="2700000" algn="ctr" rotWithShape="0">
+                      <a:schemeClr val="bg2"/>
+                    </a:outerShdw>
+                  </a:effectLst>
+                </a14:hiddenEffects>
+              </a:ext>
+            </a:extLst>
+          </p:spPr>
+          <p:txBody>
+            <a:bodyPr wrap="none" anchor="ctr">
+              <a:spAutoFit/>
+            </a:bodyPr>
+            <a:lstStyle/>
+            <a:p>
+              <a:endParaRPr lang="en-US"/>
+            </a:p>
+          </p:txBody>
+        </p:sp>
+        <p:sp>
+          <p:nvSpPr>
+            <p:cNvPr id="65548" name="Line 12"/>
+            <p:cNvSpPr>
+              <a:spLocks noChangeShapeType="1"/>
+            </p:cNvSpPr>
+            <p:nvPr/>
+          </p:nvSpPr>
+          <p:spPr bwMode="auto">
+            <a:xfrm flipV="1">
+              <a:off x="1680" y="3264"/>
+              <a:ext cx="0" cy="96"/>
+            </a:xfrm>
+            <a:prstGeom prst="line">
+              <a:avLst/>
+            </a:prstGeom>
+            <a:noFill/>
+            <a:ln w="38100">
+              <a:solidFill>
+                <a:schemeClr val="tx1"/>
+              </a:solidFill>
+              <a:round/>
+              <a:headEnd/>
+              <a:tailEnd/>
+            </a:ln>
+            <a:effectLst/>
+            <a:extLst>
+              <a:ext uri="{909E8E84-426E-40DD-AFC4-6F175D3DCCD1}">
+                <a14:hiddenFill xmlns:a14="http://schemas.microsoft.com/office/drawing/2010/main">
+                  <a:noFill/>
+                </a14:hiddenFill>
+              </a:ext>
+              <a:ext uri="{AF507438-7753-43E0-B8FC-AC1667EBCBE1}">
+                <a14:hiddenEffects xmlns:a14="http://schemas.microsoft.com/office/drawing/2010/main">
+                  <a:effectLst>
+                    <a:outerShdw dist="35921" dir="2700000" algn="ctr" rotWithShape="0">
+                      <a:schemeClr val="bg2"/>
+                    </a:outerShdw>
+                  </a:effectLst>
+                </a14:hiddenEffects>
+              </a:ext>
+            </a:extLst>
+          </p:spPr>
+          <p:txBody>
+            <a:bodyPr wrap="none" anchor="ctr">
+              <a:spAutoFit/>
+            </a:bodyPr>
+            <a:lstStyle/>
+            <a:p>
+              <a:endParaRPr lang="en-US"/>
+            </a:p>
+          </p:txBody>
+        </p:sp>
+        <p:sp>
+          <p:nvSpPr>
+            <p:cNvPr id="65549" name="Line 13"/>
+            <p:cNvSpPr>
+              <a:spLocks noChangeShapeType="1"/>
+            </p:cNvSpPr>
+            <p:nvPr/>
+          </p:nvSpPr>
+          <p:spPr bwMode="auto">
+            <a:xfrm flipV="1">
+              <a:off x="2688" y="3264"/>
+              <a:ext cx="0" cy="96"/>
+            </a:xfrm>
+            <a:prstGeom prst="line">
+              <a:avLst/>
+            </a:prstGeom>
+            <a:noFill/>
+            <a:ln w="38100">
+              <a:solidFill>
+                <a:schemeClr val="tx1"/>
+              </a:solidFill>
+              <a:round/>
+              <a:headEnd/>
+              <a:tailEnd/>
+            </a:ln>
+            <a:effectLst/>
+            <a:extLst>
+              <a:ext uri="{909E8E84-426E-40DD-AFC4-6F175D3DCCD1}">
+                <a14:hiddenFill xmlns:a14="http://schemas.microsoft.com/office/drawing/2010/main">
+                  <a:noFill/>
+                </a14:hiddenFill>
+              </a:ext>
+              <a:ext uri="{AF507438-7753-43E0-B8FC-AC1667EBCBE1}">
+                <a14:hiddenEffects xmlns:a14="http://schemas.microsoft.com/office/drawing/2010/main">
+                  <a:effectLst>
+                    <a:outerShdw dist="35921" dir="2700000" algn="ctr" rotWithShape="0">
+                      <a:schemeClr val="bg2"/>
+                    </a:outerShdw>
+                  </a:effectLst>
+                </a14:hiddenEffects>
+              </a:ext>
+            </a:extLst>
+          </p:spPr>
+          <p:txBody>
+            <a:bodyPr wrap="none" anchor="ctr">
+              <a:spAutoFit/>
+            </a:bodyPr>
+            <a:lstStyle/>
+            <a:p>
+              <a:endParaRPr lang="en-US"/>
+            </a:p>
+          </p:txBody>
+        </p:sp>
+      </p:grpSp>
+      <p:grpSp>
+        <p:nvGrpSpPr>
+          <p:cNvPr id="65560" name="Group 24"/>
+          <p:cNvGrpSpPr>
+            <a:grpSpLocks/>
+          </p:cNvGrpSpPr>
+          <p:nvPr/>
+        </p:nvGrpSpPr>
+        <p:grpSpPr bwMode="auto">
+          <a:xfrm>
+            <a:off x="5454650" y="3641725"/>
+            <a:ext cx="1600200" cy="1219200"/>
+            <a:chOff x="4608" y="2976"/>
+            <a:chExt cx="1008" cy="768"/>
+          </a:xfrm>
+        </p:grpSpPr>
+        <p:sp>
+          <p:nvSpPr>
+            <p:cNvPr id="65561" name="AutoShape 25"/>
+            <p:cNvSpPr>
+              <a:spLocks noChangeArrowheads="1"/>
+            </p:cNvSpPr>
+            <p:nvPr/>
+          </p:nvSpPr>
+          <p:spPr bwMode="auto">
+            <a:xfrm>
+              <a:off x="4608" y="2976"/>
+              <a:ext cx="1008" cy="768"/>
+            </a:xfrm>
+            <a:prstGeom prst="roundRect">
+              <a:avLst>
+                <a:gd name="adj" fmla="val 12500"/>
+              </a:avLst>
+            </a:prstGeom>
+            <a:gradFill rotWithShape="0">
+              <a:gsLst>
+                <a:gs pos="0">
+                  <a:schemeClr val="hlink"/>
+                </a:gs>
+                <a:gs pos="100000">
+                  <a:schemeClr val="accent2"/>
+                </a:gs>
+              </a:gsLst>
+              <a:lin ang="5400000" scaled="1"/>
+            </a:gradFill>
+            <a:ln w="38100">
+              <a:solidFill>
+                <a:schemeClr val="tx1"/>
+              </a:solidFill>
+              <a:round/>
+              <a:headEnd/>
+              <a:tailEnd/>
+            </a:ln>
+            <a:effectLst/>
+            <a:extLst>
+              <a:ext uri="{AF507438-7753-43E0-B8FC-AC1667EBCBE1}">
+                <a14:hiddenEffects xmlns:a14="http://schemas.microsoft.com/office/drawing/2010/main">
+                  <a:effectLst>
+                    <a:outerShdw dist="35921" dir="2700000" algn="ctr" rotWithShape="0">
+                      <a:schemeClr val="bg2"/>
+                    </a:outerShdw>
+                  </a:effectLst>
+                </a14:hiddenEffects>
+              </a:ext>
+            </a:extLst>
+          </p:spPr>
+          <p:txBody>
+            <a:bodyPr wrap="none" anchor="ctr">
+              <a:spAutoFit/>
+            </a:bodyPr>
+            <a:lstStyle/>
+            <a:p>
+              <a:endParaRPr lang="en-US"/>
+            </a:p>
+          </p:txBody>
+        </p:sp>
+        <p:sp>
+          <p:nvSpPr>
+            <p:cNvPr id="65562" name="Rectangle 26"/>
+            <p:cNvSpPr>
+              <a:spLocks noChangeArrowheads="1"/>
+            </p:cNvSpPr>
+            <p:nvPr/>
+          </p:nvSpPr>
+          <p:spPr bwMode="auto">
+            <a:xfrm>
+              <a:off x="4608" y="2976"/>
+              <a:ext cx="1008" cy="96"/>
+            </a:xfrm>
+            <a:prstGeom prst="rect">
+              <a:avLst/>
+            </a:prstGeom>
+            <a:solidFill>
+              <a:schemeClr val="bg1"/>
+            </a:solidFill>
+            <a:ln w="57150">
+              <a:solidFill>
+                <a:schemeClr val="bg1"/>
+              </a:solidFill>
+              <a:miter lim="800000"/>
+              <a:headEnd/>
+              <a:tailEnd/>
+            </a:ln>
+            <a:effectLst/>
+            <a:extLst>
+              <a:ext uri="{AF507438-7753-43E0-B8FC-AC1667EBCBE1}">
+                <a14:hiddenEffects xmlns:a14="http://schemas.microsoft.com/office/drawing/2010/main">
+                  <a:effectLst>
+                    <a:outerShdw dist="35921" dir="2700000" algn="ctr" rotWithShape="0">
+                      <a:schemeClr val="bg2"/>
+                    </a:outerShdw>
+                  </a:effectLst>
+                </a14:hiddenEffects>
+              </a:ext>
+            </a:extLst>
+          </p:spPr>
+          <p:txBody>
+            <a:bodyPr wrap="none" anchor="ctr">
+              <a:spAutoFit/>
+            </a:bodyPr>
+            <a:lstStyle/>
+            <a:p>
+              <a:endParaRPr lang="en-US"/>
+            </a:p>
+          </p:txBody>
+        </p:sp>
+        <p:sp>
+          <p:nvSpPr>
+            <p:cNvPr id="65563" name="Line 27"/>
+            <p:cNvSpPr>
+              <a:spLocks noChangeShapeType="1"/>
+            </p:cNvSpPr>
+            <p:nvPr/>
+          </p:nvSpPr>
+          <p:spPr bwMode="auto">
+            <a:xfrm flipV="1">
+              <a:off x="4608" y="3024"/>
+              <a:ext cx="0" cy="96"/>
+            </a:xfrm>
+            <a:prstGeom prst="line">
+              <a:avLst/>
+            </a:prstGeom>
+            <a:noFill/>
+            <a:ln w="38100">
+              <a:solidFill>
+                <a:schemeClr val="tx1"/>
+              </a:solidFill>
+              <a:round/>
+              <a:headEnd/>
+              <a:tailEnd/>
+            </a:ln>
+            <a:effectLst/>
+            <a:extLst>
+              <a:ext uri="{909E8E84-426E-40DD-AFC4-6F175D3DCCD1}">
+                <a14:hiddenFill xmlns:a14="http://schemas.microsoft.com/office/drawing/2010/main">
+                  <a:noFill/>
+                </a14:hiddenFill>
+              </a:ext>
+              <a:ext uri="{AF507438-7753-43E0-B8FC-AC1667EBCBE1}">
+                <a14:hiddenEffects xmlns:a14="http://schemas.microsoft.com/office/drawing/2010/main">
+                  <a:effectLst>
+                    <a:outerShdw dist="35921" dir="2700000" algn="ctr" rotWithShape="0">
+                      <a:schemeClr val="bg2"/>
+                    </a:outerShdw>
+                  </a:effectLst>
+                </a14:hiddenEffects>
+              </a:ext>
+            </a:extLst>
+          </p:spPr>
+          <p:txBody>
+            <a:bodyPr wrap="none" anchor="ctr">
+              <a:spAutoFit/>
+            </a:bodyPr>
+            <a:lstStyle/>
+            <a:p>
+              <a:endParaRPr lang="en-US"/>
+            </a:p>
+          </p:txBody>
+        </p:sp>
+        <p:sp>
+          <p:nvSpPr>
+            <p:cNvPr id="65564" name="Line 28"/>
+            <p:cNvSpPr>
+              <a:spLocks noChangeShapeType="1"/>
+            </p:cNvSpPr>
+            <p:nvPr/>
+          </p:nvSpPr>
+          <p:spPr bwMode="auto">
+            <a:xfrm flipV="1">
+              <a:off x="5616" y="3024"/>
+              <a:ext cx="0" cy="96"/>
+            </a:xfrm>
+            <a:prstGeom prst="line">
+              <a:avLst/>
+            </a:prstGeom>
+            <a:noFill/>
+            <a:ln w="38100">
+              <a:solidFill>
+                <a:schemeClr val="tx1"/>
+              </a:solidFill>
+              <a:round/>
+              <a:headEnd/>
+              <a:tailEnd/>
+            </a:ln>
+            <a:effectLst/>
+            <a:extLst>
+              <a:ext uri="{909E8E84-426E-40DD-AFC4-6F175D3DCCD1}">
+                <a14:hiddenFill xmlns:a14="http://schemas.microsoft.com/office/drawing/2010/main">
+                  <a:noFill/>
+                </a14:hiddenFill>
+              </a:ext>
+              <a:ext uri="{AF507438-7753-43E0-B8FC-AC1667EBCBE1}">
+                <a14:hiddenEffects xmlns:a14="http://schemas.microsoft.com/office/drawing/2010/main">
+                  <a:effectLst>
+                    <a:outerShdw dist="35921" dir="2700000" algn="ctr" rotWithShape="0">
+                      <a:schemeClr val="bg2"/>
+                    </a:outerShdw>
+                  </a:effectLst>
+                </a14:hiddenEffects>
+              </a:ext>
+            </a:extLst>
+          </p:spPr>
+          <p:txBody>
+            <a:bodyPr wrap="none" anchor="ctr">
+              <a:spAutoFit/>
+            </a:bodyPr>
+            <a:lstStyle/>
+            <a:p>
+              <a:endParaRPr lang="en-US"/>
+            </a:p>
+          </p:txBody>
+        </p:sp>
+      </p:grpSp>
+      <p:grpSp>
+        <p:nvGrpSpPr>
+          <p:cNvPr id="65565" name="Group 29"/>
+          <p:cNvGrpSpPr>
+            <a:grpSpLocks/>
+          </p:cNvGrpSpPr>
+          <p:nvPr/>
+        </p:nvGrpSpPr>
+        <p:grpSpPr bwMode="auto">
+          <a:xfrm>
+            <a:off x="3933825" y="3795713"/>
+            <a:ext cx="595313" cy="1014412"/>
+            <a:chOff x="2929" y="2834"/>
+            <a:chExt cx="375" cy="639"/>
+          </a:xfrm>
+        </p:grpSpPr>
+        <p:sp>
+          <p:nvSpPr>
+            <p:cNvPr id="65566" name="Oval 30"/>
+            <p:cNvSpPr>
+              <a:spLocks noChangeArrowheads="1"/>
+            </p:cNvSpPr>
+            <p:nvPr/>
+          </p:nvSpPr>
+          <p:spPr bwMode="auto">
+            <a:xfrm>
+              <a:off x="2969" y="3352"/>
+              <a:ext cx="32" cy="31"/>
+            </a:xfrm>
+            <a:prstGeom prst="ellipse">
+              <a:avLst/>
+            </a:prstGeom>
+            <a:solidFill>
+              <a:schemeClr val="bg1"/>
+            </a:solidFill>
+            <a:ln w="3175">
+              <a:solidFill>
+                <a:schemeClr val="bg1"/>
+              </a:solidFill>
+              <a:round/>
+              <a:headEnd/>
+              <a:tailEnd/>
+            </a:ln>
+            <a:effectLst/>
+            <a:extLst>
+              <a:ext uri="{AF507438-7753-43E0-B8FC-AC1667EBCBE1}">
+                <a14:hiddenEffects xmlns:a14="http://schemas.microsoft.com/office/drawing/2010/main">
+                  <a:effectLst>
+                    <a:outerShdw dist="35921" dir="2700000" algn="ctr" rotWithShape="0">
+                      <a:schemeClr val="bg2"/>
+                    </a:outerShdw>
+                  </a:effectLst>
+                </a14:hiddenEffects>
+              </a:ext>
+            </a:extLst>
+          </p:spPr>
+          <p:txBody>
+            <a:bodyPr wrap="none" anchor="ctr"/>
+            <a:lstStyle/>
+            <a:p>
+              <a:endParaRPr lang="en-US"/>
+            </a:p>
+          </p:txBody>
+        </p:sp>
+        <p:sp>
+          <p:nvSpPr>
+            <p:cNvPr id="65567" name="Oval 31"/>
+            <p:cNvSpPr>
+              <a:spLocks noChangeArrowheads="1"/>
+            </p:cNvSpPr>
+            <p:nvPr/>
+          </p:nvSpPr>
+          <p:spPr bwMode="auto">
+            <a:xfrm>
+              <a:off x="2980" y="3397"/>
+              <a:ext cx="32" cy="31"/>
+            </a:xfrm>
+            <a:prstGeom prst="ellipse">
+              <a:avLst/>
+            </a:prstGeom>
+            <a:solidFill>
+              <a:schemeClr val="bg1"/>
+            </a:solidFill>
+            <a:ln w="3175">
+              <a:solidFill>
+                <a:schemeClr val="bg1"/>
+              </a:solidFill>
+              <a:round/>
+              <a:headEnd/>
+              <a:tailEnd/>
+            </a:ln>
+            <a:effectLst/>
+            <a:extLst>
+              <a:ext uri="{AF507438-7753-43E0-B8FC-AC1667EBCBE1}">
+                <a14:hiddenEffects xmlns:a14="http://schemas.microsoft.com/office/drawing/2010/main">
+                  <a:effectLst>
+                    <a:outerShdw dist="35921" dir="2700000" algn="ctr" rotWithShape="0">
+                      <a:schemeClr val="bg2"/>
+                    </a:outerShdw>
+                  </a:effectLst>
+                </a14:hiddenEffects>
+              </a:ext>
+            </a:extLst>
+          </p:spPr>
+          <p:txBody>
+            <a:bodyPr wrap="none" anchor="ctr"/>
+            <a:lstStyle/>
+            <a:p>
+              <a:endParaRPr lang="en-US"/>
+            </a:p>
+          </p:txBody>
+        </p:sp>
+        <p:sp>
+          <p:nvSpPr>
+            <p:cNvPr id="65568" name="Oval 32"/>
+            <p:cNvSpPr>
+              <a:spLocks noChangeArrowheads="1"/>
+            </p:cNvSpPr>
+            <p:nvPr/>
+          </p:nvSpPr>
+          <p:spPr bwMode="auto">
+            <a:xfrm>
+              <a:off x="3014" y="3442"/>
+              <a:ext cx="32" cy="31"/>
+            </a:xfrm>
+            <a:prstGeom prst="ellipse">
+              <a:avLst/>
+            </a:prstGeom>
+            <a:solidFill>
+              <a:schemeClr val="bg1"/>
+            </a:solidFill>
+            <a:ln w="3175">
+              <a:solidFill>
+                <a:schemeClr val="bg1"/>
+              </a:solidFill>
+              <a:round/>
+              <a:headEnd/>
+              <a:tailEnd/>
+            </a:ln>
+            <a:effectLst/>
+            <a:extLst>
+              <a:ext uri="{AF507438-7753-43E0-B8FC-AC1667EBCBE1}">
+                <a14:hiddenEffects xmlns:a14="http://schemas.microsoft.com/office/drawing/2010/main">
+                  <a:effectLst>
+                    <a:outerShdw dist="35921" dir="2700000" algn="ctr" rotWithShape="0">
+                      <a:schemeClr val="bg2"/>
+                    </a:outerShdw>
+                  </a:effectLst>
+                </a14:hiddenEffects>
+              </a:ext>
+            </a:extLst>
+          </p:spPr>
+          <p:txBody>
+            <a:bodyPr wrap="none" anchor="ctr"/>
+            <a:lstStyle/>
+            <a:p>
+              <a:endParaRPr lang="en-US"/>
+            </a:p>
+          </p:txBody>
+        </p:sp>
+        <p:sp>
+          <p:nvSpPr>
+            <p:cNvPr id="65569" name="Oval 33"/>
+            <p:cNvSpPr>
+              <a:spLocks noChangeArrowheads="1"/>
+            </p:cNvSpPr>
+            <p:nvPr/>
+          </p:nvSpPr>
+          <p:spPr bwMode="auto">
+            <a:xfrm>
+              <a:off x="3048" y="3408"/>
+              <a:ext cx="31" cy="32"/>
+            </a:xfrm>
+            <a:prstGeom prst="ellipse">
+              <a:avLst/>
+            </a:prstGeom>
+            <a:solidFill>
+              <a:schemeClr val="bg1"/>
+            </a:solidFill>
+            <a:ln w="3175">
+              <a:solidFill>
+                <a:schemeClr val="bg1"/>
+              </a:solidFill>
+              <a:round/>
+              <a:headEnd/>
+              <a:tailEnd/>
+            </a:ln>
+            <a:effectLst/>
+            <a:extLst>
+              <a:ext uri="{AF507438-7753-43E0-B8FC-AC1667EBCBE1}">
+                <a14:hiddenEffects xmlns:a14="http://schemas.microsoft.com/office/drawing/2010/main">
+                  <a:effectLst>
+                    <a:outerShdw dist="35921" dir="2700000" algn="ctr" rotWithShape="0">
+                      <a:schemeClr val="bg2"/>
+                    </a:outerShdw>
+                  </a:effectLst>
+                </a14:hiddenEffects>
+              </a:ext>
+            </a:extLst>
+          </p:spPr>
+          <p:txBody>
+            <a:bodyPr wrap="none" anchor="ctr"/>
+            <a:lstStyle/>
+            <a:p>
+              <a:endParaRPr lang="en-US"/>
+            </a:p>
+          </p:txBody>
+        </p:sp>
+        <p:sp>
+          <p:nvSpPr>
+            <p:cNvPr id="65570" name="Oval 34"/>
+            <p:cNvSpPr>
+              <a:spLocks noChangeArrowheads="1"/>
+            </p:cNvSpPr>
+            <p:nvPr/>
+          </p:nvSpPr>
+          <p:spPr bwMode="auto">
+            <a:xfrm>
+              <a:off x="3081" y="3430"/>
+              <a:ext cx="32" cy="32"/>
+            </a:xfrm>
+            <a:prstGeom prst="ellipse">
+              <a:avLst/>
+            </a:prstGeom>
+            <a:solidFill>
+              <a:schemeClr val="bg1"/>
+            </a:solidFill>
+            <a:ln w="3175">
+              <a:solidFill>
+                <a:schemeClr val="bg1"/>
+              </a:solidFill>
+              <a:round/>
+              <a:headEnd/>
+              <a:tailEnd/>
+            </a:ln>
+            <a:effectLst/>
+            <a:extLst>
+              <a:ext uri="{AF507438-7753-43E0-B8FC-AC1667EBCBE1}">
+                <a14:hiddenEffects xmlns:a14="http://schemas.microsoft.com/office/drawing/2010/main">
+                  <a:effectLst>
+                    <a:outerShdw dist="35921" dir="2700000" algn="ctr" rotWithShape="0">
+                      <a:schemeClr val="bg2"/>
+                    </a:outerShdw>
+                  </a:effectLst>
+                </a14:hiddenEffects>
+              </a:ext>
+            </a:extLst>
+          </p:spPr>
+          <p:txBody>
+            <a:bodyPr wrap="none" anchor="ctr"/>
+            <a:lstStyle/>
+            <a:p>
+              <a:endParaRPr lang="en-US"/>
+            </a:p>
+          </p:txBody>
+        </p:sp>
+        <p:sp>
+          <p:nvSpPr>
+            <p:cNvPr id="65571" name="Oval 35"/>
+            <p:cNvSpPr>
+              <a:spLocks noChangeArrowheads="1"/>
+            </p:cNvSpPr>
+            <p:nvPr/>
+          </p:nvSpPr>
+          <p:spPr bwMode="auto">
+            <a:xfrm>
+              <a:off x="3115" y="3385"/>
+              <a:ext cx="32" cy="32"/>
+            </a:xfrm>
+            <a:prstGeom prst="ellipse">
+              <a:avLst/>
+            </a:prstGeom>
+            <a:solidFill>
+              <a:schemeClr val="bg1"/>
+            </a:solidFill>
+            <a:ln w="3175">
+              <a:solidFill>
+                <a:schemeClr val="bg1"/>
+              </a:solidFill>
+              <a:round/>
+              <a:headEnd/>
+              <a:tailEnd/>
+            </a:ln>
+            <a:effectLst/>
+            <a:extLst>
+              <a:ext uri="{AF507438-7753-43E0-B8FC-AC1667EBCBE1}">
+                <a14:hiddenEffects xmlns:a14="http://schemas.microsoft.com/office/drawing/2010/main">
+                  <a:effectLst>
+                    <a:outerShdw dist="35921" dir="2700000" algn="ctr" rotWithShape="0">
+                      <a:schemeClr val="bg2"/>
+                    </a:outerShdw>
+                  </a:effectLst>
+                </a14:hiddenEffects>
+              </a:ext>
+            </a:extLst>
+          </p:spPr>
+          <p:txBody>
+            <a:bodyPr wrap="none" anchor="ctr"/>
+            <a:lstStyle/>
+            <a:p>
+              <a:endParaRPr lang="en-US"/>
+            </a:p>
+          </p:txBody>
+        </p:sp>
+        <p:sp>
+          <p:nvSpPr>
+            <p:cNvPr id="65572" name="Oval 36"/>
+            <p:cNvSpPr>
+              <a:spLocks noChangeArrowheads="1"/>
+            </p:cNvSpPr>
+            <p:nvPr/>
+          </p:nvSpPr>
+          <p:spPr bwMode="auto">
+            <a:xfrm>
+              <a:off x="3098" y="3340"/>
+              <a:ext cx="32" cy="32"/>
+            </a:xfrm>
+            <a:prstGeom prst="ellipse">
+              <a:avLst/>
+            </a:prstGeom>
+            <a:solidFill>
+              <a:schemeClr val="bg1"/>
+            </a:solidFill>
+            <a:ln w="3175">
+              <a:solidFill>
+                <a:schemeClr val="bg1"/>
+              </a:solidFill>
+              <a:round/>
+              <a:headEnd/>
+              <a:tailEnd/>
+            </a:ln>
+            <a:effectLst/>
+            <a:extLst>
+              <a:ext uri="{AF507438-7753-43E0-B8FC-AC1667EBCBE1}">
+                <a14:hiddenEffects xmlns:a14="http://schemas.microsoft.com/office/drawing/2010/main">
+                  <a:effectLst>
+                    <a:outerShdw dist="35921" dir="2700000" algn="ctr" rotWithShape="0">
+                      <a:schemeClr val="bg2"/>
+                    </a:outerShdw>
+                  </a:effectLst>
+                </a14:hiddenEffects>
+              </a:ext>
+            </a:extLst>
+          </p:spPr>
+          <p:txBody>
+            <a:bodyPr wrap="none" anchor="ctr"/>
+            <a:lstStyle/>
+            <a:p>
+              <a:endParaRPr lang="en-US"/>
+            </a:p>
+          </p:txBody>
+        </p:sp>
+        <p:sp>
+          <p:nvSpPr>
+            <p:cNvPr id="65573" name="Oval 37"/>
+            <p:cNvSpPr>
+              <a:spLocks noChangeArrowheads="1"/>
+            </p:cNvSpPr>
+            <p:nvPr/>
+          </p:nvSpPr>
+          <p:spPr bwMode="auto">
+            <a:xfrm>
+              <a:off x="3031" y="3368"/>
+              <a:ext cx="32" cy="32"/>
+            </a:xfrm>
+            <a:prstGeom prst="ellipse">
+              <a:avLst/>
+            </a:prstGeom>
+            <a:solidFill>
+              <a:schemeClr val="bg1"/>
+            </a:solidFill>
+            <a:ln w="3175">
+              <a:solidFill>
+                <a:schemeClr val="bg1"/>
+              </a:solidFill>
+              <a:round/>
+              <a:headEnd/>
+              <a:tailEnd/>
+            </a:ln>
+            <a:effectLst/>
+            <a:extLst>
+              <a:ext uri="{AF507438-7753-43E0-B8FC-AC1667EBCBE1}">
+                <a14:hiddenEffects xmlns:a14="http://schemas.microsoft.com/office/drawing/2010/main">
+                  <a:effectLst>
+                    <a:outerShdw dist="35921" dir="2700000" algn="ctr" rotWithShape="0">
+                      <a:schemeClr val="bg2"/>
+                    </a:outerShdw>
+                  </a:effectLst>
+                </a14:hiddenEffects>
+              </a:ext>
+            </a:extLst>
+          </p:spPr>
+          <p:txBody>
+            <a:bodyPr wrap="none" anchor="ctr"/>
+            <a:lstStyle/>
+            <a:p>
+              <a:endParaRPr lang="en-US"/>
+            </a:p>
+          </p:txBody>
+        </p:sp>
+        <p:sp>
+          <p:nvSpPr>
+            <p:cNvPr id="65574" name="Oval 38"/>
+            <p:cNvSpPr>
+              <a:spLocks noChangeArrowheads="1"/>
+            </p:cNvSpPr>
+            <p:nvPr/>
+          </p:nvSpPr>
+          <p:spPr bwMode="auto">
+            <a:xfrm>
+              <a:off x="3014" y="3335"/>
+              <a:ext cx="32" cy="32"/>
+            </a:xfrm>
+            <a:prstGeom prst="ellipse">
+              <a:avLst/>
+            </a:prstGeom>
+            <a:solidFill>
+              <a:schemeClr val="bg1"/>
+            </a:solidFill>
+            <a:ln w="3175">
+              <a:solidFill>
+                <a:schemeClr val="bg1"/>
+              </a:solidFill>
+              <a:round/>
+              <a:headEnd/>
+              <a:tailEnd/>
+            </a:ln>
+            <a:effectLst/>
+            <a:extLst>
+              <a:ext uri="{AF507438-7753-43E0-B8FC-AC1667EBCBE1}">
+                <a14:hiddenEffects xmlns:a14="http://schemas.microsoft.com/office/drawing/2010/main">
+                  <a:effectLst>
+                    <a:outerShdw dist="35921" dir="2700000" algn="ctr" rotWithShape="0">
+                      <a:schemeClr val="bg2"/>
+                    </a:outerShdw>
+                  </a:effectLst>
+                </a14:hiddenEffects>
+              </a:ext>
+            </a:extLst>
+          </p:spPr>
+          <p:txBody>
+            <a:bodyPr wrap="none" anchor="ctr"/>
+            <a:lstStyle/>
+            <a:p>
+              <a:endParaRPr lang="en-US"/>
+            </a:p>
+          </p:txBody>
+        </p:sp>
+        <p:sp>
+          <p:nvSpPr>
+            <p:cNvPr id="65575" name="Oval 39"/>
+            <p:cNvSpPr>
+              <a:spLocks noChangeArrowheads="1"/>
+            </p:cNvSpPr>
+            <p:nvPr/>
+          </p:nvSpPr>
+          <p:spPr bwMode="auto">
+            <a:xfrm>
+              <a:off x="3070" y="3307"/>
+              <a:ext cx="32" cy="31"/>
+            </a:xfrm>
+            <a:prstGeom prst="ellipse">
+              <a:avLst/>
+            </a:prstGeom>
+            <a:solidFill>
+              <a:schemeClr val="bg1"/>
+            </a:solidFill>
+            <a:ln w="3175">
+              <a:solidFill>
+                <a:schemeClr val="bg1"/>
+              </a:solidFill>
+              <a:round/>
+              <a:headEnd/>
+              <a:tailEnd/>
+            </a:ln>
+            <a:effectLst/>
+            <a:extLst>
+              <a:ext uri="{AF507438-7753-43E0-B8FC-AC1667EBCBE1}">
+                <a14:hiddenEffects xmlns:a14="http://schemas.microsoft.com/office/drawing/2010/main">
+                  <a:effectLst>
+                    <a:outerShdw dist="35921" dir="2700000" algn="ctr" rotWithShape="0">
+                      <a:schemeClr val="bg2"/>
+                    </a:outerShdw>
+                  </a:effectLst>
+                </a14:hiddenEffects>
+              </a:ext>
+            </a:extLst>
+          </p:spPr>
+          <p:txBody>
+            <a:bodyPr wrap="none" anchor="ctr"/>
+            <a:lstStyle/>
+            <a:p>
+              <a:endParaRPr lang="en-US"/>
+            </a:p>
+          </p:txBody>
+        </p:sp>
+        <p:sp>
+          <p:nvSpPr>
+            <p:cNvPr id="65576" name="Oval 40"/>
+            <p:cNvSpPr>
+              <a:spLocks noChangeArrowheads="1"/>
+            </p:cNvSpPr>
+            <p:nvPr/>
+          </p:nvSpPr>
+          <p:spPr bwMode="auto">
+            <a:xfrm>
+              <a:off x="3126" y="3312"/>
+              <a:ext cx="32" cy="32"/>
+            </a:xfrm>
+            <a:prstGeom prst="ellipse">
+              <a:avLst/>
+            </a:prstGeom>
+            <a:solidFill>
+              <a:schemeClr val="bg1"/>
+            </a:solidFill>
+            <a:ln w="3175">
+              <a:solidFill>
+                <a:schemeClr val="bg1"/>
+              </a:solidFill>
+              <a:round/>
+              <a:headEnd/>
+              <a:tailEnd/>
+            </a:ln>
+            <a:effectLst/>
+            <a:extLst>
+              <a:ext uri="{AF507438-7753-43E0-B8FC-AC1667EBCBE1}">
+                <a14:hiddenEffects xmlns:a14="http://schemas.microsoft.com/office/drawing/2010/main">
+                  <a:effectLst>
+                    <a:outerShdw dist="35921" dir="2700000" algn="ctr" rotWithShape="0">
+                      <a:schemeClr val="bg2"/>
+                    </a:outerShdw>
+                  </a:effectLst>
+                </a14:hiddenEffects>
+              </a:ext>
+            </a:extLst>
+          </p:spPr>
+          <p:txBody>
+            <a:bodyPr wrap="none" anchor="ctr"/>
+            <a:lstStyle/>
+            <a:p>
+              <a:endParaRPr lang="en-US"/>
+            </a:p>
+          </p:txBody>
+        </p:sp>
+        <p:sp>
+          <p:nvSpPr>
+            <p:cNvPr id="65577" name="Oval 41"/>
+            <p:cNvSpPr>
+              <a:spLocks noChangeArrowheads="1"/>
+            </p:cNvSpPr>
+            <p:nvPr/>
+          </p:nvSpPr>
+          <p:spPr bwMode="auto">
+            <a:xfrm>
+              <a:off x="3183" y="3301"/>
+              <a:ext cx="31" cy="32"/>
+            </a:xfrm>
+            <a:prstGeom prst="ellipse">
+              <a:avLst/>
+            </a:prstGeom>
+            <a:solidFill>
+              <a:schemeClr val="bg1"/>
+            </a:solidFill>
+            <a:ln w="3175">
+              <a:solidFill>
+                <a:schemeClr val="bg1"/>
+              </a:solidFill>
+              <a:round/>
+              <a:headEnd/>
+              <a:tailEnd/>
+            </a:ln>
+            <a:effectLst/>
+            <a:extLst>
+              <a:ext uri="{AF507438-7753-43E0-B8FC-AC1667EBCBE1}">
+                <a14:hiddenEffects xmlns:a14="http://schemas.microsoft.com/office/drawing/2010/main">
+                  <a:effectLst>
+                    <a:outerShdw dist="35921" dir="2700000" algn="ctr" rotWithShape="0">
+                      <a:schemeClr val="bg2"/>
+                    </a:outerShdw>
+                  </a:effectLst>
+                </a14:hiddenEffects>
+              </a:ext>
+            </a:extLst>
+          </p:spPr>
+          <p:txBody>
+            <a:bodyPr wrap="none" anchor="ctr"/>
+            <a:lstStyle/>
+            <a:p>
+              <a:endParaRPr lang="en-US"/>
+            </a:p>
+          </p:txBody>
+        </p:sp>
+        <p:sp>
+          <p:nvSpPr>
+            <p:cNvPr id="65578" name="Oval 42"/>
+            <p:cNvSpPr>
+              <a:spLocks noChangeArrowheads="1"/>
+            </p:cNvSpPr>
+            <p:nvPr/>
+          </p:nvSpPr>
+          <p:spPr bwMode="auto">
+            <a:xfrm>
+              <a:off x="3138" y="3256"/>
+              <a:ext cx="31" cy="32"/>
+            </a:xfrm>
+            <a:prstGeom prst="ellipse">
+              <a:avLst/>
+            </a:prstGeom>
+            <a:solidFill>
+              <a:schemeClr val="bg1"/>
+            </a:solidFill>
+            <a:ln w="3175">
+              <a:solidFill>
+                <a:schemeClr val="bg1"/>
+              </a:solidFill>
+              <a:round/>
+              <a:headEnd/>
+              <a:tailEnd/>
+            </a:ln>
+            <a:effectLst/>
+            <a:extLst>
+              <a:ext uri="{AF507438-7753-43E0-B8FC-AC1667EBCBE1}">
+                <a14:hiddenEffects xmlns:a14="http://schemas.microsoft.com/office/drawing/2010/main">
+                  <a:effectLst>
+                    <a:outerShdw dist="35921" dir="2700000" algn="ctr" rotWithShape="0">
+                      <a:schemeClr val="bg2"/>
+                    </a:outerShdw>
+                  </a:effectLst>
+                </a14:hiddenEffects>
+              </a:ext>
+            </a:extLst>
+          </p:spPr>
+          <p:txBody>
+            <a:bodyPr wrap="none" anchor="ctr"/>
+            <a:lstStyle/>
+            <a:p>
+              <a:endParaRPr lang="en-US"/>
+            </a:p>
+          </p:txBody>
+        </p:sp>
+        <p:sp>
+          <p:nvSpPr>
+            <p:cNvPr id="65579" name="Oval 43"/>
+            <p:cNvSpPr>
+              <a:spLocks noChangeArrowheads="1"/>
+            </p:cNvSpPr>
+            <p:nvPr/>
+          </p:nvSpPr>
+          <p:spPr bwMode="auto">
+            <a:xfrm>
+              <a:off x="3042" y="3279"/>
+              <a:ext cx="32" cy="31"/>
+            </a:xfrm>
+            <a:prstGeom prst="ellipse">
+              <a:avLst/>
+            </a:prstGeom>
+            <a:solidFill>
+              <a:schemeClr val="bg1"/>
+            </a:solidFill>
+            <a:ln w="3175">
+              <a:solidFill>
+                <a:schemeClr val="bg1"/>
+              </a:solidFill>
+              <a:round/>
+              <a:headEnd/>
+              <a:tailEnd/>
+            </a:ln>
+            <a:effectLst/>
+            <a:extLst>
+              <a:ext uri="{AF507438-7753-43E0-B8FC-AC1667EBCBE1}">
+                <a14:hiddenEffects xmlns:a14="http://schemas.microsoft.com/office/drawing/2010/main">
+                  <a:effectLst>
+                    <a:outerShdw dist="35921" dir="2700000" algn="ctr" rotWithShape="0">
+                      <a:schemeClr val="bg2"/>
+                    </a:outerShdw>
+                  </a:effectLst>
+                </a14:hiddenEffects>
+              </a:ext>
+            </a:extLst>
+          </p:spPr>
+          <p:txBody>
+            <a:bodyPr wrap="none" anchor="ctr"/>
+            <a:lstStyle/>
+            <a:p>
+              <a:endParaRPr lang="en-US"/>
+            </a:p>
+          </p:txBody>
+        </p:sp>
+        <p:sp>
+          <p:nvSpPr>
+            <p:cNvPr id="65580" name="Oval 44"/>
+            <p:cNvSpPr>
+              <a:spLocks noChangeArrowheads="1"/>
+            </p:cNvSpPr>
+            <p:nvPr/>
+          </p:nvSpPr>
+          <p:spPr bwMode="auto">
+            <a:xfrm>
+              <a:off x="2952" y="3301"/>
+              <a:ext cx="32" cy="32"/>
+            </a:xfrm>
+            <a:prstGeom prst="ellipse">
+              <a:avLst/>
+            </a:prstGeom>
+            <a:solidFill>
+              <a:schemeClr val="bg1"/>
+            </a:solidFill>
+            <a:ln w="3175">
+              <a:solidFill>
+                <a:schemeClr val="bg1"/>
+              </a:solidFill>
+              <a:round/>
+              <a:headEnd/>
+              <a:tailEnd/>
+            </a:ln>
+            <a:effectLst/>
+            <a:extLst>
+              <a:ext uri="{AF507438-7753-43E0-B8FC-AC1667EBCBE1}">
+                <a14:hiddenEffects xmlns:a14="http://schemas.microsoft.com/office/drawing/2010/main">
+                  <a:effectLst>
+                    <a:outerShdw dist="35921" dir="2700000" algn="ctr" rotWithShape="0">
+                      <a:schemeClr val="bg2"/>
+                    </a:outerShdw>
+                  </a:effectLst>
+                </a14:hiddenEffects>
+              </a:ext>
+            </a:extLst>
+          </p:spPr>
+          <p:txBody>
+            <a:bodyPr wrap="none" anchor="ctr"/>
+            <a:lstStyle/>
+            <a:p>
+              <a:endParaRPr lang="en-US"/>
+            </a:p>
+          </p:txBody>
+        </p:sp>
+        <p:sp>
+          <p:nvSpPr>
+            <p:cNvPr id="65581" name="Oval 45"/>
+            <p:cNvSpPr>
+              <a:spLocks noChangeArrowheads="1"/>
+            </p:cNvSpPr>
+            <p:nvPr/>
+          </p:nvSpPr>
+          <p:spPr bwMode="auto">
+            <a:xfrm>
+              <a:off x="2997" y="3290"/>
+              <a:ext cx="32" cy="32"/>
+            </a:xfrm>
+            <a:prstGeom prst="ellipse">
+              <a:avLst/>
+            </a:prstGeom>
+            <a:solidFill>
+              <a:schemeClr val="bg1"/>
+            </a:solidFill>
+            <a:ln w="3175">
+              <a:solidFill>
+                <a:schemeClr val="bg1"/>
+              </a:solidFill>
+              <a:round/>
+              <a:headEnd/>
+              <a:tailEnd/>
+            </a:ln>
+            <a:effectLst/>
+            <a:extLst>
+              <a:ext uri="{AF507438-7753-43E0-B8FC-AC1667EBCBE1}">
+                <a14:hiddenEffects xmlns:a14="http://schemas.microsoft.com/office/drawing/2010/main">
+                  <a:effectLst>
+                    <a:outerShdw dist="35921" dir="2700000" algn="ctr" rotWithShape="0">
+                      <a:schemeClr val="bg2"/>
+                    </a:outerShdw>
+                  </a:effectLst>
+                </a14:hiddenEffects>
+              </a:ext>
+            </a:extLst>
+          </p:spPr>
+          <p:txBody>
+            <a:bodyPr wrap="none" anchor="ctr"/>
+            <a:lstStyle/>
+            <a:p>
+              <a:endParaRPr lang="en-US"/>
+            </a:p>
+          </p:txBody>
+        </p:sp>
+        <p:sp>
+          <p:nvSpPr>
+            <p:cNvPr id="65582" name="Oval 46"/>
+            <p:cNvSpPr>
+              <a:spLocks noChangeArrowheads="1"/>
+            </p:cNvSpPr>
+            <p:nvPr/>
+          </p:nvSpPr>
+          <p:spPr bwMode="auto">
+            <a:xfrm>
+              <a:off x="3042" y="3250"/>
+              <a:ext cx="32" cy="32"/>
+            </a:xfrm>
+            <a:prstGeom prst="ellipse">
+              <a:avLst/>
+            </a:prstGeom>
+            <a:solidFill>
+              <a:schemeClr val="bg1"/>
+            </a:solidFill>
+            <a:ln w="3175">
+              <a:solidFill>
+                <a:schemeClr val="bg1"/>
+              </a:solidFill>
+              <a:round/>
+              <a:headEnd/>
+              <a:tailEnd/>
+            </a:ln>
+            <a:effectLst/>
+            <a:extLst>
+              <a:ext uri="{AF507438-7753-43E0-B8FC-AC1667EBCBE1}">
+                <a14:hiddenEffects xmlns:a14="http://schemas.microsoft.com/office/drawing/2010/main">
+                  <a:effectLst>
+                    <a:outerShdw dist="35921" dir="2700000" algn="ctr" rotWithShape="0">
+                      <a:schemeClr val="bg2"/>
+                    </a:outerShdw>
+                  </a:effectLst>
+                </a14:hiddenEffects>
+              </a:ext>
+            </a:extLst>
+          </p:spPr>
+          <p:txBody>
+            <a:bodyPr wrap="none" anchor="ctr"/>
+            <a:lstStyle/>
+            <a:p>
+              <a:endParaRPr lang="en-US"/>
+            </a:p>
+          </p:txBody>
+        </p:sp>
+        <p:sp>
+          <p:nvSpPr>
+            <p:cNvPr id="65583" name="Oval 47"/>
+            <p:cNvSpPr>
+              <a:spLocks noChangeArrowheads="1"/>
+            </p:cNvSpPr>
+            <p:nvPr/>
+          </p:nvSpPr>
+          <p:spPr bwMode="auto">
+            <a:xfrm>
+              <a:off x="3087" y="3256"/>
+              <a:ext cx="32" cy="32"/>
+            </a:xfrm>
+            <a:prstGeom prst="ellipse">
+              <a:avLst/>
+            </a:prstGeom>
+            <a:solidFill>
+              <a:schemeClr val="bg1"/>
+            </a:solidFill>
+            <a:ln w="3175">
+              <a:solidFill>
+                <a:schemeClr val="bg1"/>
+              </a:solidFill>
+              <a:round/>
+              <a:headEnd/>
+              <a:tailEnd/>
+            </a:ln>
+            <a:effectLst/>
+            <a:extLst>
+              <a:ext uri="{AF507438-7753-43E0-B8FC-AC1667EBCBE1}">
+                <a14:hiddenEffects xmlns:a14="http://schemas.microsoft.com/office/drawing/2010/main">
+                  <a:effectLst>
+                    <a:outerShdw dist="35921" dir="2700000" algn="ctr" rotWithShape="0">
+                      <a:schemeClr val="bg2"/>
+                    </a:outerShdw>
+                  </a:effectLst>
+                </a14:hiddenEffects>
+              </a:ext>
+            </a:extLst>
+          </p:spPr>
+          <p:txBody>
+            <a:bodyPr wrap="none" anchor="ctr"/>
+            <a:lstStyle/>
+            <a:p>
+              <a:endParaRPr lang="en-US"/>
+            </a:p>
+          </p:txBody>
+        </p:sp>
+        <p:sp>
+          <p:nvSpPr>
+            <p:cNvPr id="65584" name="Oval 48"/>
+            <p:cNvSpPr>
+              <a:spLocks noChangeArrowheads="1"/>
+            </p:cNvSpPr>
+            <p:nvPr/>
+          </p:nvSpPr>
+          <p:spPr bwMode="auto">
+            <a:xfrm>
+              <a:off x="2974" y="3262"/>
+              <a:ext cx="32" cy="32"/>
+            </a:xfrm>
+            <a:prstGeom prst="ellipse">
+              <a:avLst/>
+            </a:prstGeom>
+            <a:solidFill>
+              <a:schemeClr val="bg1"/>
+            </a:solidFill>
+            <a:ln w="3175">
+              <a:solidFill>
+                <a:schemeClr val="bg1"/>
+              </a:solidFill>
+              <a:round/>
+              <a:headEnd/>
+              <a:tailEnd/>
+            </a:ln>
+            <a:effectLst/>
+            <a:extLst>
+              <a:ext uri="{AF507438-7753-43E0-B8FC-AC1667EBCBE1}">
+                <a14:hiddenEffects xmlns:a14="http://schemas.microsoft.com/office/drawing/2010/main">
+                  <a:effectLst>
+                    <a:outerShdw dist="35921" dir="2700000" algn="ctr" rotWithShape="0">
+                      <a:schemeClr val="bg2"/>
+                    </a:outerShdw>
+                  </a:effectLst>
+                </a14:hiddenEffects>
+              </a:ext>
+            </a:extLst>
+          </p:spPr>
+          <p:txBody>
+            <a:bodyPr wrap="none" anchor="ctr"/>
+            <a:lstStyle/>
+            <a:p>
+              <a:endParaRPr lang="en-US"/>
+            </a:p>
+          </p:txBody>
+        </p:sp>
+        <p:sp>
+          <p:nvSpPr>
+            <p:cNvPr id="65585" name="Oval 49"/>
+            <p:cNvSpPr>
+              <a:spLocks noChangeArrowheads="1"/>
+            </p:cNvSpPr>
+            <p:nvPr/>
+          </p:nvSpPr>
+          <p:spPr bwMode="auto">
+            <a:xfrm>
+              <a:off x="2941" y="3256"/>
+              <a:ext cx="32" cy="32"/>
+            </a:xfrm>
+            <a:prstGeom prst="ellipse">
+              <a:avLst/>
+            </a:prstGeom>
+            <a:solidFill>
+              <a:schemeClr val="bg1"/>
+            </a:solidFill>
+            <a:ln w="3175">
+              <a:solidFill>
+                <a:schemeClr val="bg1"/>
+              </a:solidFill>
+              <a:round/>
+              <a:headEnd/>
+              <a:tailEnd/>
+            </a:ln>
+            <a:effectLst/>
+            <a:extLst>
+              <a:ext uri="{AF507438-7753-43E0-B8FC-AC1667EBCBE1}">
+                <a14:hiddenEffects xmlns:a14="http://schemas.microsoft.com/office/drawing/2010/main">
+                  <a:effectLst>
+                    <a:outerShdw dist="35921" dir="2700000" algn="ctr" rotWithShape="0">
+                      <a:schemeClr val="bg2"/>
+                    </a:outerShdw>
+                  </a:effectLst>
+                </a14:hiddenEffects>
+              </a:ext>
+            </a:extLst>
+          </p:spPr>
+          <p:txBody>
+            <a:bodyPr wrap="none" anchor="ctr"/>
+            <a:lstStyle/>
+            <a:p>
+              <a:endParaRPr lang="en-US"/>
+            </a:p>
+          </p:txBody>
+        </p:sp>
+        <p:sp>
+          <p:nvSpPr>
+            <p:cNvPr id="65586" name="Oval 50"/>
+            <p:cNvSpPr>
+              <a:spLocks noChangeArrowheads="1"/>
+            </p:cNvSpPr>
+            <p:nvPr/>
+          </p:nvSpPr>
+          <p:spPr bwMode="auto">
+            <a:xfrm>
+              <a:off x="2969" y="3211"/>
+              <a:ext cx="32" cy="32"/>
+            </a:xfrm>
+            <a:prstGeom prst="ellipse">
+              <a:avLst/>
+            </a:prstGeom>
+            <a:solidFill>
+              <a:schemeClr val="bg1"/>
+            </a:solidFill>
+            <a:ln w="3175">
+              <a:solidFill>
+                <a:schemeClr val="bg1"/>
+              </a:solidFill>
+              <a:round/>
+              <a:headEnd/>
+              <a:tailEnd/>
+            </a:ln>
+            <a:effectLst/>
+            <a:extLst>
+              <a:ext uri="{AF507438-7753-43E0-B8FC-AC1667EBCBE1}">
+                <a14:hiddenEffects xmlns:a14="http://schemas.microsoft.com/office/drawing/2010/main">
+                  <a:effectLst>
+                    <a:outerShdw dist="35921" dir="2700000" algn="ctr" rotWithShape="0">
+                      <a:schemeClr val="bg2"/>
+                    </a:outerShdw>
+                  </a:effectLst>
+                </a14:hiddenEffects>
+              </a:ext>
+            </a:extLst>
+          </p:spPr>
+          <p:txBody>
+            <a:bodyPr wrap="none" anchor="ctr"/>
+            <a:lstStyle/>
+            <a:p>
+              <a:endParaRPr lang="en-US"/>
+            </a:p>
+          </p:txBody>
+        </p:sp>
+        <p:sp>
+          <p:nvSpPr>
+            <p:cNvPr id="65587" name="Oval 51"/>
+            <p:cNvSpPr>
+              <a:spLocks noChangeArrowheads="1"/>
+            </p:cNvSpPr>
+            <p:nvPr/>
+          </p:nvSpPr>
+          <p:spPr bwMode="auto">
+            <a:xfrm>
+              <a:off x="2997" y="3205"/>
+              <a:ext cx="32" cy="32"/>
+            </a:xfrm>
+            <a:prstGeom prst="ellipse">
+              <a:avLst/>
+            </a:prstGeom>
+            <a:solidFill>
+              <a:schemeClr val="bg1"/>
+            </a:solidFill>
+            <a:ln w="3175">
+              <a:solidFill>
+                <a:schemeClr val="bg1"/>
+              </a:solidFill>
+              <a:round/>
+              <a:headEnd/>
+              <a:tailEnd/>
+            </a:ln>
+            <a:effectLst/>
+            <a:extLst>
+              <a:ext uri="{AF507438-7753-43E0-B8FC-AC1667EBCBE1}">
+                <a14:hiddenEffects xmlns:a14="http://schemas.microsoft.com/office/drawing/2010/main">
+                  <a:effectLst>
+                    <a:outerShdw dist="35921" dir="2700000" algn="ctr" rotWithShape="0">
+                      <a:schemeClr val="bg2"/>
+                    </a:outerShdw>
+                  </a:effectLst>
+                </a14:hiddenEffects>
+              </a:ext>
+            </a:extLst>
+          </p:spPr>
+          <p:txBody>
+            <a:bodyPr wrap="none" anchor="ctr"/>
+            <a:lstStyle/>
+            <a:p>
+              <a:endParaRPr lang="en-US"/>
+            </a:p>
+          </p:txBody>
+        </p:sp>
+        <p:sp>
+          <p:nvSpPr>
+            <p:cNvPr id="65588" name="Oval 52"/>
+            <p:cNvSpPr>
+              <a:spLocks noChangeArrowheads="1"/>
+            </p:cNvSpPr>
+            <p:nvPr/>
+          </p:nvSpPr>
+          <p:spPr bwMode="auto">
+            <a:xfrm>
+              <a:off x="2929" y="3312"/>
+              <a:ext cx="32" cy="32"/>
+            </a:xfrm>
+            <a:prstGeom prst="ellipse">
+              <a:avLst/>
+            </a:prstGeom>
+            <a:solidFill>
+              <a:schemeClr val="bg1"/>
+            </a:solidFill>
+            <a:ln w="3175">
+              <a:solidFill>
+                <a:schemeClr val="bg1"/>
+              </a:solidFill>
+              <a:round/>
+              <a:headEnd/>
+              <a:tailEnd/>
+            </a:ln>
+            <a:effectLst/>
+            <a:extLst>
+              <a:ext uri="{AF507438-7753-43E0-B8FC-AC1667EBCBE1}">
+                <a14:hiddenEffects xmlns:a14="http://schemas.microsoft.com/office/drawing/2010/main">
+                  <a:effectLst>
+                    <a:outerShdw dist="35921" dir="2700000" algn="ctr" rotWithShape="0">
+                      <a:schemeClr val="bg2"/>
+                    </a:outerShdw>
+                  </a:effectLst>
+                </a14:hiddenEffects>
+              </a:ext>
+            </a:extLst>
+          </p:spPr>
+          <p:txBody>
+            <a:bodyPr wrap="none" anchor="ctr"/>
+            <a:lstStyle/>
+            <a:p>
+              <a:endParaRPr lang="en-US"/>
+            </a:p>
+          </p:txBody>
+        </p:sp>
+        <p:sp>
+          <p:nvSpPr>
+            <p:cNvPr id="65589" name="Oval 53"/>
+            <p:cNvSpPr>
+              <a:spLocks noChangeArrowheads="1"/>
+            </p:cNvSpPr>
+            <p:nvPr/>
+          </p:nvSpPr>
+          <p:spPr bwMode="auto">
+            <a:xfrm>
+              <a:off x="3053" y="3222"/>
+              <a:ext cx="32" cy="32"/>
+            </a:xfrm>
+            <a:prstGeom prst="ellipse">
+              <a:avLst/>
+            </a:prstGeom>
+            <a:solidFill>
+              <a:schemeClr val="bg1"/>
+            </a:solidFill>
+            <a:ln w="3175">
+              <a:solidFill>
+                <a:schemeClr val="bg1"/>
+              </a:solidFill>
+              <a:round/>
+              <a:headEnd/>
+              <a:tailEnd/>
+            </a:ln>
+            <a:effectLst/>
+            <a:extLst>
+              <a:ext uri="{AF507438-7753-43E0-B8FC-AC1667EBCBE1}">
+                <a14:hiddenEffects xmlns:a14="http://schemas.microsoft.com/office/drawing/2010/main">
+                  <a:effectLst>
+                    <a:outerShdw dist="35921" dir="2700000" algn="ctr" rotWithShape="0">
+                      <a:schemeClr val="bg2"/>
+                    </a:outerShdw>
+                  </a:effectLst>
+                </a14:hiddenEffects>
+              </a:ext>
+            </a:extLst>
+          </p:spPr>
+          <p:txBody>
+            <a:bodyPr wrap="none" anchor="ctr"/>
+            <a:lstStyle/>
+            <a:p>
+              <a:endParaRPr lang="en-US"/>
+            </a:p>
+          </p:txBody>
+        </p:sp>
+        <p:sp>
+          <p:nvSpPr>
+            <p:cNvPr id="65590" name="Oval 54"/>
+            <p:cNvSpPr>
+              <a:spLocks noChangeArrowheads="1"/>
+            </p:cNvSpPr>
+            <p:nvPr/>
+          </p:nvSpPr>
+          <p:spPr bwMode="auto">
+            <a:xfrm>
+              <a:off x="3177" y="3222"/>
+              <a:ext cx="32" cy="32"/>
+            </a:xfrm>
+            <a:prstGeom prst="ellipse">
+              <a:avLst/>
+            </a:prstGeom>
+            <a:solidFill>
+              <a:schemeClr val="bg1"/>
+            </a:solidFill>
+            <a:ln w="3175">
+              <a:solidFill>
+                <a:schemeClr val="bg1"/>
+              </a:solidFill>
+              <a:round/>
+              <a:headEnd/>
+              <a:tailEnd/>
+            </a:ln>
+            <a:effectLst/>
+            <a:extLst>
+              <a:ext uri="{AF507438-7753-43E0-B8FC-AC1667EBCBE1}">
+                <a14:hiddenEffects xmlns:a14="http://schemas.microsoft.com/office/drawing/2010/main">
+                  <a:effectLst>
+                    <a:outerShdw dist="35921" dir="2700000" algn="ctr" rotWithShape="0">
+                      <a:schemeClr val="bg2"/>
+                    </a:outerShdw>
+                  </a:effectLst>
+                </a14:hiddenEffects>
+              </a:ext>
+            </a:extLst>
+          </p:spPr>
+          <p:txBody>
+            <a:bodyPr wrap="none" anchor="ctr"/>
+            <a:lstStyle/>
+            <a:p>
+              <a:endParaRPr lang="en-US"/>
+            </a:p>
+          </p:txBody>
+        </p:sp>
+        <p:sp>
+          <p:nvSpPr>
+            <p:cNvPr id="65591" name="Oval 55"/>
+            <p:cNvSpPr>
+              <a:spLocks noChangeArrowheads="1"/>
+            </p:cNvSpPr>
+            <p:nvPr/>
+          </p:nvSpPr>
+          <p:spPr bwMode="auto">
+            <a:xfrm>
+              <a:off x="3126" y="3222"/>
+              <a:ext cx="32" cy="32"/>
+            </a:xfrm>
+            <a:prstGeom prst="ellipse">
+              <a:avLst/>
+            </a:prstGeom>
+            <a:solidFill>
+              <a:schemeClr val="bg1"/>
+            </a:solidFill>
+            <a:ln w="3175">
+              <a:solidFill>
+                <a:schemeClr val="bg1"/>
+              </a:solidFill>
+              <a:round/>
+              <a:headEnd/>
+              <a:tailEnd/>
+            </a:ln>
+            <a:effectLst/>
+            <a:extLst>
+              <a:ext uri="{AF507438-7753-43E0-B8FC-AC1667EBCBE1}">
+                <a14:hiddenEffects xmlns:a14="http://schemas.microsoft.com/office/drawing/2010/main">
+                  <a:effectLst>
+                    <a:outerShdw dist="35921" dir="2700000" algn="ctr" rotWithShape="0">
+                      <a:schemeClr val="bg2"/>
+                    </a:outerShdw>
+                  </a:effectLst>
+                </a14:hiddenEffects>
+              </a:ext>
+            </a:extLst>
+          </p:spPr>
+          <p:txBody>
+            <a:bodyPr wrap="none" anchor="ctr"/>
+            <a:lstStyle/>
+            <a:p>
+              <a:endParaRPr lang="en-US"/>
+            </a:p>
+          </p:txBody>
+        </p:sp>
+        <p:sp>
+          <p:nvSpPr>
+            <p:cNvPr id="65592" name="Oval 56"/>
+            <p:cNvSpPr>
+              <a:spLocks noChangeArrowheads="1"/>
+            </p:cNvSpPr>
+            <p:nvPr/>
+          </p:nvSpPr>
+          <p:spPr bwMode="auto">
+            <a:xfrm>
+              <a:off x="3076" y="3172"/>
+              <a:ext cx="32" cy="32"/>
+            </a:xfrm>
+            <a:prstGeom prst="ellipse">
+              <a:avLst/>
+            </a:prstGeom>
+            <a:solidFill>
+              <a:schemeClr val="bg1"/>
+            </a:solidFill>
+            <a:ln w="3175">
+              <a:solidFill>
+                <a:schemeClr val="bg1"/>
+              </a:solidFill>
+              <a:round/>
+              <a:headEnd/>
+              <a:tailEnd/>
+            </a:ln>
+            <a:effectLst/>
+            <a:extLst>
+              <a:ext uri="{AF507438-7753-43E0-B8FC-AC1667EBCBE1}">
+                <a14:hiddenEffects xmlns:a14="http://schemas.microsoft.com/office/drawing/2010/main">
+                  <a:effectLst>
+                    <a:outerShdw dist="35921" dir="2700000" algn="ctr" rotWithShape="0">
+                      <a:schemeClr val="bg2"/>
+                    </a:outerShdw>
+                  </a:effectLst>
+                </a14:hiddenEffects>
+              </a:ext>
+            </a:extLst>
+          </p:spPr>
+          <p:txBody>
+            <a:bodyPr wrap="none" anchor="ctr"/>
+            <a:lstStyle/>
+            <a:p>
+              <a:endParaRPr lang="en-US"/>
+            </a:p>
+          </p:txBody>
+        </p:sp>
+        <p:sp>
+          <p:nvSpPr>
+            <p:cNvPr id="65593" name="Oval 57"/>
+            <p:cNvSpPr>
+              <a:spLocks noChangeArrowheads="1"/>
+            </p:cNvSpPr>
+            <p:nvPr/>
+          </p:nvSpPr>
+          <p:spPr bwMode="auto">
+            <a:xfrm>
+              <a:off x="3025" y="3194"/>
+              <a:ext cx="32" cy="32"/>
+            </a:xfrm>
+            <a:prstGeom prst="ellipse">
+              <a:avLst/>
+            </a:prstGeom>
+            <a:solidFill>
+              <a:schemeClr val="bg1"/>
+            </a:solidFill>
+            <a:ln w="3175">
+              <a:solidFill>
+                <a:schemeClr val="bg1"/>
+              </a:solidFill>
+              <a:round/>
+              <a:headEnd/>
+              <a:tailEnd/>
+            </a:ln>
+            <a:effectLst/>
+            <a:extLst>
+              <a:ext uri="{AF507438-7753-43E0-B8FC-AC1667EBCBE1}">
+                <a14:hiddenEffects xmlns:a14="http://schemas.microsoft.com/office/drawing/2010/main">
+                  <a:effectLst>
+                    <a:outerShdw dist="35921" dir="2700000" algn="ctr" rotWithShape="0">
+                      <a:schemeClr val="bg2"/>
+                    </a:outerShdw>
+                  </a:effectLst>
+                </a14:hiddenEffects>
+              </a:ext>
+            </a:extLst>
+          </p:spPr>
+          <p:txBody>
+            <a:bodyPr wrap="none" anchor="ctr"/>
+            <a:lstStyle/>
+            <a:p>
+              <a:endParaRPr lang="en-US"/>
+            </a:p>
+          </p:txBody>
+        </p:sp>
+        <p:sp>
+          <p:nvSpPr>
+            <p:cNvPr id="65594" name="Oval 58"/>
+            <p:cNvSpPr>
+              <a:spLocks noChangeArrowheads="1"/>
+            </p:cNvSpPr>
+            <p:nvPr/>
+          </p:nvSpPr>
+          <p:spPr bwMode="auto">
+            <a:xfrm>
+              <a:off x="2974" y="3132"/>
+              <a:ext cx="32" cy="32"/>
+            </a:xfrm>
+            <a:prstGeom prst="ellipse">
+              <a:avLst/>
+            </a:prstGeom>
+            <a:solidFill>
+              <a:schemeClr val="bg1"/>
+            </a:solidFill>
+            <a:ln w="3175">
+              <a:solidFill>
+                <a:schemeClr val="bg1"/>
+              </a:solidFill>
+              <a:round/>
+              <a:headEnd/>
+              <a:tailEnd/>
+            </a:ln>
+            <a:effectLst/>
+            <a:extLst>
+              <a:ext uri="{AF507438-7753-43E0-B8FC-AC1667EBCBE1}">
+                <a14:hiddenEffects xmlns:a14="http://schemas.microsoft.com/office/drawing/2010/main">
+                  <a:effectLst>
+                    <a:outerShdw dist="35921" dir="2700000" algn="ctr" rotWithShape="0">
+                      <a:schemeClr val="bg2"/>
+                    </a:outerShdw>
+                  </a:effectLst>
+                </a14:hiddenEffects>
+              </a:ext>
+            </a:extLst>
+          </p:spPr>
+          <p:txBody>
+            <a:bodyPr wrap="none" anchor="ctr"/>
+            <a:lstStyle/>
+            <a:p>
+              <a:endParaRPr lang="en-US"/>
+            </a:p>
+          </p:txBody>
+        </p:sp>
+        <p:sp>
+          <p:nvSpPr>
+            <p:cNvPr id="65595" name="Oval 59"/>
+            <p:cNvSpPr>
+              <a:spLocks noChangeArrowheads="1"/>
+            </p:cNvSpPr>
+            <p:nvPr/>
+          </p:nvSpPr>
+          <p:spPr bwMode="auto">
+            <a:xfrm>
+              <a:off x="3008" y="3160"/>
+              <a:ext cx="32" cy="32"/>
+            </a:xfrm>
+            <a:prstGeom prst="ellipse">
+              <a:avLst/>
+            </a:prstGeom>
+            <a:solidFill>
+              <a:schemeClr val="bg1"/>
+            </a:solidFill>
+            <a:ln w="3175">
+              <a:solidFill>
+                <a:schemeClr val="bg1"/>
+              </a:solidFill>
+              <a:round/>
+              <a:headEnd/>
+              <a:tailEnd/>
+            </a:ln>
+            <a:effectLst/>
+            <a:extLst>
+              <a:ext uri="{AF507438-7753-43E0-B8FC-AC1667EBCBE1}">
+                <a14:hiddenEffects xmlns:a14="http://schemas.microsoft.com/office/drawing/2010/main">
+                  <a:effectLst>
+                    <a:outerShdw dist="35921" dir="2700000" algn="ctr" rotWithShape="0">
+                      <a:schemeClr val="bg2"/>
+                    </a:outerShdw>
+                  </a:effectLst>
+                </a14:hiddenEffects>
+              </a:ext>
+            </a:extLst>
+          </p:spPr>
+          <p:txBody>
+            <a:bodyPr wrap="none" anchor="ctr"/>
+            <a:lstStyle/>
+            <a:p>
+              <a:endParaRPr lang="en-US"/>
+            </a:p>
+          </p:txBody>
+        </p:sp>
+        <p:sp>
+          <p:nvSpPr>
+            <p:cNvPr id="65596" name="Oval 60"/>
+            <p:cNvSpPr>
+              <a:spLocks noChangeArrowheads="1"/>
+            </p:cNvSpPr>
+            <p:nvPr/>
+          </p:nvSpPr>
+          <p:spPr bwMode="auto">
+            <a:xfrm>
+              <a:off x="3042" y="3132"/>
+              <a:ext cx="32" cy="32"/>
+            </a:xfrm>
+            <a:prstGeom prst="ellipse">
+              <a:avLst/>
+            </a:prstGeom>
+            <a:solidFill>
+              <a:schemeClr val="bg1"/>
+            </a:solidFill>
+            <a:ln w="3175">
+              <a:solidFill>
+                <a:schemeClr val="bg1"/>
+              </a:solidFill>
+              <a:round/>
+              <a:headEnd/>
+              <a:tailEnd/>
+            </a:ln>
+            <a:effectLst/>
+            <a:extLst>
+              <a:ext uri="{AF507438-7753-43E0-B8FC-AC1667EBCBE1}">
+                <a14:hiddenEffects xmlns:a14="http://schemas.microsoft.com/office/drawing/2010/main">
+                  <a:effectLst>
+                    <a:outerShdw dist="35921" dir="2700000" algn="ctr" rotWithShape="0">
+                      <a:schemeClr val="bg2"/>
+                    </a:outerShdw>
+                  </a:effectLst>
+                </a14:hiddenEffects>
+              </a:ext>
+            </a:extLst>
+          </p:spPr>
+          <p:txBody>
+            <a:bodyPr wrap="none" anchor="ctr"/>
+            <a:lstStyle/>
+            <a:p>
+              <a:endParaRPr lang="en-US"/>
+            </a:p>
+          </p:txBody>
+        </p:sp>
+        <p:sp>
+          <p:nvSpPr>
+            <p:cNvPr id="65597" name="Oval 61"/>
+            <p:cNvSpPr>
+              <a:spLocks noChangeArrowheads="1"/>
+            </p:cNvSpPr>
+            <p:nvPr/>
+          </p:nvSpPr>
+          <p:spPr bwMode="auto">
+            <a:xfrm>
+              <a:off x="3126" y="3177"/>
+              <a:ext cx="32" cy="32"/>
+            </a:xfrm>
+            <a:prstGeom prst="ellipse">
+              <a:avLst/>
+            </a:prstGeom>
+            <a:solidFill>
+              <a:schemeClr val="bg1"/>
+            </a:solidFill>
+            <a:ln w="3175">
+              <a:solidFill>
+                <a:schemeClr val="bg1"/>
+              </a:solidFill>
+              <a:round/>
+              <a:headEnd/>
+              <a:tailEnd/>
+            </a:ln>
+            <a:effectLst/>
+            <a:extLst>
+              <a:ext uri="{AF507438-7753-43E0-B8FC-AC1667EBCBE1}">
+                <a14:hiddenEffects xmlns:a14="http://schemas.microsoft.com/office/drawing/2010/main">
+                  <a:effectLst>
+                    <a:outerShdw dist="35921" dir="2700000" algn="ctr" rotWithShape="0">
+                      <a:schemeClr val="bg2"/>
+                    </a:outerShdw>
+                  </a:effectLst>
+                </a14:hiddenEffects>
+              </a:ext>
+            </a:extLst>
+          </p:spPr>
+          <p:txBody>
+            <a:bodyPr wrap="none" anchor="ctr"/>
+            <a:lstStyle/>
+            <a:p>
+              <a:endParaRPr lang="en-US"/>
+            </a:p>
+          </p:txBody>
+        </p:sp>
+        <p:sp>
+          <p:nvSpPr>
+            <p:cNvPr id="65598" name="Oval 62"/>
+            <p:cNvSpPr>
+              <a:spLocks noChangeArrowheads="1"/>
+            </p:cNvSpPr>
+            <p:nvPr/>
+          </p:nvSpPr>
+          <p:spPr bwMode="auto">
+            <a:xfrm>
+              <a:off x="3211" y="3177"/>
+              <a:ext cx="31" cy="32"/>
+            </a:xfrm>
+            <a:prstGeom prst="ellipse">
+              <a:avLst/>
+            </a:prstGeom>
+            <a:solidFill>
+              <a:schemeClr val="bg1"/>
+            </a:solidFill>
+            <a:ln w="3175">
+              <a:solidFill>
+                <a:schemeClr val="bg1"/>
+              </a:solidFill>
+              <a:round/>
+              <a:headEnd/>
+              <a:tailEnd/>
+            </a:ln>
+            <a:effectLst/>
+            <a:extLst>
+              <a:ext uri="{AF507438-7753-43E0-B8FC-AC1667EBCBE1}">
+                <a14:hiddenEffects xmlns:a14="http://schemas.microsoft.com/office/drawing/2010/main">
+                  <a:effectLst>
+                    <a:outerShdw dist="35921" dir="2700000" algn="ctr" rotWithShape="0">
+                      <a:schemeClr val="bg2"/>
+                    </a:outerShdw>
+                  </a:effectLst>
+                </a14:hiddenEffects>
+              </a:ext>
+            </a:extLst>
+          </p:spPr>
+          <p:txBody>
+            <a:bodyPr wrap="none" anchor="ctr"/>
+            <a:lstStyle/>
+            <a:p>
+              <a:endParaRPr lang="en-US"/>
+            </a:p>
+          </p:txBody>
+        </p:sp>
+        <p:sp>
+          <p:nvSpPr>
+            <p:cNvPr id="65599" name="Oval 63"/>
+            <p:cNvSpPr>
+              <a:spLocks noChangeArrowheads="1"/>
+            </p:cNvSpPr>
+            <p:nvPr/>
+          </p:nvSpPr>
+          <p:spPr bwMode="auto">
+            <a:xfrm>
+              <a:off x="3171" y="3138"/>
+              <a:ext cx="32" cy="32"/>
+            </a:xfrm>
+            <a:prstGeom prst="ellipse">
+              <a:avLst/>
+            </a:prstGeom>
+            <a:solidFill>
+              <a:schemeClr val="bg1"/>
+            </a:solidFill>
+            <a:ln w="3175">
+              <a:solidFill>
+                <a:schemeClr val="bg1"/>
+              </a:solidFill>
+              <a:round/>
+              <a:headEnd/>
+              <a:tailEnd/>
+            </a:ln>
+            <a:effectLst/>
+            <a:extLst>
+              <a:ext uri="{AF507438-7753-43E0-B8FC-AC1667EBCBE1}">
+                <a14:hiddenEffects xmlns:a14="http://schemas.microsoft.com/office/drawing/2010/main">
+                  <a:effectLst>
+                    <a:outerShdw dist="35921" dir="2700000" algn="ctr" rotWithShape="0">
+                      <a:schemeClr val="bg2"/>
+                    </a:outerShdw>
+                  </a:effectLst>
+                </a14:hiddenEffects>
+              </a:ext>
+            </a:extLst>
+          </p:spPr>
+          <p:txBody>
+            <a:bodyPr wrap="none" anchor="ctr"/>
+            <a:lstStyle/>
+            <a:p>
+              <a:endParaRPr lang="en-US"/>
+            </a:p>
+          </p:txBody>
+        </p:sp>
+        <p:sp>
+          <p:nvSpPr>
+            <p:cNvPr id="65600" name="Oval 64"/>
+            <p:cNvSpPr>
+              <a:spLocks noChangeArrowheads="1"/>
+            </p:cNvSpPr>
+            <p:nvPr/>
+          </p:nvSpPr>
+          <p:spPr bwMode="auto">
+            <a:xfrm>
+              <a:off x="3132" y="3127"/>
+              <a:ext cx="32" cy="32"/>
+            </a:xfrm>
+            <a:prstGeom prst="ellipse">
+              <a:avLst/>
+            </a:prstGeom>
+            <a:solidFill>
+              <a:schemeClr val="bg1"/>
+            </a:solidFill>
+            <a:ln w="3175">
+              <a:solidFill>
+                <a:schemeClr val="bg1"/>
+              </a:solidFill>
+              <a:round/>
+              <a:headEnd/>
+              <a:tailEnd/>
+            </a:ln>
+            <a:effectLst/>
+            <a:extLst>
+              <a:ext uri="{AF507438-7753-43E0-B8FC-AC1667EBCBE1}">
+                <a14:hiddenEffects xmlns:a14="http://schemas.microsoft.com/office/drawing/2010/main">
+                  <a:effectLst>
+                    <a:outerShdw dist="35921" dir="2700000" algn="ctr" rotWithShape="0">
+                      <a:schemeClr val="bg2"/>
+                    </a:outerShdw>
+                  </a:effectLst>
+                </a14:hiddenEffects>
+              </a:ext>
+            </a:extLst>
+          </p:spPr>
+          <p:txBody>
+            <a:bodyPr wrap="none" anchor="ctr"/>
+            <a:lstStyle/>
+            <a:p>
+              <a:endParaRPr lang="en-US"/>
+            </a:p>
+          </p:txBody>
+        </p:sp>
+        <p:sp>
+          <p:nvSpPr>
+            <p:cNvPr id="65601" name="Oval 65"/>
+            <p:cNvSpPr>
+              <a:spLocks noChangeArrowheads="1"/>
+            </p:cNvSpPr>
+            <p:nvPr/>
+          </p:nvSpPr>
+          <p:spPr bwMode="auto">
+            <a:xfrm>
+              <a:off x="3070" y="3115"/>
+              <a:ext cx="32" cy="32"/>
+            </a:xfrm>
+            <a:prstGeom prst="ellipse">
+              <a:avLst/>
+            </a:prstGeom>
+            <a:solidFill>
+              <a:schemeClr val="bg1"/>
+            </a:solidFill>
+            <a:ln w="3175">
+              <a:solidFill>
+                <a:schemeClr val="bg1"/>
+              </a:solidFill>
+              <a:round/>
+              <a:headEnd/>
+              <a:tailEnd/>
+            </a:ln>
+            <a:effectLst/>
+            <a:extLst>
+              <a:ext uri="{AF507438-7753-43E0-B8FC-AC1667EBCBE1}">
+                <a14:hiddenEffects xmlns:a14="http://schemas.microsoft.com/office/drawing/2010/main">
+                  <a:effectLst>
+                    <a:outerShdw dist="35921" dir="2700000" algn="ctr" rotWithShape="0">
+                      <a:schemeClr val="bg2"/>
+                    </a:outerShdw>
+                  </a:effectLst>
+                </a14:hiddenEffects>
+              </a:ext>
+            </a:extLst>
+          </p:spPr>
+          <p:txBody>
+            <a:bodyPr wrap="none" anchor="ctr"/>
+            <a:lstStyle/>
+            <a:p>
+              <a:endParaRPr lang="en-US"/>
+            </a:p>
+          </p:txBody>
+        </p:sp>
+        <p:sp>
+          <p:nvSpPr>
+            <p:cNvPr id="65602" name="Oval 66"/>
+            <p:cNvSpPr>
+              <a:spLocks noChangeArrowheads="1"/>
+            </p:cNvSpPr>
+            <p:nvPr/>
+          </p:nvSpPr>
+          <p:spPr bwMode="auto">
+            <a:xfrm>
+              <a:off x="3008" y="3127"/>
+              <a:ext cx="32" cy="32"/>
+            </a:xfrm>
+            <a:prstGeom prst="ellipse">
+              <a:avLst/>
+            </a:prstGeom>
+            <a:solidFill>
+              <a:schemeClr val="bg1"/>
+            </a:solidFill>
+            <a:ln w="3175">
+              <a:solidFill>
+                <a:schemeClr val="bg1"/>
+              </a:solidFill>
+              <a:round/>
+              <a:headEnd/>
+              <a:tailEnd/>
+            </a:ln>
+            <a:effectLst/>
+            <a:extLst>
+              <a:ext uri="{AF507438-7753-43E0-B8FC-AC1667EBCBE1}">
+                <a14:hiddenEffects xmlns:a14="http://schemas.microsoft.com/office/drawing/2010/main">
+                  <a:effectLst>
+                    <a:outerShdw dist="35921" dir="2700000" algn="ctr" rotWithShape="0">
+                      <a:schemeClr val="bg2"/>
+                    </a:outerShdw>
+                  </a:effectLst>
+                </a14:hiddenEffects>
+              </a:ext>
+            </a:extLst>
+          </p:spPr>
+          <p:txBody>
+            <a:bodyPr wrap="none" anchor="ctr"/>
+            <a:lstStyle/>
+            <a:p>
+              <a:endParaRPr lang="en-US"/>
+            </a:p>
+          </p:txBody>
+        </p:sp>
+        <p:sp>
+          <p:nvSpPr>
+            <p:cNvPr id="65603" name="Oval 67"/>
+            <p:cNvSpPr>
+              <a:spLocks noChangeArrowheads="1"/>
+            </p:cNvSpPr>
+            <p:nvPr/>
+          </p:nvSpPr>
+          <p:spPr bwMode="auto">
+            <a:xfrm>
+              <a:off x="2946" y="3093"/>
+              <a:ext cx="32" cy="32"/>
+            </a:xfrm>
+            <a:prstGeom prst="ellipse">
+              <a:avLst/>
+            </a:prstGeom>
+            <a:solidFill>
+              <a:schemeClr val="bg1"/>
+            </a:solidFill>
+            <a:ln w="3175">
+              <a:solidFill>
+                <a:schemeClr val="bg1"/>
+              </a:solidFill>
+              <a:round/>
+              <a:headEnd/>
+              <a:tailEnd/>
+            </a:ln>
+            <a:effectLst/>
+            <a:extLst>
+              <a:ext uri="{AF507438-7753-43E0-B8FC-AC1667EBCBE1}">
+                <a14:hiddenEffects xmlns:a14="http://schemas.microsoft.com/office/drawing/2010/main">
+                  <a:effectLst>
+                    <a:outerShdw dist="35921" dir="2700000" algn="ctr" rotWithShape="0">
+                      <a:schemeClr val="bg2"/>
+                    </a:outerShdw>
+                  </a:effectLst>
+                </a14:hiddenEffects>
+              </a:ext>
+            </a:extLst>
+          </p:spPr>
+          <p:txBody>
+            <a:bodyPr wrap="none" anchor="ctr"/>
+            <a:lstStyle/>
+            <a:p>
+              <a:endParaRPr lang="en-US"/>
+            </a:p>
+          </p:txBody>
+        </p:sp>
+        <p:sp>
+          <p:nvSpPr>
+            <p:cNvPr id="65604" name="Oval 68"/>
+            <p:cNvSpPr>
+              <a:spLocks noChangeArrowheads="1"/>
+            </p:cNvSpPr>
+            <p:nvPr/>
+          </p:nvSpPr>
+          <p:spPr bwMode="auto">
+            <a:xfrm>
+              <a:off x="3014" y="3082"/>
+              <a:ext cx="32" cy="32"/>
+            </a:xfrm>
+            <a:prstGeom prst="ellipse">
+              <a:avLst/>
+            </a:prstGeom>
+            <a:solidFill>
+              <a:schemeClr val="bg1"/>
+            </a:solidFill>
+            <a:ln w="3175">
+              <a:solidFill>
+                <a:schemeClr val="bg1"/>
+              </a:solidFill>
+              <a:round/>
+              <a:headEnd/>
+              <a:tailEnd/>
+            </a:ln>
+            <a:effectLst/>
+            <a:extLst>
+              <a:ext uri="{AF507438-7753-43E0-B8FC-AC1667EBCBE1}">
+                <a14:hiddenEffects xmlns:a14="http://schemas.microsoft.com/office/drawing/2010/main">
+                  <a:effectLst>
+                    <a:outerShdw dist="35921" dir="2700000" algn="ctr" rotWithShape="0">
+                      <a:schemeClr val="bg2"/>
+                    </a:outerShdw>
+                  </a:effectLst>
+                </a14:hiddenEffects>
+              </a:ext>
+            </a:extLst>
+          </p:spPr>
+          <p:txBody>
+            <a:bodyPr wrap="none" anchor="ctr"/>
+            <a:lstStyle/>
+            <a:p>
+              <a:endParaRPr lang="en-US"/>
+            </a:p>
+          </p:txBody>
+        </p:sp>
+        <p:sp>
+          <p:nvSpPr>
+            <p:cNvPr id="65605" name="Oval 69"/>
+            <p:cNvSpPr>
+              <a:spLocks noChangeArrowheads="1"/>
+            </p:cNvSpPr>
+            <p:nvPr/>
+          </p:nvSpPr>
+          <p:spPr bwMode="auto">
+            <a:xfrm>
+              <a:off x="3070" y="3087"/>
+              <a:ext cx="32" cy="32"/>
+            </a:xfrm>
+            <a:prstGeom prst="ellipse">
+              <a:avLst/>
+            </a:prstGeom>
+            <a:solidFill>
+              <a:schemeClr val="bg1"/>
+            </a:solidFill>
+            <a:ln w="3175">
+              <a:solidFill>
+                <a:schemeClr val="bg1"/>
+              </a:solidFill>
+              <a:round/>
+              <a:headEnd/>
+              <a:tailEnd/>
+            </a:ln>
+            <a:effectLst/>
+            <a:extLst>
+              <a:ext uri="{AF507438-7753-43E0-B8FC-AC1667EBCBE1}">
+                <a14:hiddenEffects xmlns:a14="http://schemas.microsoft.com/office/drawing/2010/main">
+                  <a:effectLst>
+                    <a:outerShdw dist="35921" dir="2700000" algn="ctr" rotWithShape="0">
+                      <a:schemeClr val="bg2"/>
+                    </a:outerShdw>
+                  </a:effectLst>
+                </a14:hiddenEffects>
+              </a:ext>
+            </a:extLst>
+          </p:spPr>
+          <p:txBody>
+            <a:bodyPr wrap="none" anchor="ctr"/>
+            <a:lstStyle/>
+            <a:p>
+              <a:endParaRPr lang="en-US"/>
+            </a:p>
+          </p:txBody>
+        </p:sp>
+        <p:sp>
+          <p:nvSpPr>
+            <p:cNvPr id="65606" name="Oval 70"/>
+            <p:cNvSpPr>
+              <a:spLocks noChangeArrowheads="1"/>
+            </p:cNvSpPr>
+            <p:nvPr/>
+          </p:nvSpPr>
+          <p:spPr bwMode="auto">
+            <a:xfrm>
+              <a:off x="3126" y="3070"/>
+              <a:ext cx="32" cy="32"/>
+            </a:xfrm>
+            <a:prstGeom prst="ellipse">
+              <a:avLst/>
+            </a:prstGeom>
+            <a:solidFill>
+              <a:schemeClr val="bg1"/>
+            </a:solidFill>
+            <a:ln w="3175">
+              <a:solidFill>
+                <a:schemeClr val="bg1"/>
+              </a:solidFill>
+              <a:round/>
+              <a:headEnd/>
+              <a:tailEnd/>
+            </a:ln>
+            <a:effectLst/>
+            <a:extLst>
+              <a:ext uri="{AF507438-7753-43E0-B8FC-AC1667EBCBE1}">
+                <a14:hiddenEffects xmlns:a14="http://schemas.microsoft.com/office/drawing/2010/main">
+                  <a:effectLst>
+                    <a:outerShdw dist="35921" dir="2700000" algn="ctr" rotWithShape="0">
+                      <a:schemeClr val="bg2"/>
+                    </a:outerShdw>
+                  </a:effectLst>
+                </a14:hiddenEffects>
+              </a:ext>
+            </a:extLst>
+          </p:spPr>
+          <p:txBody>
+            <a:bodyPr wrap="none" anchor="ctr"/>
+            <a:lstStyle/>
+            <a:p>
+              <a:endParaRPr lang="en-US"/>
+            </a:p>
+          </p:txBody>
+        </p:sp>
+        <p:sp>
+          <p:nvSpPr>
+            <p:cNvPr id="65607" name="Oval 71"/>
+            <p:cNvSpPr>
+              <a:spLocks noChangeArrowheads="1"/>
+            </p:cNvSpPr>
+            <p:nvPr/>
+          </p:nvSpPr>
+          <p:spPr bwMode="auto">
+            <a:xfrm>
+              <a:off x="3183" y="3087"/>
+              <a:ext cx="31" cy="32"/>
+            </a:xfrm>
+            <a:prstGeom prst="ellipse">
+              <a:avLst/>
+            </a:prstGeom>
+            <a:solidFill>
+              <a:schemeClr val="bg1"/>
+            </a:solidFill>
+            <a:ln w="3175">
+              <a:solidFill>
+                <a:schemeClr val="bg1"/>
+              </a:solidFill>
+              <a:round/>
+              <a:headEnd/>
+              <a:tailEnd/>
+            </a:ln>
+            <a:effectLst/>
+            <a:extLst>
+              <a:ext uri="{AF507438-7753-43E0-B8FC-AC1667EBCBE1}">
+                <a14:hiddenEffects xmlns:a14="http://schemas.microsoft.com/office/drawing/2010/main">
+                  <a:effectLst>
+                    <a:outerShdw dist="35921" dir="2700000" algn="ctr" rotWithShape="0">
+                      <a:schemeClr val="bg2"/>
+                    </a:outerShdw>
+                  </a:effectLst>
+                </a14:hiddenEffects>
+              </a:ext>
+            </a:extLst>
+          </p:spPr>
+          <p:txBody>
+            <a:bodyPr wrap="none" anchor="ctr"/>
+            <a:lstStyle/>
+            <a:p>
+              <a:endParaRPr lang="en-US"/>
+            </a:p>
+          </p:txBody>
+        </p:sp>
+        <p:sp>
+          <p:nvSpPr>
+            <p:cNvPr id="65608" name="Oval 72"/>
+            <p:cNvSpPr>
+              <a:spLocks noChangeArrowheads="1"/>
+            </p:cNvSpPr>
+            <p:nvPr/>
+          </p:nvSpPr>
+          <p:spPr bwMode="auto">
+            <a:xfrm>
+              <a:off x="3239" y="3104"/>
+              <a:ext cx="32" cy="32"/>
+            </a:xfrm>
+            <a:prstGeom prst="ellipse">
+              <a:avLst/>
+            </a:prstGeom>
+            <a:solidFill>
+              <a:schemeClr val="bg1"/>
+            </a:solidFill>
+            <a:ln w="3175">
+              <a:solidFill>
+                <a:schemeClr val="bg1"/>
+              </a:solidFill>
+              <a:round/>
+              <a:headEnd/>
+              <a:tailEnd/>
+            </a:ln>
+            <a:effectLst/>
+            <a:extLst>
+              <a:ext uri="{AF507438-7753-43E0-B8FC-AC1667EBCBE1}">
+                <a14:hiddenEffects xmlns:a14="http://schemas.microsoft.com/office/drawing/2010/main">
+                  <a:effectLst>
+                    <a:outerShdw dist="35921" dir="2700000" algn="ctr" rotWithShape="0">
+                      <a:schemeClr val="bg2"/>
+                    </a:outerShdw>
+                  </a:effectLst>
+                </a14:hiddenEffects>
+              </a:ext>
+            </a:extLst>
+          </p:spPr>
+          <p:txBody>
+            <a:bodyPr wrap="none" anchor="ctr"/>
+            <a:lstStyle/>
+            <a:p>
+              <a:endParaRPr lang="en-US"/>
+            </a:p>
+          </p:txBody>
+        </p:sp>
+        <p:sp>
+          <p:nvSpPr>
+            <p:cNvPr id="65609" name="Oval 73"/>
+            <p:cNvSpPr>
+              <a:spLocks noChangeArrowheads="1"/>
+            </p:cNvSpPr>
+            <p:nvPr/>
+          </p:nvSpPr>
+          <p:spPr bwMode="auto">
+            <a:xfrm>
+              <a:off x="3149" y="3020"/>
+              <a:ext cx="32" cy="32"/>
+            </a:xfrm>
+            <a:prstGeom prst="ellipse">
+              <a:avLst/>
+            </a:prstGeom>
+            <a:solidFill>
+              <a:schemeClr val="bg1"/>
+            </a:solidFill>
+            <a:ln w="3175">
+              <a:solidFill>
+                <a:schemeClr val="bg1"/>
+              </a:solidFill>
+              <a:round/>
+              <a:headEnd/>
+              <a:tailEnd/>
+            </a:ln>
+            <a:effectLst/>
+            <a:extLst>
+              <a:ext uri="{AF507438-7753-43E0-B8FC-AC1667EBCBE1}">
+                <a14:hiddenEffects xmlns:a14="http://schemas.microsoft.com/office/drawing/2010/main">
+                  <a:effectLst>
+                    <a:outerShdw dist="35921" dir="2700000" algn="ctr" rotWithShape="0">
+                      <a:schemeClr val="bg2"/>
+                    </a:outerShdw>
+                  </a:effectLst>
+                </a14:hiddenEffects>
+              </a:ext>
+            </a:extLst>
+          </p:spPr>
+          <p:txBody>
+            <a:bodyPr wrap="none" anchor="ctr"/>
+            <a:lstStyle/>
+            <a:p>
+              <a:endParaRPr lang="en-US"/>
+            </a:p>
+          </p:txBody>
+        </p:sp>
+        <p:sp>
+          <p:nvSpPr>
+            <p:cNvPr id="65610" name="Oval 74"/>
+            <p:cNvSpPr>
+              <a:spLocks noChangeArrowheads="1"/>
+            </p:cNvSpPr>
+            <p:nvPr/>
+          </p:nvSpPr>
+          <p:spPr bwMode="auto">
+            <a:xfrm>
+              <a:off x="3053" y="3042"/>
+              <a:ext cx="32" cy="32"/>
+            </a:xfrm>
+            <a:prstGeom prst="ellipse">
+              <a:avLst/>
+            </a:prstGeom>
+            <a:solidFill>
+              <a:schemeClr val="bg1"/>
+            </a:solidFill>
+            <a:ln w="3175">
+              <a:solidFill>
+                <a:schemeClr val="bg1"/>
+              </a:solidFill>
+              <a:round/>
+              <a:headEnd/>
+              <a:tailEnd/>
+            </a:ln>
+            <a:effectLst/>
+            <a:extLst>
+              <a:ext uri="{AF507438-7753-43E0-B8FC-AC1667EBCBE1}">
+                <a14:hiddenEffects xmlns:a14="http://schemas.microsoft.com/office/drawing/2010/main">
+                  <a:effectLst>
+                    <a:outerShdw dist="35921" dir="2700000" algn="ctr" rotWithShape="0">
+                      <a:schemeClr val="bg2"/>
+                    </a:outerShdw>
+                  </a:effectLst>
+                </a14:hiddenEffects>
+              </a:ext>
+            </a:extLst>
+          </p:spPr>
+          <p:txBody>
+            <a:bodyPr wrap="none" anchor="ctr"/>
+            <a:lstStyle/>
+            <a:p>
+              <a:endParaRPr lang="en-US"/>
+            </a:p>
+          </p:txBody>
+        </p:sp>
+        <p:sp>
+          <p:nvSpPr>
+            <p:cNvPr id="65611" name="Oval 75"/>
+            <p:cNvSpPr>
+              <a:spLocks noChangeArrowheads="1"/>
+            </p:cNvSpPr>
+            <p:nvPr/>
+          </p:nvSpPr>
+          <p:spPr bwMode="auto">
+            <a:xfrm>
+              <a:off x="3053" y="3014"/>
+              <a:ext cx="32" cy="32"/>
+            </a:xfrm>
+            <a:prstGeom prst="ellipse">
+              <a:avLst/>
+            </a:prstGeom>
+            <a:solidFill>
+              <a:schemeClr val="bg1"/>
+            </a:solidFill>
+            <a:ln w="3175">
+              <a:solidFill>
+                <a:schemeClr val="bg1"/>
+              </a:solidFill>
+              <a:round/>
+              <a:headEnd/>
+              <a:tailEnd/>
+            </a:ln>
+            <a:effectLst/>
+            <a:extLst>
+              <a:ext uri="{AF507438-7753-43E0-B8FC-AC1667EBCBE1}">
+                <a14:hiddenEffects xmlns:a14="http://schemas.microsoft.com/office/drawing/2010/main">
+                  <a:effectLst>
+                    <a:outerShdw dist="35921" dir="2700000" algn="ctr" rotWithShape="0">
+                      <a:schemeClr val="bg2"/>
+                    </a:outerShdw>
+                  </a:effectLst>
+                </a14:hiddenEffects>
+              </a:ext>
+            </a:extLst>
+          </p:spPr>
+          <p:txBody>
+            <a:bodyPr wrap="none" anchor="ctr"/>
+            <a:lstStyle/>
+            <a:p>
+              <a:endParaRPr lang="en-US"/>
+            </a:p>
+          </p:txBody>
+        </p:sp>
+        <p:sp>
+          <p:nvSpPr>
+            <p:cNvPr id="65612" name="Oval 76"/>
+            <p:cNvSpPr>
+              <a:spLocks noChangeArrowheads="1"/>
+            </p:cNvSpPr>
+            <p:nvPr/>
+          </p:nvSpPr>
+          <p:spPr bwMode="auto">
+            <a:xfrm>
+              <a:off x="3098" y="3020"/>
+              <a:ext cx="32" cy="32"/>
+            </a:xfrm>
+            <a:prstGeom prst="ellipse">
+              <a:avLst/>
+            </a:prstGeom>
+            <a:solidFill>
+              <a:schemeClr val="bg1"/>
+            </a:solidFill>
+            <a:ln w="3175">
+              <a:solidFill>
+                <a:schemeClr val="bg1"/>
+              </a:solidFill>
+              <a:round/>
+              <a:headEnd/>
+              <a:tailEnd/>
+            </a:ln>
+            <a:effectLst/>
+            <a:extLst>
+              <a:ext uri="{AF507438-7753-43E0-B8FC-AC1667EBCBE1}">
+                <a14:hiddenEffects xmlns:a14="http://schemas.microsoft.com/office/drawing/2010/main">
+                  <a:effectLst>
+                    <a:outerShdw dist="35921" dir="2700000" algn="ctr" rotWithShape="0">
+                      <a:schemeClr val="bg2"/>
+                    </a:outerShdw>
+                  </a:effectLst>
+                </a14:hiddenEffects>
+              </a:ext>
+            </a:extLst>
+          </p:spPr>
+          <p:txBody>
+            <a:bodyPr wrap="none" anchor="ctr"/>
+            <a:lstStyle/>
+            <a:p>
+              <a:endParaRPr lang="en-US"/>
+            </a:p>
+          </p:txBody>
+        </p:sp>
+        <p:sp>
+          <p:nvSpPr>
+            <p:cNvPr id="65613" name="Oval 77"/>
+            <p:cNvSpPr>
+              <a:spLocks noChangeArrowheads="1"/>
+            </p:cNvSpPr>
+            <p:nvPr/>
+          </p:nvSpPr>
+          <p:spPr bwMode="auto">
+            <a:xfrm>
+              <a:off x="2986" y="3026"/>
+              <a:ext cx="32" cy="31"/>
+            </a:xfrm>
+            <a:prstGeom prst="ellipse">
+              <a:avLst/>
+            </a:prstGeom>
+            <a:solidFill>
+              <a:schemeClr val="bg1"/>
+            </a:solidFill>
+            <a:ln w="3175">
+              <a:solidFill>
+                <a:schemeClr val="bg1"/>
+              </a:solidFill>
+              <a:round/>
+              <a:headEnd/>
+              <a:tailEnd/>
+            </a:ln>
+            <a:effectLst/>
+            <a:extLst>
+              <a:ext uri="{AF507438-7753-43E0-B8FC-AC1667EBCBE1}">
+                <a14:hiddenEffects xmlns:a14="http://schemas.microsoft.com/office/drawing/2010/main">
+                  <a:effectLst>
+                    <a:outerShdw dist="35921" dir="2700000" algn="ctr" rotWithShape="0">
+                      <a:schemeClr val="bg2"/>
+                    </a:outerShdw>
+                  </a:effectLst>
+                </a14:hiddenEffects>
+              </a:ext>
+            </a:extLst>
+          </p:spPr>
+          <p:txBody>
+            <a:bodyPr wrap="none" anchor="ctr"/>
+            <a:lstStyle/>
+            <a:p>
+              <a:endParaRPr lang="en-US"/>
+            </a:p>
+          </p:txBody>
+        </p:sp>
+        <p:sp>
+          <p:nvSpPr>
+            <p:cNvPr id="65614" name="Oval 78"/>
+            <p:cNvSpPr>
+              <a:spLocks noChangeArrowheads="1"/>
+            </p:cNvSpPr>
+            <p:nvPr/>
+          </p:nvSpPr>
+          <p:spPr bwMode="auto">
+            <a:xfrm>
+              <a:off x="2952" y="3020"/>
+              <a:ext cx="32" cy="32"/>
+            </a:xfrm>
+            <a:prstGeom prst="ellipse">
+              <a:avLst/>
+            </a:prstGeom>
+            <a:solidFill>
+              <a:schemeClr val="bg1"/>
+            </a:solidFill>
+            <a:ln w="3175">
+              <a:solidFill>
+                <a:schemeClr val="bg1"/>
+              </a:solidFill>
+              <a:round/>
+              <a:headEnd/>
+              <a:tailEnd/>
+            </a:ln>
+            <a:effectLst/>
+            <a:extLst>
+              <a:ext uri="{AF507438-7753-43E0-B8FC-AC1667EBCBE1}">
+                <a14:hiddenEffects xmlns:a14="http://schemas.microsoft.com/office/drawing/2010/main">
+                  <a:effectLst>
+                    <a:outerShdw dist="35921" dir="2700000" algn="ctr" rotWithShape="0">
+                      <a:schemeClr val="bg2"/>
+                    </a:outerShdw>
+                  </a:effectLst>
+                </a14:hiddenEffects>
+              </a:ext>
+            </a:extLst>
+          </p:spPr>
+          <p:txBody>
+            <a:bodyPr wrap="none" anchor="ctr"/>
+            <a:lstStyle/>
+            <a:p>
+              <a:endParaRPr lang="en-US"/>
+            </a:p>
+          </p:txBody>
+        </p:sp>
+        <p:sp>
+          <p:nvSpPr>
+            <p:cNvPr id="65615" name="Oval 79"/>
+            <p:cNvSpPr>
+              <a:spLocks noChangeArrowheads="1"/>
+            </p:cNvSpPr>
+            <p:nvPr/>
+          </p:nvSpPr>
+          <p:spPr bwMode="auto">
+            <a:xfrm>
+              <a:off x="2980" y="2975"/>
+              <a:ext cx="32" cy="32"/>
+            </a:xfrm>
+            <a:prstGeom prst="ellipse">
+              <a:avLst/>
+            </a:prstGeom>
+            <a:solidFill>
+              <a:schemeClr val="bg1"/>
+            </a:solidFill>
+            <a:ln w="3175">
+              <a:solidFill>
+                <a:schemeClr val="bg1"/>
+              </a:solidFill>
+              <a:round/>
+              <a:headEnd/>
+              <a:tailEnd/>
+            </a:ln>
+            <a:effectLst/>
+            <a:extLst>
+              <a:ext uri="{AF507438-7753-43E0-B8FC-AC1667EBCBE1}">
+                <a14:hiddenEffects xmlns:a14="http://schemas.microsoft.com/office/drawing/2010/main">
+                  <a:effectLst>
+                    <a:outerShdw dist="35921" dir="2700000" algn="ctr" rotWithShape="0">
+                      <a:schemeClr val="bg2"/>
+                    </a:outerShdw>
+                  </a:effectLst>
+                </a14:hiddenEffects>
+              </a:ext>
+            </a:extLst>
+          </p:spPr>
+          <p:txBody>
+            <a:bodyPr wrap="none" anchor="ctr"/>
+            <a:lstStyle/>
+            <a:p>
+              <a:endParaRPr lang="en-US"/>
+            </a:p>
+          </p:txBody>
+        </p:sp>
+        <p:sp>
+          <p:nvSpPr>
+            <p:cNvPr id="65616" name="Oval 80"/>
+            <p:cNvSpPr>
+              <a:spLocks noChangeArrowheads="1"/>
+            </p:cNvSpPr>
+            <p:nvPr/>
+          </p:nvSpPr>
+          <p:spPr bwMode="auto">
+            <a:xfrm>
+              <a:off x="3008" y="2969"/>
+              <a:ext cx="32" cy="32"/>
+            </a:xfrm>
+            <a:prstGeom prst="ellipse">
+              <a:avLst/>
+            </a:prstGeom>
+            <a:solidFill>
+              <a:schemeClr val="bg1"/>
+            </a:solidFill>
+            <a:ln w="3175">
+              <a:solidFill>
+                <a:schemeClr val="bg1"/>
+              </a:solidFill>
+              <a:round/>
+              <a:headEnd/>
+              <a:tailEnd/>
+            </a:ln>
+            <a:effectLst/>
+            <a:extLst>
+              <a:ext uri="{AF507438-7753-43E0-B8FC-AC1667EBCBE1}">
+                <a14:hiddenEffects xmlns:a14="http://schemas.microsoft.com/office/drawing/2010/main">
+                  <a:effectLst>
+                    <a:outerShdw dist="35921" dir="2700000" algn="ctr" rotWithShape="0">
+                      <a:schemeClr val="bg2"/>
+                    </a:outerShdw>
+                  </a:effectLst>
+                </a14:hiddenEffects>
+              </a:ext>
+            </a:extLst>
+          </p:spPr>
+          <p:txBody>
+            <a:bodyPr wrap="none" anchor="ctr"/>
+            <a:lstStyle/>
+            <a:p>
+              <a:endParaRPr lang="en-US"/>
+            </a:p>
+          </p:txBody>
+        </p:sp>
+        <p:sp>
+          <p:nvSpPr>
+            <p:cNvPr id="65617" name="Oval 81"/>
+            <p:cNvSpPr>
+              <a:spLocks noChangeArrowheads="1"/>
+            </p:cNvSpPr>
+            <p:nvPr/>
+          </p:nvSpPr>
+          <p:spPr bwMode="auto">
+            <a:xfrm>
+              <a:off x="3064" y="2986"/>
+              <a:ext cx="32" cy="32"/>
+            </a:xfrm>
+            <a:prstGeom prst="ellipse">
+              <a:avLst/>
+            </a:prstGeom>
+            <a:solidFill>
+              <a:schemeClr val="bg1"/>
+            </a:solidFill>
+            <a:ln w="3175">
+              <a:solidFill>
+                <a:schemeClr val="bg1"/>
+              </a:solidFill>
+              <a:round/>
+              <a:headEnd/>
+              <a:tailEnd/>
+            </a:ln>
+            <a:effectLst/>
+            <a:extLst>
+              <a:ext uri="{AF507438-7753-43E0-B8FC-AC1667EBCBE1}">
+                <a14:hiddenEffects xmlns:a14="http://schemas.microsoft.com/office/drawing/2010/main">
+                  <a:effectLst>
+                    <a:outerShdw dist="35921" dir="2700000" algn="ctr" rotWithShape="0">
+                      <a:schemeClr val="bg2"/>
+                    </a:outerShdw>
+                  </a:effectLst>
+                </a14:hiddenEffects>
+              </a:ext>
+            </a:extLst>
+          </p:spPr>
+          <p:txBody>
+            <a:bodyPr wrap="none" anchor="ctr"/>
+            <a:lstStyle/>
+            <a:p>
+              <a:endParaRPr lang="en-US"/>
+            </a:p>
+          </p:txBody>
+        </p:sp>
+        <p:sp>
+          <p:nvSpPr>
+            <p:cNvPr id="65618" name="Oval 82"/>
+            <p:cNvSpPr>
+              <a:spLocks noChangeArrowheads="1"/>
+            </p:cNvSpPr>
+            <p:nvPr/>
+          </p:nvSpPr>
+          <p:spPr bwMode="auto">
+            <a:xfrm>
+              <a:off x="3188" y="2986"/>
+              <a:ext cx="32" cy="32"/>
+            </a:xfrm>
+            <a:prstGeom prst="ellipse">
+              <a:avLst/>
+            </a:prstGeom>
+            <a:solidFill>
+              <a:schemeClr val="bg1"/>
+            </a:solidFill>
+            <a:ln w="3175">
+              <a:solidFill>
+                <a:schemeClr val="bg1"/>
+              </a:solidFill>
+              <a:round/>
+              <a:headEnd/>
+              <a:tailEnd/>
+            </a:ln>
+            <a:effectLst/>
+            <a:extLst>
+              <a:ext uri="{AF507438-7753-43E0-B8FC-AC1667EBCBE1}">
+                <a14:hiddenEffects xmlns:a14="http://schemas.microsoft.com/office/drawing/2010/main">
+                  <a:effectLst>
+                    <a:outerShdw dist="35921" dir="2700000" algn="ctr" rotWithShape="0">
+                      <a:schemeClr val="bg2"/>
+                    </a:outerShdw>
+                  </a:effectLst>
+                </a14:hiddenEffects>
+              </a:ext>
+            </a:extLst>
+          </p:spPr>
+          <p:txBody>
+            <a:bodyPr wrap="none" anchor="ctr"/>
+            <a:lstStyle/>
+            <a:p>
+              <a:endParaRPr lang="en-US"/>
+            </a:p>
+          </p:txBody>
+        </p:sp>
+        <p:sp>
+          <p:nvSpPr>
+            <p:cNvPr id="65619" name="Oval 83"/>
+            <p:cNvSpPr>
+              <a:spLocks noChangeArrowheads="1"/>
+            </p:cNvSpPr>
+            <p:nvPr/>
+          </p:nvSpPr>
+          <p:spPr bwMode="auto">
+            <a:xfrm>
+              <a:off x="3138" y="2986"/>
+              <a:ext cx="31" cy="32"/>
+            </a:xfrm>
+            <a:prstGeom prst="ellipse">
+              <a:avLst/>
+            </a:prstGeom>
+            <a:solidFill>
+              <a:schemeClr val="bg1"/>
+            </a:solidFill>
+            <a:ln w="3175">
+              <a:solidFill>
+                <a:schemeClr val="bg1"/>
+              </a:solidFill>
+              <a:round/>
+              <a:headEnd/>
+              <a:tailEnd/>
+            </a:ln>
+            <a:effectLst/>
+            <a:extLst>
+              <a:ext uri="{AF507438-7753-43E0-B8FC-AC1667EBCBE1}">
+                <a14:hiddenEffects xmlns:a14="http://schemas.microsoft.com/office/drawing/2010/main">
+                  <a:effectLst>
+                    <a:outerShdw dist="35921" dir="2700000" algn="ctr" rotWithShape="0">
+                      <a:schemeClr val="bg2"/>
+                    </a:outerShdw>
+                  </a:effectLst>
+                </a14:hiddenEffects>
+              </a:ext>
+            </a:extLst>
+          </p:spPr>
+          <p:txBody>
+            <a:bodyPr wrap="none" anchor="ctr"/>
+            <a:lstStyle/>
+            <a:p>
+              <a:endParaRPr lang="en-US"/>
+            </a:p>
+          </p:txBody>
+        </p:sp>
+        <p:sp>
+          <p:nvSpPr>
+            <p:cNvPr id="65620" name="Oval 84"/>
+            <p:cNvSpPr>
+              <a:spLocks noChangeArrowheads="1"/>
+            </p:cNvSpPr>
+            <p:nvPr/>
+          </p:nvSpPr>
+          <p:spPr bwMode="auto">
+            <a:xfrm>
+              <a:off x="3087" y="2936"/>
+              <a:ext cx="32" cy="31"/>
+            </a:xfrm>
+            <a:prstGeom prst="ellipse">
+              <a:avLst/>
+            </a:prstGeom>
+            <a:solidFill>
+              <a:schemeClr val="bg1"/>
+            </a:solidFill>
+            <a:ln w="3175">
+              <a:solidFill>
+                <a:schemeClr val="bg1"/>
+              </a:solidFill>
+              <a:round/>
+              <a:headEnd/>
+              <a:tailEnd/>
+            </a:ln>
+            <a:effectLst/>
+            <a:extLst>
+              <a:ext uri="{AF507438-7753-43E0-B8FC-AC1667EBCBE1}">
+                <a14:hiddenEffects xmlns:a14="http://schemas.microsoft.com/office/drawing/2010/main">
+                  <a:effectLst>
+                    <a:outerShdw dist="35921" dir="2700000" algn="ctr" rotWithShape="0">
+                      <a:schemeClr val="bg2"/>
+                    </a:outerShdw>
+                  </a:effectLst>
+                </a14:hiddenEffects>
+              </a:ext>
+            </a:extLst>
+          </p:spPr>
+          <p:txBody>
+            <a:bodyPr wrap="none" anchor="ctr"/>
+            <a:lstStyle/>
+            <a:p>
+              <a:endParaRPr lang="en-US"/>
+            </a:p>
+          </p:txBody>
+        </p:sp>
+        <p:sp>
+          <p:nvSpPr>
+            <p:cNvPr id="65621" name="Oval 85"/>
+            <p:cNvSpPr>
+              <a:spLocks noChangeArrowheads="1"/>
+            </p:cNvSpPr>
+            <p:nvPr/>
+          </p:nvSpPr>
+          <p:spPr bwMode="auto">
+            <a:xfrm>
+              <a:off x="3036" y="2958"/>
+              <a:ext cx="32" cy="32"/>
+            </a:xfrm>
+            <a:prstGeom prst="ellipse">
+              <a:avLst/>
+            </a:prstGeom>
+            <a:solidFill>
+              <a:schemeClr val="bg1"/>
+            </a:solidFill>
+            <a:ln w="3175">
+              <a:solidFill>
+                <a:schemeClr val="bg1"/>
+              </a:solidFill>
+              <a:round/>
+              <a:headEnd/>
+              <a:tailEnd/>
+            </a:ln>
+            <a:effectLst/>
+            <a:extLst>
+              <a:ext uri="{AF507438-7753-43E0-B8FC-AC1667EBCBE1}">
+                <a14:hiddenEffects xmlns:a14="http://schemas.microsoft.com/office/drawing/2010/main">
+                  <a:effectLst>
+                    <a:outerShdw dist="35921" dir="2700000" algn="ctr" rotWithShape="0">
+                      <a:schemeClr val="bg2"/>
+                    </a:outerShdw>
+                  </a:effectLst>
+                </a14:hiddenEffects>
+              </a:ext>
+            </a:extLst>
+          </p:spPr>
+          <p:txBody>
+            <a:bodyPr wrap="none" anchor="ctr"/>
+            <a:lstStyle/>
+            <a:p>
+              <a:endParaRPr lang="en-US"/>
+            </a:p>
+          </p:txBody>
+        </p:sp>
+        <p:sp>
+          <p:nvSpPr>
+            <p:cNvPr id="65622" name="Oval 86"/>
+            <p:cNvSpPr>
+              <a:spLocks noChangeArrowheads="1"/>
+            </p:cNvSpPr>
+            <p:nvPr/>
+          </p:nvSpPr>
+          <p:spPr bwMode="auto">
+            <a:xfrm>
+              <a:off x="2986" y="2896"/>
+              <a:ext cx="32" cy="32"/>
+            </a:xfrm>
+            <a:prstGeom prst="ellipse">
+              <a:avLst/>
+            </a:prstGeom>
+            <a:solidFill>
+              <a:schemeClr val="bg1"/>
+            </a:solidFill>
+            <a:ln w="3175">
+              <a:solidFill>
+                <a:schemeClr val="bg1"/>
+              </a:solidFill>
+              <a:round/>
+              <a:headEnd/>
+              <a:tailEnd/>
+            </a:ln>
+            <a:effectLst/>
+            <a:extLst>
+              <a:ext uri="{AF507438-7753-43E0-B8FC-AC1667EBCBE1}">
+                <a14:hiddenEffects xmlns:a14="http://schemas.microsoft.com/office/drawing/2010/main">
+                  <a:effectLst>
+                    <a:outerShdw dist="35921" dir="2700000" algn="ctr" rotWithShape="0">
+                      <a:schemeClr val="bg2"/>
+                    </a:outerShdw>
+                  </a:effectLst>
+                </a14:hiddenEffects>
+              </a:ext>
+            </a:extLst>
+          </p:spPr>
+          <p:txBody>
+            <a:bodyPr wrap="none" anchor="ctr"/>
+            <a:lstStyle/>
+            <a:p>
+              <a:endParaRPr lang="en-US"/>
+            </a:p>
+          </p:txBody>
+        </p:sp>
+        <p:sp>
+          <p:nvSpPr>
+            <p:cNvPr id="65623" name="Oval 87"/>
+            <p:cNvSpPr>
+              <a:spLocks noChangeArrowheads="1"/>
+            </p:cNvSpPr>
+            <p:nvPr/>
+          </p:nvSpPr>
+          <p:spPr bwMode="auto">
+            <a:xfrm>
+              <a:off x="3019" y="2924"/>
+              <a:ext cx="32" cy="32"/>
+            </a:xfrm>
+            <a:prstGeom prst="ellipse">
+              <a:avLst/>
+            </a:prstGeom>
+            <a:solidFill>
+              <a:schemeClr val="bg1"/>
+            </a:solidFill>
+            <a:ln w="3175">
+              <a:solidFill>
+                <a:schemeClr val="bg1"/>
+              </a:solidFill>
+              <a:round/>
+              <a:headEnd/>
+              <a:tailEnd/>
+            </a:ln>
+            <a:effectLst/>
+            <a:extLst>
+              <a:ext uri="{AF507438-7753-43E0-B8FC-AC1667EBCBE1}">
+                <a14:hiddenEffects xmlns:a14="http://schemas.microsoft.com/office/drawing/2010/main">
+                  <a:effectLst>
+                    <a:outerShdw dist="35921" dir="2700000" algn="ctr" rotWithShape="0">
+                      <a:schemeClr val="bg2"/>
+                    </a:outerShdw>
+                  </a:effectLst>
+                </a14:hiddenEffects>
+              </a:ext>
+            </a:extLst>
+          </p:spPr>
+          <p:txBody>
+            <a:bodyPr wrap="none" anchor="ctr"/>
+            <a:lstStyle/>
+            <a:p>
+              <a:endParaRPr lang="en-US"/>
+            </a:p>
+          </p:txBody>
+        </p:sp>
+        <p:sp>
+          <p:nvSpPr>
+            <p:cNvPr id="65624" name="Oval 88"/>
+            <p:cNvSpPr>
+              <a:spLocks noChangeArrowheads="1"/>
+            </p:cNvSpPr>
+            <p:nvPr/>
+          </p:nvSpPr>
+          <p:spPr bwMode="auto">
+            <a:xfrm>
+              <a:off x="3053" y="2896"/>
+              <a:ext cx="32" cy="32"/>
+            </a:xfrm>
+            <a:prstGeom prst="ellipse">
+              <a:avLst/>
+            </a:prstGeom>
+            <a:solidFill>
+              <a:schemeClr val="bg1"/>
+            </a:solidFill>
+            <a:ln w="3175">
+              <a:solidFill>
+                <a:schemeClr val="bg1"/>
+              </a:solidFill>
+              <a:round/>
+              <a:headEnd/>
+              <a:tailEnd/>
+            </a:ln>
+            <a:effectLst/>
+            <a:extLst>
+              <a:ext uri="{AF507438-7753-43E0-B8FC-AC1667EBCBE1}">
+                <a14:hiddenEffects xmlns:a14="http://schemas.microsoft.com/office/drawing/2010/main">
+                  <a:effectLst>
+                    <a:outerShdw dist="35921" dir="2700000" algn="ctr" rotWithShape="0">
+                      <a:schemeClr val="bg2"/>
+                    </a:outerShdw>
+                  </a:effectLst>
+                </a14:hiddenEffects>
+              </a:ext>
+            </a:extLst>
+          </p:spPr>
+          <p:txBody>
+            <a:bodyPr wrap="none" anchor="ctr"/>
+            <a:lstStyle/>
+            <a:p>
+              <a:endParaRPr lang="en-US"/>
+            </a:p>
+          </p:txBody>
+        </p:sp>
+        <p:sp>
+          <p:nvSpPr>
+            <p:cNvPr id="65625" name="Oval 89"/>
+            <p:cNvSpPr>
+              <a:spLocks noChangeArrowheads="1"/>
+            </p:cNvSpPr>
+            <p:nvPr/>
+          </p:nvSpPr>
+          <p:spPr bwMode="auto">
+            <a:xfrm>
+              <a:off x="3138" y="2941"/>
+              <a:ext cx="31" cy="32"/>
+            </a:xfrm>
+            <a:prstGeom prst="ellipse">
+              <a:avLst/>
+            </a:prstGeom>
+            <a:solidFill>
+              <a:schemeClr val="bg1"/>
+            </a:solidFill>
+            <a:ln w="3175">
+              <a:solidFill>
+                <a:schemeClr val="bg1"/>
+              </a:solidFill>
+              <a:round/>
+              <a:headEnd/>
+              <a:tailEnd/>
+            </a:ln>
+            <a:effectLst/>
+            <a:extLst>
+              <a:ext uri="{AF507438-7753-43E0-B8FC-AC1667EBCBE1}">
+                <a14:hiddenEffects xmlns:a14="http://schemas.microsoft.com/office/drawing/2010/main">
+                  <a:effectLst>
+                    <a:outerShdw dist="35921" dir="2700000" algn="ctr" rotWithShape="0">
+                      <a:schemeClr val="bg2"/>
+                    </a:outerShdw>
+                  </a:effectLst>
+                </a14:hiddenEffects>
+              </a:ext>
+            </a:extLst>
+          </p:spPr>
+          <p:txBody>
+            <a:bodyPr wrap="none" anchor="ctr"/>
+            <a:lstStyle/>
+            <a:p>
+              <a:endParaRPr lang="en-US"/>
+            </a:p>
+          </p:txBody>
+        </p:sp>
+        <p:sp>
+          <p:nvSpPr>
+            <p:cNvPr id="65626" name="Oval 90"/>
+            <p:cNvSpPr>
+              <a:spLocks noChangeArrowheads="1"/>
+            </p:cNvSpPr>
+            <p:nvPr/>
+          </p:nvSpPr>
+          <p:spPr bwMode="auto">
+            <a:xfrm>
+              <a:off x="3222" y="2941"/>
+              <a:ext cx="32" cy="32"/>
+            </a:xfrm>
+            <a:prstGeom prst="ellipse">
+              <a:avLst/>
+            </a:prstGeom>
+            <a:solidFill>
+              <a:schemeClr val="bg1"/>
+            </a:solidFill>
+            <a:ln w="3175">
+              <a:solidFill>
+                <a:schemeClr val="bg1"/>
+              </a:solidFill>
+              <a:round/>
+              <a:headEnd/>
+              <a:tailEnd/>
+            </a:ln>
+            <a:effectLst/>
+            <a:extLst>
+              <a:ext uri="{AF507438-7753-43E0-B8FC-AC1667EBCBE1}">
+                <a14:hiddenEffects xmlns:a14="http://schemas.microsoft.com/office/drawing/2010/main">
+                  <a:effectLst>
+                    <a:outerShdw dist="35921" dir="2700000" algn="ctr" rotWithShape="0">
+                      <a:schemeClr val="bg2"/>
+                    </a:outerShdw>
+                  </a:effectLst>
+                </a14:hiddenEffects>
+              </a:ext>
+            </a:extLst>
+          </p:spPr>
+          <p:txBody>
+            <a:bodyPr wrap="none" anchor="ctr"/>
+            <a:lstStyle/>
+            <a:p>
+              <a:endParaRPr lang="en-US"/>
+            </a:p>
+          </p:txBody>
+        </p:sp>
+        <p:sp>
+          <p:nvSpPr>
+            <p:cNvPr id="65627" name="Oval 91"/>
+            <p:cNvSpPr>
+              <a:spLocks noChangeArrowheads="1"/>
+            </p:cNvSpPr>
+            <p:nvPr/>
+          </p:nvSpPr>
+          <p:spPr bwMode="auto">
+            <a:xfrm>
+              <a:off x="3183" y="2902"/>
+              <a:ext cx="31" cy="32"/>
+            </a:xfrm>
+            <a:prstGeom prst="ellipse">
+              <a:avLst/>
+            </a:prstGeom>
+            <a:solidFill>
+              <a:schemeClr val="bg1"/>
+            </a:solidFill>
+            <a:ln w="3175">
+              <a:solidFill>
+                <a:schemeClr val="bg1"/>
+              </a:solidFill>
+              <a:round/>
+              <a:headEnd/>
+              <a:tailEnd/>
+            </a:ln>
+            <a:effectLst/>
+            <a:extLst>
+              <a:ext uri="{AF507438-7753-43E0-B8FC-AC1667EBCBE1}">
+                <a14:hiddenEffects xmlns:a14="http://schemas.microsoft.com/office/drawing/2010/main">
+                  <a:effectLst>
+                    <a:outerShdw dist="35921" dir="2700000" algn="ctr" rotWithShape="0">
+                      <a:schemeClr val="bg2"/>
+                    </a:outerShdw>
+                  </a:effectLst>
+                </a14:hiddenEffects>
+              </a:ext>
+            </a:extLst>
+          </p:spPr>
+          <p:txBody>
+            <a:bodyPr wrap="none" anchor="ctr"/>
+            <a:lstStyle/>
+            <a:p>
+              <a:endParaRPr lang="en-US"/>
+            </a:p>
+          </p:txBody>
+        </p:sp>
+        <p:sp>
+          <p:nvSpPr>
+            <p:cNvPr id="65628" name="Oval 92"/>
+            <p:cNvSpPr>
+              <a:spLocks noChangeArrowheads="1"/>
+            </p:cNvSpPr>
+            <p:nvPr/>
+          </p:nvSpPr>
+          <p:spPr bwMode="auto">
+            <a:xfrm>
+              <a:off x="3143" y="2891"/>
+              <a:ext cx="32" cy="31"/>
+            </a:xfrm>
+            <a:prstGeom prst="ellipse">
+              <a:avLst/>
+            </a:prstGeom>
+            <a:solidFill>
+              <a:schemeClr val="bg1"/>
+            </a:solidFill>
+            <a:ln w="3175">
+              <a:solidFill>
+                <a:schemeClr val="bg1"/>
+              </a:solidFill>
+              <a:round/>
+              <a:headEnd/>
+              <a:tailEnd/>
+            </a:ln>
+            <a:effectLst/>
+            <a:extLst>
+              <a:ext uri="{AF507438-7753-43E0-B8FC-AC1667EBCBE1}">
+                <a14:hiddenEffects xmlns:a14="http://schemas.microsoft.com/office/drawing/2010/main">
+                  <a:effectLst>
+                    <a:outerShdw dist="35921" dir="2700000" algn="ctr" rotWithShape="0">
+                      <a:schemeClr val="bg2"/>
+                    </a:outerShdw>
+                  </a:effectLst>
+                </a14:hiddenEffects>
+              </a:ext>
+            </a:extLst>
+          </p:spPr>
+          <p:txBody>
+            <a:bodyPr wrap="none" anchor="ctr"/>
+            <a:lstStyle/>
+            <a:p>
+              <a:endParaRPr lang="en-US"/>
+            </a:p>
+          </p:txBody>
+        </p:sp>
+        <p:sp>
+          <p:nvSpPr>
+            <p:cNvPr id="65629" name="Oval 93"/>
+            <p:cNvSpPr>
+              <a:spLocks noChangeArrowheads="1"/>
+            </p:cNvSpPr>
+            <p:nvPr/>
+          </p:nvSpPr>
+          <p:spPr bwMode="auto">
+            <a:xfrm>
+              <a:off x="3081" y="2879"/>
+              <a:ext cx="32" cy="32"/>
+            </a:xfrm>
+            <a:prstGeom prst="ellipse">
+              <a:avLst/>
+            </a:prstGeom>
+            <a:solidFill>
+              <a:schemeClr val="bg1"/>
+            </a:solidFill>
+            <a:ln w="3175">
+              <a:solidFill>
+                <a:schemeClr val="bg1"/>
+              </a:solidFill>
+              <a:round/>
+              <a:headEnd/>
+              <a:tailEnd/>
+            </a:ln>
+            <a:effectLst/>
+            <a:extLst>
+              <a:ext uri="{AF507438-7753-43E0-B8FC-AC1667EBCBE1}">
+                <a14:hiddenEffects xmlns:a14="http://schemas.microsoft.com/office/drawing/2010/main">
+                  <a:effectLst>
+                    <a:outerShdw dist="35921" dir="2700000" algn="ctr" rotWithShape="0">
+                      <a:schemeClr val="bg2"/>
+                    </a:outerShdw>
+                  </a:effectLst>
+                </a14:hiddenEffects>
+              </a:ext>
+            </a:extLst>
+          </p:spPr>
+          <p:txBody>
+            <a:bodyPr wrap="none" anchor="ctr"/>
+            <a:lstStyle/>
+            <a:p>
+              <a:endParaRPr lang="en-US"/>
+            </a:p>
+          </p:txBody>
+        </p:sp>
+        <p:sp>
+          <p:nvSpPr>
+            <p:cNvPr id="65630" name="Oval 94"/>
+            <p:cNvSpPr>
+              <a:spLocks noChangeArrowheads="1"/>
+            </p:cNvSpPr>
+            <p:nvPr/>
+          </p:nvSpPr>
+          <p:spPr bwMode="auto">
+            <a:xfrm>
+              <a:off x="3019" y="2891"/>
+              <a:ext cx="32" cy="31"/>
+            </a:xfrm>
+            <a:prstGeom prst="ellipse">
+              <a:avLst/>
+            </a:prstGeom>
+            <a:solidFill>
+              <a:schemeClr val="bg1"/>
+            </a:solidFill>
+            <a:ln w="3175">
+              <a:solidFill>
+                <a:schemeClr val="bg1"/>
+              </a:solidFill>
+              <a:round/>
+              <a:headEnd/>
+              <a:tailEnd/>
+            </a:ln>
+            <a:effectLst/>
+            <a:extLst>
+              <a:ext uri="{AF507438-7753-43E0-B8FC-AC1667EBCBE1}">
+                <a14:hiddenEffects xmlns:a14="http://schemas.microsoft.com/office/drawing/2010/main">
+                  <a:effectLst>
+                    <a:outerShdw dist="35921" dir="2700000" algn="ctr" rotWithShape="0">
+                      <a:schemeClr val="bg2"/>
+                    </a:outerShdw>
+                  </a:effectLst>
+                </a14:hiddenEffects>
+              </a:ext>
+            </a:extLst>
+          </p:spPr>
+          <p:txBody>
+            <a:bodyPr wrap="none" anchor="ctr"/>
+            <a:lstStyle/>
+            <a:p>
+              <a:endParaRPr lang="en-US"/>
+            </a:p>
+          </p:txBody>
+        </p:sp>
+        <p:sp>
+          <p:nvSpPr>
+            <p:cNvPr id="65631" name="Oval 95"/>
+            <p:cNvSpPr>
+              <a:spLocks noChangeArrowheads="1"/>
+            </p:cNvSpPr>
+            <p:nvPr/>
+          </p:nvSpPr>
+          <p:spPr bwMode="auto">
+            <a:xfrm>
+              <a:off x="2958" y="2857"/>
+              <a:ext cx="31" cy="32"/>
+            </a:xfrm>
+            <a:prstGeom prst="ellipse">
+              <a:avLst/>
+            </a:prstGeom>
+            <a:solidFill>
+              <a:schemeClr val="bg1"/>
+            </a:solidFill>
+            <a:ln w="3175">
+              <a:solidFill>
+                <a:schemeClr val="bg1"/>
+              </a:solidFill>
+              <a:round/>
+              <a:headEnd/>
+              <a:tailEnd/>
+            </a:ln>
+            <a:effectLst/>
+            <a:extLst>
+              <a:ext uri="{AF507438-7753-43E0-B8FC-AC1667EBCBE1}">
+                <a14:hiddenEffects xmlns:a14="http://schemas.microsoft.com/office/drawing/2010/main">
+                  <a:effectLst>
+                    <a:outerShdw dist="35921" dir="2700000" algn="ctr" rotWithShape="0">
+                      <a:schemeClr val="bg2"/>
+                    </a:outerShdw>
+                  </a:effectLst>
+                </a14:hiddenEffects>
+              </a:ext>
+            </a:extLst>
+          </p:spPr>
+          <p:txBody>
+            <a:bodyPr wrap="none" anchor="ctr"/>
+            <a:lstStyle/>
+            <a:p>
+              <a:endParaRPr lang="en-US"/>
+            </a:p>
+          </p:txBody>
+        </p:sp>
+        <p:sp>
+          <p:nvSpPr>
+            <p:cNvPr id="65632" name="Oval 96"/>
+            <p:cNvSpPr>
+              <a:spLocks noChangeArrowheads="1"/>
+            </p:cNvSpPr>
+            <p:nvPr/>
+          </p:nvSpPr>
+          <p:spPr bwMode="auto">
+            <a:xfrm>
+              <a:off x="3025" y="2846"/>
+              <a:ext cx="32" cy="31"/>
+            </a:xfrm>
+            <a:prstGeom prst="ellipse">
+              <a:avLst/>
+            </a:prstGeom>
+            <a:solidFill>
+              <a:schemeClr val="bg1"/>
+            </a:solidFill>
+            <a:ln w="3175">
+              <a:solidFill>
+                <a:schemeClr val="bg1"/>
+              </a:solidFill>
+              <a:round/>
+              <a:headEnd/>
+              <a:tailEnd/>
+            </a:ln>
+            <a:effectLst/>
+            <a:extLst>
+              <a:ext uri="{AF507438-7753-43E0-B8FC-AC1667EBCBE1}">
+                <a14:hiddenEffects xmlns:a14="http://schemas.microsoft.com/office/drawing/2010/main">
+                  <a:effectLst>
+                    <a:outerShdw dist="35921" dir="2700000" algn="ctr" rotWithShape="0">
+                      <a:schemeClr val="bg2"/>
+                    </a:outerShdw>
+                  </a:effectLst>
+                </a14:hiddenEffects>
+              </a:ext>
+            </a:extLst>
+          </p:spPr>
+          <p:txBody>
+            <a:bodyPr wrap="none" anchor="ctr"/>
+            <a:lstStyle/>
+            <a:p>
+              <a:endParaRPr lang="en-US"/>
+            </a:p>
+          </p:txBody>
+        </p:sp>
+        <p:sp>
+          <p:nvSpPr>
+            <p:cNvPr id="65633" name="Oval 97"/>
+            <p:cNvSpPr>
+              <a:spLocks noChangeArrowheads="1"/>
+            </p:cNvSpPr>
+            <p:nvPr/>
+          </p:nvSpPr>
+          <p:spPr bwMode="auto">
+            <a:xfrm>
+              <a:off x="3081" y="2851"/>
+              <a:ext cx="32" cy="32"/>
+            </a:xfrm>
+            <a:prstGeom prst="ellipse">
+              <a:avLst/>
+            </a:prstGeom>
+            <a:solidFill>
+              <a:schemeClr val="bg1"/>
+            </a:solidFill>
+            <a:ln w="3175">
+              <a:solidFill>
+                <a:schemeClr val="bg1"/>
+              </a:solidFill>
+              <a:round/>
+              <a:headEnd/>
+              <a:tailEnd/>
+            </a:ln>
+            <a:effectLst/>
+            <a:extLst>
+              <a:ext uri="{AF507438-7753-43E0-B8FC-AC1667EBCBE1}">
+                <a14:hiddenEffects xmlns:a14="http://schemas.microsoft.com/office/drawing/2010/main">
+                  <a:effectLst>
+                    <a:outerShdw dist="35921" dir="2700000" algn="ctr" rotWithShape="0">
+                      <a:schemeClr val="bg2"/>
+                    </a:outerShdw>
+                  </a:effectLst>
+                </a14:hiddenEffects>
+              </a:ext>
+            </a:extLst>
+          </p:spPr>
+          <p:txBody>
+            <a:bodyPr wrap="none" anchor="ctr"/>
+            <a:lstStyle/>
+            <a:p>
+              <a:endParaRPr lang="en-US"/>
+            </a:p>
+          </p:txBody>
+        </p:sp>
+        <p:sp>
+          <p:nvSpPr>
+            <p:cNvPr id="65634" name="Oval 98"/>
+            <p:cNvSpPr>
+              <a:spLocks noChangeArrowheads="1"/>
+            </p:cNvSpPr>
+            <p:nvPr/>
+          </p:nvSpPr>
+          <p:spPr bwMode="auto">
+            <a:xfrm>
+              <a:off x="3138" y="2834"/>
+              <a:ext cx="31" cy="32"/>
+            </a:xfrm>
+            <a:prstGeom prst="ellipse">
+              <a:avLst/>
+            </a:prstGeom>
+            <a:solidFill>
+              <a:schemeClr val="bg1"/>
+            </a:solidFill>
+            <a:ln w="3175">
+              <a:solidFill>
+                <a:schemeClr val="bg1"/>
+              </a:solidFill>
+              <a:round/>
+              <a:headEnd/>
+              <a:tailEnd/>
+            </a:ln>
+            <a:effectLst/>
+            <a:extLst>
+              <a:ext uri="{AF507438-7753-43E0-B8FC-AC1667EBCBE1}">
+                <a14:hiddenEffects xmlns:a14="http://schemas.microsoft.com/office/drawing/2010/main">
+                  <a:effectLst>
+                    <a:outerShdw dist="35921" dir="2700000" algn="ctr" rotWithShape="0">
+                      <a:schemeClr val="bg2"/>
+                    </a:outerShdw>
+                  </a:effectLst>
+                </a14:hiddenEffects>
+              </a:ext>
+            </a:extLst>
+          </p:spPr>
+          <p:txBody>
+            <a:bodyPr wrap="none" anchor="ctr"/>
+            <a:lstStyle/>
+            <a:p>
+              <a:endParaRPr lang="en-US"/>
+            </a:p>
+          </p:txBody>
+        </p:sp>
+        <p:sp>
+          <p:nvSpPr>
+            <p:cNvPr id="65635" name="Oval 99"/>
+            <p:cNvSpPr>
+              <a:spLocks noChangeArrowheads="1"/>
+            </p:cNvSpPr>
+            <p:nvPr/>
+          </p:nvSpPr>
+          <p:spPr bwMode="auto">
+            <a:xfrm>
+              <a:off x="3194" y="2851"/>
+              <a:ext cx="32" cy="32"/>
+            </a:xfrm>
+            <a:prstGeom prst="ellipse">
+              <a:avLst/>
+            </a:prstGeom>
+            <a:solidFill>
+              <a:schemeClr val="bg1"/>
+            </a:solidFill>
+            <a:ln w="3175">
+              <a:solidFill>
+                <a:schemeClr val="bg1"/>
+              </a:solidFill>
+              <a:round/>
+              <a:headEnd/>
+              <a:tailEnd/>
+            </a:ln>
+            <a:effectLst/>
+            <a:extLst>
+              <a:ext uri="{AF507438-7753-43E0-B8FC-AC1667EBCBE1}">
+                <a14:hiddenEffects xmlns:a14="http://schemas.microsoft.com/office/drawing/2010/main">
+                  <a:effectLst>
+                    <a:outerShdw dist="35921" dir="2700000" algn="ctr" rotWithShape="0">
+                      <a:schemeClr val="bg2"/>
+                    </a:outerShdw>
+                  </a:effectLst>
+                </a14:hiddenEffects>
+              </a:ext>
+            </a:extLst>
+          </p:spPr>
+          <p:txBody>
+            <a:bodyPr wrap="none" anchor="ctr"/>
+            <a:lstStyle/>
+            <a:p>
+              <a:endParaRPr lang="en-US"/>
+            </a:p>
+          </p:txBody>
+        </p:sp>
+        <p:sp>
+          <p:nvSpPr>
+            <p:cNvPr id="65636" name="Oval 100"/>
+            <p:cNvSpPr>
+              <a:spLocks noChangeArrowheads="1"/>
+            </p:cNvSpPr>
+            <p:nvPr/>
+          </p:nvSpPr>
+          <p:spPr bwMode="auto">
+            <a:xfrm>
+              <a:off x="3250" y="2868"/>
+              <a:ext cx="32" cy="32"/>
+            </a:xfrm>
+            <a:prstGeom prst="ellipse">
+              <a:avLst/>
+            </a:prstGeom>
+            <a:solidFill>
+              <a:schemeClr val="bg1"/>
+            </a:solidFill>
+            <a:ln w="3175">
+              <a:solidFill>
+                <a:schemeClr val="bg1"/>
+              </a:solidFill>
+              <a:round/>
+              <a:headEnd/>
+              <a:tailEnd/>
+            </a:ln>
+            <a:effectLst/>
+            <a:extLst>
+              <a:ext uri="{AF507438-7753-43E0-B8FC-AC1667EBCBE1}">
+                <a14:hiddenEffects xmlns:a14="http://schemas.microsoft.com/office/drawing/2010/main">
+                  <a:effectLst>
+                    <a:outerShdw dist="35921" dir="2700000" algn="ctr" rotWithShape="0">
+                      <a:schemeClr val="bg2"/>
+                    </a:outerShdw>
+                  </a:effectLst>
+                </a14:hiddenEffects>
+              </a:ext>
+            </a:extLst>
+          </p:spPr>
+          <p:txBody>
+            <a:bodyPr wrap="none" anchor="ctr"/>
+            <a:lstStyle/>
+            <a:p>
+              <a:endParaRPr lang="en-US"/>
+            </a:p>
+          </p:txBody>
+        </p:sp>
+        <p:sp>
+          <p:nvSpPr>
+            <p:cNvPr id="65637" name="Oval 101"/>
+            <p:cNvSpPr>
+              <a:spLocks noChangeArrowheads="1"/>
+            </p:cNvSpPr>
+            <p:nvPr/>
+          </p:nvSpPr>
+          <p:spPr bwMode="auto">
+            <a:xfrm>
+              <a:off x="3250" y="3031"/>
+              <a:ext cx="32" cy="32"/>
+            </a:xfrm>
+            <a:prstGeom prst="ellipse">
+              <a:avLst/>
+            </a:prstGeom>
+            <a:solidFill>
+              <a:schemeClr val="bg1"/>
+            </a:solidFill>
+            <a:ln w="3175">
+              <a:solidFill>
+                <a:schemeClr val="bg1"/>
+              </a:solidFill>
+              <a:round/>
+              <a:headEnd/>
+              <a:tailEnd/>
+            </a:ln>
+            <a:effectLst/>
+            <a:extLst>
+              <a:ext uri="{AF507438-7753-43E0-B8FC-AC1667EBCBE1}">
+                <a14:hiddenEffects xmlns:a14="http://schemas.microsoft.com/office/drawing/2010/main">
+                  <a:effectLst>
+                    <a:outerShdw dist="35921" dir="2700000" algn="ctr" rotWithShape="0">
+                      <a:schemeClr val="bg2"/>
+                    </a:outerShdw>
+                  </a:effectLst>
+                </a14:hiddenEffects>
+              </a:ext>
+            </a:extLst>
+          </p:spPr>
+          <p:txBody>
+            <a:bodyPr wrap="none" anchor="ctr"/>
+            <a:lstStyle/>
+            <a:p>
+              <a:endParaRPr lang="en-US"/>
+            </a:p>
+          </p:txBody>
+        </p:sp>
+        <p:sp>
+          <p:nvSpPr>
+            <p:cNvPr id="65638" name="Oval 102"/>
+            <p:cNvSpPr>
+              <a:spLocks noChangeArrowheads="1"/>
+            </p:cNvSpPr>
+            <p:nvPr/>
+          </p:nvSpPr>
+          <p:spPr bwMode="auto">
+            <a:xfrm>
+              <a:off x="3272" y="2952"/>
+              <a:ext cx="32" cy="32"/>
+            </a:xfrm>
+            <a:prstGeom prst="ellipse">
+              <a:avLst/>
+            </a:prstGeom>
+            <a:solidFill>
+              <a:schemeClr val="bg1"/>
+            </a:solidFill>
+            <a:ln w="3175">
+              <a:solidFill>
+                <a:schemeClr val="bg1"/>
+              </a:solidFill>
+              <a:round/>
+              <a:headEnd/>
+              <a:tailEnd/>
+            </a:ln>
+            <a:effectLst/>
+            <a:extLst>
+              <a:ext uri="{AF507438-7753-43E0-B8FC-AC1667EBCBE1}">
+                <a14:hiddenEffects xmlns:a14="http://schemas.microsoft.com/office/drawing/2010/main">
+                  <a:effectLst>
+                    <a:outerShdw dist="35921" dir="2700000" algn="ctr" rotWithShape="0">
+                      <a:schemeClr val="bg2"/>
+                    </a:outerShdw>
+                  </a:effectLst>
+                </a14:hiddenEffects>
+              </a:ext>
+            </a:extLst>
+          </p:spPr>
+          <p:txBody>
+            <a:bodyPr wrap="none" anchor="ctr"/>
+            <a:lstStyle/>
+            <a:p>
+              <a:endParaRPr lang="en-US"/>
+            </a:p>
+          </p:txBody>
+        </p:sp>
+        <p:sp>
+          <p:nvSpPr>
+            <p:cNvPr id="65639" name="Oval 103"/>
+            <p:cNvSpPr>
+              <a:spLocks noChangeArrowheads="1"/>
+            </p:cNvSpPr>
+            <p:nvPr/>
+          </p:nvSpPr>
+          <p:spPr bwMode="auto">
+            <a:xfrm>
+              <a:off x="3211" y="3048"/>
+              <a:ext cx="31" cy="32"/>
+            </a:xfrm>
+            <a:prstGeom prst="ellipse">
+              <a:avLst/>
+            </a:prstGeom>
+            <a:solidFill>
+              <a:schemeClr val="bg1"/>
+            </a:solidFill>
+            <a:ln w="3175">
+              <a:solidFill>
+                <a:schemeClr val="bg1"/>
+              </a:solidFill>
+              <a:round/>
+              <a:headEnd/>
+              <a:tailEnd/>
+            </a:ln>
+            <a:effectLst/>
+            <a:extLst>
+              <a:ext uri="{AF507438-7753-43E0-B8FC-AC1667EBCBE1}">
+                <a14:hiddenEffects xmlns:a14="http://schemas.microsoft.com/office/drawing/2010/main">
+                  <a:effectLst>
+                    <a:outerShdw dist="35921" dir="2700000" algn="ctr" rotWithShape="0">
+                      <a:schemeClr val="bg2"/>
+                    </a:outerShdw>
+                  </a:effectLst>
+                </a14:hiddenEffects>
+              </a:ext>
+            </a:extLst>
+          </p:spPr>
+          <p:txBody>
+            <a:bodyPr wrap="none" anchor="ctr"/>
+            <a:lstStyle/>
+            <a:p>
+              <a:endParaRPr lang="en-US"/>
+            </a:p>
+          </p:txBody>
+        </p:sp>
+        <p:sp>
+          <p:nvSpPr>
+            <p:cNvPr id="65640" name="Oval 104"/>
+            <p:cNvSpPr>
+              <a:spLocks noChangeArrowheads="1"/>
+            </p:cNvSpPr>
+            <p:nvPr/>
+          </p:nvSpPr>
+          <p:spPr bwMode="auto">
+            <a:xfrm>
+              <a:off x="3149" y="3144"/>
+              <a:ext cx="32" cy="31"/>
+            </a:xfrm>
+            <a:prstGeom prst="ellipse">
+              <a:avLst/>
+            </a:prstGeom>
+            <a:solidFill>
+              <a:schemeClr val="bg1"/>
+            </a:solidFill>
+            <a:ln w="3175">
+              <a:solidFill>
+                <a:schemeClr val="bg1"/>
+              </a:solidFill>
+              <a:round/>
+              <a:headEnd/>
+              <a:tailEnd/>
+            </a:ln>
+            <a:effectLst/>
+            <a:extLst>
+              <a:ext uri="{AF507438-7753-43E0-B8FC-AC1667EBCBE1}">
+                <a14:hiddenEffects xmlns:a14="http://schemas.microsoft.com/office/drawing/2010/main">
+                  <a:effectLst>
+                    <a:outerShdw dist="35921" dir="2700000" algn="ctr" rotWithShape="0">
+                      <a:schemeClr val="bg2"/>
+                    </a:outerShdw>
+                  </a:effectLst>
+                </a14:hiddenEffects>
+              </a:ext>
+            </a:extLst>
+          </p:spPr>
+          <p:txBody>
+            <a:bodyPr wrap="none" anchor="ctr"/>
+            <a:lstStyle/>
+            <a:p>
+              <a:endParaRPr lang="en-US"/>
+            </a:p>
+          </p:txBody>
+        </p:sp>
+      </p:grpSp>
+      <p:graphicFrame>
+        <p:nvGraphicFramePr>
+          <p:cNvPr id="65643" name="Object 107"/>
+          <p:cNvGraphicFramePr>
+            <a:graphicFrameLocks noChangeAspect="1"/>
+          </p:cNvGraphicFramePr>
+          <p:nvPr/>
+        </p:nvGraphicFramePr>
+        <p:xfrm>
+          <a:off x="4787900" y="3195638"/>
+          <a:ext cx="533400" cy="368300"/>
+        </p:xfrm>
+        <a:graphic>
+          <a:graphicData uri="http://schemas.openxmlformats.org/presentationml/2006/ole">
+            <mc:AlternateContent xmlns:mc="http://schemas.openxmlformats.org/markup-compatibility/2006">
+              <mc:Choice xmlns:v="urn:schemas-microsoft-com:vml" Requires="v">
+                <p:oleObj spid="_x0000_s1028" name="Equation" r:id="rId4" imgW="533160" imgH="368280" progId="Equation.DSMT4">
+                  <p:embed/>
+                </p:oleObj>
+              </mc:Choice>
+              <mc:Fallback>
+                <p:oleObj name="Equation" r:id="rId4" imgW="533160" imgH="368280" progId="Equation.DSMT4">
+                  <p:embed/>
+                  <p:pic>
+                    <p:nvPicPr>
+                      <p:cNvPr id="65643" name="Object 107"/>
+                      <p:cNvPicPr>
+                        <a:picLocks noChangeAspect="1" noChangeArrowheads="1"/>
+                      </p:cNvPicPr>
+                      <p:nvPr/>
+                    </p:nvPicPr>
+                    <p:blipFill>
+                      <a:blip r:embed="rId5">
+                        <a:extLst>
+                          <a:ext uri="{28A0092B-C50C-407E-A947-70E740481C1C}">
+                            <a14:useLocalDpi xmlns:a14="http://schemas.microsoft.com/office/drawing/2010/main" val="0"/>
+                          </a:ext>
+                        </a:extLst>
+                      </a:blip>
+                      <a:srcRect/>
+                      <a:stretch>
+                        <a:fillRect/>
+                      </a:stretch>
+                    </p:blipFill>
+                    <p:spPr bwMode="auto">
+                      <a:xfrm>
+                        <a:off x="4787900" y="3195638"/>
+                        <a:ext cx="533400" cy="368300"/>
+                      </a:xfrm>
+                      <a:prstGeom prst="rect">
+                        <a:avLst/>
+                      </a:prstGeom>
+                      <a:noFill/>
+                      <a:ln>
+                        <a:noFill/>
+                      </a:ln>
+                      <a:effectLst/>
+                      <a:extLst>
+                        <a:ext uri="{909E8E84-426E-40DD-AFC4-6F175D3DCCD1}">
+                          <a14:hiddenFill xmlns:a14="http://schemas.microsoft.com/office/drawing/2010/main">
+                            <a:solidFill>
+                              <a:schemeClr val="bg1"/>
+                            </a:solidFill>
+                          </a14:hiddenFill>
+                        </a:ext>
+                        <a:ext uri="{91240B29-F687-4F45-9708-019B960494DF}">
+                          <a14:hiddenLine xmlns:a14="http://schemas.microsoft.com/office/drawing/2010/main" w="12700">
+                            <a:solidFill>
+                              <a:schemeClr val="tx1"/>
+                            </a:solidFill>
+                            <a:miter lim="800000"/>
+                            <a:headEnd type="none" w="lg" len="med"/>
+                            <a:tailEnd type="none" w="lg" len="med"/>
+                          </a14:hiddenLine>
+                        </a:ext>
+                        <a:ext uri="{AF507438-7753-43E0-B8FC-AC1667EBCBE1}">
+                          <a14:hiddenEffects xmlns:a14="http://schemas.microsoft.com/office/drawing/2010/main">
+                            <a:effectLst>
+                              <a:outerShdw dist="35921" dir="2700000" algn="ctr" rotWithShape="0">
+                                <a:schemeClr val="bg2"/>
+                              </a:outerShdw>
+                            </a:effectLst>
+                          </a14:hiddenEffects>
+                        </a:ext>
+                      </a:extLst>
+                    </p:spPr>
+                  </p:pic>
+                </p:oleObj>
+              </mc:Fallback>
+            </mc:AlternateContent>
+          </a:graphicData>
+        </a:graphic>
+      </p:graphicFrame>
+      <p:sp>
+        <p:nvSpPr>
+          <p:cNvPr id="65644" name="Line 108"/>
+          <p:cNvSpPr>
+            <a:spLocks noChangeShapeType="1"/>
+          </p:cNvSpPr>
+          <p:nvPr/>
+        </p:nvSpPr>
+        <p:spPr bwMode="auto">
+          <a:xfrm flipV="1">
+            <a:off x="5000625" y="3567113"/>
+            <a:ext cx="0" cy="304800"/>
+          </a:xfrm>
+          <a:prstGeom prst="line">
+            <a:avLst/>
+          </a:prstGeom>
+          <a:noFill/>
+          <a:ln w="12700">
+            <a:solidFill>
+              <a:schemeClr val="tx1"/>
+            </a:solidFill>
+            <a:round/>
+            <a:headEnd/>
+            <a:tailEnd type="triangle" w="med" len="med"/>
+          </a:ln>
+          <a:effectLst/>
+          <a:extLst>
+            <a:ext uri="{909E8E84-426E-40DD-AFC4-6F175D3DCCD1}">
+              <a14:hiddenFill xmlns:a14="http://schemas.microsoft.com/office/drawing/2010/main">
+                <a:noFill/>
+              </a14:hiddenFill>
+            </a:ext>
+            <a:ext uri="{AF507438-7753-43E0-B8FC-AC1667EBCBE1}">
+              <a14:hiddenEffects xmlns:a14="http://schemas.microsoft.com/office/drawing/2010/main">
+                <a:effectLst>
+                  <a:outerShdw dist="35921" dir="2700000" algn="ctr" rotWithShape="0">
+                    <a:schemeClr val="bg2"/>
+                  </a:outerShdw>
+                </a:effectLst>
+              </a14:hiddenEffects>
+            </a:ext>
+          </a:extLst>
+        </p:spPr>
+        <p:txBody>
+          <a:bodyPr wrap="none" anchor="ctr">
+            <a:spAutoFit/>
+          </a:bodyPr>
+          <a:lstStyle/>
+          <a:p>
+            <a:endParaRPr lang="en-US"/>
+          </a:p>
+        </p:txBody>
+      </p:sp>
+      <p:sp>
+        <p:nvSpPr>
+          <p:cNvPr id="65736" name="Text Box 200"/>
+          <p:cNvSpPr txBox="1">
+            <a:spLocks noChangeArrowheads="1"/>
+          </p:cNvSpPr>
+          <p:nvPr/>
+        </p:nvSpPr>
+        <p:spPr bwMode="auto">
+          <a:xfrm>
+            <a:off x="4243388" y="4937125"/>
+            <a:ext cx="565150" cy="457200"/>
+          </a:xfrm>
+          <a:prstGeom prst="rect">
+            <a:avLst/>
+          </a:prstGeom>
+          <a:noFill/>
+          <a:ln>
+            <a:noFill/>
+          </a:ln>
+          <a:effectLst/>
+          <a:extLst>
+            <a:ext uri="{909E8E84-426E-40DD-AFC4-6F175D3DCCD1}">
+              <a14:hiddenFill xmlns:a14="http://schemas.microsoft.com/office/drawing/2010/main">
+                <a:solidFill>
+                  <a:schemeClr val="bg1"/>
+                </a:solidFill>
+              </a14:hiddenFill>
+            </a:ext>
+            <a:ext uri="{91240B29-F687-4F45-9708-019B960494DF}">
+              <a14:hiddenLine xmlns:a14="http://schemas.microsoft.com/office/drawing/2010/main" w="12700">
+                <a:solidFill>
+                  <a:schemeClr val="tx1"/>
+                </a:solidFill>
+                <a:miter lim="800000"/>
+                <a:headEnd/>
+                <a:tailEnd/>
+              </a14:hiddenLine>
+            </a:ext>
+            <a:ext uri="{AF507438-7753-43E0-B8FC-AC1667EBCBE1}">
+              <a14:hiddenEffects xmlns:a14="http://schemas.microsoft.com/office/drawing/2010/main">
+                <a:effectLst>
+                  <a:outerShdw dist="35921" dir="2700000" algn="ctr" rotWithShape="0">
+                    <a:schemeClr val="bg2"/>
+                  </a:outerShdw>
+                </a:effectLst>
+              </a14:hiddenEffects>
+            </a:ext>
+          </a:extLst>
+        </p:spPr>
+        <p:txBody>
+          <a:bodyPr wrap="none">
+            <a:spAutoFit/>
+          </a:bodyPr>
+          <a:lstStyle/>
+          <a:p>
+            <a:r>
+              <a:rPr lang="en-US" altLang="en-US" sz="2400"/>
+              <a:t>4 h</a:t>
+            </a:r>
+          </a:p>
+        </p:txBody>
+      </p:sp>
+      <p:sp>
+        <p:nvSpPr>
+          <p:cNvPr id="65742" name="Freeform 206"/>
+          <p:cNvSpPr>
+            <a:spLocks/>
+          </p:cNvSpPr>
+          <p:nvPr/>
+        </p:nvSpPr>
+        <p:spPr bwMode="auto">
+          <a:xfrm>
+            <a:off x="1279525" y="4840288"/>
+            <a:ext cx="7864475" cy="2017712"/>
+          </a:xfrm>
+          <a:custGeom>
+            <a:avLst/>
+            <a:gdLst>
+              <a:gd name="T0" fmla="*/ 4522 w 4954"/>
+              <a:gd name="T1" fmla="*/ 0 h 599"/>
+              <a:gd name="T2" fmla="*/ 4315 w 4954"/>
+              <a:gd name="T3" fmla="*/ 521 h 599"/>
+              <a:gd name="T4" fmla="*/ 690 w 4954"/>
+              <a:gd name="T5" fmla="*/ 468 h 599"/>
+              <a:gd name="T6" fmla="*/ 173 w 4954"/>
+              <a:gd name="T7" fmla="*/ 23 h 599"/>
+            </a:gdLst>
+            <a:ahLst/>
+            <a:cxnLst>
+              <a:cxn ang="0">
+                <a:pos x="T0" y="T1"/>
+              </a:cxn>
+              <a:cxn ang="0">
+                <a:pos x="T2" y="T3"/>
+              </a:cxn>
+              <a:cxn ang="0">
+                <a:pos x="T4" y="T5"/>
+              </a:cxn>
+              <a:cxn ang="0">
+                <a:pos x="T6" y="T7"/>
+              </a:cxn>
+            </a:cxnLst>
+            <a:rect l="0" t="0" r="r" b="b"/>
+            <a:pathLst>
+              <a:path w="4954" h="599">
+                <a:moveTo>
+                  <a:pt x="4522" y="0"/>
+                </a:moveTo>
+                <a:cubicBezTo>
+                  <a:pt x="4684" y="15"/>
+                  <a:pt x="4954" y="443"/>
+                  <a:pt x="4315" y="521"/>
+                </a:cubicBezTo>
+                <a:cubicBezTo>
+                  <a:pt x="3677" y="599"/>
+                  <a:pt x="1380" y="551"/>
+                  <a:pt x="690" y="468"/>
+                </a:cubicBezTo>
+                <a:cubicBezTo>
+                  <a:pt x="0" y="385"/>
+                  <a:pt x="178" y="276"/>
+                  <a:pt x="173" y="23"/>
+                </a:cubicBezTo>
+              </a:path>
+            </a:pathLst>
+          </a:custGeom>
+          <a:noFill/>
+          <a:ln w="28575" cap="flat" cmpd="sng">
+            <a:solidFill>
+              <a:schemeClr val="tx1"/>
+            </a:solidFill>
+            <a:prstDash val="solid"/>
+            <a:round/>
+            <a:headEnd/>
+            <a:tailEnd type="triangle" w="med" len="med"/>
+          </a:ln>
+          <a:effectLst/>
+          <a:extLst>
+            <a:ext uri="{909E8E84-426E-40DD-AFC4-6F175D3DCCD1}">
+              <a14:hiddenFill xmlns:a14="http://schemas.microsoft.com/office/drawing/2010/main">
+                <a:solidFill>
+                  <a:schemeClr val="bg1"/>
+                </a:solidFill>
+              </a14:hiddenFill>
+            </a:ext>
+            <a:ext uri="{AF507438-7753-43E0-B8FC-AC1667EBCBE1}">
+              <a14:hiddenEffects xmlns:a14="http://schemas.microsoft.com/office/drawing/2010/main">
+                <a:effectLst>
+                  <a:outerShdw dist="35921" dir="2700000" algn="ctr" rotWithShape="0">
+                    <a:schemeClr val="bg2"/>
+                  </a:outerShdw>
+                </a:effectLst>
+              </a14:hiddenEffects>
+            </a:ext>
+          </a:extLst>
+        </p:spPr>
+        <p:txBody>
+          <a:bodyPr anchor="ctr">
+            <a:spAutoFit/>
+          </a:bodyPr>
+          <a:lstStyle/>
+          <a:p>
+            <a:endParaRPr lang="en-US"/>
+          </a:p>
+        </p:txBody>
+      </p:sp>
+      <p:sp>
+        <p:nvSpPr>
+          <p:cNvPr id="65743" name="Text Box 207"/>
+          <p:cNvSpPr txBox="1">
+            <a:spLocks noChangeArrowheads="1"/>
+          </p:cNvSpPr>
+          <p:nvPr/>
+        </p:nvSpPr>
+        <p:spPr bwMode="auto">
+          <a:xfrm>
+            <a:off x="4554538" y="3783013"/>
+            <a:ext cx="930275" cy="457200"/>
+          </a:xfrm>
+          <a:prstGeom prst="rect">
+            <a:avLst/>
+          </a:prstGeom>
+          <a:noFill/>
+          <a:ln>
+            <a:noFill/>
+          </a:ln>
+          <a:effectLst>
+            <a:outerShdw dist="35921" dir="2700000" algn="ctr" rotWithShape="0">
+              <a:schemeClr val="bg2"/>
+            </a:outerShdw>
+          </a:effectLst>
+          <a:extLst>
+            <a:ext uri="{909E8E84-426E-40DD-AFC4-6F175D3DCCD1}">
+              <a14:hiddenFill xmlns:a14="http://schemas.microsoft.com/office/drawing/2010/main">
+                <a:solidFill>
+                  <a:schemeClr val="bg1"/>
+                </a:solidFill>
+              </a14:hiddenFill>
+            </a:ext>
+            <a:ext uri="{91240B29-F687-4F45-9708-019B960494DF}">
+              <a14:hiddenLine xmlns:a14="http://schemas.microsoft.com/office/drawing/2010/main" w="12700">
+                <a:solidFill>
+                  <a:schemeClr val="tx1"/>
+                </a:solidFill>
+                <a:miter lim="800000"/>
+                <a:headEnd/>
+                <a:tailEnd/>
+              </a14:hiddenLine>
+            </a:ext>
+          </a:extLst>
+        </p:spPr>
+        <p:txBody>
+          <a:bodyPr wrap="none">
+            <a:spAutoFit/>
+          </a:bodyPr>
+          <a:lstStyle/>
+          <a:p>
+            <a:r>
+              <a:rPr lang="en-US" altLang="en-US" sz="2400">
+                <a:solidFill>
+                  <a:schemeClr val="accent1"/>
+                </a:solidFill>
+              </a:rPr>
+              <a:t>BOD</a:t>
+            </a:r>
+            <a:r>
+              <a:rPr lang="en-US" altLang="en-US" sz="2400" baseline="30000">
+                <a:solidFill>
+                  <a:schemeClr val="accent1"/>
+                </a:solidFill>
+              </a:rPr>
+              <a:t>0</a:t>
+            </a:r>
+            <a:endParaRPr lang="en-US" altLang="en-US" sz="2400">
+              <a:solidFill>
+                <a:schemeClr val="accent1"/>
+              </a:solidFill>
+            </a:endParaRPr>
+          </a:p>
+        </p:txBody>
+      </p:sp>
+      <p:sp>
+        <p:nvSpPr>
+          <p:cNvPr id="65747" name="Text Box 211"/>
+          <p:cNvSpPr txBox="1">
+            <a:spLocks noChangeArrowheads="1"/>
+          </p:cNvSpPr>
+          <p:nvPr/>
+        </p:nvSpPr>
+        <p:spPr bwMode="auto">
+          <a:xfrm>
+            <a:off x="3878263" y="4327525"/>
+            <a:ext cx="1233487" cy="457200"/>
+          </a:xfrm>
+          <a:prstGeom prst="rect">
+            <a:avLst/>
+          </a:prstGeom>
+          <a:noFill/>
+          <a:ln>
+            <a:noFill/>
+          </a:ln>
+          <a:effectLst>
+            <a:outerShdw dist="35921" dir="2700000" algn="ctr" rotWithShape="0">
+              <a:schemeClr val="bg2"/>
+            </a:outerShdw>
+          </a:effectLst>
+          <a:extLst>
+            <a:ext uri="{909E8E84-426E-40DD-AFC4-6F175D3DCCD1}">
+              <a14:hiddenFill xmlns:a14="http://schemas.microsoft.com/office/drawing/2010/main">
+                <a:solidFill>
+                  <a:schemeClr val="bg1"/>
+                </a:solidFill>
+              </a14:hiddenFill>
+            </a:ext>
+            <a:ext uri="{91240B29-F687-4F45-9708-019B960494DF}">
+              <a14:hiddenLine xmlns:a14="http://schemas.microsoft.com/office/drawing/2010/main" w="12700">
+                <a:solidFill>
+                  <a:schemeClr val="tx1"/>
+                </a:solidFill>
+                <a:miter lim="800000"/>
+                <a:headEnd/>
+                <a:tailEnd/>
+              </a14:hiddenLine>
+            </a:ext>
+          </a:extLst>
+        </p:spPr>
+        <p:txBody>
+          <a:bodyPr wrap="none">
+            <a:spAutoFit/>
+          </a:bodyPr>
+          <a:lstStyle/>
+          <a:p>
+            <a:r>
+              <a:rPr lang="en-US" altLang="en-US" sz="2400">
+                <a:solidFill>
+                  <a:schemeClr val="accent1"/>
+                </a:solidFill>
+              </a:rPr>
+              <a:t>Biomass</a:t>
+            </a:r>
+          </a:p>
+        </p:txBody>
+      </p:sp>
+      <p:sp>
+        <p:nvSpPr>
+          <p:cNvPr id="65752" name="Rectangle 216"/>
+          <p:cNvSpPr>
+            <a:spLocks noChangeArrowheads="1"/>
+          </p:cNvSpPr>
+          <p:nvPr/>
+        </p:nvSpPr>
+        <p:spPr bwMode="auto">
+          <a:xfrm>
+            <a:off x="434975" y="3757613"/>
+            <a:ext cx="1560513" cy="765175"/>
+          </a:xfrm>
+          <a:prstGeom prst="rect">
+            <a:avLst/>
+          </a:prstGeom>
+          <a:solidFill>
+            <a:schemeClr val="bg1"/>
+          </a:solidFill>
+          <a:ln>
+            <a:noFill/>
+          </a:ln>
+          <a:effectLst/>
+          <a:extLst>
+            <a:ext uri="{91240B29-F687-4F45-9708-019B960494DF}">
+              <a14:hiddenLine xmlns:a14="http://schemas.microsoft.com/office/drawing/2010/main" w="57150">
+                <a:solidFill>
+                  <a:schemeClr val="bg1"/>
+                </a:solidFill>
+                <a:miter lim="800000"/>
+                <a:headEnd/>
+                <a:tailEnd/>
+              </a14:hiddenLine>
+            </a:ext>
+            <a:ext uri="{AF507438-7753-43E0-B8FC-AC1667EBCBE1}">
+              <a14:hiddenEffects xmlns:a14="http://schemas.microsoft.com/office/drawing/2010/main">
+                <a:effectLst>
+                  <a:outerShdw dist="35921" dir="2700000" algn="ctr" rotWithShape="0">
+                    <a:schemeClr val="bg2"/>
+                  </a:outerShdw>
+                </a:effectLst>
+              </a14:hiddenEffects>
+            </a:ext>
+          </a:extLst>
+        </p:spPr>
+        <p:txBody>
+          <a:bodyPr anchor="ctr">
+            <a:spAutoFit/>
+          </a:bodyPr>
+          <a:lstStyle/>
+          <a:p>
+            <a:endParaRPr lang="en-US"/>
+          </a:p>
+        </p:txBody>
+      </p:sp>
+      <p:sp>
+        <p:nvSpPr>
+          <p:cNvPr id="65754" name="Rectangle 218"/>
+          <p:cNvSpPr>
+            <a:spLocks noChangeArrowheads="1"/>
+          </p:cNvSpPr>
+          <p:nvPr/>
+        </p:nvSpPr>
+        <p:spPr bwMode="auto">
+          <a:xfrm>
+            <a:off x="434975" y="3963988"/>
+            <a:ext cx="1560513" cy="560387"/>
+          </a:xfrm>
+          <a:prstGeom prst="rect">
+            <a:avLst/>
+          </a:prstGeom>
+          <a:solidFill>
+            <a:schemeClr val="hlink"/>
+          </a:solidFill>
+          <a:ln>
+            <a:noFill/>
+          </a:ln>
+          <a:effectLst/>
+          <a:extLst>
+            <a:ext uri="{91240B29-F687-4F45-9708-019B960494DF}">
+              <a14:hiddenLine xmlns:a14="http://schemas.microsoft.com/office/drawing/2010/main" w="57150">
+                <a:solidFill>
+                  <a:schemeClr val="bg1"/>
+                </a:solidFill>
+                <a:miter lim="800000"/>
+                <a:headEnd/>
+                <a:tailEnd/>
+              </a14:hiddenLine>
+            </a:ext>
+            <a:ext uri="{AF507438-7753-43E0-B8FC-AC1667EBCBE1}">
+              <a14:hiddenEffects xmlns:a14="http://schemas.microsoft.com/office/drawing/2010/main">
+                <a:effectLst>
+                  <a:outerShdw dist="35921" dir="2700000" algn="ctr" rotWithShape="0">
+                    <a:schemeClr val="bg2"/>
+                  </a:outerShdw>
+                </a:effectLst>
+              </a14:hiddenEffects>
+            </a:ext>
+          </a:extLst>
+        </p:spPr>
+        <p:txBody>
+          <a:bodyPr anchor="ctr">
+            <a:spAutoFit/>
+          </a:bodyPr>
+          <a:lstStyle/>
+          <a:p>
+            <a:endParaRPr lang="en-US"/>
+          </a:p>
+        </p:txBody>
+      </p:sp>
+      <p:sp>
+        <p:nvSpPr>
+          <p:cNvPr id="65755" name="AutoShape 219" descr="Trellis"/>
+          <p:cNvSpPr>
+            <a:spLocks noChangeArrowheads="1"/>
+          </p:cNvSpPr>
+          <p:nvPr/>
+        </p:nvSpPr>
+        <p:spPr bwMode="auto">
+          <a:xfrm>
+            <a:off x="2085975" y="3640138"/>
+            <a:ext cx="1600200" cy="1219200"/>
+          </a:xfrm>
+          <a:prstGeom prst="roundRect">
+            <a:avLst>
+              <a:gd name="adj" fmla="val 12500"/>
+            </a:avLst>
+          </a:prstGeom>
+          <a:pattFill prst="trellis">
+            <a:fgClr>
+              <a:schemeClr val="accent2"/>
+            </a:fgClr>
+            <a:bgClr>
+              <a:schemeClr val="hlink"/>
+            </a:bgClr>
+          </a:pattFill>
+          <a:ln w="38100">
+            <a:solidFill>
+              <a:schemeClr val="tx1"/>
+            </a:solidFill>
+            <a:round/>
+            <a:headEnd/>
+            <a:tailEnd/>
+          </a:ln>
+          <a:effectLst/>
+          <a:extLst>
+            <a:ext uri="{AF507438-7753-43E0-B8FC-AC1667EBCBE1}">
+              <a14:hiddenEffects xmlns:a14="http://schemas.microsoft.com/office/drawing/2010/main">
+                <a:effectLst>
+                  <a:outerShdw dist="35921" dir="2700000" algn="ctr" rotWithShape="0">
+                    <a:schemeClr val="bg2"/>
+                  </a:outerShdw>
+                </a:effectLst>
+              </a14:hiddenEffects>
+            </a:ext>
+          </a:extLst>
+        </p:spPr>
+        <p:txBody>
+          <a:bodyPr wrap="none" anchor="ctr">
+            <a:spAutoFit/>
+          </a:bodyPr>
+          <a:lstStyle/>
+          <a:p>
+            <a:endParaRPr lang="en-US"/>
+          </a:p>
+        </p:txBody>
+      </p:sp>
+      <p:sp>
+        <p:nvSpPr>
+          <p:cNvPr id="65756" name="Rectangle 220"/>
+          <p:cNvSpPr>
+            <a:spLocks noChangeArrowheads="1"/>
+          </p:cNvSpPr>
+          <p:nvPr/>
+        </p:nvSpPr>
+        <p:spPr bwMode="auto">
+          <a:xfrm>
+            <a:off x="2085975" y="3627438"/>
+            <a:ext cx="1600200" cy="152400"/>
+          </a:xfrm>
+          <a:prstGeom prst="rect">
+            <a:avLst/>
+          </a:prstGeom>
+          <a:solidFill>
+            <a:schemeClr val="bg1"/>
+          </a:solidFill>
+          <a:ln w="57150">
+            <a:solidFill>
+              <a:schemeClr val="bg1"/>
+            </a:solidFill>
+            <a:miter lim="800000"/>
+            <a:headEnd/>
+            <a:tailEnd/>
+          </a:ln>
+          <a:effectLst/>
+          <a:extLst>
+            <a:ext uri="{AF507438-7753-43E0-B8FC-AC1667EBCBE1}">
+              <a14:hiddenEffects xmlns:a14="http://schemas.microsoft.com/office/drawing/2010/main">
+                <a:effectLst>
+                  <a:outerShdw dist="35921" dir="2700000" algn="ctr" rotWithShape="0">
+                    <a:schemeClr val="bg2"/>
+                  </a:outerShdw>
+                </a:effectLst>
+              </a14:hiddenEffects>
+            </a:ext>
+          </a:extLst>
+        </p:spPr>
+        <p:txBody>
+          <a:bodyPr wrap="none" anchor="ctr">
+            <a:spAutoFit/>
+          </a:bodyPr>
+          <a:lstStyle/>
+          <a:p>
+            <a:endParaRPr lang="en-US"/>
+          </a:p>
+        </p:txBody>
+      </p:sp>
+      <p:sp>
+        <p:nvSpPr>
+          <p:cNvPr id="65757" name="Line 221"/>
+          <p:cNvSpPr>
+            <a:spLocks noChangeShapeType="1"/>
+          </p:cNvSpPr>
+          <p:nvPr/>
+        </p:nvSpPr>
+        <p:spPr bwMode="auto">
+          <a:xfrm flipV="1">
+            <a:off x="2085975" y="3716338"/>
+            <a:ext cx="0" cy="152400"/>
+          </a:xfrm>
+          <a:prstGeom prst="line">
+            <a:avLst/>
+          </a:prstGeom>
+          <a:noFill/>
+          <a:ln w="38100">
+            <a:solidFill>
+              <a:schemeClr val="tx1"/>
+            </a:solidFill>
+            <a:round/>
+            <a:headEnd/>
+            <a:tailEnd/>
+          </a:ln>
+          <a:effectLst/>
+          <a:extLst>
+            <a:ext uri="{909E8E84-426E-40DD-AFC4-6F175D3DCCD1}">
+              <a14:hiddenFill xmlns:a14="http://schemas.microsoft.com/office/drawing/2010/main">
+                <a:noFill/>
+              </a14:hiddenFill>
+            </a:ext>
+            <a:ext uri="{AF507438-7753-43E0-B8FC-AC1667EBCBE1}">
+              <a14:hiddenEffects xmlns:a14="http://schemas.microsoft.com/office/drawing/2010/main">
+                <a:effectLst>
+                  <a:outerShdw dist="35921" dir="2700000" algn="ctr" rotWithShape="0">
+                    <a:schemeClr val="bg2"/>
+                  </a:outerShdw>
+                </a:effectLst>
+              </a14:hiddenEffects>
+            </a:ext>
+          </a:extLst>
+        </p:spPr>
+        <p:txBody>
+          <a:bodyPr wrap="none" anchor="ctr">
+            <a:spAutoFit/>
+          </a:bodyPr>
+          <a:lstStyle/>
+          <a:p>
+            <a:endParaRPr lang="en-US"/>
+          </a:p>
+        </p:txBody>
+      </p:sp>
+      <p:sp>
+        <p:nvSpPr>
+          <p:cNvPr id="65758" name="Line 222"/>
+          <p:cNvSpPr>
+            <a:spLocks noChangeShapeType="1"/>
+          </p:cNvSpPr>
+          <p:nvPr/>
+        </p:nvSpPr>
+        <p:spPr bwMode="auto">
+          <a:xfrm flipV="1">
+            <a:off x="3686175" y="3716338"/>
+            <a:ext cx="0" cy="152400"/>
+          </a:xfrm>
+          <a:prstGeom prst="line">
+            <a:avLst/>
+          </a:prstGeom>
+          <a:noFill/>
+          <a:ln w="38100">
+            <a:solidFill>
+              <a:schemeClr val="tx1"/>
+            </a:solidFill>
+            <a:round/>
+            <a:headEnd/>
+            <a:tailEnd/>
+          </a:ln>
+          <a:effectLst/>
+          <a:extLst>
+            <a:ext uri="{909E8E84-426E-40DD-AFC4-6F175D3DCCD1}">
+              <a14:hiddenFill xmlns:a14="http://schemas.microsoft.com/office/drawing/2010/main">
+                <a:noFill/>
+              </a14:hiddenFill>
+            </a:ext>
+            <a:ext uri="{AF507438-7753-43E0-B8FC-AC1667EBCBE1}">
+              <a14:hiddenEffects xmlns:a14="http://schemas.microsoft.com/office/drawing/2010/main">
+                <a:effectLst>
+                  <a:outerShdw dist="35921" dir="2700000" algn="ctr" rotWithShape="0">
+                    <a:schemeClr val="bg2"/>
+                  </a:outerShdw>
+                </a:effectLst>
+              </a14:hiddenEffects>
+            </a:ext>
+          </a:extLst>
+        </p:spPr>
+        <p:txBody>
+          <a:bodyPr wrap="none" anchor="ctr">
+            <a:spAutoFit/>
+          </a:bodyPr>
+          <a:lstStyle/>
+          <a:p>
+            <a:endParaRPr lang="en-US"/>
+          </a:p>
+        </p:txBody>
+      </p:sp>
+      <p:sp>
+        <p:nvSpPr>
+          <p:cNvPr id="65760" name="Rectangle 224"/>
+          <p:cNvSpPr>
+            <a:spLocks noChangeArrowheads="1"/>
+          </p:cNvSpPr>
+          <p:nvPr/>
+        </p:nvSpPr>
+        <p:spPr bwMode="auto">
+          <a:xfrm>
+            <a:off x="2105025" y="3946525"/>
+            <a:ext cx="1565275" cy="557213"/>
+          </a:xfrm>
+          <a:prstGeom prst="rect">
+            <a:avLst/>
+          </a:prstGeom>
+          <a:solidFill>
+            <a:schemeClr val="hlink"/>
+          </a:solidFill>
+          <a:ln>
+            <a:noFill/>
+          </a:ln>
+          <a:effectLst/>
+          <a:extLst>
+            <a:ext uri="{91240B29-F687-4F45-9708-019B960494DF}">
+              <a14:hiddenLine xmlns:a14="http://schemas.microsoft.com/office/drawing/2010/main" w="57150">
+                <a:solidFill>
+                  <a:schemeClr val="bg1"/>
+                </a:solidFill>
+                <a:miter lim="800000"/>
+                <a:headEnd/>
+                <a:tailEnd/>
+              </a14:hiddenLine>
+            </a:ext>
+            <a:ext uri="{AF507438-7753-43E0-B8FC-AC1667EBCBE1}">
+              <a14:hiddenEffects xmlns:a14="http://schemas.microsoft.com/office/drawing/2010/main">
+                <a:effectLst>
+                  <a:outerShdw dist="35921" dir="2700000" algn="ctr" rotWithShape="0">
+                    <a:schemeClr val="bg2"/>
+                  </a:outerShdw>
+                </a:effectLst>
+              </a14:hiddenEffects>
+            </a:ext>
+          </a:extLst>
+        </p:spPr>
+        <p:txBody>
+          <a:bodyPr anchor="ctr">
+            <a:spAutoFit/>
+          </a:bodyPr>
+          <a:lstStyle/>
+          <a:p>
+            <a:endParaRPr lang="en-US"/>
+          </a:p>
+        </p:txBody>
+      </p:sp>
+      <p:grpSp>
+        <p:nvGrpSpPr>
+          <p:cNvPr id="65761" name="Group 225"/>
+          <p:cNvGrpSpPr>
+            <a:grpSpLocks/>
+          </p:cNvGrpSpPr>
+          <p:nvPr/>
+        </p:nvGrpSpPr>
+        <p:grpSpPr bwMode="auto">
+          <a:xfrm>
+            <a:off x="7142163" y="3641725"/>
+            <a:ext cx="1600200" cy="1219200"/>
+            <a:chOff x="4608" y="2976"/>
+            <a:chExt cx="1008" cy="768"/>
+          </a:xfrm>
+        </p:grpSpPr>
+        <p:sp>
+          <p:nvSpPr>
+            <p:cNvPr id="65762" name="AutoShape 226"/>
+            <p:cNvSpPr>
+              <a:spLocks noChangeArrowheads="1"/>
+            </p:cNvSpPr>
+            <p:nvPr/>
+          </p:nvSpPr>
+          <p:spPr bwMode="auto">
+            <a:xfrm>
+              <a:off x="4608" y="2976"/>
+              <a:ext cx="1008" cy="768"/>
+            </a:xfrm>
+            <a:prstGeom prst="roundRect">
+              <a:avLst>
+                <a:gd name="adj" fmla="val 12500"/>
+              </a:avLst>
+            </a:prstGeom>
+            <a:gradFill rotWithShape="0">
+              <a:gsLst>
+                <a:gs pos="0">
+                  <a:schemeClr val="hlink"/>
+                </a:gs>
+                <a:gs pos="100000">
+                  <a:schemeClr val="accent2"/>
+                </a:gs>
+              </a:gsLst>
+              <a:lin ang="5400000" scaled="1"/>
+            </a:gradFill>
+            <a:ln w="38100">
+              <a:solidFill>
+                <a:schemeClr val="tx1"/>
+              </a:solidFill>
+              <a:round/>
+              <a:headEnd/>
+              <a:tailEnd/>
+            </a:ln>
+            <a:effectLst/>
+            <a:extLst>
+              <a:ext uri="{AF507438-7753-43E0-B8FC-AC1667EBCBE1}">
+                <a14:hiddenEffects xmlns:a14="http://schemas.microsoft.com/office/drawing/2010/main">
+                  <a:effectLst>
+                    <a:outerShdw dist="35921" dir="2700000" algn="ctr" rotWithShape="0">
+                      <a:schemeClr val="bg2"/>
+                    </a:outerShdw>
+                  </a:effectLst>
+                </a14:hiddenEffects>
+              </a:ext>
+            </a:extLst>
+          </p:spPr>
+          <p:txBody>
+            <a:bodyPr wrap="none" anchor="ctr">
+              <a:spAutoFit/>
+            </a:bodyPr>
+            <a:lstStyle/>
+            <a:p>
+              <a:endParaRPr lang="en-US"/>
+            </a:p>
+          </p:txBody>
+        </p:sp>
+        <p:sp>
+          <p:nvSpPr>
+            <p:cNvPr id="65763" name="Rectangle 227"/>
+            <p:cNvSpPr>
+              <a:spLocks noChangeArrowheads="1"/>
+            </p:cNvSpPr>
+            <p:nvPr/>
+          </p:nvSpPr>
+          <p:spPr bwMode="auto">
+            <a:xfrm>
+              <a:off x="4608" y="2976"/>
+              <a:ext cx="1008" cy="96"/>
+            </a:xfrm>
+            <a:prstGeom prst="rect">
+              <a:avLst/>
+            </a:prstGeom>
+            <a:solidFill>
+              <a:schemeClr val="bg1"/>
+            </a:solidFill>
+            <a:ln w="57150">
+              <a:solidFill>
+                <a:schemeClr val="bg1"/>
+              </a:solidFill>
+              <a:miter lim="800000"/>
+              <a:headEnd/>
+              <a:tailEnd/>
+            </a:ln>
+            <a:effectLst/>
+            <a:extLst>
+              <a:ext uri="{AF507438-7753-43E0-B8FC-AC1667EBCBE1}">
+                <a14:hiddenEffects xmlns:a14="http://schemas.microsoft.com/office/drawing/2010/main">
+                  <a:effectLst>
+                    <a:outerShdw dist="35921" dir="2700000" algn="ctr" rotWithShape="0">
+                      <a:schemeClr val="bg2"/>
+                    </a:outerShdw>
+                  </a:effectLst>
+                </a14:hiddenEffects>
+              </a:ext>
+            </a:extLst>
+          </p:spPr>
+          <p:txBody>
+            <a:bodyPr wrap="none" anchor="ctr">
+              <a:spAutoFit/>
+            </a:bodyPr>
+            <a:lstStyle/>
+            <a:p>
+              <a:endParaRPr lang="en-US"/>
+            </a:p>
+          </p:txBody>
+        </p:sp>
+        <p:sp>
+          <p:nvSpPr>
+            <p:cNvPr id="65764" name="Line 228"/>
+            <p:cNvSpPr>
+              <a:spLocks noChangeShapeType="1"/>
+            </p:cNvSpPr>
+            <p:nvPr/>
+          </p:nvSpPr>
+          <p:spPr bwMode="auto">
+            <a:xfrm flipV="1">
+              <a:off x="4608" y="3024"/>
+              <a:ext cx="0" cy="96"/>
+            </a:xfrm>
+            <a:prstGeom prst="line">
+              <a:avLst/>
+            </a:prstGeom>
+            <a:noFill/>
+            <a:ln w="38100">
+              <a:solidFill>
+                <a:schemeClr val="tx1"/>
+              </a:solidFill>
+              <a:round/>
+              <a:headEnd/>
+              <a:tailEnd/>
+            </a:ln>
+            <a:effectLst/>
+            <a:extLst>
+              <a:ext uri="{909E8E84-426E-40DD-AFC4-6F175D3DCCD1}">
+                <a14:hiddenFill xmlns:a14="http://schemas.microsoft.com/office/drawing/2010/main">
+                  <a:noFill/>
+                </a14:hiddenFill>
+              </a:ext>
+              <a:ext uri="{AF507438-7753-43E0-B8FC-AC1667EBCBE1}">
+                <a14:hiddenEffects xmlns:a14="http://schemas.microsoft.com/office/drawing/2010/main">
+                  <a:effectLst>
+                    <a:outerShdw dist="35921" dir="2700000" algn="ctr" rotWithShape="0">
+                      <a:schemeClr val="bg2"/>
+                    </a:outerShdw>
+                  </a:effectLst>
+                </a14:hiddenEffects>
+              </a:ext>
+            </a:extLst>
+          </p:spPr>
+          <p:txBody>
+            <a:bodyPr wrap="none" anchor="ctr">
+              <a:spAutoFit/>
+            </a:bodyPr>
+            <a:lstStyle/>
+            <a:p>
+              <a:endParaRPr lang="en-US"/>
+            </a:p>
+          </p:txBody>
+        </p:sp>
+        <p:sp>
+          <p:nvSpPr>
+            <p:cNvPr id="65765" name="Line 229"/>
+            <p:cNvSpPr>
+              <a:spLocks noChangeShapeType="1"/>
+            </p:cNvSpPr>
+            <p:nvPr/>
+          </p:nvSpPr>
+          <p:spPr bwMode="auto">
+            <a:xfrm flipV="1">
+              <a:off x="5616" y="3024"/>
+              <a:ext cx="0" cy="96"/>
+            </a:xfrm>
+            <a:prstGeom prst="line">
+              <a:avLst/>
+            </a:prstGeom>
+            <a:noFill/>
+            <a:ln w="38100">
+              <a:solidFill>
+                <a:schemeClr val="tx1"/>
+              </a:solidFill>
+              <a:round/>
+              <a:headEnd/>
+              <a:tailEnd/>
+            </a:ln>
+            <a:effectLst/>
+            <a:extLst>
+              <a:ext uri="{909E8E84-426E-40DD-AFC4-6F175D3DCCD1}">
+                <a14:hiddenFill xmlns:a14="http://schemas.microsoft.com/office/drawing/2010/main">
+                  <a:noFill/>
+                </a14:hiddenFill>
+              </a:ext>
+              <a:ext uri="{AF507438-7753-43E0-B8FC-AC1667EBCBE1}">
+                <a14:hiddenEffects xmlns:a14="http://schemas.microsoft.com/office/drawing/2010/main">
+                  <a:effectLst>
+                    <a:outerShdw dist="35921" dir="2700000" algn="ctr" rotWithShape="0">
+                      <a:schemeClr val="bg2"/>
+                    </a:outerShdw>
+                  </a:effectLst>
+                </a14:hiddenEffects>
+              </a:ext>
+            </a:extLst>
+          </p:spPr>
+          <p:txBody>
+            <a:bodyPr wrap="none" anchor="ctr">
+              <a:spAutoFit/>
+            </a:bodyPr>
+            <a:lstStyle/>
+            <a:p>
+              <a:endParaRPr lang="en-US"/>
+            </a:p>
+          </p:txBody>
+        </p:sp>
+      </p:grpSp>
+      <p:sp>
+        <p:nvSpPr>
+          <p:cNvPr id="65766" name="Rectangle 230"/>
+          <p:cNvSpPr>
+            <a:spLocks noChangeArrowheads="1"/>
+          </p:cNvSpPr>
+          <p:nvPr/>
+        </p:nvSpPr>
+        <p:spPr bwMode="auto">
+          <a:xfrm>
+            <a:off x="7169150" y="3773488"/>
+            <a:ext cx="1550988" cy="715962"/>
+          </a:xfrm>
+          <a:prstGeom prst="rect">
+            <a:avLst/>
+          </a:prstGeom>
+          <a:solidFill>
+            <a:schemeClr val="bg1"/>
+          </a:solidFill>
+          <a:ln>
+            <a:noFill/>
+          </a:ln>
+          <a:effectLst/>
+          <a:extLst>
+            <a:ext uri="{91240B29-F687-4F45-9708-019B960494DF}">
+              <a14:hiddenLine xmlns:a14="http://schemas.microsoft.com/office/drawing/2010/main" w="57150">
+                <a:solidFill>
+                  <a:schemeClr val="bg1"/>
+                </a:solidFill>
+                <a:miter lim="800000"/>
+                <a:headEnd/>
+                <a:tailEnd/>
+              </a14:hiddenLine>
+            </a:ext>
+            <a:ext uri="{AF507438-7753-43E0-B8FC-AC1667EBCBE1}">
+              <a14:hiddenEffects xmlns:a14="http://schemas.microsoft.com/office/drawing/2010/main">
+                <a:effectLst>
+                  <a:outerShdw dist="35921" dir="2700000" algn="ctr" rotWithShape="0">
+                    <a:schemeClr val="bg2"/>
+                  </a:outerShdw>
+                </a:effectLst>
+              </a14:hiddenEffects>
+            </a:ext>
+          </a:extLst>
+        </p:spPr>
+        <p:txBody>
+          <a:bodyPr anchor="ctr">
+            <a:spAutoFit/>
+          </a:bodyPr>
+          <a:lstStyle/>
+          <a:p>
+            <a:endParaRPr lang="en-US"/>
+          </a:p>
+        </p:txBody>
+      </p:sp>
+      <p:sp>
+        <p:nvSpPr>
+          <p:cNvPr id="65767" name="Text Box 231"/>
+          <p:cNvSpPr txBox="1">
+            <a:spLocks noChangeArrowheads="1"/>
+          </p:cNvSpPr>
+          <p:nvPr/>
+        </p:nvSpPr>
+        <p:spPr bwMode="auto">
+          <a:xfrm>
+            <a:off x="646113" y="2198688"/>
+            <a:ext cx="1204912" cy="822325"/>
+          </a:xfrm>
+          <a:prstGeom prst="rect">
+            <a:avLst/>
+          </a:prstGeom>
+          <a:noFill/>
+          <a:ln>
+            <a:noFill/>
+          </a:ln>
+          <a:effectLst/>
+          <a:extLst>
+            <a:ext uri="{909E8E84-426E-40DD-AFC4-6F175D3DCCD1}">
+              <a14:hiddenFill xmlns:a14="http://schemas.microsoft.com/office/drawing/2010/main">
+                <a:solidFill>
+                  <a:schemeClr val="bg1"/>
+                </a:solidFill>
+              </a14:hiddenFill>
+            </a:ext>
+            <a:ext uri="{91240B29-F687-4F45-9708-019B960494DF}">
+              <a14:hiddenLine xmlns:a14="http://schemas.microsoft.com/office/drawing/2010/main" w="12700">
+                <a:solidFill>
+                  <a:schemeClr val="tx1"/>
+                </a:solidFill>
+                <a:miter lim="800000"/>
+                <a:headEnd type="none" w="lg" len="med"/>
+                <a:tailEnd type="none" w="lg" len="med"/>
+              </a14:hiddenLine>
+            </a:ext>
+            <a:ext uri="{AF507438-7753-43E0-B8FC-AC1667EBCBE1}">
+              <a14:hiddenEffects xmlns:a14="http://schemas.microsoft.com/office/drawing/2010/main">
+                <a:effectLst>
+                  <a:outerShdw dist="35921" dir="2700000" algn="ctr" rotWithShape="0">
+                    <a:schemeClr val="bg2"/>
+                  </a:outerShdw>
+                </a:effectLst>
+              </a14:hiddenEffects>
+            </a:ext>
+          </a:extLst>
+        </p:spPr>
+        <p:txBody>
+          <a:bodyPr>
+            <a:spAutoFit/>
+          </a:bodyPr>
+          <a:lstStyle/>
+          <a:p>
+            <a:pPr algn="ctr"/>
+            <a:r>
+              <a:rPr lang="en-US" altLang="en-US" sz="2400"/>
+              <a:t>Add tap water</a:t>
+            </a:r>
+          </a:p>
+        </p:txBody>
+      </p:sp>
+      <p:sp>
+        <p:nvSpPr>
+          <p:cNvPr id="65768" name="Rectangle 232"/>
+          <p:cNvSpPr>
+            <a:spLocks noChangeArrowheads="1"/>
+          </p:cNvSpPr>
+          <p:nvPr/>
+        </p:nvSpPr>
+        <p:spPr bwMode="auto">
+          <a:xfrm>
+            <a:off x="2117725" y="3748088"/>
+            <a:ext cx="1550988" cy="220662"/>
+          </a:xfrm>
+          <a:prstGeom prst="rect">
+            <a:avLst/>
+          </a:prstGeom>
+          <a:solidFill>
+            <a:schemeClr val="bg1"/>
+          </a:solidFill>
+          <a:ln>
+            <a:noFill/>
+          </a:ln>
+          <a:effectLst/>
+          <a:extLst>
+            <a:ext uri="{91240B29-F687-4F45-9708-019B960494DF}">
+              <a14:hiddenLine xmlns:a14="http://schemas.microsoft.com/office/drawing/2010/main" w="57150">
+                <a:solidFill>
+                  <a:schemeClr val="bg1"/>
+                </a:solidFill>
+                <a:miter lim="800000"/>
+                <a:headEnd/>
+                <a:tailEnd/>
+              </a14:hiddenLine>
+            </a:ext>
+            <a:ext uri="{AF507438-7753-43E0-B8FC-AC1667EBCBE1}">
+              <a14:hiddenEffects xmlns:a14="http://schemas.microsoft.com/office/drawing/2010/main">
+                <a:effectLst>
+                  <a:outerShdw dist="35921" dir="2700000" algn="ctr" rotWithShape="0">
+                    <a:schemeClr val="bg2"/>
+                  </a:outerShdw>
+                </a:effectLst>
+              </a14:hiddenEffects>
+            </a:ext>
+          </a:extLst>
+        </p:spPr>
+        <p:txBody>
+          <a:bodyPr anchor="ctr">
+            <a:spAutoFit/>
+          </a:bodyPr>
+          <a:lstStyle/>
+          <a:p>
+            <a:endParaRPr lang="en-US"/>
+          </a:p>
+        </p:txBody>
+      </p:sp>
+      <p:sp>
+        <p:nvSpPr>
+          <p:cNvPr id="65759" name="Rectangle 223"/>
+          <p:cNvSpPr>
+            <a:spLocks noChangeArrowheads="1"/>
+          </p:cNvSpPr>
+          <p:nvPr/>
+        </p:nvSpPr>
+        <p:spPr bwMode="auto">
+          <a:xfrm>
+            <a:off x="2105025" y="3811588"/>
+            <a:ext cx="1565275" cy="160337"/>
+          </a:xfrm>
+          <a:prstGeom prst="rect">
+            <a:avLst/>
+          </a:prstGeom>
+          <a:solidFill>
+            <a:schemeClr val="accent2"/>
+          </a:solidFill>
+          <a:ln>
+            <a:noFill/>
+          </a:ln>
+          <a:effectLst/>
+          <a:extLst>
+            <a:ext uri="{91240B29-F687-4F45-9708-019B960494DF}">
+              <a14:hiddenLine xmlns:a14="http://schemas.microsoft.com/office/drawing/2010/main" w="57150">
+                <a:solidFill>
+                  <a:schemeClr val="bg1"/>
+                </a:solidFill>
+                <a:miter lim="800000"/>
+                <a:headEnd/>
+                <a:tailEnd/>
+              </a14:hiddenLine>
+            </a:ext>
+            <a:ext uri="{AF507438-7753-43E0-B8FC-AC1667EBCBE1}">
+              <a14:hiddenEffects xmlns:a14="http://schemas.microsoft.com/office/drawing/2010/main">
+                <a:effectLst>
+                  <a:outerShdw dist="35921" dir="2700000" algn="ctr" rotWithShape="0">
+                    <a:schemeClr val="bg2"/>
+                  </a:outerShdw>
+                </a:effectLst>
+              </a14:hiddenEffects>
+            </a:ext>
+          </a:extLst>
+        </p:spPr>
+        <p:txBody>
+          <a:bodyPr anchor="ctr">
+            <a:spAutoFit/>
+          </a:bodyPr>
+          <a:lstStyle/>
+          <a:p>
+            <a:endParaRPr lang="en-US"/>
+          </a:p>
+        </p:txBody>
+      </p:sp>
+      <p:sp>
+        <p:nvSpPr>
+          <p:cNvPr id="65769" name="Text Box 233"/>
+          <p:cNvSpPr txBox="1">
+            <a:spLocks noChangeArrowheads="1"/>
+          </p:cNvSpPr>
+          <p:nvPr/>
+        </p:nvSpPr>
+        <p:spPr bwMode="auto">
+          <a:xfrm>
+            <a:off x="2028825" y="2198688"/>
+            <a:ext cx="1754188" cy="1187450"/>
+          </a:xfrm>
+          <a:prstGeom prst="rect">
+            <a:avLst/>
+          </a:prstGeom>
+          <a:noFill/>
+          <a:ln>
+            <a:noFill/>
+          </a:ln>
+          <a:effectLst/>
+          <a:extLst>
+            <a:ext uri="{909E8E84-426E-40DD-AFC4-6F175D3DCCD1}">
+              <a14:hiddenFill xmlns:a14="http://schemas.microsoft.com/office/drawing/2010/main">
+                <a:solidFill>
+                  <a:schemeClr val="bg1"/>
+                </a:solidFill>
+              </a14:hiddenFill>
+            </a:ext>
+            <a:ext uri="{91240B29-F687-4F45-9708-019B960494DF}">
+              <a14:hiddenLine xmlns:a14="http://schemas.microsoft.com/office/drawing/2010/main" w="12700">
+                <a:solidFill>
+                  <a:schemeClr val="tx1"/>
+                </a:solidFill>
+                <a:miter lim="800000"/>
+                <a:headEnd type="none" w="lg" len="med"/>
+                <a:tailEnd type="none" w="lg" len="med"/>
+              </a14:hiddenLine>
+            </a:ext>
+            <a:ext uri="{AF507438-7753-43E0-B8FC-AC1667EBCBE1}">
+              <a14:hiddenEffects xmlns:a14="http://schemas.microsoft.com/office/drawing/2010/main">
+                <a:effectLst>
+                  <a:outerShdw dist="35921" dir="2700000" algn="ctr" rotWithShape="0">
+                    <a:schemeClr val="bg2"/>
+                  </a:outerShdw>
+                </a:effectLst>
+              </a14:hiddenEffects>
+            </a:ext>
+          </a:extLst>
+        </p:spPr>
+        <p:txBody>
+          <a:bodyPr>
+            <a:spAutoFit/>
+          </a:bodyPr>
+          <a:lstStyle/>
+          <a:p>
+            <a:pPr algn="ctr"/>
+            <a:r>
+              <a:rPr lang="en-US" altLang="en-US" sz="2400"/>
+              <a:t>Add 20x concentrated waste</a:t>
+            </a:r>
+          </a:p>
+        </p:txBody>
+      </p:sp>
+      <p:sp>
+        <p:nvSpPr>
+          <p:cNvPr id="65770" name="Text Box 234"/>
+          <p:cNvSpPr txBox="1">
+            <a:spLocks noChangeArrowheads="1"/>
+          </p:cNvSpPr>
+          <p:nvPr/>
+        </p:nvSpPr>
+        <p:spPr bwMode="auto">
+          <a:xfrm>
+            <a:off x="4025900" y="2198688"/>
+            <a:ext cx="1204913" cy="457200"/>
+          </a:xfrm>
+          <a:prstGeom prst="rect">
+            <a:avLst/>
+          </a:prstGeom>
+          <a:noFill/>
+          <a:ln>
+            <a:noFill/>
+          </a:ln>
+          <a:effectLst/>
+          <a:extLst>
+            <a:ext uri="{909E8E84-426E-40DD-AFC4-6F175D3DCCD1}">
+              <a14:hiddenFill xmlns:a14="http://schemas.microsoft.com/office/drawing/2010/main">
+                <a:solidFill>
+                  <a:schemeClr val="bg1"/>
+                </a:solidFill>
+              </a14:hiddenFill>
+            </a:ext>
+            <a:ext uri="{91240B29-F687-4F45-9708-019B960494DF}">
+              <a14:hiddenLine xmlns:a14="http://schemas.microsoft.com/office/drawing/2010/main" w="12700">
+                <a:solidFill>
+                  <a:schemeClr val="tx1"/>
+                </a:solidFill>
+                <a:miter lim="800000"/>
+                <a:headEnd type="none" w="lg" len="med"/>
+                <a:tailEnd type="none" w="lg" len="med"/>
+              </a14:hiddenLine>
+            </a:ext>
+            <a:ext uri="{AF507438-7753-43E0-B8FC-AC1667EBCBE1}">
+              <a14:hiddenEffects xmlns:a14="http://schemas.microsoft.com/office/drawing/2010/main">
+                <a:effectLst>
+                  <a:outerShdw dist="35921" dir="2700000" algn="ctr" rotWithShape="0">
+                    <a:schemeClr val="bg2"/>
+                  </a:outerShdw>
+                </a:effectLst>
+              </a14:hiddenEffects>
+            </a:ext>
+          </a:extLst>
+        </p:spPr>
+        <p:txBody>
+          <a:bodyPr>
+            <a:spAutoFit/>
+          </a:bodyPr>
+          <a:lstStyle/>
+          <a:p>
+            <a:pPr algn="ctr"/>
+            <a:r>
+              <a:rPr lang="en-US" altLang="en-US" sz="2400"/>
+              <a:t>Aerate</a:t>
+            </a:r>
+          </a:p>
+        </p:txBody>
+      </p:sp>
+      <p:sp>
+        <p:nvSpPr>
+          <p:cNvPr id="65771" name="Text Box 235"/>
+          <p:cNvSpPr txBox="1">
+            <a:spLocks noChangeArrowheads="1"/>
+          </p:cNvSpPr>
+          <p:nvPr/>
+        </p:nvSpPr>
+        <p:spPr bwMode="auto">
+          <a:xfrm>
+            <a:off x="5637213" y="2198688"/>
+            <a:ext cx="1204912" cy="457200"/>
+          </a:xfrm>
+          <a:prstGeom prst="rect">
+            <a:avLst/>
+          </a:prstGeom>
+          <a:noFill/>
+          <a:ln>
+            <a:noFill/>
+          </a:ln>
+          <a:effectLst/>
+          <a:extLst>
+            <a:ext uri="{909E8E84-426E-40DD-AFC4-6F175D3DCCD1}">
+              <a14:hiddenFill xmlns:a14="http://schemas.microsoft.com/office/drawing/2010/main">
+                <a:solidFill>
+                  <a:schemeClr val="bg1"/>
+                </a:solidFill>
+              </a14:hiddenFill>
+            </a:ext>
+            <a:ext uri="{91240B29-F687-4F45-9708-019B960494DF}">
+              <a14:hiddenLine xmlns:a14="http://schemas.microsoft.com/office/drawing/2010/main" w="12700">
+                <a:solidFill>
+                  <a:schemeClr val="tx1"/>
+                </a:solidFill>
+                <a:miter lim="800000"/>
+                <a:headEnd type="none" w="lg" len="med"/>
+                <a:tailEnd type="none" w="lg" len="med"/>
+              </a14:hiddenLine>
+            </a:ext>
+            <a:ext uri="{AF507438-7753-43E0-B8FC-AC1667EBCBE1}">
+              <a14:hiddenEffects xmlns:a14="http://schemas.microsoft.com/office/drawing/2010/main">
+                <a:effectLst>
+                  <a:outerShdw dist="35921" dir="2700000" algn="ctr" rotWithShape="0">
+                    <a:schemeClr val="bg2"/>
+                  </a:outerShdw>
+                </a:effectLst>
+              </a14:hiddenEffects>
+            </a:ext>
+          </a:extLst>
+        </p:spPr>
+        <p:txBody>
+          <a:bodyPr>
+            <a:spAutoFit/>
+          </a:bodyPr>
+          <a:lstStyle/>
+          <a:p>
+            <a:pPr algn="ctr"/>
+            <a:r>
+              <a:rPr lang="en-US" altLang="en-US" sz="2400"/>
+              <a:t>Settle</a:t>
+            </a:r>
+          </a:p>
+        </p:txBody>
+      </p:sp>
+      <p:sp>
+        <p:nvSpPr>
+          <p:cNvPr id="65772" name="Text Box 236"/>
+          <p:cNvSpPr txBox="1">
+            <a:spLocks noChangeArrowheads="1"/>
+          </p:cNvSpPr>
+          <p:nvPr/>
+        </p:nvSpPr>
+        <p:spPr bwMode="auto">
+          <a:xfrm>
+            <a:off x="7110413" y="2198688"/>
+            <a:ext cx="1724025" cy="1187450"/>
+          </a:xfrm>
+          <a:prstGeom prst="rect">
+            <a:avLst/>
+          </a:prstGeom>
+          <a:noFill/>
+          <a:ln>
+            <a:noFill/>
+          </a:ln>
+          <a:effectLst/>
+          <a:extLst>
+            <a:ext uri="{909E8E84-426E-40DD-AFC4-6F175D3DCCD1}">
+              <a14:hiddenFill xmlns:a14="http://schemas.microsoft.com/office/drawing/2010/main">
+                <a:solidFill>
+                  <a:schemeClr val="bg1"/>
+                </a:solidFill>
+              </a14:hiddenFill>
+            </a:ext>
+            <a:ext uri="{91240B29-F687-4F45-9708-019B960494DF}">
+              <a14:hiddenLine xmlns:a14="http://schemas.microsoft.com/office/drawing/2010/main" w="12700">
+                <a:solidFill>
+                  <a:schemeClr val="tx1"/>
+                </a:solidFill>
+                <a:miter lim="800000"/>
+                <a:headEnd type="none" w="lg" len="med"/>
+                <a:tailEnd type="none" w="lg" len="med"/>
+              </a14:hiddenLine>
+            </a:ext>
+            <a:ext uri="{AF507438-7753-43E0-B8FC-AC1667EBCBE1}">
+              <a14:hiddenEffects xmlns:a14="http://schemas.microsoft.com/office/drawing/2010/main">
+                <a:effectLst>
+                  <a:outerShdw dist="35921" dir="2700000" algn="ctr" rotWithShape="0">
+                    <a:schemeClr val="bg2"/>
+                  </a:outerShdw>
+                </a:effectLst>
+              </a14:hiddenEffects>
+            </a:ext>
+          </a:extLst>
+        </p:spPr>
+        <p:txBody>
+          <a:bodyPr>
+            <a:spAutoFit/>
+          </a:bodyPr>
+          <a:lstStyle/>
+          <a:p>
+            <a:pPr algn="ctr"/>
+            <a:r>
+              <a:rPr lang="en-US" altLang="en-US" sz="2400"/>
+              <a:t>Discharge Clean Supernatant</a:t>
+            </a:r>
+          </a:p>
+        </p:txBody>
+      </p:sp>
+      <p:sp>
+        <p:nvSpPr>
+          <p:cNvPr id="65773" name="Rectangle 237"/>
+          <p:cNvSpPr>
+            <a:spLocks noChangeArrowheads="1"/>
+          </p:cNvSpPr>
+          <p:nvPr/>
+        </p:nvSpPr>
+        <p:spPr bwMode="auto">
+          <a:xfrm>
+            <a:off x="7169150" y="3930650"/>
+            <a:ext cx="1560513" cy="560388"/>
+          </a:xfrm>
+          <a:prstGeom prst="rect">
+            <a:avLst/>
+          </a:prstGeom>
+          <a:solidFill>
+            <a:schemeClr val="hlink"/>
+          </a:solidFill>
+          <a:ln>
+            <a:noFill/>
+          </a:ln>
+          <a:effectLst/>
+          <a:extLst>
+            <a:ext uri="{91240B29-F687-4F45-9708-019B960494DF}">
+              <a14:hiddenLine xmlns:a14="http://schemas.microsoft.com/office/drawing/2010/main" w="57150">
+                <a:solidFill>
+                  <a:schemeClr val="bg1"/>
+                </a:solidFill>
+                <a:miter lim="800000"/>
+                <a:headEnd/>
+                <a:tailEnd/>
+              </a14:hiddenLine>
+            </a:ext>
+            <a:ext uri="{AF507438-7753-43E0-B8FC-AC1667EBCBE1}">
+              <a14:hiddenEffects xmlns:a14="http://schemas.microsoft.com/office/drawing/2010/main">
+                <a:effectLst>
+                  <a:outerShdw dist="35921" dir="2700000" algn="ctr" rotWithShape="0">
+                    <a:schemeClr val="bg2"/>
+                  </a:outerShdw>
+                </a:effectLst>
+              </a14:hiddenEffects>
+            </a:ext>
+          </a:extLst>
+        </p:spPr>
+        <p:txBody>
+          <a:bodyPr anchor="ctr">
+            <a:spAutoFit/>
+          </a:bodyPr>
+          <a:lstStyle/>
+          <a:p>
+            <a:endParaRPr lang="en-US"/>
+          </a:p>
+        </p:txBody>
+      </p:sp>
+      <p:sp>
+        <p:nvSpPr>
+          <p:cNvPr id="65774" name="Rectangle 238"/>
+          <p:cNvSpPr>
+            <a:spLocks noChangeArrowheads="1"/>
+          </p:cNvSpPr>
+          <p:nvPr/>
+        </p:nvSpPr>
+        <p:spPr bwMode="auto">
+          <a:xfrm>
+            <a:off x="7165975" y="3775075"/>
+            <a:ext cx="1560513" cy="717550"/>
+          </a:xfrm>
+          <a:prstGeom prst="rect">
+            <a:avLst/>
+          </a:prstGeom>
+          <a:solidFill>
+            <a:schemeClr val="bg1"/>
+          </a:solidFill>
+          <a:ln>
+            <a:noFill/>
+          </a:ln>
+          <a:effectLst/>
+          <a:extLst>
+            <a:ext uri="{91240B29-F687-4F45-9708-019B960494DF}">
+              <a14:hiddenLine xmlns:a14="http://schemas.microsoft.com/office/drawing/2010/main" w="57150">
+                <a:solidFill>
+                  <a:schemeClr val="bg1"/>
+                </a:solidFill>
+                <a:miter lim="800000"/>
+                <a:headEnd/>
+                <a:tailEnd/>
+              </a14:hiddenLine>
+            </a:ext>
+            <a:ext uri="{AF507438-7753-43E0-B8FC-AC1667EBCBE1}">
+              <a14:hiddenEffects xmlns:a14="http://schemas.microsoft.com/office/drawing/2010/main">
+                <a:effectLst>
+                  <a:outerShdw dist="35921" dir="2700000" algn="ctr" rotWithShape="0">
+                    <a:schemeClr val="bg2"/>
+                  </a:outerShdw>
+                </a:effectLst>
+              </a14:hiddenEffects>
+            </a:ext>
+          </a:extLst>
+        </p:spPr>
+        <p:txBody>
+          <a:bodyPr anchor="ctr">
+            <a:spAutoFit/>
+          </a:bodyPr>
+          <a:lstStyle/>
+          <a:p>
+            <a:endParaRPr lang="en-US"/>
+          </a:p>
+        </p:txBody>
+      </p:sp>
+      <p:graphicFrame>
+        <p:nvGraphicFramePr>
+          <p:cNvPr id="65775" name="Object 239"/>
+          <p:cNvGraphicFramePr>
+            <a:graphicFrameLocks noChangeAspect="1"/>
+          </p:cNvGraphicFramePr>
+          <p:nvPr/>
+        </p:nvGraphicFramePr>
+        <p:xfrm>
+          <a:off x="2211388" y="5006975"/>
+          <a:ext cx="1157287" cy="841375"/>
+        </p:xfrm>
+        <a:graphic>
+          <a:graphicData uri="http://schemas.openxmlformats.org/presentationml/2006/ole">
+            <mc:AlternateContent xmlns:mc="http://schemas.openxmlformats.org/markup-compatibility/2006">
+              <mc:Choice xmlns:v="urn:schemas-microsoft-com:vml" Requires="v">
+                <p:oleObj spid="_x0000_s1029" name="Photo Editor Photo" r:id="rId6" imgW="2685714" imgH="1952898" progId="MSPhotoEd.3">
+                  <p:embed/>
+                </p:oleObj>
+              </mc:Choice>
+              <mc:Fallback>
+                <p:oleObj name="Photo Editor Photo" r:id="rId6" imgW="2685714" imgH="1952898" progId="MSPhotoEd.3">
+                  <p:embed/>
+                  <p:pic>
+                    <p:nvPicPr>
+                      <p:cNvPr id="65775" name="Object 239"/>
+                      <p:cNvPicPr>
+                        <a:picLocks noChangeAspect="1" noChangeArrowheads="1"/>
+                      </p:cNvPicPr>
+                      <p:nvPr/>
+                    </p:nvPicPr>
+                    <p:blipFill>
+                      <a:blip r:embed="rId7">
+                        <a:extLst>
+                          <a:ext uri="{28A0092B-C50C-407E-A947-70E740481C1C}">
+                            <a14:useLocalDpi xmlns:a14="http://schemas.microsoft.com/office/drawing/2010/main" val="0"/>
+                          </a:ext>
+                        </a:extLst>
+                      </a:blip>
+                      <a:srcRect/>
+                      <a:stretch>
+                        <a:fillRect/>
+                      </a:stretch>
+                    </p:blipFill>
+                    <p:spPr bwMode="auto">
+                      <a:xfrm>
+                        <a:off x="2211388" y="5006975"/>
+                        <a:ext cx="1157287" cy="841375"/>
+                      </a:xfrm>
+                      <a:prstGeom prst="rect">
+                        <a:avLst/>
+                      </a:prstGeom>
+                      <a:noFill/>
+                      <a:ln>
+                        <a:noFill/>
+                      </a:ln>
+                      <a:effectLst/>
+                      <a:extLst>
+                        <a:ext uri="{909E8E84-426E-40DD-AFC4-6F175D3DCCD1}">
+                          <a14:hiddenFill xmlns:a14="http://schemas.microsoft.com/office/drawing/2010/main">
+                            <a:solidFill>
+                              <a:srgbClr val="FCFEB9"/>
+                            </a:solidFill>
+                          </a14:hiddenFill>
+                        </a:ext>
+                        <a:ext uri="{91240B29-F687-4F45-9708-019B960494DF}">
+                          <a14:hiddenLine xmlns:a14="http://schemas.microsoft.com/office/drawing/2010/main" w="12700">
+                            <a:solidFill>
+                              <a:schemeClr val="tx1"/>
+                            </a:solidFill>
+                            <a:miter lim="800000"/>
+                            <a:headEnd/>
+                            <a:tailEnd/>
+                          </a14:hiddenLine>
+                        </a:ext>
+                        <a:ext uri="{AF507438-7753-43E0-B8FC-AC1667EBCBE1}">
+                          <a14:hiddenEffects xmlns:a14="http://schemas.microsoft.com/office/drawing/2010/main">
+                            <a:effectLst>
+                              <a:outerShdw dist="35921" dir="2700000" algn="ctr" rotWithShape="0">
+                                <a:schemeClr val="bg2"/>
+                              </a:outerShdw>
+                            </a:effectLst>
+                          </a14:hiddenEffects>
+                        </a:ext>
+                      </a:extLst>
+                    </p:spPr>
+                  </p:pic>
+                </p:oleObj>
+              </mc:Fallback>
+            </mc:AlternateContent>
+          </a:graphicData>
+        </a:graphic>
+      </p:graphicFrame>
+      <p:grpSp>
+        <p:nvGrpSpPr>
+          <p:cNvPr id="65776" name="Group 240"/>
+          <p:cNvGrpSpPr>
+            <a:grpSpLocks/>
+          </p:cNvGrpSpPr>
+          <p:nvPr/>
+        </p:nvGrpSpPr>
+        <p:grpSpPr bwMode="auto">
+          <a:xfrm>
+            <a:off x="3802063" y="4914900"/>
+            <a:ext cx="1587500" cy="869950"/>
+            <a:chOff x="3336" y="2692"/>
+            <a:chExt cx="1000" cy="548"/>
+          </a:xfrm>
+        </p:grpSpPr>
+        <p:sp>
+          <p:nvSpPr>
+            <p:cNvPr id="65777" name="AutoShape 241"/>
+            <p:cNvSpPr>
+              <a:spLocks noChangeArrowheads="1"/>
+            </p:cNvSpPr>
+            <p:nvPr/>
+          </p:nvSpPr>
+          <p:spPr bwMode="auto">
+            <a:xfrm flipV="1">
+              <a:off x="3336" y="2800"/>
+              <a:ext cx="1000" cy="392"/>
+            </a:xfrm>
+            <a:custGeom>
+              <a:avLst/>
+              <a:gdLst>
+                <a:gd name="G0" fmla="+- 1727 0 0"/>
+                <a:gd name="G1" fmla="+- 21600 0 1727"/>
+                <a:gd name="G2" fmla="*/ 1727 1 2"/>
+                <a:gd name="G3" fmla="+- 21600 0 G2"/>
+                <a:gd name="G4" fmla="+/ 1727 21600 2"/>
+                <a:gd name="G5" fmla="+/ G1 0 2"/>
+                <a:gd name="G6" fmla="*/ 21600 21600 1727"/>
+                <a:gd name="G7" fmla="*/ G6 1 2"/>
+                <a:gd name="G8" fmla="+- 21600 0 G7"/>
+                <a:gd name="G9" fmla="*/ 21600 1 2"/>
+                <a:gd name="G10" fmla="+- 1727 0 G9"/>
+                <a:gd name="G11" fmla="?: G10 G8 0"/>
+                <a:gd name="G12" fmla="?: G10 G7 21600"/>
+                <a:gd name="T0" fmla="*/ 20736 w 21600"/>
+                <a:gd name="T1" fmla="*/ 10800 h 21600"/>
+                <a:gd name="T2" fmla="*/ 10800 w 21600"/>
+                <a:gd name="T3" fmla="*/ 21600 h 21600"/>
+                <a:gd name="T4" fmla="*/ 864 w 21600"/>
+                <a:gd name="T5" fmla="*/ 10800 h 21600"/>
+                <a:gd name="T6" fmla="*/ 10800 w 21600"/>
+                <a:gd name="T7" fmla="*/ 0 h 21600"/>
+                <a:gd name="T8" fmla="*/ 2664 w 21600"/>
+                <a:gd name="T9" fmla="*/ 2664 h 21600"/>
+                <a:gd name="T10" fmla="*/ 18936 w 21600"/>
+                <a:gd name="T11" fmla="*/ 18936 h 21600"/>
+              </a:gdLst>
+              <a:ahLst/>
+              <a:cxnLst>
+                <a:cxn ang="0">
+                  <a:pos x="T0" y="T1"/>
+                </a:cxn>
+                <a:cxn ang="0">
+                  <a:pos x="T2" y="T3"/>
+                </a:cxn>
+                <a:cxn ang="0">
+                  <a:pos x="T4" y="T5"/>
+                </a:cxn>
+                <a:cxn ang="0">
+                  <a:pos x="T6" y="T7"/>
+                </a:cxn>
+              </a:cxnLst>
+              <a:rect l="T8" t="T9" r="T10" b="T11"/>
+              <a:pathLst>
+                <a:path w="21600" h="21600">
+                  <a:moveTo>
+                    <a:pt x="0" y="0"/>
+                  </a:moveTo>
+                  <a:lnTo>
+                    <a:pt x="1727" y="21600"/>
+                  </a:lnTo>
+                  <a:lnTo>
+                    <a:pt x="19873" y="21600"/>
+                  </a:lnTo>
+                  <a:lnTo>
+                    <a:pt x="21600" y="0"/>
+                  </a:lnTo>
+                  <a:close/>
+                </a:path>
+              </a:pathLst>
+            </a:custGeom>
+            <a:solidFill>
+              <a:srgbClr val="CF0E30"/>
+            </a:solidFill>
+            <a:ln w="12700">
+              <a:solidFill>
+                <a:schemeClr val="tx1"/>
+              </a:solidFill>
+              <a:miter lim="800000"/>
+              <a:headEnd/>
+              <a:tailEnd/>
+            </a:ln>
+            <a:effectLst/>
+            <a:extLst>
+              <a:ext uri="{AF507438-7753-43E0-B8FC-AC1667EBCBE1}">
+                <a14:hiddenEffects xmlns:a14="http://schemas.microsoft.com/office/drawing/2010/main">
+                  <a:effectLst>
+                    <a:outerShdw dist="35921" dir="2700000" algn="ctr" rotWithShape="0">
+                      <a:schemeClr val="bg2"/>
+                    </a:outerShdw>
+                  </a:effectLst>
+                </a14:hiddenEffects>
+              </a:ext>
+            </a:extLst>
+          </p:spPr>
+          <p:txBody>
+            <a:bodyPr wrap="none" anchor="ctr"/>
+            <a:lstStyle/>
+            <a:p>
+              <a:endParaRPr lang="en-US"/>
+            </a:p>
+          </p:txBody>
+        </p:sp>
+        <p:sp>
+          <p:nvSpPr>
+            <p:cNvPr id="65778" name="AutoShape 242"/>
+            <p:cNvSpPr>
+              <a:spLocks noChangeArrowheads="1"/>
+            </p:cNvSpPr>
+            <p:nvPr/>
+          </p:nvSpPr>
+          <p:spPr bwMode="auto">
+            <a:xfrm>
+              <a:off x="3396" y="2692"/>
+              <a:ext cx="872" cy="72"/>
+            </a:xfrm>
+            <a:prstGeom prst="roundRect">
+              <a:avLst>
+                <a:gd name="adj" fmla="val 12495"/>
+              </a:avLst>
+            </a:prstGeom>
+            <a:solidFill>
+              <a:srgbClr val="FFFFFF"/>
+            </a:solidFill>
+            <a:ln w="38100">
+              <a:solidFill>
+                <a:schemeClr val="tx1"/>
+              </a:solidFill>
+              <a:round/>
+              <a:headEnd/>
+              <a:tailEnd/>
+            </a:ln>
+            <a:effectLst/>
+            <a:extLst>
+              <a:ext uri="{AF507438-7753-43E0-B8FC-AC1667EBCBE1}">
+                <a14:hiddenEffects xmlns:a14="http://schemas.microsoft.com/office/drawing/2010/main">
+                  <a:effectLst>
+                    <a:outerShdw dist="35921" dir="2700000" algn="ctr" rotWithShape="0">
+                      <a:schemeClr val="bg2"/>
+                    </a:outerShdw>
+                  </a:effectLst>
+                </a14:hiddenEffects>
+              </a:ext>
+            </a:extLst>
+          </p:spPr>
+          <p:txBody>
+            <a:bodyPr wrap="none" anchor="ctr"/>
+            <a:lstStyle/>
+            <a:p>
+              <a:endParaRPr lang="en-US"/>
+            </a:p>
+          </p:txBody>
+        </p:sp>
+        <p:sp>
+          <p:nvSpPr>
+            <p:cNvPr id="65779" name="Oval 243"/>
+            <p:cNvSpPr>
+              <a:spLocks noChangeArrowheads="1"/>
+            </p:cNvSpPr>
+            <p:nvPr/>
+          </p:nvSpPr>
+          <p:spPr bwMode="auto">
+            <a:xfrm>
+              <a:off x="3928" y="2912"/>
+              <a:ext cx="136" cy="136"/>
+            </a:xfrm>
+            <a:prstGeom prst="ellipse">
+              <a:avLst/>
+            </a:prstGeom>
+            <a:solidFill>
+              <a:schemeClr val="bg2"/>
+            </a:solidFill>
+            <a:ln w="12700">
+              <a:solidFill>
+                <a:schemeClr val="tx1"/>
+              </a:solidFill>
+              <a:round/>
+              <a:headEnd/>
+              <a:tailEnd/>
+            </a:ln>
+            <a:effectLst/>
+            <a:extLst>
+              <a:ext uri="{AF507438-7753-43E0-B8FC-AC1667EBCBE1}">
+                <a14:hiddenEffects xmlns:a14="http://schemas.microsoft.com/office/drawing/2010/main">
+                  <a:effectLst>
+                    <a:outerShdw dist="35921" dir="2700000" algn="ctr" rotWithShape="0">
+                      <a:schemeClr val="bg2"/>
+                    </a:outerShdw>
+                  </a:effectLst>
+                </a14:hiddenEffects>
+              </a:ext>
+            </a:extLst>
+          </p:spPr>
+          <p:txBody>
+            <a:bodyPr wrap="none" anchor="ctr"/>
+            <a:lstStyle/>
+            <a:p>
+              <a:endParaRPr lang="en-US"/>
+            </a:p>
+          </p:txBody>
+        </p:sp>
+        <p:sp>
+          <p:nvSpPr>
+            <p:cNvPr id="65780" name="Rectangle 244"/>
+            <p:cNvSpPr>
+              <a:spLocks noChangeArrowheads="1"/>
+            </p:cNvSpPr>
+            <p:nvPr/>
+          </p:nvSpPr>
+          <p:spPr bwMode="auto">
+            <a:xfrm>
+              <a:off x="3432" y="3200"/>
+              <a:ext cx="88" cy="40"/>
+            </a:xfrm>
+            <a:prstGeom prst="rect">
+              <a:avLst/>
+            </a:prstGeom>
+            <a:solidFill>
+              <a:schemeClr val="bg2"/>
+            </a:solidFill>
+            <a:ln w="12700">
+              <a:solidFill>
+                <a:schemeClr val="tx1"/>
+              </a:solidFill>
+              <a:miter lim="800000"/>
+              <a:headEnd/>
+              <a:tailEnd/>
+            </a:ln>
+            <a:effectLst/>
+            <a:extLst>
+              <a:ext uri="{AF507438-7753-43E0-B8FC-AC1667EBCBE1}">
+                <a14:hiddenEffects xmlns:a14="http://schemas.microsoft.com/office/drawing/2010/main">
+                  <a:effectLst>
+                    <a:outerShdw dist="35921" dir="2700000" algn="ctr" rotWithShape="0">
+                      <a:schemeClr val="bg2"/>
+                    </a:outerShdw>
+                  </a:effectLst>
+                </a14:hiddenEffects>
+              </a:ext>
+            </a:extLst>
+          </p:spPr>
+          <p:txBody>
+            <a:bodyPr wrap="none" anchor="ctr"/>
+            <a:lstStyle/>
+            <a:p>
+              <a:endParaRPr lang="en-US"/>
+            </a:p>
+          </p:txBody>
+        </p:sp>
+        <p:sp>
+          <p:nvSpPr>
+            <p:cNvPr id="65781" name="Rectangle 245"/>
+            <p:cNvSpPr>
+              <a:spLocks noChangeArrowheads="1"/>
+            </p:cNvSpPr>
+            <p:nvPr/>
+          </p:nvSpPr>
+          <p:spPr bwMode="auto">
+            <a:xfrm>
+              <a:off x="4144" y="3200"/>
+              <a:ext cx="88" cy="40"/>
+            </a:xfrm>
+            <a:prstGeom prst="rect">
+              <a:avLst/>
+            </a:prstGeom>
+            <a:solidFill>
+              <a:schemeClr val="bg2"/>
+            </a:solidFill>
+            <a:ln w="12700">
+              <a:solidFill>
+                <a:schemeClr val="tx1"/>
+              </a:solidFill>
+              <a:miter lim="800000"/>
+              <a:headEnd/>
+              <a:tailEnd/>
+            </a:ln>
+            <a:effectLst/>
+            <a:extLst>
+              <a:ext uri="{AF507438-7753-43E0-B8FC-AC1667EBCBE1}">
+                <a14:hiddenEffects xmlns:a14="http://schemas.microsoft.com/office/drawing/2010/main">
+                  <a:effectLst>
+                    <a:outerShdw dist="35921" dir="2700000" algn="ctr" rotWithShape="0">
+                      <a:schemeClr val="bg2"/>
+                    </a:outerShdw>
+                  </a:effectLst>
+                </a14:hiddenEffects>
+              </a:ext>
+            </a:extLst>
+          </p:spPr>
+          <p:txBody>
+            <a:bodyPr wrap="none" anchor="ctr"/>
+            <a:lstStyle/>
+            <a:p>
+              <a:endParaRPr lang="en-US"/>
+            </a:p>
+          </p:txBody>
+        </p:sp>
+      </p:grpSp>
+      <p:grpSp>
+        <p:nvGrpSpPr>
+          <p:cNvPr id="65784" name="Group 248"/>
+          <p:cNvGrpSpPr>
+            <a:grpSpLocks/>
+          </p:cNvGrpSpPr>
+          <p:nvPr/>
+        </p:nvGrpSpPr>
+        <p:grpSpPr bwMode="auto">
+          <a:xfrm>
+            <a:off x="4306888" y="4727575"/>
+            <a:ext cx="549275" cy="104775"/>
+            <a:chOff x="2534" y="3883"/>
+            <a:chExt cx="412" cy="132"/>
+          </a:xfrm>
+        </p:grpSpPr>
+        <p:sp>
+          <p:nvSpPr>
+            <p:cNvPr id="65782" name="AutoShape 246"/>
+            <p:cNvSpPr>
+              <a:spLocks noChangeArrowheads="1"/>
+            </p:cNvSpPr>
+            <p:nvPr/>
+          </p:nvSpPr>
+          <p:spPr bwMode="auto">
+            <a:xfrm>
+              <a:off x="2534" y="3907"/>
+              <a:ext cx="412" cy="83"/>
+            </a:xfrm>
+            <a:prstGeom prst="roundRect">
+              <a:avLst>
+                <a:gd name="adj" fmla="val 16667"/>
+              </a:avLst>
+            </a:prstGeom>
+            <a:solidFill>
+              <a:schemeClr val="tx1"/>
+            </a:solidFill>
+            <a:ln w="12700">
+              <a:solidFill>
+                <a:schemeClr val="bg2"/>
+              </a:solidFill>
+              <a:round/>
+              <a:headEnd type="none" w="lg" len="med"/>
+              <a:tailEnd type="none" w="lg" len="med"/>
+            </a:ln>
+            <a:effectLst/>
+            <a:extLst>
+              <a:ext uri="{AF507438-7753-43E0-B8FC-AC1667EBCBE1}">
+                <a14:hiddenEffects xmlns:a14="http://schemas.microsoft.com/office/drawing/2010/main">
+                  <a:effectLst>
+                    <a:outerShdw dist="35921" dir="2700000" algn="ctr" rotWithShape="0">
+                      <a:schemeClr val="bg2"/>
+                    </a:outerShdw>
+                  </a:effectLst>
+                </a14:hiddenEffects>
+              </a:ext>
+            </a:extLst>
+          </p:spPr>
+          <p:txBody>
+            <a:bodyPr wrap="none" anchor="ctr">
+              <a:spAutoFit/>
+            </a:bodyPr>
+            <a:lstStyle/>
+            <a:p>
+              <a:endParaRPr lang="en-US"/>
+            </a:p>
+          </p:txBody>
+        </p:sp>
+        <p:sp>
+          <p:nvSpPr>
+            <p:cNvPr id="65783" name="AutoShape 247"/>
+            <p:cNvSpPr>
+              <a:spLocks noChangeArrowheads="1"/>
+            </p:cNvSpPr>
+            <p:nvPr/>
+          </p:nvSpPr>
+          <p:spPr bwMode="auto">
+            <a:xfrm>
+              <a:off x="2723" y="3883"/>
+              <a:ext cx="33" cy="132"/>
+            </a:xfrm>
+            <a:prstGeom prst="roundRect">
+              <a:avLst>
+                <a:gd name="adj" fmla="val 16667"/>
+              </a:avLst>
+            </a:prstGeom>
+            <a:solidFill>
+              <a:schemeClr val="tx1"/>
+            </a:solidFill>
+            <a:ln w="12700">
+              <a:solidFill>
+                <a:schemeClr val="bg2"/>
+              </a:solidFill>
+              <a:round/>
+              <a:headEnd type="none" w="lg" len="med"/>
+              <a:tailEnd type="none" w="lg" len="med"/>
+            </a:ln>
+            <a:effectLst/>
+            <a:extLst>
+              <a:ext uri="{AF507438-7753-43E0-B8FC-AC1667EBCBE1}">
+                <a14:hiddenEffects xmlns:a14="http://schemas.microsoft.com/office/drawing/2010/main">
+                  <a:effectLst>
+                    <a:outerShdw dist="35921" dir="2700000" algn="ctr" rotWithShape="0">
+                      <a:schemeClr val="bg2"/>
+                    </a:outerShdw>
+                  </a:effectLst>
+                </a14:hiddenEffects>
+              </a:ext>
+            </a:extLst>
+          </p:spPr>
+          <p:txBody>
+            <a:bodyPr anchor="ctr">
+              <a:spAutoFit/>
+            </a:bodyPr>
+            <a:lstStyle/>
+            <a:p>
+              <a:endParaRPr lang="en-US"/>
+            </a:p>
+          </p:txBody>
+        </p:sp>
+      </p:grpSp>
+      <p:grpSp>
+        <p:nvGrpSpPr>
+          <p:cNvPr id="65798" name="Group 262"/>
+          <p:cNvGrpSpPr>
+            <a:grpSpLocks/>
+          </p:cNvGrpSpPr>
+          <p:nvPr/>
+        </p:nvGrpSpPr>
+        <p:grpSpPr bwMode="auto">
+          <a:xfrm rot="-10800000">
+            <a:off x="23813" y="4595813"/>
+            <a:ext cx="369887" cy="466725"/>
+            <a:chOff x="1621" y="1259"/>
+            <a:chExt cx="402" cy="508"/>
+          </a:xfrm>
+        </p:grpSpPr>
+        <p:sp>
+          <p:nvSpPr>
+            <p:cNvPr id="65799" name="Freeform 263"/>
+            <p:cNvSpPr>
+              <a:spLocks/>
+            </p:cNvSpPr>
+            <p:nvPr/>
+          </p:nvSpPr>
+          <p:spPr bwMode="auto">
+            <a:xfrm>
+              <a:off x="1623" y="1618"/>
+              <a:ext cx="400" cy="72"/>
+            </a:xfrm>
+            <a:custGeom>
+              <a:avLst/>
+              <a:gdLst>
+                <a:gd name="T0" fmla="*/ 9 w 439"/>
+                <a:gd name="T1" fmla="*/ 0 h 54"/>
+                <a:gd name="T2" fmla="*/ 5 w 439"/>
+                <a:gd name="T3" fmla="*/ 2 h 54"/>
+                <a:gd name="T4" fmla="*/ 3 w 439"/>
+                <a:gd name="T5" fmla="*/ 2 h 54"/>
+                <a:gd name="T6" fmla="*/ 1 w 439"/>
+                <a:gd name="T7" fmla="*/ 6 h 54"/>
+                <a:gd name="T8" fmla="*/ 0 w 439"/>
+                <a:gd name="T9" fmla="*/ 10 h 54"/>
+                <a:gd name="T10" fmla="*/ 0 w 439"/>
+                <a:gd name="T11" fmla="*/ 46 h 54"/>
+                <a:gd name="T12" fmla="*/ 1 w 439"/>
+                <a:gd name="T13" fmla="*/ 50 h 54"/>
+                <a:gd name="T14" fmla="*/ 3 w 439"/>
+                <a:gd name="T15" fmla="*/ 52 h 54"/>
+                <a:gd name="T16" fmla="*/ 5 w 439"/>
+                <a:gd name="T17" fmla="*/ 54 h 54"/>
+                <a:gd name="T18" fmla="*/ 9 w 439"/>
+                <a:gd name="T19" fmla="*/ 54 h 54"/>
+                <a:gd name="T20" fmla="*/ 430 w 439"/>
+                <a:gd name="T21" fmla="*/ 54 h 54"/>
+                <a:gd name="T22" fmla="*/ 433 w 439"/>
+                <a:gd name="T23" fmla="*/ 54 h 54"/>
+                <a:gd name="T24" fmla="*/ 435 w 439"/>
+                <a:gd name="T25" fmla="*/ 52 h 54"/>
+                <a:gd name="T26" fmla="*/ 439 w 439"/>
+                <a:gd name="T27" fmla="*/ 50 h 54"/>
+                <a:gd name="T28" fmla="*/ 439 w 439"/>
+                <a:gd name="T29" fmla="*/ 46 h 54"/>
+                <a:gd name="T30" fmla="*/ 439 w 439"/>
+                <a:gd name="T31" fmla="*/ 10 h 54"/>
+                <a:gd name="T32" fmla="*/ 439 w 439"/>
+                <a:gd name="T33" fmla="*/ 6 h 54"/>
+                <a:gd name="T34" fmla="*/ 435 w 439"/>
+                <a:gd name="T35" fmla="*/ 2 h 54"/>
+                <a:gd name="T36" fmla="*/ 433 w 439"/>
+                <a:gd name="T37" fmla="*/ 2 h 54"/>
+                <a:gd name="T38" fmla="*/ 430 w 439"/>
+                <a:gd name="T39" fmla="*/ 0 h 54"/>
+                <a:gd name="T40" fmla="*/ 9 w 439"/>
+                <a:gd name="T41" fmla="*/ 0 h 54"/>
+              </a:gdLst>
+              <a:ahLst/>
+              <a:cxnLst>
+                <a:cxn ang="0">
+                  <a:pos x="T0" y="T1"/>
+                </a:cxn>
+                <a:cxn ang="0">
+                  <a:pos x="T2" y="T3"/>
+                </a:cxn>
+                <a:cxn ang="0">
+                  <a:pos x="T4" y="T5"/>
+                </a:cxn>
+                <a:cxn ang="0">
+                  <a:pos x="T6" y="T7"/>
+                </a:cxn>
+                <a:cxn ang="0">
+                  <a:pos x="T8" y="T9"/>
+                </a:cxn>
+                <a:cxn ang="0">
+                  <a:pos x="T10" y="T11"/>
+                </a:cxn>
+                <a:cxn ang="0">
+                  <a:pos x="T12" y="T13"/>
+                </a:cxn>
+                <a:cxn ang="0">
+                  <a:pos x="T14" y="T15"/>
+                </a:cxn>
+                <a:cxn ang="0">
+                  <a:pos x="T16" y="T17"/>
+                </a:cxn>
+                <a:cxn ang="0">
+                  <a:pos x="T18" y="T19"/>
+                </a:cxn>
+                <a:cxn ang="0">
+                  <a:pos x="T20" y="T21"/>
+                </a:cxn>
+                <a:cxn ang="0">
+                  <a:pos x="T22" y="T23"/>
+                </a:cxn>
+                <a:cxn ang="0">
+                  <a:pos x="T24" y="T25"/>
+                </a:cxn>
+                <a:cxn ang="0">
+                  <a:pos x="T26" y="T27"/>
+                </a:cxn>
+                <a:cxn ang="0">
+                  <a:pos x="T28" y="T29"/>
+                </a:cxn>
+                <a:cxn ang="0">
+                  <a:pos x="T30" y="T31"/>
+                </a:cxn>
+                <a:cxn ang="0">
+                  <a:pos x="T32" y="T33"/>
+                </a:cxn>
+                <a:cxn ang="0">
+                  <a:pos x="T34" y="T35"/>
+                </a:cxn>
+                <a:cxn ang="0">
+                  <a:pos x="T36" y="T37"/>
+                </a:cxn>
+                <a:cxn ang="0">
+                  <a:pos x="T38" y="T39"/>
+                </a:cxn>
+                <a:cxn ang="0">
+                  <a:pos x="T40" y="T41"/>
+                </a:cxn>
+              </a:cxnLst>
+              <a:rect l="0" t="0" r="r" b="b"/>
+              <a:pathLst>
+                <a:path w="439" h="54">
+                  <a:moveTo>
+                    <a:pt x="9" y="0"/>
+                  </a:moveTo>
+                  <a:lnTo>
+                    <a:pt x="5" y="2"/>
+                  </a:lnTo>
+                  <a:lnTo>
+                    <a:pt x="3" y="2"/>
+                  </a:lnTo>
+                  <a:lnTo>
+                    <a:pt x="1" y="6"/>
+                  </a:lnTo>
+                  <a:lnTo>
+                    <a:pt x="0" y="10"/>
+                  </a:lnTo>
+                  <a:lnTo>
+                    <a:pt x="0" y="46"/>
+                  </a:lnTo>
+                  <a:lnTo>
+                    <a:pt x="1" y="50"/>
+                  </a:lnTo>
+                  <a:lnTo>
+                    <a:pt x="3" y="52"/>
+                  </a:lnTo>
+                  <a:lnTo>
+                    <a:pt x="5" y="54"/>
+                  </a:lnTo>
+                  <a:lnTo>
+                    <a:pt x="9" y="54"/>
+                  </a:lnTo>
+                  <a:lnTo>
+                    <a:pt x="430" y="54"/>
+                  </a:lnTo>
+                  <a:lnTo>
+                    <a:pt x="433" y="54"/>
+                  </a:lnTo>
+                  <a:lnTo>
+                    <a:pt x="435" y="52"/>
+                  </a:lnTo>
+                  <a:lnTo>
+                    <a:pt x="439" y="50"/>
+                  </a:lnTo>
+                  <a:lnTo>
+                    <a:pt x="439" y="46"/>
+                  </a:lnTo>
+                  <a:lnTo>
+                    <a:pt x="439" y="10"/>
+                  </a:lnTo>
+                  <a:lnTo>
+                    <a:pt x="439" y="6"/>
+                  </a:lnTo>
+                  <a:lnTo>
+                    <a:pt x="435" y="2"/>
+                  </a:lnTo>
+                  <a:lnTo>
+                    <a:pt x="433" y="2"/>
+                  </a:lnTo>
+                  <a:lnTo>
+                    <a:pt x="430" y="0"/>
+                  </a:lnTo>
+                  <a:lnTo>
+                    <a:pt x="9" y="0"/>
+                  </a:lnTo>
+                  <a:close/>
+                </a:path>
+              </a:pathLst>
+            </a:custGeom>
+            <a:solidFill>
+              <a:srgbClr val="000000"/>
+            </a:solidFill>
+            <a:ln w="7938">
+              <a:solidFill>
+                <a:srgbClr val="DDDDDD"/>
+              </a:solidFill>
+              <a:prstDash val="solid"/>
+              <a:round/>
+              <a:headEnd/>
+              <a:tailEnd/>
+            </a:ln>
+          </p:spPr>
+          <p:txBody>
+            <a:bodyPr/>
+            <a:lstStyle/>
+            <a:p>
+              <a:endParaRPr lang="en-US"/>
+            </a:p>
+          </p:txBody>
+        </p:sp>
+        <p:sp>
+          <p:nvSpPr>
+            <p:cNvPr id="65800" name="Freeform 264"/>
+            <p:cNvSpPr>
+              <a:spLocks/>
+            </p:cNvSpPr>
+            <p:nvPr/>
+          </p:nvSpPr>
+          <p:spPr bwMode="auto">
+            <a:xfrm>
+              <a:off x="1729" y="1602"/>
+              <a:ext cx="188" cy="104"/>
+            </a:xfrm>
+            <a:custGeom>
+              <a:avLst/>
+              <a:gdLst>
+                <a:gd name="T0" fmla="*/ 9 w 439"/>
+                <a:gd name="T1" fmla="*/ 0 h 54"/>
+                <a:gd name="T2" fmla="*/ 5 w 439"/>
+                <a:gd name="T3" fmla="*/ 2 h 54"/>
+                <a:gd name="T4" fmla="*/ 3 w 439"/>
+                <a:gd name="T5" fmla="*/ 2 h 54"/>
+                <a:gd name="T6" fmla="*/ 1 w 439"/>
+                <a:gd name="T7" fmla="*/ 6 h 54"/>
+                <a:gd name="T8" fmla="*/ 0 w 439"/>
+                <a:gd name="T9" fmla="*/ 10 h 54"/>
+                <a:gd name="T10" fmla="*/ 0 w 439"/>
+                <a:gd name="T11" fmla="*/ 46 h 54"/>
+                <a:gd name="T12" fmla="*/ 1 w 439"/>
+                <a:gd name="T13" fmla="*/ 50 h 54"/>
+                <a:gd name="T14" fmla="*/ 3 w 439"/>
+                <a:gd name="T15" fmla="*/ 52 h 54"/>
+                <a:gd name="T16" fmla="*/ 5 w 439"/>
+                <a:gd name="T17" fmla="*/ 54 h 54"/>
+                <a:gd name="T18" fmla="*/ 9 w 439"/>
+                <a:gd name="T19" fmla="*/ 54 h 54"/>
+                <a:gd name="T20" fmla="*/ 430 w 439"/>
+                <a:gd name="T21" fmla="*/ 54 h 54"/>
+                <a:gd name="T22" fmla="*/ 433 w 439"/>
+                <a:gd name="T23" fmla="*/ 54 h 54"/>
+                <a:gd name="T24" fmla="*/ 435 w 439"/>
+                <a:gd name="T25" fmla="*/ 52 h 54"/>
+                <a:gd name="T26" fmla="*/ 439 w 439"/>
+                <a:gd name="T27" fmla="*/ 50 h 54"/>
+                <a:gd name="T28" fmla="*/ 439 w 439"/>
+                <a:gd name="T29" fmla="*/ 46 h 54"/>
+                <a:gd name="T30" fmla="*/ 439 w 439"/>
+                <a:gd name="T31" fmla="*/ 10 h 54"/>
+                <a:gd name="T32" fmla="*/ 439 w 439"/>
+                <a:gd name="T33" fmla="*/ 6 h 54"/>
+                <a:gd name="T34" fmla="*/ 435 w 439"/>
+                <a:gd name="T35" fmla="*/ 2 h 54"/>
+                <a:gd name="T36" fmla="*/ 433 w 439"/>
+                <a:gd name="T37" fmla="*/ 2 h 54"/>
+                <a:gd name="T38" fmla="*/ 430 w 439"/>
+                <a:gd name="T39" fmla="*/ 0 h 54"/>
+                <a:gd name="T40" fmla="*/ 9 w 439"/>
+                <a:gd name="T41" fmla="*/ 0 h 54"/>
+              </a:gdLst>
+              <a:ahLst/>
+              <a:cxnLst>
+                <a:cxn ang="0">
+                  <a:pos x="T0" y="T1"/>
+                </a:cxn>
+                <a:cxn ang="0">
+                  <a:pos x="T2" y="T3"/>
+                </a:cxn>
+                <a:cxn ang="0">
+                  <a:pos x="T4" y="T5"/>
+                </a:cxn>
+                <a:cxn ang="0">
+                  <a:pos x="T6" y="T7"/>
+                </a:cxn>
+                <a:cxn ang="0">
+                  <a:pos x="T8" y="T9"/>
+                </a:cxn>
+                <a:cxn ang="0">
+                  <a:pos x="T10" y="T11"/>
+                </a:cxn>
+                <a:cxn ang="0">
+                  <a:pos x="T12" y="T13"/>
+                </a:cxn>
+                <a:cxn ang="0">
+                  <a:pos x="T14" y="T15"/>
+                </a:cxn>
+                <a:cxn ang="0">
+                  <a:pos x="T16" y="T17"/>
+                </a:cxn>
+                <a:cxn ang="0">
+                  <a:pos x="T18" y="T19"/>
+                </a:cxn>
+                <a:cxn ang="0">
+                  <a:pos x="T20" y="T21"/>
+                </a:cxn>
+                <a:cxn ang="0">
+                  <a:pos x="T22" y="T23"/>
+                </a:cxn>
+                <a:cxn ang="0">
+                  <a:pos x="T24" y="T25"/>
+                </a:cxn>
+                <a:cxn ang="0">
+                  <a:pos x="T26" y="T27"/>
+                </a:cxn>
+                <a:cxn ang="0">
+                  <a:pos x="T28" y="T29"/>
+                </a:cxn>
+                <a:cxn ang="0">
+                  <a:pos x="T30" y="T31"/>
+                </a:cxn>
+                <a:cxn ang="0">
+                  <a:pos x="T32" y="T33"/>
+                </a:cxn>
+                <a:cxn ang="0">
+                  <a:pos x="T34" y="T35"/>
+                </a:cxn>
+                <a:cxn ang="0">
+                  <a:pos x="T36" y="T37"/>
+                </a:cxn>
+                <a:cxn ang="0">
+                  <a:pos x="T38" y="T39"/>
+                </a:cxn>
+                <a:cxn ang="0">
+                  <a:pos x="T40" y="T41"/>
+                </a:cxn>
+              </a:cxnLst>
+              <a:rect l="0" t="0" r="r" b="b"/>
+              <a:pathLst>
+                <a:path w="439" h="54">
+                  <a:moveTo>
+                    <a:pt x="9" y="0"/>
+                  </a:moveTo>
+                  <a:lnTo>
+                    <a:pt x="5" y="2"/>
+                  </a:lnTo>
+                  <a:lnTo>
+                    <a:pt x="3" y="2"/>
+                  </a:lnTo>
+                  <a:lnTo>
+                    <a:pt x="1" y="6"/>
+                  </a:lnTo>
+                  <a:lnTo>
+                    <a:pt x="0" y="10"/>
+                  </a:lnTo>
+                  <a:lnTo>
+                    <a:pt x="0" y="46"/>
+                  </a:lnTo>
+                  <a:lnTo>
+                    <a:pt x="1" y="50"/>
+                  </a:lnTo>
+                  <a:lnTo>
+                    <a:pt x="3" y="52"/>
+                  </a:lnTo>
+                  <a:lnTo>
+                    <a:pt x="5" y="54"/>
+                  </a:lnTo>
+                  <a:lnTo>
+                    <a:pt x="9" y="54"/>
+                  </a:lnTo>
+                  <a:lnTo>
+                    <a:pt x="430" y="54"/>
+                  </a:lnTo>
+                  <a:lnTo>
+                    <a:pt x="433" y="54"/>
+                  </a:lnTo>
+                  <a:lnTo>
+                    <a:pt x="435" y="52"/>
+                  </a:lnTo>
+                  <a:lnTo>
+                    <a:pt x="439" y="50"/>
+                  </a:lnTo>
+                  <a:lnTo>
+                    <a:pt x="439" y="46"/>
+                  </a:lnTo>
+                  <a:lnTo>
+                    <a:pt x="439" y="10"/>
+                  </a:lnTo>
+                  <a:lnTo>
+                    <a:pt x="439" y="6"/>
+                  </a:lnTo>
+                  <a:lnTo>
+                    <a:pt x="435" y="2"/>
+                  </a:lnTo>
+                  <a:lnTo>
+                    <a:pt x="433" y="2"/>
+                  </a:lnTo>
+                  <a:lnTo>
+                    <a:pt x="430" y="0"/>
+                  </a:lnTo>
+                  <a:lnTo>
+                    <a:pt x="9" y="0"/>
+                  </a:lnTo>
+                  <a:close/>
+                </a:path>
+              </a:pathLst>
+            </a:custGeom>
+            <a:solidFill>
+              <a:srgbClr val="000000"/>
+            </a:solidFill>
+            <a:ln w="7938">
+              <a:solidFill>
+                <a:srgbClr val="DDDDDD"/>
+              </a:solidFill>
+              <a:prstDash val="solid"/>
+              <a:round/>
+              <a:headEnd/>
+              <a:tailEnd/>
+            </a:ln>
+          </p:spPr>
+          <p:txBody>
+            <a:bodyPr/>
+            <a:lstStyle/>
+            <a:p>
+              <a:endParaRPr lang="en-US"/>
+            </a:p>
+          </p:txBody>
+        </p:sp>
+        <p:sp>
+          <p:nvSpPr>
+            <p:cNvPr id="65801" name="Rectangle 265"/>
+            <p:cNvSpPr>
+              <a:spLocks noChangeArrowheads="1"/>
+            </p:cNvSpPr>
+            <p:nvPr/>
+          </p:nvSpPr>
+          <p:spPr bwMode="auto">
+            <a:xfrm>
+              <a:off x="1762" y="1541"/>
+              <a:ext cx="120" cy="226"/>
+            </a:xfrm>
+            <a:prstGeom prst="rect">
+              <a:avLst/>
+            </a:prstGeom>
+            <a:solidFill>
+              <a:srgbClr val="000000"/>
+            </a:solidFill>
+            <a:ln w="7938">
+              <a:solidFill>
+                <a:srgbClr val="DDDDDD"/>
+              </a:solidFill>
+              <a:miter lim="800000"/>
+              <a:headEnd/>
+              <a:tailEnd/>
+            </a:ln>
+          </p:spPr>
+          <p:txBody>
+            <a:bodyPr/>
+            <a:lstStyle/>
+            <a:p>
+              <a:endParaRPr lang="en-US"/>
+            </a:p>
+          </p:txBody>
+        </p:sp>
+        <p:sp>
+          <p:nvSpPr>
+            <p:cNvPr id="65802" name="Freeform 266"/>
+            <p:cNvSpPr>
+              <a:spLocks/>
+            </p:cNvSpPr>
+            <p:nvPr/>
+          </p:nvSpPr>
+          <p:spPr bwMode="auto">
+            <a:xfrm>
+              <a:off x="1621" y="1259"/>
+              <a:ext cx="251" cy="275"/>
+            </a:xfrm>
+            <a:custGeom>
+              <a:avLst/>
+              <a:gdLst>
+                <a:gd name="T0" fmla="*/ 251 w 251"/>
+                <a:gd name="T1" fmla="*/ 270 h 275"/>
+                <a:gd name="T2" fmla="*/ 49 w 251"/>
+                <a:gd name="T3" fmla="*/ 230 h 275"/>
+                <a:gd name="T4" fmla="*/ 0 w 251"/>
+                <a:gd name="T5" fmla="*/ 0 h 275"/>
+              </a:gdLst>
+              <a:ahLst/>
+              <a:cxnLst>
+                <a:cxn ang="0">
+                  <a:pos x="T0" y="T1"/>
+                </a:cxn>
+                <a:cxn ang="0">
+                  <a:pos x="T2" y="T3"/>
+                </a:cxn>
+                <a:cxn ang="0">
+                  <a:pos x="T4" y="T5"/>
+                </a:cxn>
+              </a:cxnLst>
+              <a:rect l="0" t="0" r="r" b="b"/>
+              <a:pathLst>
+                <a:path w="251" h="275">
+                  <a:moveTo>
+                    <a:pt x="251" y="270"/>
+                  </a:moveTo>
+                  <a:cubicBezTo>
+                    <a:pt x="217" y="263"/>
+                    <a:pt x="91" y="275"/>
+                    <a:pt x="49" y="230"/>
+                  </a:cubicBezTo>
+                  <a:cubicBezTo>
+                    <a:pt x="7" y="185"/>
+                    <a:pt x="10" y="48"/>
+                    <a:pt x="0" y="0"/>
+                  </a:cubicBezTo>
+                </a:path>
+              </a:pathLst>
+            </a:custGeom>
+            <a:noFill/>
+            <a:ln w="38100" cap="flat" cmpd="sng">
+              <a:solidFill>
+                <a:schemeClr val="accent1"/>
+              </a:solidFill>
+              <a:prstDash val="solid"/>
+              <a:round/>
+              <a:headEnd type="none" w="lg" len="med"/>
+              <a:tailEnd type="none" w="lg" len="med"/>
+            </a:ln>
+            <a:effectLst/>
+            <a:extLst>
+              <a:ext uri="{909E8E84-426E-40DD-AFC4-6F175D3DCCD1}">
+                <a14:hiddenFill xmlns:a14="http://schemas.microsoft.com/office/drawing/2010/main">
+                  <a:solidFill>
+                    <a:schemeClr val="bg1"/>
+                  </a:solidFill>
+                </a14:hiddenFill>
+              </a:ext>
+              <a:ext uri="{AF507438-7753-43E0-B8FC-AC1667EBCBE1}">
+                <a14:hiddenEffects xmlns:a14="http://schemas.microsoft.com/office/drawing/2010/main">
+                  <a:effectLst>
+                    <a:outerShdw dist="35921" dir="2700000" algn="ctr" rotWithShape="0">
+                      <a:schemeClr val="bg2"/>
+                    </a:outerShdw>
+                  </a:effectLst>
+                </a14:hiddenEffects>
+              </a:ext>
+            </a:extLst>
+          </p:spPr>
+          <p:txBody>
+            <a:bodyPr anchor="ctr">
+              <a:spAutoFit/>
+            </a:bodyPr>
+            <a:lstStyle/>
+            <a:p>
+              <a:endParaRPr lang="en-US"/>
+            </a:p>
+          </p:txBody>
+        </p:sp>
+      </p:grpSp>
+      <p:pic>
+        <p:nvPicPr>
+          <p:cNvPr id="65803" name="Picture 267" descr="solenoidvalve"/>
+          <p:cNvPicPr>
+            <a:picLocks noChangeAspect="1" noChangeArrowheads="1"/>
+          </p:cNvPicPr>
+          <p:nvPr/>
+        </p:nvPicPr>
+        <p:blipFill>
+          <a:blip r:embed="rId8">
+            <a:clrChange>
+              <a:clrFrom>
+                <a:srgbClr val="FFFFFF"/>
+              </a:clrFrom>
+              <a:clrTo>
+                <a:srgbClr val="FFFFFF">
+                  <a:alpha val="0"/>
+                </a:srgbClr>
+              </a:clrTo>
+            </a:clrChange>
+            <a:extLst>
+              <a:ext uri="{28A0092B-C50C-407E-A947-70E740481C1C}">
+                <a14:useLocalDpi xmlns:a14="http://schemas.microsoft.com/office/drawing/2010/main" val="0"/>
+              </a:ext>
+            </a:extLst>
+          </a:blip>
+          <a:srcRect/>
+          <a:stretch>
+            <a:fillRect/>
+          </a:stretch>
+        </p:blipFill>
+        <p:spPr bwMode="auto">
+          <a:xfrm>
+            <a:off x="708025" y="4951413"/>
+            <a:ext cx="560388" cy="695325"/>
+          </a:xfrm>
+          <a:prstGeom prst="rect">
+            <a:avLst/>
+          </a:prstGeom>
+          <a:noFill/>
+          <a:extLst>
+            <a:ext uri="{909E8E84-426E-40DD-AFC4-6F175D3DCCD1}">
+              <a14:hiddenFill xmlns:a14="http://schemas.microsoft.com/office/drawing/2010/main">
+                <a:solidFill>
+                  <a:srgbClr val="FFFFFF"/>
+                </a:solidFill>
+              </a14:hiddenFill>
+            </a:ext>
+          </a:extLst>
+        </p:spPr>
+      </p:pic>
+      <p:grpSp>
+        <p:nvGrpSpPr>
+          <p:cNvPr id="65804" name="Group 268"/>
+          <p:cNvGrpSpPr>
+            <a:grpSpLocks/>
+          </p:cNvGrpSpPr>
+          <p:nvPr/>
+        </p:nvGrpSpPr>
+        <p:grpSpPr bwMode="auto">
+          <a:xfrm rot="10800000" flipH="1">
+            <a:off x="8729663" y="4583113"/>
+            <a:ext cx="369887" cy="466725"/>
+            <a:chOff x="1621" y="1259"/>
+            <a:chExt cx="402" cy="508"/>
+          </a:xfrm>
+        </p:grpSpPr>
+        <p:sp>
+          <p:nvSpPr>
+            <p:cNvPr id="65805" name="Freeform 269"/>
+            <p:cNvSpPr>
+              <a:spLocks/>
+            </p:cNvSpPr>
+            <p:nvPr/>
+          </p:nvSpPr>
+          <p:spPr bwMode="auto">
+            <a:xfrm>
+              <a:off x="1623" y="1618"/>
+              <a:ext cx="400" cy="72"/>
+            </a:xfrm>
+            <a:custGeom>
+              <a:avLst/>
+              <a:gdLst>
+                <a:gd name="T0" fmla="*/ 9 w 439"/>
+                <a:gd name="T1" fmla="*/ 0 h 54"/>
+                <a:gd name="T2" fmla="*/ 5 w 439"/>
+                <a:gd name="T3" fmla="*/ 2 h 54"/>
+                <a:gd name="T4" fmla="*/ 3 w 439"/>
+                <a:gd name="T5" fmla="*/ 2 h 54"/>
+                <a:gd name="T6" fmla="*/ 1 w 439"/>
+                <a:gd name="T7" fmla="*/ 6 h 54"/>
+                <a:gd name="T8" fmla="*/ 0 w 439"/>
+                <a:gd name="T9" fmla="*/ 10 h 54"/>
+                <a:gd name="T10" fmla="*/ 0 w 439"/>
+                <a:gd name="T11" fmla="*/ 46 h 54"/>
+                <a:gd name="T12" fmla="*/ 1 w 439"/>
+                <a:gd name="T13" fmla="*/ 50 h 54"/>
+                <a:gd name="T14" fmla="*/ 3 w 439"/>
+                <a:gd name="T15" fmla="*/ 52 h 54"/>
+                <a:gd name="T16" fmla="*/ 5 w 439"/>
+                <a:gd name="T17" fmla="*/ 54 h 54"/>
+                <a:gd name="T18" fmla="*/ 9 w 439"/>
+                <a:gd name="T19" fmla="*/ 54 h 54"/>
+                <a:gd name="T20" fmla="*/ 430 w 439"/>
+                <a:gd name="T21" fmla="*/ 54 h 54"/>
+                <a:gd name="T22" fmla="*/ 433 w 439"/>
+                <a:gd name="T23" fmla="*/ 54 h 54"/>
+                <a:gd name="T24" fmla="*/ 435 w 439"/>
+                <a:gd name="T25" fmla="*/ 52 h 54"/>
+                <a:gd name="T26" fmla="*/ 439 w 439"/>
+                <a:gd name="T27" fmla="*/ 50 h 54"/>
+                <a:gd name="T28" fmla="*/ 439 w 439"/>
+                <a:gd name="T29" fmla="*/ 46 h 54"/>
+                <a:gd name="T30" fmla="*/ 439 w 439"/>
+                <a:gd name="T31" fmla="*/ 10 h 54"/>
+                <a:gd name="T32" fmla="*/ 439 w 439"/>
+                <a:gd name="T33" fmla="*/ 6 h 54"/>
+                <a:gd name="T34" fmla="*/ 435 w 439"/>
+                <a:gd name="T35" fmla="*/ 2 h 54"/>
+                <a:gd name="T36" fmla="*/ 433 w 439"/>
+                <a:gd name="T37" fmla="*/ 2 h 54"/>
+                <a:gd name="T38" fmla="*/ 430 w 439"/>
+                <a:gd name="T39" fmla="*/ 0 h 54"/>
+                <a:gd name="T40" fmla="*/ 9 w 439"/>
+                <a:gd name="T41" fmla="*/ 0 h 54"/>
+              </a:gdLst>
+              <a:ahLst/>
+              <a:cxnLst>
+                <a:cxn ang="0">
+                  <a:pos x="T0" y="T1"/>
+                </a:cxn>
+                <a:cxn ang="0">
+                  <a:pos x="T2" y="T3"/>
+                </a:cxn>
+                <a:cxn ang="0">
+                  <a:pos x="T4" y="T5"/>
+                </a:cxn>
+                <a:cxn ang="0">
+                  <a:pos x="T6" y="T7"/>
+                </a:cxn>
+                <a:cxn ang="0">
+                  <a:pos x="T8" y="T9"/>
+                </a:cxn>
+                <a:cxn ang="0">
+                  <a:pos x="T10" y="T11"/>
+                </a:cxn>
+                <a:cxn ang="0">
+                  <a:pos x="T12" y="T13"/>
+                </a:cxn>
+                <a:cxn ang="0">
+                  <a:pos x="T14" y="T15"/>
+                </a:cxn>
+                <a:cxn ang="0">
+                  <a:pos x="T16" y="T17"/>
+                </a:cxn>
+                <a:cxn ang="0">
+                  <a:pos x="T18" y="T19"/>
+                </a:cxn>
+                <a:cxn ang="0">
+                  <a:pos x="T20" y="T21"/>
+                </a:cxn>
+                <a:cxn ang="0">
+                  <a:pos x="T22" y="T23"/>
+                </a:cxn>
+                <a:cxn ang="0">
+                  <a:pos x="T24" y="T25"/>
+                </a:cxn>
+                <a:cxn ang="0">
+                  <a:pos x="T26" y="T27"/>
+                </a:cxn>
+                <a:cxn ang="0">
+                  <a:pos x="T28" y="T29"/>
+                </a:cxn>
+                <a:cxn ang="0">
+                  <a:pos x="T30" y="T31"/>
+                </a:cxn>
+                <a:cxn ang="0">
+                  <a:pos x="T32" y="T33"/>
+                </a:cxn>
+                <a:cxn ang="0">
+                  <a:pos x="T34" y="T35"/>
+                </a:cxn>
+                <a:cxn ang="0">
+                  <a:pos x="T36" y="T37"/>
+                </a:cxn>
+                <a:cxn ang="0">
+                  <a:pos x="T38" y="T39"/>
+                </a:cxn>
+                <a:cxn ang="0">
+                  <a:pos x="T40" y="T41"/>
+                </a:cxn>
+              </a:cxnLst>
+              <a:rect l="0" t="0" r="r" b="b"/>
+              <a:pathLst>
+                <a:path w="439" h="54">
+                  <a:moveTo>
+                    <a:pt x="9" y="0"/>
+                  </a:moveTo>
+                  <a:lnTo>
+                    <a:pt x="5" y="2"/>
+                  </a:lnTo>
+                  <a:lnTo>
+                    <a:pt x="3" y="2"/>
+                  </a:lnTo>
+                  <a:lnTo>
+                    <a:pt x="1" y="6"/>
+                  </a:lnTo>
+                  <a:lnTo>
+                    <a:pt x="0" y="10"/>
+                  </a:lnTo>
+                  <a:lnTo>
+                    <a:pt x="0" y="46"/>
+                  </a:lnTo>
+                  <a:lnTo>
+                    <a:pt x="1" y="50"/>
+                  </a:lnTo>
+                  <a:lnTo>
+                    <a:pt x="3" y="52"/>
+                  </a:lnTo>
+                  <a:lnTo>
+                    <a:pt x="5" y="54"/>
+                  </a:lnTo>
+                  <a:lnTo>
+                    <a:pt x="9" y="54"/>
+                  </a:lnTo>
+                  <a:lnTo>
+                    <a:pt x="430" y="54"/>
+                  </a:lnTo>
+                  <a:lnTo>
+                    <a:pt x="433" y="54"/>
+                  </a:lnTo>
+                  <a:lnTo>
+                    <a:pt x="435" y="52"/>
+                  </a:lnTo>
+                  <a:lnTo>
+                    <a:pt x="439" y="50"/>
+                  </a:lnTo>
+                  <a:lnTo>
+                    <a:pt x="439" y="46"/>
+                  </a:lnTo>
+                  <a:lnTo>
+                    <a:pt x="439" y="10"/>
+                  </a:lnTo>
+                  <a:lnTo>
+                    <a:pt x="439" y="6"/>
+                  </a:lnTo>
+                  <a:lnTo>
+                    <a:pt x="435" y="2"/>
+                  </a:lnTo>
+                  <a:lnTo>
+                    <a:pt x="433" y="2"/>
+                  </a:lnTo>
+                  <a:lnTo>
+                    <a:pt x="430" y="0"/>
+                  </a:lnTo>
+                  <a:lnTo>
+                    <a:pt x="9" y="0"/>
+                  </a:lnTo>
+                  <a:close/>
+                </a:path>
+              </a:pathLst>
+            </a:custGeom>
+            <a:solidFill>
+              <a:srgbClr val="000000"/>
+            </a:solidFill>
+            <a:ln w="7938">
+              <a:solidFill>
+                <a:srgbClr val="DDDDDD"/>
+              </a:solidFill>
+              <a:prstDash val="solid"/>
+              <a:round/>
+              <a:headEnd/>
+              <a:tailEnd/>
+            </a:ln>
+          </p:spPr>
+          <p:txBody>
+            <a:bodyPr/>
+            <a:lstStyle/>
+            <a:p>
+              <a:endParaRPr lang="en-US"/>
+            </a:p>
+          </p:txBody>
+        </p:sp>
+        <p:sp>
+          <p:nvSpPr>
+            <p:cNvPr id="65806" name="Freeform 270"/>
+            <p:cNvSpPr>
+              <a:spLocks/>
+            </p:cNvSpPr>
+            <p:nvPr/>
+          </p:nvSpPr>
+          <p:spPr bwMode="auto">
+            <a:xfrm>
+              <a:off x="1729" y="1602"/>
+              <a:ext cx="188" cy="104"/>
+            </a:xfrm>
+            <a:custGeom>
+              <a:avLst/>
+              <a:gdLst>
+                <a:gd name="T0" fmla="*/ 9 w 439"/>
+                <a:gd name="T1" fmla="*/ 0 h 54"/>
+                <a:gd name="T2" fmla="*/ 5 w 439"/>
+                <a:gd name="T3" fmla="*/ 2 h 54"/>
+                <a:gd name="T4" fmla="*/ 3 w 439"/>
+                <a:gd name="T5" fmla="*/ 2 h 54"/>
+                <a:gd name="T6" fmla="*/ 1 w 439"/>
+                <a:gd name="T7" fmla="*/ 6 h 54"/>
+                <a:gd name="T8" fmla="*/ 0 w 439"/>
+                <a:gd name="T9" fmla="*/ 10 h 54"/>
+                <a:gd name="T10" fmla="*/ 0 w 439"/>
+                <a:gd name="T11" fmla="*/ 46 h 54"/>
+                <a:gd name="T12" fmla="*/ 1 w 439"/>
+                <a:gd name="T13" fmla="*/ 50 h 54"/>
+                <a:gd name="T14" fmla="*/ 3 w 439"/>
+                <a:gd name="T15" fmla="*/ 52 h 54"/>
+                <a:gd name="T16" fmla="*/ 5 w 439"/>
+                <a:gd name="T17" fmla="*/ 54 h 54"/>
+                <a:gd name="T18" fmla="*/ 9 w 439"/>
+                <a:gd name="T19" fmla="*/ 54 h 54"/>
+                <a:gd name="T20" fmla="*/ 430 w 439"/>
+                <a:gd name="T21" fmla="*/ 54 h 54"/>
+                <a:gd name="T22" fmla="*/ 433 w 439"/>
+                <a:gd name="T23" fmla="*/ 54 h 54"/>
+                <a:gd name="T24" fmla="*/ 435 w 439"/>
+                <a:gd name="T25" fmla="*/ 52 h 54"/>
+                <a:gd name="T26" fmla="*/ 439 w 439"/>
+                <a:gd name="T27" fmla="*/ 50 h 54"/>
+                <a:gd name="T28" fmla="*/ 439 w 439"/>
+                <a:gd name="T29" fmla="*/ 46 h 54"/>
+                <a:gd name="T30" fmla="*/ 439 w 439"/>
+                <a:gd name="T31" fmla="*/ 10 h 54"/>
+                <a:gd name="T32" fmla="*/ 439 w 439"/>
+                <a:gd name="T33" fmla="*/ 6 h 54"/>
+                <a:gd name="T34" fmla="*/ 435 w 439"/>
+                <a:gd name="T35" fmla="*/ 2 h 54"/>
+                <a:gd name="T36" fmla="*/ 433 w 439"/>
+                <a:gd name="T37" fmla="*/ 2 h 54"/>
+                <a:gd name="T38" fmla="*/ 430 w 439"/>
+                <a:gd name="T39" fmla="*/ 0 h 54"/>
+                <a:gd name="T40" fmla="*/ 9 w 439"/>
+                <a:gd name="T41" fmla="*/ 0 h 54"/>
+              </a:gdLst>
+              <a:ahLst/>
+              <a:cxnLst>
+                <a:cxn ang="0">
+                  <a:pos x="T0" y="T1"/>
+                </a:cxn>
+                <a:cxn ang="0">
+                  <a:pos x="T2" y="T3"/>
+                </a:cxn>
+                <a:cxn ang="0">
+                  <a:pos x="T4" y="T5"/>
+                </a:cxn>
+                <a:cxn ang="0">
+                  <a:pos x="T6" y="T7"/>
+                </a:cxn>
+                <a:cxn ang="0">
+                  <a:pos x="T8" y="T9"/>
+                </a:cxn>
+                <a:cxn ang="0">
+                  <a:pos x="T10" y="T11"/>
+                </a:cxn>
+                <a:cxn ang="0">
+                  <a:pos x="T12" y="T13"/>
+                </a:cxn>
+                <a:cxn ang="0">
+                  <a:pos x="T14" y="T15"/>
+                </a:cxn>
+                <a:cxn ang="0">
+                  <a:pos x="T16" y="T17"/>
+                </a:cxn>
+                <a:cxn ang="0">
+                  <a:pos x="T18" y="T19"/>
+                </a:cxn>
+                <a:cxn ang="0">
+                  <a:pos x="T20" y="T21"/>
+                </a:cxn>
+                <a:cxn ang="0">
+                  <a:pos x="T22" y="T23"/>
+                </a:cxn>
+                <a:cxn ang="0">
+                  <a:pos x="T24" y="T25"/>
+                </a:cxn>
+                <a:cxn ang="0">
+                  <a:pos x="T26" y="T27"/>
+                </a:cxn>
+                <a:cxn ang="0">
+                  <a:pos x="T28" y="T29"/>
+                </a:cxn>
+                <a:cxn ang="0">
+                  <a:pos x="T30" y="T31"/>
+                </a:cxn>
+                <a:cxn ang="0">
+                  <a:pos x="T32" y="T33"/>
+                </a:cxn>
+                <a:cxn ang="0">
+                  <a:pos x="T34" y="T35"/>
+                </a:cxn>
+                <a:cxn ang="0">
+                  <a:pos x="T36" y="T37"/>
+                </a:cxn>
+                <a:cxn ang="0">
+                  <a:pos x="T38" y="T39"/>
+                </a:cxn>
+                <a:cxn ang="0">
+                  <a:pos x="T40" y="T41"/>
+                </a:cxn>
+              </a:cxnLst>
+              <a:rect l="0" t="0" r="r" b="b"/>
+              <a:pathLst>
+                <a:path w="439" h="54">
+                  <a:moveTo>
+                    <a:pt x="9" y="0"/>
+                  </a:moveTo>
+                  <a:lnTo>
+                    <a:pt x="5" y="2"/>
+                  </a:lnTo>
+                  <a:lnTo>
+                    <a:pt x="3" y="2"/>
+                  </a:lnTo>
+                  <a:lnTo>
+                    <a:pt x="1" y="6"/>
+                  </a:lnTo>
+                  <a:lnTo>
+                    <a:pt x="0" y="10"/>
+                  </a:lnTo>
+                  <a:lnTo>
+                    <a:pt x="0" y="46"/>
+                  </a:lnTo>
+                  <a:lnTo>
+                    <a:pt x="1" y="50"/>
+                  </a:lnTo>
+                  <a:lnTo>
+                    <a:pt x="3" y="52"/>
+                  </a:lnTo>
+                  <a:lnTo>
+                    <a:pt x="5" y="54"/>
+                  </a:lnTo>
+                  <a:lnTo>
+                    <a:pt x="9" y="54"/>
+                  </a:lnTo>
+                  <a:lnTo>
+                    <a:pt x="430" y="54"/>
+                  </a:lnTo>
+                  <a:lnTo>
+                    <a:pt x="433" y="54"/>
+                  </a:lnTo>
+                  <a:lnTo>
+                    <a:pt x="435" y="52"/>
+                  </a:lnTo>
+                  <a:lnTo>
+                    <a:pt x="439" y="50"/>
+                  </a:lnTo>
+                  <a:lnTo>
+                    <a:pt x="439" y="46"/>
+                  </a:lnTo>
+                  <a:lnTo>
+                    <a:pt x="439" y="10"/>
+                  </a:lnTo>
+                  <a:lnTo>
+                    <a:pt x="439" y="6"/>
+                  </a:lnTo>
+                  <a:lnTo>
+                    <a:pt x="435" y="2"/>
+                  </a:lnTo>
+                  <a:lnTo>
+                    <a:pt x="433" y="2"/>
+                  </a:lnTo>
+                  <a:lnTo>
+                    <a:pt x="430" y="0"/>
+                  </a:lnTo>
+                  <a:lnTo>
+                    <a:pt x="9" y="0"/>
+                  </a:lnTo>
+                  <a:close/>
+                </a:path>
+              </a:pathLst>
+            </a:custGeom>
+            <a:solidFill>
+              <a:srgbClr val="000000"/>
+            </a:solidFill>
+            <a:ln w="7938">
+              <a:solidFill>
+                <a:srgbClr val="DDDDDD"/>
+              </a:solidFill>
+              <a:prstDash val="solid"/>
+              <a:round/>
+              <a:headEnd/>
+              <a:tailEnd/>
+            </a:ln>
+          </p:spPr>
+          <p:txBody>
+            <a:bodyPr/>
+            <a:lstStyle/>
+            <a:p>
+              <a:endParaRPr lang="en-US"/>
+            </a:p>
+          </p:txBody>
+        </p:sp>
+        <p:sp>
+          <p:nvSpPr>
+            <p:cNvPr id="65807" name="Rectangle 271"/>
+            <p:cNvSpPr>
+              <a:spLocks noChangeArrowheads="1"/>
+            </p:cNvSpPr>
+            <p:nvPr/>
+          </p:nvSpPr>
+          <p:spPr bwMode="auto">
+            <a:xfrm>
+              <a:off x="1762" y="1541"/>
+              <a:ext cx="120" cy="226"/>
+            </a:xfrm>
+            <a:prstGeom prst="rect">
+              <a:avLst/>
+            </a:prstGeom>
+            <a:solidFill>
+              <a:srgbClr val="000000"/>
+            </a:solidFill>
+            <a:ln w="7938">
+              <a:solidFill>
+                <a:srgbClr val="DDDDDD"/>
+              </a:solidFill>
+              <a:miter lim="800000"/>
+              <a:headEnd/>
+              <a:tailEnd/>
+            </a:ln>
+          </p:spPr>
+          <p:txBody>
+            <a:bodyPr/>
+            <a:lstStyle/>
+            <a:p>
+              <a:endParaRPr lang="en-US"/>
+            </a:p>
+          </p:txBody>
+        </p:sp>
+        <p:sp>
+          <p:nvSpPr>
+            <p:cNvPr id="65808" name="Freeform 272"/>
+            <p:cNvSpPr>
+              <a:spLocks/>
+            </p:cNvSpPr>
+            <p:nvPr/>
+          </p:nvSpPr>
+          <p:spPr bwMode="auto">
+            <a:xfrm>
+              <a:off x="1621" y="1259"/>
+              <a:ext cx="251" cy="275"/>
+            </a:xfrm>
+            <a:custGeom>
+              <a:avLst/>
+              <a:gdLst>
+                <a:gd name="T0" fmla="*/ 251 w 251"/>
+                <a:gd name="T1" fmla="*/ 270 h 275"/>
+                <a:gd name="T2" fmla="*/ 49 w 251"/>
+                <a:gd name="T3" fmla="*/ 230 h 275"/>
+                <a:gd name="T4" fmla="*/ 0 w 251"/>
+                <a:gd name="T5" fmla="*/ 0 h 275"/>
+              </a:gdLst>
+              <a:ahLst/>
+              <a:cxnLst>
+                <a:cxn ang="0">
+                  <a:pos x="T0" y="T1"/>
+                </a:cxn>
+                <a:cxn ang="0">
+                  <a:pos x="T2" y="T3"/>
+                </a:cxn>
+                <a:cxn ang="0">
+                  <a:pos x="T4" y="T5"/>
+                </a:cxn>
+              </a:cxnLst>
+              <a:rect l="0" t="0" r="r" b="b"/>
+              <a:pathLst>
+                <a:path w="251" h="275">
+                  <a:moveTo>
+                    <a:pt x="251" y="270"/>
+                  </a:moveTo>
+                  <a:cubicBezTo>
+                    <a:pt x="217" y="263"/>
+                    <a:pt x="91" y="275"/>
+                    <a:pt x="49" y="230"/>
+                  </a:cubicBezTo>
+                  <a:cubicBezTo>
+                    <a:pt x="7" y="185"/>
+                    <a:pt x="10" y="48"/>
+                    <a:pt x="0" y="0"/>
+                  </a:cubicBezTo>
+                </a:path>
+              </a:pathLst>
+            </a:custGeom>
+            <a:noFill/>
+            <a:ln w="38100" cap="flat" cmpd="sng">
+              <a:solidFill>
+                <a:schemeClr val="accent1"/>
+              </a:solidFill>
+              <a:prstDash val="solid"/>
+              <a:round/>
+              <a:headEnd type="none" w="lg" len="med"/>
+              <a:tailEnd type="none" w="lg" len="med"/>
+            </a:ln>
+            <a:effectLst/>
+            <a:extLst>
+              <a:ext uri="{909E8E84-426E-40DD-AFC4-6F175D3DCCD1}">
+                <a14:hiddenFill xmlns:a14="http://schemas.microsoft.com/office/drawing/2010/main">
+                  <a:solidFill>
+                    <a:schemeClr val="bg1"/>
+                  </a:solidFill>
+                </a14:hiddenFill>
+              </a:ext>
+              <a:ext uri="{AF507438-7753-43E0-B8FC-AC1667EBCBE1}">
+                <a14:hiddenEffects xmlns:a14="http://schemas.microsoft.com/office/drawing/2010/main">
+                  <a:effectLst>
+                    <a:outerShdw dist="35921" dir="2700000" algn="ctr" rotWithShape="0">
+                      <a:schemeClr val="bg2"/>
+                    </a:outerShdw>
+                  </a:effectLst>
+                </a14:hiddenEffects>
+              </a:ext>
+            </a:extLst>
+          </p:spPr>
+          <p:txBody>
+            <a:bodyPr anchor="ctr">
+              <a:spAutoFit/>
+            </a:bodyPr>
+            <a:lstStyle/>
+            <a:p>
+              <a:endParaRPr lang="en-US"/>
+            </a:p>
+          </p:txBody>
+        </p:sp>
+      </p:grpSp>
+      <p:pic>
+        <p:nvPicPr>
+          <p:cNvPr id="65809" name="Picture 273" descr="solenoidvalve"/>
+          <p:cNvPicPr>
+            <a:picLocks noChangeAspect="1" noChangeArrowheads="1"/>
+          </p:cNvPicPr>
+          <p:nvPr/>
+        </p:nvPicPr>
+        <p:blipFill>
+          <a:blip r:embed="rId8">
+            <a:clrChange>
+              <a:clrFrom>
+                <a:srgbClr val="FFFFFF"/>
+              </a:clrFrom>
+              <a:clrTo>
+                <a:srgbClr val="FFFFFF">
+                  <a:alpha val="0"/>
+                </a:srgbClr>
+              </a:clrTo>
+            </a:clrChange>
+            <a:extLst>
+              <a:ext uri="{28A0092B-C50C-407E-A947-70E740481C1C}">
+                <a14:useLocalDpi xmlns:a14="http://schemas.microsoft.com/office/drawing/2010/main" val="0"/>
+              </a:ext>
+            </a:extLst>
+          </a:blip>
+          <a:srcRect/>
+          <a:stretch>
+            <a:fillRect/>
+          </a:stretch>
+        </p:blipFill>
+        <p:spPr bwMode="auto">
+          <a:xfrm>
+            <a:off x="7623175" y="4926013"/>
+            <a:ext cx="560388" cy="695325"/>
+          </a:xfrm>
+          <a:prstGeom prst="rect">
+            <a:avLst/>
+          </a:prstGeom>
+          <a:noFill/>
+          <a:extLst>
+            <a:ext uri="{909E8E84-426E-40DD-AFC4-6F175D3DCCD1}">
+              <a14:hiddenFill xmlns:a14="http://schemas.microsoft.com/office/drawing/2010/main">
+                <a:solidFill>
+                  <a:srgbClr val="FFFFFF"/>
+                </a:solidFill>
+              </a14:hiddenFill>
+            </a:ext>
+          </a:extLst>
+        </p:spPr>
+      </p:pic>
     </p:spTree>
+    <p:extLst>
+      <p:ext uri="{BB962C8B-B14F-4D97-AF65-F5344CB8AC3E}">
+        <p14:creationId xmlns:p14="http://schemas.microsoft.com/office/powerpoint/2010/main" val="1299442865"/>
+      </p:ext>
+    </p:extLst>
   </p:cSld>
   <p:clrMapOvr>
     <a:masterClrMapping/>
@@ -12377,7 +20623,532 @@
   <p:timing>
     <p:tnLst>
       <p:par>
-        <p:cTn id="1" dur="indefinite" restart="never" nodeType="tmRoot"/>
+        <p:cTn id="1" dur="indefinite" restart="never" nodeType="tmRoot">
+          <p:childTnLst>
+            <p:seq concurrent="1" nextAc="seek">
+              <p:cTn id="2" dur="indefinite" nodeType="mainSeq">
+                <p:childTnLst>
+                  <p:par>
+                    <p:cTn id="3" fill="hold" nodeType="clickPar">
+                      <p:stCondLst>
+                        <p:cond delay="indefinite"/>
+                      </p:stCondLst>
+                      <p:childTnLst>
+                        <p:par>
+                          <p:cTn id="4" fill="hold" nodeType="withGroup">
+                            <p:stCondLst>
+                              <p:cond delay="0"/>
+                            </p:stCondLst>
+                            <p:childTnLst>
+                              <p:par>
+                                <p:cTn id="5" presetID="17" presetClass="entr" presetSubtype="4" fill="hold" nodeType="clickEffect">
+                                  <p:stCondLst>
+                                    <p:cond delay="0"/>
+                                  </p:stCondLst>
+                                  <p:childTnLst>
+                                    <p:set>
+                                      <p:cBhvr>
+                                        <p:cTn id="6" dur="1" fill="hold">
+                                          <p:stCondLst>
+                                            <p:cond delay="0"/>
+                                          </p:stCondLst>
+                                        </p:cTn>
+                                        <p:tgtEl>
+                                          <p:spTgt spid="65754"/>
+                                        </p:tgtEl>
+                                        <p:attrNameLst>
+                                          <p:attrName>style.visibility</p:attrName>
+                                        </p:attrNameLst>
+                                      </p:cBhvr>
+                                      <p:to>
+                                        <p:strVal val="visible"/>
+                                      </p:to>
+                                    </p:set>
+                                    <p:anim calcmode="lin" valueType="num">
+                                      <p:cBhvr>
+                                        <p:cTn id="7" dur="500" fill="hold"/>
+                                        <p:tgtEl>
+                                          <p:spTgt spid="65754"/>
+                                        </p:tgtEl>
+                                        <p:attrNameLst>
+                                          <p:attrName>ppt_x</p:attrName>
+                                        </p:attrNameLst>
+                                      </p:cBhvr>
+                                      <p:tavLst>
+                                        <p:tav tm="0">
+                                          <p:val>
+                                            <p:strVal val="#ppt_x"/>
+                                          </p:val>
+                                        </p:tav>
+                                        <p:tav tm="100000">
+                                          <p:val>
+                                            <p:strVal val="#ppt_x"/>
+                                          </p:val>
+                                        </p:tav>
+                                      </p:tavLst>
+                                    </p:anim>
+                                    <p:anim calcmode="lin" valueType="num">
+                                      <p:cBhvr>
+                                        <p:cTn id="8" dur="500" fill="hold"/>
+                                        <p:tgtEl>
+                                          <p:spTgt spid="65754"/>
+                                        </p:tgtEl>
+                                        <p:attrNameLst>
+                                          <p:attrName>ppt_y</p:attrName>
+                                        </p:attrNameLst>
+                                      </p:cBhvr>
+                                      <p:tavLst>
+                                        <p:tav tm="0">
+                                          <p:val>
+                                            <p:strVal val="#ppt_y+#ppt_h/2"/>
+                                          </p:val>
+                                        </p:tav>
+                                        <p:tav tm="100000">
+                                          <p:val>
+                                            <p:strVal val="#ppt_y"/>
+                                          </p:val>
+                                        </p:tav>
+                                      </p:tavLst>
+                                    </p:anim>
+                                    <p:anim calcmode="lin" valueType="num">
+                                      <p:cBhvr>
+                                        <p:cTn id="9" dur="500" fill="hold"/>
+                                        <p:tgtEl>
+                                          <p:spTgt spid="65754"/>
+                                        </p:tgtEl>
+                                        <p:attrNameLst>
+                                          <p:attrName>ppt_w</p:attrName>
+                                        </p:attrNameLst>
+                                      </p:cBhvr>
+                                      <p:tavLst>
+                                        <p:tav tm="0">
+                                          <p:val>
+                                            <p:strVal val="#ppt_w"/>
+                                          </p:val>
+                                        </p:tav>
+                                        <p:tav tm="100000">
+                                          <p:val>
+                                            <p:strVal val="#ppt_w"/>
+                                          </p:val>
+                                        </p:tav>
+                                      </p:tavLst>
+                                    </p:anim>
+                                    <p:anim calcmode="lin" valueType="num">
+                                      <p:cBhvr>
+                                        <p:cTn id="10" dur="500" fill="hold"/>
+                                        <p:tgtEl>
+                                          <p:spTgt spid="65754"/>
+                                        </p:tgtEl>
+                                        <p:attrNameLst>
+                                          <p:attrName>ppt_h</p:attrName>
+                                        </p:attrNameLst>
+                                      </p:cBhvr>
+                                      <p:tavLst>
+                                        <p:tav tm="0">
+                                          <p:val>
+                                            <p:fltVal val="0"/>
+                                          </p:val>
+                                        </p:tav>
+                                        <p:tav tm="100000">
+                                          <p:val>
+                                            <p:strVal val="#ppt_h"/>
+                                          </p:val>
+                                        </p:tav>
+                                      </p:tavLst>
+                                    </p:anim>
+                                  </p:childTnLst>
+                                </p:cTn>
+                              </p:par>
+                            </p:childTnLst>
+                          </p:cTn>
+                        </p:par>
+                      </p:childTnLst>
+                    </p:cTn>
+                  </p:par>
+                  <p:par>
+                    <p:cTn id="11" fill="hold" nodeType="clickPar">
+                      <p:stCondLst>
+                        <p:cond delay="indefinite"/>
+                      </p:stCondLst>
+                      <p:childTnLst>
+                        <p:par>
+                          <p:cTn id="12" fill="hold" nodeType="withGroup">
+                            <p:stCondLst>
+                              <p:cond delay="0"/>
+                            </p:stCondLst>
+                            <p:childTnLst>
+                              <p:par>
+                                <p:cTn id="13" presetID="17" presetClass="entr" presetSubtype="4" fill="hold" nodeType="clickEffect">
+                                  <p:stCondLst>
+                                    <p:cond delay="0"/>
+                                  </p:stCondLst>
+                                  <p:childTnLst>
+                                    <p:set>
+                                      <p:cBhvr>
+                                        <p:cTn id="14" dur="1" fill="hold">
+                                          <p:stCondLst>
+                                            <p:cond delay="0"/>
+                                          </p:stCondLst>
+                                        </p:cTn>
+                                        <p:tgtEl>
+                                          <p:spTgt spid="65759"/>
+                                        </p:tgtEl>
+                                        <p:attrNameLst>
+                                          <p:attrName>style.visibility</p:attrName>
+                                        </p:attrNameLst>
+                                      </p:cBhvr>
+                                      <p:to>
+                                        <p:strVal val="visible"/>
+                                      </p:to>
+                                    </p:set>
+                                    <p:anim calcmode="lin" valueType="num">
+                                      <p:cBhvr>
+                                        <p:cTn id="15" dur="500" fill="hold"/>
+                                        <p:tgtEl>
+                                          <p:spTgt spid="65759"/>
+                                        </p:tgtEl>
+                                        <p:attrNameLst>
+                                          <p:attrName>ppt_x</p:attrName>
+                                        </p:attrNameLst>
+                                      </p:cBhvr>
+                                      <p:tavLst>
+                                        <p:tav tm="0">
+                                          <p:val>
+                                            <p:strVal val="#ppt_x"/>
+                                          </p:val>
+                                        </p:tav>
+                                        <p:tav tm="100000">
+                                          <p:val>
+                                            <p:strVal val="#ppt_x"/>
+                                          </p:val>
+                                        </p:tav>
+                                      </p:tavLst>
+                                    </p:anim>
+                                    <p:anim calcmode="lin" valueType="num">
+                                      <p:cBhvr>
+                                        <p:cTn id="16" dur="500" fill="hold"/>
+                                        <p:tgtEl>
+                                          <p:spTgt spid="65759"/>
+                                        </p:tgtEl>
+                                        <p:attrNameLst>
+                                          <p:attrName>ppt_y</p:attrName>
+                                        </p:attrNameLst>
+                                      </p:cBhvr>
+                                      <p:tavLst>
+                                        <p:tav tm="0">
+                                          <p:val>
+                                            <p:strVal val="#ppt_y+#ppt_h/2"/>
+                                          </p:val>
+                                        </p:tav>
+                                        <p:tav tm="100000">
+                                          <p:val>
+                                            <p:strVal val="#ppt_y"/>
+                                          </p:val>
+                                        </p:tav>
+                                      </p:tavLst>
+                                    </p:anim>
+                                    <p:anim calcmode="lin" valueType="num">
+                                      <p:cBhvr>
+                                        <p:cTn id="17" dur="500" fill="hold"/>
+                                        <p:tgtEl>
+                                          <p:spTgt spid="65759"/>
+                                        </p:tgtEl>
+                                        <p:attrNameLst>
+                                          <p:attrName>ppt_w</p:attrName>
+                                        </p:attrNameLst>
+                                      </p:cBhvr>
+                                      <p:tavLst>
+                                        <p:tav tm="0">
+                                          <p:val>
+                                            <p:strVal val="#ppt_w"/>
+                                          </p:val>
+                                        </p:tav>
+                                        <p:tav tm="100000">
+                                          <p:val>
+                                            <p:strVal val="#ppt_w"/>
+                                          </p:val>
+                                        </p:tav>
+                                      </p:tavLst>
+                                    </p:anim>
+                                    <p:anim calcmode="lin" valueType="num">
+                                      <p:cBhvr>
+                                        <p:cTn id="18" dur="500" fill="hold"/>
+                                        <p:tgtEl>
+                                          <p:spTgt spid="65759"/>
+                                        </p:tgtEl>
+                                        <p:attrNameLst>
+                                          <p:attrName>ppt_h</p:attrName>
+                                        </p:attrNameLst>
+                                      </p:cBhvr>
+                                      <p:tavLst>
+                                        <p:tav tm="0">
+                                          <p:val>
+                                            <p:fltVal val="0"/>
+                                          </p:val>
+                                        </p:tav>
+                                        <p:tav tm="100000">
+                                          <p:val>
+                                            <p:strVal val="#ppt_h"/>
+                                          </p:val>
+                                        </p:tav>
+                                      </p:tavLst>
+                                    </p:anim>
+                                  </p:childTnLst>
+                                </p:cTn>
+                              </p:par>
+                            </p:childTnLst>
+                          </p:cTn>
+                        </p:par>
+                      </p:childTnLst>
+                    </p:cTn>
+                  </p:par>
+                  <p:par>
+                    <p:cTn id="19" fill="hold" nodeType="clickPar">
+                      <p:stCondLst>
+                        <p:cond delay="indefinite"/>
+                      </p:stCondLst>
+                      <p:childTnLst>
+                        <p:par>
+                          <p:cTn id="20" fill="hold" nodeType="withGroup">
+                            <p:stCondLst>
+                              <p:cond delay="0"/>
+                            </p:stCondLst>
+                            <p:childTnLst>
+                              <p:par>
+                                <p:cTn id="21" presetID="17" presetClass="entr" presetSubtype="10" fill="hold" nodeType="clickEffect">
+                                  <p:stCondLst>
+                                    <p:cond delay="0"/>
+                                  </p:stCondLst>
+                                  <p:childTnLst>
+                                    <p:set>
+                                      <p:cBhvr>
+                                        <p:cTn id="22" dur="1" fill="hold">
+                                          <p:stCondLst>
+                                            <p:cond delay="0"/>
+                                          </p:stCondLst>
+                                        </p:cTn>
+                                        <p:tgtEl>
+                                          <p:spTgt spid="65784"/>
+                                        </p:tgtEl>
+                                        <p:attrNameLst>
+                                          <p:attrName>style.visibility</p:attrName>
+                                        </p:attrNameLst>
+                                      </p:cBhvr>
+                                      <p:to>
+                                        <p:strVal val="visible"/>
+                                      </p:to>
+                                    </p:set>
+                                    <p:anim calcmode="lin" valueType="num">
+                                      <p:cBhvr>
+                                        <p:cTn id="23" dur="500" fill="hold"/>
+                                        <p:tgtEl>
+                                          <p:spTgt spid="65784"/>
+                                        </p:tgtEl>
+                                        <p:attrNameLst>
+                                          <p:attrName>ppt_w</p:attrName>
+                                        </p:attrNameLst>
+                                      </p:cBhvr>
+                                      <p:tavLst>
+                                        <p:tav tm="0">
+                                          <p:val>
+                                            <p:fltVal val="0"/>
+                                          </p:val>
+                                        </p:tav>
+                                        <p:tav tm="100000">
+                                          <p:val>
+                                            <p:strVal val="#ppt_w"/>
+                                          </p:val>
+                                        </p:tav>
+                                      </p:tavLst>
+                                    </p:anim>
+                                    <p:anim calcmode="lin" valueType="num">
+                                      <p:cBhvr>
+                                        <p:cTn id="24" dur="500" fill="hold"/>
+                                        <p:tgtEl>
+                                          <p:spTgt spid="65784"/>
+                                        </p:tgtEl>
+                                        <p:attrNameLst>
+                                          <p:attrName>ppt_h</p:attrName>
+                                        </p:attrNameLst>
+                                      </p:cBhvr>
+                                      <p:tavLst>
+                                        <p:tav tm="0">
+                                          <p:val>
+                                            <p:strVal val="#ppt_h"/>
+                                          </p:val>
+                                        </p:tav>
+                                        <p:tav tm="100000">
+                                          <p:val>
+                                            <p:strVal val="#ppt_h"/>
+                                          </p:val>
+                                        </p:tav>
+                                      </p:tavLst>
+                                    </p:anim>
+                                  </p:childTnLst>
+                                </p:cTn>
+                              </p:par>
+                            </p:childTnLst>
+                          </p:cTn>
+                        </p:par>
+                      </p:childTnLst>
+                    </p:cTn>
+                  </p:par>
+                  <p:par>
+                    <p:cTn id="25" fill="hold" nodeType="clickPar">
+                      <p:stCondLst>
+                        <p:cond delay="indefinite"/>
+                      </p:stCondLst>
+                      <p:childTnLst>
+                        <p:par>
+                          <p:cTn id="26" fill="hold" nodeType="withGroup">
+                            <p:stCondLst>
+                              <p:cond delay="0"/>
+                            </p:stCondLst>
+                            <p:childTnLst>
+                              <p:par>
+                                <p:cTn id="27" presetID="17" presetClass="entr" presetSubtype="1" fill="hold" nodeType="clickEffect">
+                                  <p:stCondLst>
+                                    <p:cond delay="0"/>
+                                  </p:stCondLst>
+                                  <p:childTnLst>
+                                    <p:set>
+                                      <p:cBhvr>
+                                        <p:cTn id="28" dur="1" fill="hold">
+                                          <p:stCondLst>
+                                            <p:cond delay="0"/>
+                                          </p:stCondLst>
+                                        </p:cTn>
+                                        <p:tgtEl>
+                                          <p:spTgt spid="65774"/>
+                                        </p:tgtEl>
+                                        <p:attrNameLst>
+                                          <p:attrName>style.visibility</p:attrName>
+                                        </p:attrNameLst>
+                                      </p:cBhvr>
+                                      <p:to>
+                                        <p:strVal val="visible"/>
+                                      </p:to>
+                                    </p:set>
+                                    <p:anim calcmode="lin" valueType="num">
+                                      <p:cBhvr>
+                                        <p:cTn id="29" dur="500" fill="hold"/>
+                                        <p:tgtEl>
+                                          <p:spTgt spid="65774"/>
+                                        </p:tgtEl>
+                                        <p:attrNameLst>
+                                          <p:attrName>ppt_x</p:attrName>
+                                        </p:attrNameLst>
+                                      </p:cBhvr>
+                                      <p:tavLst>
+                                        <p:tav tm="0">
+                                          <p:val>
+                                            <p:strVal val="#ppt_x"/>
+                                          </p:val>
+                                        </p:tav>
+                                        <p:tav tm="100000">
+                                          <p:val>
+                                            <p:strVal val="#ppt_x"/>
+                                          </p:val>
+                                        </p:tav>
+                                      </p:tavLst>
+                                    </p:anim>
+                                    <p:anim calcmode="lin" valueType="num">
+                                      <p:cBhvr>
+                                        <p:cTn id="30" dur="500" fill="hold"/>
+                                        <p:tgtEl>
+                                          <p:spTgt spid="65774"/>
+                                        </p:tgtEl>
+                                        <p:attrNameLst>
+                                          <p:attrName>ppt_y</p:attrName>
+                                        </p:attrNameLst>
+                                      </p:cBhvr>
+                                      <p:tavLst>
+                                        <p:tav tm="0">
+                                          <p:val>
+                                            <p:strVal val="#ppt_y-#ppt_h/2"/>
+                                          </p:val>
+                                        </p:tav>
+                                        <p:tav tm="100000">
+                                          <p:val>
+                                            <p:strVal val="#ppt_y"/>
+                                          </p:val>
+                                        </p:tav>
+                                      </p:tavLst>
+                                    </p:anim>
+                                    <p:anim calcmode="lin" valueType="num">
+                                      <p:cBhvr>
+                                        <p:cTn id="31" dur="500" fill="hold"/>
+                                        <p:tgtEl>
+                                          <p:spTgt spid="65774"/>
+                                        </p:tgtEl>
+                                        <p:attrNameLst>
+                                          <p:attrName>ppt_w</p:attrName>
+                                        </p:attrNameLst>
+                                      </p:cBhvr>
+                                      <p:tavLst>
+                                        <p:tav tm="0">
+                                          <p:val>
+                                            <p:strVal val="#ppt_w"/>
+                                          </p:val>
+                                        </p:tav>
+                                        <p:tav tm="100000">
+                                          <p:val>
+                                            <p:strVal val="#ppt_w"/>
+                                          </p:val>
+                                        </p:tav>
+                                      </p:tavLst>
+                                    </p:anim>
+                                    <p:anim calcmode="lin" valueType="num">
+                                      <p:cBhvr>
+                                        <p:cTn id="32" dur="500" fill="hold"/>
+                                        <p:tgtEl>
+                                          <p:spTgt spid="65774"/>
+                                        </p:tgtEl>
+                                        <p:attrNameLst>
+                                          <p:attrName>ppt_h</p:attrName>
+                                        </p:attrNameLst>
+                                      </p:cBhvr>
+                                      <p:tavLst>
+                                        <p:tav tm="0">
+                                          <p:val>
+                                            <p:fltVal val="0"/>
+                                          </p:val>
+                                        </p:tav>
+                                        <p:tav tm="100000">
+                                          <p:val>
+                                            <p:strVal val="#ppt_h"/>
+                                          </p:val>
+                                        </p:tav>
+                                      </p:tavLst>
+                                    </p:anim>
+                                  </p:childTnLst>
+                                </p:cTn>
+                              </p:par>
+                            </p:childTnLst>
+                          </p:cTn>
+                        </p:par>
+                      </p:childTnLst>
+                    </p:cTn>
+                  </p:par>
+                </p:childTnLst>
+              </p:cTn>
+              <p:prevCondLst>
+                <p:cond evt="onPrev" delay="0">
+                  <p:tgtEl>
+                    <p:sldTgt/>
+                  </p:tgtEl>
+                </p:cond>
+              </p:prevCondLst>
+              <p:nextCondLst>
+                <p:cond evt="onNext" delay="0">
+                  <p:tgtEl>
+                    <p:sldTgt/>
+                  </p:tgtEl>
+                </p:cond>
+              </p:nextCondLst>
+            </p:seq>
+          </p:childTnLst>
+        </p:cTn>
       </p:par>
     </p:tnLst>
   </p:timing>

--- a/website/pptx/Project_Ideas.pptx
+++ b/website/pptx/Project_Ideas.pptx
@@ -8,10 +8,10 @@
     <p:sldMasterId id="2147483684" r:id="rId4"/>
   </p:sldMasterIdLst>
   <p:notesMasterIdLst>
-    <p:notesMasterId r:id="rId16"/>
+    <p:notesMasterId r:id="rId14"/>
   </p:notesMasterIdLst>
   <p:handoutMasterIdLst>
-    <p:handoutMasterId r:id="rId17"/>
+    <p:handoutMasterId r:id="rId15"/>
   </p:handoutMasterIdLst>
   <p:sldIdLst>
     <p:sldId id="283" r:id="rId5"/>
@@ -19,12 +19,10 @@
     <p:sldId id="285" r:id="rId7"/>
     <p:sldId id="286" r:id="rId8"/>
     <p:sldId id="288" r:id="rId9"/>
-    <p:sldId id="289" r:id="rId10"/>
-    <p:sldId id="290" r:id="rId11"/>
+    <p:sldId id="290" r:id="rId10"/>
+    <p:sldId id="291" r:id="rId11"/>
     <p:sldId id="292" r:id="rId12"/>
-    <p:sldId id="293" r:id="rId13"/>
-    <p:sldId id="287" r:id="rId14"/>
-    <p:sldId id="265" r:id="rId15"/>
+    <p:sldId id="287" r:id="rId13"/>
   </p:sldIdLst>
   <p:sldSz cx="9144000" cy="6858000" type="screen4x3"/>
   <p:notesSz cx="7315200" cy="9601200"/>
@@ -1148,179 +1146,6 @@
         <p14:creationId xmlns:p14="http://schemas.microsoft.com/office/powerpoint/2010/main" val="1622491489"/>
       </p:ext>
     </p:extLst>
-  </p:cSld>
-  <p:clrMapOvr>
-    <a:masterClrMapping/>
-  </p:clrMapOvr>
-</p:notes>
-</file>
-
-<file path=ppt/notesSlides/notesSlide2.xml><?xml version="1.0" encoding="utf-8"?>
-<p:notes xmlns:a="http://schemas.openxmlformats.org/drawingml/2006/main" xmlns:r="http://schemas.openxmlformats.org/officeDocument/2006/relationships" xmlns:p="http://schemas.openxmlformats.org/presentationml/2006/main">
-  <p:cSld>
-    <p:spTree>
-      <p:nvGrpSpPr>
-        <p:cNvPr id="1" name=""/>
-        <p:cNvGrpSpPr/>
-        <p:nvPr/>
-      </p:nvGrpSpPr>
-      <p:grpSpPr>
-        <a:xfrm>
-          <a:off x="0" y="0"/>
-          <a:ext cx="0" cy="0"/>
-          <a:chOff x="0" y="0"/>
-          <a:chExt cx="0" cy="0"/>
-        </a:xfrm>
-      </p:grpSpPr>
-      <p:sp>
-        <p:nvSpPr>
-          <p:cNvPr id="7" name="Rectangle 7"/>
-          <p:cNvSpPr>
-            <a:spLocks noGrp="1" noChangeArrowheads="1"/>
-          </p:cNvSpPr>
-          <p:nvPr>
-            <p:ph type="sldNum" sz="quarter" idx="5"/>
-          </p:nvPr>
-        </p:nvSpPr>
-        <p:spPr>
-          <a:ln/>
-        </p:spPr>
-        <p:txBody>
-          <a:bodyPr/>
-          <a:lstStyle/>
-          <a:p>
-            <a:fld id="{4CE129B3-928B-40AA-A986-E97E02904900}" type="slidenum">
-              <a:rPr lang="en-US" altLang="en-US"/>
-              <a:pPr/>
-              <a:t>9</a:t>
-            </a:fld>
-            <a:endParaRPr lang="en-US" altLang="en-US"/>
-          </a:p>
-        </p:txBody>
-      </p:sp>
-      <p:sp>
-        <p:nvSpPr>
-          <p:cNvPr id="191490" name="Rectangle 2"/>
-          <p:cNvSpPr>
-            <a:spLocks noGrp="1" noRot="1" noChangeAspect="1" noChangeArrowheads="1" noTextEdit="1"/>
-          </p:cNvSpPr>
-          <p:nvPr>
-            <p:ph type="sldImg"/>
-          </p:nvPr>
-        </p:nvSpPr>
-        <p:spPr>
-          <a:ln/>
-        </p:spPr>
-      </p:sp>
-      <p:sp>
-        <p:nvSpPr>
-          <p:cNvPr id="191491" name="Rectangle 3"/>
-          <p:cNvSpPr>
-            <a:spLocks noGrp="1" noChangeArrowheads="1"/>
-          </p:cNvSpPr>
-          <p:nvPr>
-            <p:ph type="body" idx="1"/>
-          </p:nvPr>
-        </p:nvSpPr>
-        <p:spPr/>
-        <p:txBody>
-          <a:bodyPr/>
-          <a:lstStyle/>
-          <a:p>
-            <a:endParaRPr lang="en-US" altLang="en-US"/>
-          </a:p>
-        </p:txBody>
-      </p:sp>
-    </p:spTree>
-    <p:extLst>
-      <p:ext uri="{BB962C8B-B14F-4D97-AF65-F5344CB8AC3E}">
-        <p14:creationId xmlns:p14="http://schemas.microsoft.com/office/powerpoint/2010/main" val="3941759832"/>
-      </p:ext>
-    </p:extLst>
-  </p:cSld>
-  <p:clrMapOvr>
-    <a:masterClrMapping/>
-  </p:clrMapOvr>
-</p:notes>
-</file>
-
-<file path=ppt/notesSlides/notesSlide3.xml><?xml version="1.0" encoding="utf-8"?>
-<p:notes xmlns:a="http://schemas.openxmlformats.org/drawingml/2006/main" xmlns:r="http://schemas.openxmlformats.org/officeDocument/2006/relationships" xmlns:p="http://schemas.openxmlformats.org/presentationml/2006/main">
-  <p:cSld>
-    <p:spTree>
-      <p:nvGrpSpPr>
-        <p:cNvPr id="1" name=""/>
-        <p:cNvGrpSpPr/>
-        <p:nvPr/>
-      </p:nvGrpSpPr>
-      <p:grpSpPr>
-        <a:xfrm>
-          <a:off x="0" y="0"/>
-          <a:ext cx="0" cy="0"/>
-          <a:chOff x="0" y="0"/>
-          <a:chExt cx="0" cy="0"/>
-        </a:xfrm>
-      </p:grpSpPr>
-      <p:sp>
-        <p:nvSpPr>
-          <p:cNvPr id="7" name="Rectangle 7"/>
-          <p:cNvSpPr>
-            <a:spLocks noGrp="1" noChangeArrowheads="1"/>
-          </p:cNvSpPr>
-          <p:nvPr>
-            <p:ph type="sldNum" sz="quarter" idx="5"/>
-          </p:nvPr>
-        </p:nvSpPr>
-        <p:spPr>
-          <a:ln/>
-        </p:spPr>
-        <p:txBody>
-          <a:bodyPr/>
-          <a:lstStyle/>
-          <a:p>
-            <a:fld id="{32E5467F-09E8-4FA6-8D51-521E0B1B360E}" type="slidenum">
-              <a:rPr lang="en-US" altLang="en-US"/>
-              <a:pPr/>
-              <a:t>11</a:t>
-            </a:fld>
-            <a:endParaRPr lang="en-US" altLang="en-US"/>
-          </a:p>
-        </p:txBody>
-      </p:sp>
-      <p:sp>
-        <p:nvSpPr>
-          <p:cNvPr id="46082" name="Rectangle 2"/>
-          <p:cNvSpPr>
-            <a:spLocks noGrp="1" noRot="1" noChangeAspect="1" noChangeArrowheads="1" noTextEdit="1"/>
-          </p:cNvSpPr>
-          <p:nvPr>
-            <p:ph type="sldImg"/>
-          </p:nvPr>
-        </p:nvSpPr>
-        <p:spPr>
-          <a:ln/>
-        </p:spPr>
-      </p:sp>
-      <p:sp>
-        <p:nvSpPr>
-          <p:cNvPr id="46083" name="Rectangle 3"/>
-          <p:cNvSpPr>
-            <a:spLocks noGrp="1" noChangeArrowheads="1"/>
-          </p:cNvSpPr>
-          <p:nvPr>
-            <p:ph type="body" idx="1"/>
-          </p:nvPr>
-        </p:nvSpPr>
-        <p:spPr/>
-        <p:txBody>
-          <a:bodyPr/>
-          <a:lstStyle/>
-          <a:p>
-            <a:endParaRPr lang="en-US" altLang="en-US"/>
-          </a:p>
-        </p:txBody>
-      </p:sp>
-    </p:spTree>
   </p:cSld>
   <p:clrMapOvr>
     <a:masterClrMapping/>
@@ -10418,8 +10243,34 @@
                   <a:schemeClr val="bg2"/>
                 </a:solidFill>
               </a:rPr>
-              <a:t>Good research question/testable hypothesis</a:t>
-            </a:r>
+              <a:t>Good research question/testable </a:t>
+            </a:r>
+            <a:r>
+              <a:rPr lang="en-US" sz="2400" dirty="0" smtClean="0">
+                <a:solidFill>
+                  <a:schemeClr val="bg2"/>
+                </a:solidFill>
+              </a:rPr>
+              <a:t>hypothesis</a:t>
+            </a:r>
+          </a:p>
+          <a:p>
+            <a:pPr>
+              <a:buClrTx/>
+            </a:pPr>
+            <a:r>
+              <a:rPr lang="en-US" sz="2400" dirty="0" smtClean="0">
+                <a:solidFill>
+                  <a:schemeClr val="bg2"/>
+                </a:solidFill>
+              </a:rPr>
+              <a:t>Not too complicated! Simple is beautiful.</a:t>
+            </a:r>
+            <a:endParaRPr lang="en-US" sz="2400" dirty="0">
+              <a:solidFill>
+                <a:schemeClr val="bg2"/>
+              </a:solidFill>
+            </a:endParaRPr>
           </a:p>
           <a:p>
             <a:pPr>
@@ -10525,7 +10376,23 @@
                   <a:schemeClr val="bg2"/>
                 </a:solidFill>
               </a:rPr>
-              <a:t>pH, temperature, turbidity, red dye, </a:t>
+              <a:t>pH, temperature, </a:t>
+            </a:r>
+            <a:r>
+              <a:rPr lang="en-US" sz="2000" dirty="0" smtClean="0">
+                <a:solidFill>
+                  <a:schemeClr val="bg2"/>
+                </a:solidFill>
+              </a:rPr>
+              <a:t>red </a:t>
+            </a:r>
+            <a:r>
+              <a:rPr lang="en-US" sz="2000" dirty="0">
+                <a:solidFill>
+                  <a:schemeClr val="bg2"/>
+                </a:solidFill>
+              </a:rPr>
+              <a:t>dye, </a:t>
             </a:r>
             <a:r>
               <a:rPr lang="en-US" sz="2000" dirty="0" smtClean="0">
@@ -10558,256 +10425,6 @@
         <p14:creationId xmlns:p14="http://schemas.microsoft.com/office/powerpoint/2010/main" val="554146007"/>
       </p:ext>
     </p:extLst>
-  </p:cSld>
-  <p:clrMapOvr>
-    <a:masterClrMapping/>
-  </p:clrMapOvr>
-  <p:transition>
-    <p:fade/>
-  </p:transition>
-  <p:timing>
-    <p:tnLst>
-      <p:par>
-        <p:cTn id="1" dur="indefinite" restart="never" nodeType="tmRoot"/>
-      </p:par>
-    </p:tnLst>
-  </p:timing>
-</p:sld>
-</file>
-
-<file path=ppt/slides/slide10.xml><?xml version="1.0" encoding="utf-8"?>
-<p:sld xmlns:a="http://schemas.openxmlformats.org/drawingml/2006/main" xmlns:r="http://schemas.openxmlformats.org/officeDocument/2006/relationships" xmlns:p="http://schemas.openxmlformats.org/presentationml/2006/main">
-  <p:cSld>
-    <p:spTree>
-      <p:nvGrpSpPr>
-        <p:cNvPr id="1" name=""/>
-        <p:cNvGrpSpPr/>
-        <p:nvPr/>
-      </p:nvGrpSpPr>
-      <p:grpSpPr>
-        <a:xfrm>
-          <a:off x="0" y="0"/>
-          <a:ext cx="0" cy="0"/>
-          <a:chOff x="0" y="0"/>
-          <a:chExt cx="0" cy="0"/>
-        </a:xfrm>
-      </p:grpSpPr>
-      <p:sp>
-        <p:nvSpPr>
-          <p:cNvPr id="2" name="Title 1"/>
-          <p:cNvSpPr>
-            <a:spLocks noGrp="1"/>
-          </p:cNvSpPr>
-          <p:nvPr>
-            <p:ph type="title"/>
-          </p:nvPr>
-        </p:nvSpPr>
-        <p:spPr/>
-        <p:txBody>
-          <a:bodyPr/>
-          <a:lstStyle/>
-          <a:p>
-            <a:r>
-              <a:rPr lang="en-US" smtClean="0"/>
-              <a:t>Next steps</a:t>
-            </a:r>
-            <a:endParaRPr lang="en-US" dirty="0"/>
-          </a:p>
-        </p:txBody>
-      </p:sp>
-      <p:sp>
-        <p:nvSpPr>
-          <p:cNvPr id="3" name="Content Placeholder 2"/>
-          <p:cNvSpPr>
-            <a:spLocks noGrp="1"/>
-          </p:cNvSpPr>
-          <p:nvPr>
-            <p:ph idx="1"/>
-          </p:nvPr>
-        </p:nvSpPr>
-        <p:spPr/>
-        <p:txBody>
-          <a:bodyPr/>
-          <a:lstStyle/>
-          <a:p>
-            <a:r>
-              <a:rPr lang="en-US" dirty="0" smtClean="0"/>
-              <a:t>Come </a:t>
-            </a:r>
-            <a:r>
-              <a:rPr lang="en-US" dirty="0" smtClean="0"/>
-              <a:t>to lab prepared </a:t>
-            </a:r>
-            <a:r>
-              <a:rPr lang="en-US" dirty="0" smtClean="0"/>
-              <a:t>to discuss</a:t>
-            </a:r>
-          </a:p>
-          <a:p>
-            <a:pPr lvl="1"/>
-            <a:r>
-              <a:rPr lang="en-US" dirty="0" smtClean="0"/>
-              <a:t>What seems interesting to you?  </a:t>
-            </a:r>
-          </a:p>
-          <a:p>
-            <a:pPr lvl="1"/>
-            <a:r>
-              <a:rPr lang="en-US" dirty="0" smtClean="0"/>
-              <a:t>Is there anything that can help with other projects (research)?  </a:t>
-            </a:r>
-          </a:p>
-          <a:p>
-            <a:pPr lvl="1"/>
-            <a:r>
-              <a:rPr lang="en-US" dirty="0" smtClean="0"/>
-              <a:t>Anything that is relevant to potential grad school research?  </a:t>
-            </a:r>
-          </a:p>
-          <a:p>
-            <a:pPr lvl="1"/>
-            <a:r>
-              <a:rPr lang="en-US" dirty="0" smtClean="0"/>
-              <a:t>Anything relevant to potential internships/jobs?</a:t>
-            </a:r>
-          </a:p>
-          <a:p>
-            <a:r>
-              <a:rPr lang="en-US" dirty="0" smtClean="0"/>
-              <a:t>BRAINSTORM and discuss with your groups.</a:t>
-            </a:r>
-          </a:p>
-        </p:txBody>
-      </p:sp>
-    </p:spTree>
-    <p:extLst>
-      <p:ext uri="{BB962C8B-B14F-4D97-AF65-F5344CB8AC3E}">
-        <p14:creationId xmlns:p14="http://schemas.microsoft.com/office/powerpoint/2010/main" val="1203524912"/>
-      </p:ext>
-    </p:extLst>
-  </p:cSld>
-  <p:clrMapOvr>
-    <a:masterClrMapping/>
-  </p:clrMapOvr>
-  <p:transition>
-    <p:fade/>
-  </p:transition>
-  <p:timing>
-    <p:tnLst>
-      <p:par>
-        <p:cTn id="1" dur="indefinite" restart="never" nodeType="tmRoot"/>
-      </p:par>
-    </p:tnLst>
-  </p:timing>
-</p:sld>
-</file>
-
-<file path=ppt/slides/slide11.xml><?xml version="1.0" encoding="utf-8"?>
-<p:sld xmlns:a="http://schemas.openxmlformats.org/drawingml/2006/main" xmlns:r="http://schemas.openxmlformats.org/officeDocument/2006/relationships" xmlns:p="http://schemas.openxmlformats.org/presentationml/2006/main">
-  <p:cSld>
-    <p:spTree>
-      <p:nvGrpSpPr>
-        <p:cNvPr id="1" name=""/>
-        <p:cNvGrpSpPr/>
-        <p:nvPr/>
-      </p:nvGrpSpPr>
-      <p:grpSpPr>
-        <a:xfrm>
-          <a:off x="0" y="0"/>
-          <a:ext cx="0" cy="0"/>
-          <a:chOff x="0" y="0"/>
-          <a:chExt cx="0" cy="0"/>
-        </a:xfrm>
-      </p:grpSpPr>
-      <p:sp>
-        <p:nvSpPr>
-          <p:cNvPr id="22530" name="Rectangle 2"/>
-          <p:cNvSpPr>
-            <a:spLocks noGrp="1" noChangeArrowheads="1"/>
-          </p:cNvSpPr>
-          <p:nvPr>
-            <p:ph type="title"/>
-          </p:nvPr>
-        </p:nvSpPr>
-        <p:spPr/>
-        <p:txBody>
-          <a:bodyPr/>
-          <a:lstStyle/>
-          <a:p>
-            <a:r>
-              <a:rPr lang="en-US" altLang="en-US"/>
-              <a:t>Class </a:t>
-            </a:r>
-            <a:r>
-              <a:rPr lang="en-US" altLang="en-US" smtClean="0"/>
-              <a:t>Activity in teams</a:t>
-            </a:r>
-            <a:endParaRPr lang="en-US" altLang="en-US"/>
-          </a:p>
-        </p:txBody>
-      </p:sp>
-      <p:sp>
-        <p:nvSpPr>
-          <p:cNvPr id="22531" name="Rectangle 3"/>
-          <p:cNvSpPr>
-            <a:spLocks noGrp="1" noChangeArrowheads="1"/>
-          </p:cNvSpPr>
-          <p:nvPr>
-            <p:ph idx="1"/>
-          </p:nvPr>
-        </p:nvSpPr>
-        <p:spPr/>
-        <p:txBody>
-          <a:bodyPr/>
-          <a:lstStyle/>
-          <a:p>
-            <a:r>
-              <a:rPr lang="en-US" altLang="en-US" dirty="0"/>
-              <a:t>Write the question you are trying to answer</a:t>
-            </a:r>
-          </a:p>
-          <a:p>
-            <a:r>
-              <a:rPr lang="en-US" altLang="en-US" dirty="0"/>
-              <a:t>List what is required to make the project successful</a:t>
-            </a:r>
-          </a:p>
-          <a:p>
-            <a:r>
-              <a:rPr lang="en-US" altLang="en-US" dirty="0"/>
-              <a:t>What parameters will you vary?</a:t>
-            </a:r>
-          </a:p>
-          <a:p>
-            <a:r>
-              <a:rPr lang="en-US" altLang="en-US" dirty="0"/>
-              <a:t>What parameters will you measure?</a:t>
-            </a:r>
-          </a:p>
-          <a:p>
-            <a:r>
-              <a:rPr lang="en-US" altLang="en-US" dirty="0"/>
-              <a:t>List expected challenges</a:t>
-            </a:r>
-          </a:p>
-          <a:p>
-            <a:r>
-              <a:rPr lang="en-US" altLang="en-US" dirty="0" smtClean="0"/>
-              <a:t>Check Research </a:t>
-            </a:r>
-            <a:r>
-              <a:rPr lang="en-US" altLang="en-US" dirty="0"/>
-              <a:t>Proposal </a:t>
-            </a:r>
-            <a:r>
-              <a:rPr lang="en-US" altLang="en-US" dirty="0" smtClean="0"/>
-              <a:t>due date</a:t>
-            </a:r>
-            <a:endParaRPr lang="en-US" altLang="en-US" dirty="0"/>
-          </a:p>
-        </p:txBody>
-      </p:sp>
-    </p:spTree>
   </p:cSld>
   <p:clrMapOvr>
     <a:masterClrMapping/>
@@ -11896,7 +11513,15 @@
           <a:p>
             <a:r>
               <a:rPr lang="en-US" dirty="0" smtClean="0"/>
-              <a:t>Proposals – what to include</a:t>
+              <a:t>Proposals </a:t>
+            </a:r>
+            <a:r>
+              <a:rPr lang="en-US" dirty="0" smtClean="0"/>
+              <a:t>(not graded) – </a:t>
+            </a:r>
+            <a:r>
+              <a:rPr lang="en-US" dirty="0" smtClean="0"/>
+              <a:t>what to include</a:t>
             </a:r>
             <a:endParaRPr lang="en-US" dirty="0"/>
           </a:p>
@@ -12114,11 +11739,6 @@
               </a:rPr>
               <a:t>References/Bibliography</a:t>
             </a:r>
-            <a:endParaRPr lang="en-US" sz="2400" dirty="0" smtClean="0">
-              <a:solidFill>
-                <a:schemeClr val="bg2"/>
-              </a:solidFill>
-            </a:endParaRPr>
           </a:p>
         </p:txBody>
       </p:sp>
@@ -12202,14 +11822,20 @@
           <a:p>
             <a:r>
               <a:rPr lang="en-US" sz="2800" dirty="0" smtClean="0"/>
-              <a:t>Build your apparatus in the week after break</a:t>
-            </a:r>
-          </a:p>
-          <a:p>
+              <a:t>Build your apparatus </a:t>
+            </a:r>
             <a:r>
               <a:rPr lang="en-US" sz="2800" dirty="0" smtClean="0"/>
-              <a:t>3 weeks of data collection</a:t>
-            </a:r>
+              <a:t>next week and conduct first experiment</a:t>
+            </a:r>
+            <a:endParaRPr lang="en-US" sz="2800" dirty="0" smtClean="0"/>
+          </a:p>
+          <a:p>
+            <a:r>
+              <a:rPr lang="en-US" sz="2800" dirty="0" smtClean="0"/>
+              <a:t>Finish data collection the week before break</a:t>
+            </a:r>
+            <a:endParaRPr lang="en-US" sz="2800" dirty="0" smtClean="0"/>
           </a:p>
           <a:p>
             <a:r>
@@ -12324,11 +11950,7 @@
           <a:p>
             <a:r>
               <a:rPr lang="en-US" dirty="0" smtClean="0"/>
-              <a:t>Design a better reactor for </a:t>
-            </a:r>
-            <a:r>
-              <a:rPr lang="en-US" dirty="0" smtClean="0"/>
-              <a:t>aeration</a:t>
+              <a:t>Design a better reactor for aeration</a:t>
             </a:r>
             <a:r>
               <a:rPr lang="en-US" dirty="0"/>
@@ -12336,26 +11958,12 @@
             </a:r>
             <a:r>
               <a:rPr lang="en-US" dirty="0" smtClean="0"/>
-              <a:t>that has a higher OTE (see last year’s project that tested ability to trap bubbles in </a:t>
-            </a:r>
-            <a:r>
-              <a:rPr lang="en-US" dirty="0" err="1" smtClean="0"/>
-              <a:t>downflow</a:t>
+              <a:t>that has a higher </a:t>
             </a:r>
             <a:r>
               <a:rPr lang="en-US" dirty="0" smtClean="0"/>
-              <a:t> velocity)</a:t>
-            </a:r>
-            <a:endParaRPr lang="en-US" dirty="0" smtClean="0"/>
-          </a:p>
-          <a:p>
-            <a:r>
-              <a:rPr lang="en-US" dirty="0" smtClean="0"/>
-              <a:t>Measure aeration on water trickling down a hanging string</a:t>
-            </a:r>
-            <a:endParaRPr lang="en-US" dirty="0" smtClean="0"/>
-          </a:p>
-          <a:p>
+              <a:t>oxygen transfer efficiency</a:t>
+            </a:r>
             <a:endParaRPr lang="en-US" dirty="0"/>
           </a:p>
         </p:txBody>
@@ -12417,21 +12025,9 @@
           <a:p>
             <a:r>
               <a:rPr lang="en-US" dirty="0" smtClean="0"/>
-              <a:t>Surface water treatment: </a:t>
-            </a:r>
-            <a:r>
-              <a:rPr lang="en-US" sz="3200" dirty="0" smtClean="0"/>
-              <a:t>measure </a:t>
-            </a:r>
-            <a:r>
-              <a:rPr lang="en-US" sz="3200" dirty="0"/>
-              <a:t>particle removal efficiency using a </a:t>
-            </a:r>
-            <a:r>
-              <a:rPr lang="en-US" sz="3200" dirty="0" err="1"/>
-              <a:t>turbidimeter</a:t>
-            </a:r>
-            <a:endParaRPr lang="en-US" sz="3200" dirty="0"/>
+              <a:t>Adsorption</a:t>
+            </a:r>
+            <a:endParaRPr lang="en-US" dirty="0"/>
           </a:p>
         </p:txBody>
       </p:sp>
@@ -12445,214 +12041,37 @@
             <p:ph idx="1"/>
           </p:nvPr>
         </p:nvSpPr>
-        <p:spPr>
-          <a:xfrm>
-            <a:off x="457200" y="1600200"/>
-            <a:ext cx="2798379" cy="4525963"/>
-          </a:xfrm>
-        </p:spPr>
+        <p:spPr/>
         <p:txBody>
           <a:bodyPr/>
           <a:lstStyle/>
           <a:p>
             <a:r>
               <a:rPr lang="en-US" dirty="0" smtClean="0"/>
-              <a:t>Floc blanket</a:t>
-            </a:r>
-          </a:p>
-          <a:p>
+              <a:t>Test </a:t>
+            </a:r>
             <a:r>
               <a:rPr lang="en-US" dirty="0" smtClean="0"/>
-              <a:t>Plate settlers</a:t>
-            </a:r>
-          </a:p>
-          <a:p>
-            <a:r>
-              <a:rPr lang="en-US" dirty="0"/>
-              <a:t>Rapid sand </a:t>
+              <a:t>effect </a:t>
             </a:r>
             <a:r>
               <a:rPr lang="en-US" dirty="0" smtClean="0"/>
-              <a:t>filter</a:t>
-            </a:r>
-          </a:p>
-          <a:p>
-            <a:r>
-              <a:rPr lang="en-US" dirty="0" smtClean="0"/>
-              <a:t>Or a </a:t>
-            </a:r>
-            <a:r>
-              <a:rPr lang="en-US" dirty="0" smtClean="0">
-                <a:hlinkClick r:id="rId2"/>
-              </a:rPr>
-              <a:t>full plant</a:t>
-            </a:r>
-            <a:r>
-              <a:rPr lang="en-US" dirty="0" smtClean="0"/>
-              <a:t>! </a:t>
-            </a:r>
-            <a:endParaRPr lang="en-US" dirty="0"/>
-          </a:p>
-          <a:p>
-            <a:endParaRPr lang="en-US" dirty="0"/>
-          </a:p>
-        </p:txBody>
-      </p:sp>
-      <p:pic>
-        <p:nvPicPr>
-          <p:cNvPr id="7" name="Picture 6"/>
-          <p:cNvPicPr>
-            <a:picLocks noChangeAspect="1"/>
-          </p:cNvPicPr>
-          <p:nvPr/>
-        </p:nvPicPr>
-        <p:blipFill>
-          <a:blip r:embed="rId3"/>
-          <a:stretch>
-            <a:fillRect/>
-          </a:stretch>
-        </p:blipFill>
-        <p:spPr>
-          <a:xfrm>
-            <a:off x="3113689" y="1730033"/>
-            <a:ext cx="5723279" cy="3391997"/>
-          </a:xfrm>
-          <a:prstGeom prst="rect">
-            <a:avLst/>
-          </a:prstGeom>
-        </p:spPr>
-      </p:pic>
-    </p:spTree>
-    <p:extLst>
-      <p:ext uri="{BB962C8B-B14F-4D97-AF65-F5344CB8AC3E}">
-        <p14:creationId xmlns:p14="http://schemas.microsoft.com/office/powerpoint/2010/main" val="3235157525"/>
-      </p:ext>
-    </p:extLst>
-  </p:cSld>
-  <p:clrMapOvr>
-    <a:masterClrMapping/>
-  </p:clrMapOvr>
-  <p:transition>
-    <p:fade/>
-  </p:transition>
-</p:sld>
-</file>
-
-<file path=ppt/slides/slide7.xml><?xml version="1.0" encoding="utf-8"?>
-<p:sld xmlns:a="http://schemas.openxmlformats.org/drawingml/2006/main" xmlns:r="http://schemas.openxmlformats.org/officeDocument/2006/relationships" xmlns:p="http://schemas.openxmlformats.org/presentationml/2006/main">
-  <p:cSld>
-    <p:spTree>
-      <p:nvGrpSpPr>
-        <p:cNvPr id="1" name=""/>
-        <p:cNvGrpSpPr/>
-        <p:nvPr/>
-      </p:nvGrpSpPr>
-      <p:grpSpPr>
-        <a:xfrm>
-          <a:off x="0" y="0"/>
-          <a:ext cx="0" cy="0"/>
-          <a:chOff x="0" y="0"/>
-          <a:chExt cx="0" cy="0"/>
-        </a:xfrm>
-      </p:grpSpPr>
-      <p:sp>
-        <p:nvSpPr>
-          <p:cNvPr id="2" name="Title 1"/>
-          <p:cNvSpPr>
-            <a:spLocks noGrp="1"/>
-          </p:cNvSpPr>
-          <p:nvPr>
-            <p:ph type="title"/>
-          </p:nvPr>
-        </p:nvSpPr>
-        <p:spPr/>
-        <p:txBody>
-          <a:bodyPr/>
-          <a:lstStyle/>
-          <a:p>
-            <a:r>
-              <a:rPr lang="en-US" dirty="0" smtClean="0"/>
-              <a:t>Adsorption</a:t>
-            </a:r>
-            <a:endParaRPr lang="en-US" dirty="0"/>
-          </a:p>
-        </p:txBody>
-      </p:sp>
-      <p:sp>
-        <p:nvSpPr>
-          <p:cNvPr id="3" name="Content Placeholder 2"/>
-          <p:cNvSpPr>
-            <a:spLocks noGrp="1"/>
-          </p:cNvSpPr>
-          <p:nvPr>
-            <p:ph idx="1"/>
-          </p:nvPr>
-        </p:nvSpPr>
-        <p:spPr/>
-        <p:txBody>
-          <a:bodyPr/>
-          <a:lstStyle/>
-          <a:p>
-            <a:r>
-              <a:rPr lang="en-US" dirty="0" smtClean="0"/>
-              <a:t>Test effective of flow rate on shape of adsorption curve (mass transport controls adsorption kinetics and thus time matters)</a:t>
-            </a:r>
-          </a:p>
-          <a:p>
-            <a:r>
-              <a:rPr lang="en-US" dirty="0" smtClean="0"/>
-              <a:t>Test alternative adsorbents</a:t>
-            </a:r>
-          </a:p>
-          <a:p>
-            <a:pPr lvl="1"/>
-            <a:r>
-              <a:rPr lang="en-US" sz="2000" dirty="0" err="1" smtClean="0"/>
-              <a:t>PACl</a:t>
-            </a:r>
-            <a:endParaRPr lang="en-US" sz="2000" dirty="0" smtClean="0"/>
-          </a:p>
-          <a:p>
-            <a:pPr lvl="1"/>
-            <a:r>
-              <a:rPr lang="en-US" sz="2000" dirty="0" smtClean="0"/>
-              <a:t>Ferric chloride</a:t>
-            </a:r>
-          </a:p>
-          <a:p>
-            <a:pPr lvl="1"/>
-            <a:r>
-              <a:rPr lang="en-US" sz="2000" dirty="0" smtClean="0"/>
-              <a:t>Charcoal</a:t>
-            </a:r>
-          </a:p>
-          <a:p>
-            <a:pPr lvl="1"/>
-            <a:r>
-              <a:rPr lang="en-US" sz="2000" dirty="0" err="1" smtClean="0"/>
-              <a:t>Moringa</a:t>
-            </a:r>
-            <a:r>
-              <a:rPr lang="en-US" sz="2000" dirty="0"/>
-              <a:t> </a:t>
-            </a:r>
-            <a:r>
-              <a:rPr lang="en-US" sz="2000" dirty="0" smtClean="0"/>
-              <a:t>seeds</a:t>
-            </a:r>
-          </a:p>
-          <a:p>
-            <a:r>
-              <a:rPr lang="en-US" dirty="0" smtClean="0"/>
-              <a:t>Estimate length of mass transport zone</a:t>
-            </a:r>
-          </a:p>
-          <a:p>
-            <a:r>
-              <a:rPr lang="en-US" dirty="0" smtClean="0"/>
-              <a:t>Test effect of granule size on adsorption kinetics</a:t>
-            </a:r>
-            <a:endParaRPr lang="en-US" dirty="0"/>
+              <a:t>of flow rate on shape of adsorption curve (mass transport controls adsorption kinetics and thus time </a:t>
+            </a:r>
+            <a:r>
+              <a:rPr lang="en-US" smtClean="0"/>
+              <a:t>matters</a:t>
+            </a:r>
+            <a:r>
+              <a:rPr lang="en-US" smtClean="0"/>
+              <a:t>)</a:t>
+            </a:r>
+          </a:p>
+          <a:p>
+            <a:endParaRPr lang="en-US" dirty="0" smtClean="0"/>
+          </a:p>
+          <a:p>
+            <a:endParaRPr lang="en-US" dirty="0" smtClean="0"/>
           </a:p>
         </p:txBody>
       </p:sp>
@@ -12702,6 +12121,115 @@
 </p:sld>
 </file>
 
+<file path=ppt/slides/slide7.xml><?xml version="1.0" encoding="utf-8"?>
+<p:sld xmlns:a="http://schemas.openxmlformats.org/drawingml/2006/main" xmlns:r="http://schemas.openxmlformats.org/officeDocument/2006/relationships" xmlns:p="http://schemas.openxmlformats.org/presentationml/2006/main">
+  <p:cSld>
+    <p:spTree>
+      <p:nvGrpSpPr>
+        <p:cNvPr id="1" name=""/>
+        <p:cNvGrpSpPr/>
+        <p:nvPr/>
+      </p:nvGrpSpPr>
+      <p:grpSpPr>
+        <a:xfrm>
+          <a:off x="0" y="0"/>
+          <a:ext cx="0" cy="0"/>
+          <a:chOff x="0" y="0"/>
+          <a:chExt cx="0" cy="0"/>
+        </a:xfrm>
+      </p:grpSpPr>
+      <p:sp>
+        <p:nvSpPr>
+          <p:cNvPr id="2" name="Title 1"/>
+          <p:cNvSpPr>
+            <a:spLocks noGrp="1"/>
+          </p:cNvSpPr>
+          <p:nvPr>
+            <p:ph type="title"/>
+          </p:nvPr>
+        </p:nvSpPr>
+        <p:spPr/>
+        <p:txBody>
+          <a:bodyPr/>
+          <a:lstStyle/>
+          <a:p>
+            <a:r>
+              <a:rPr lang="en-US" dirty="0" smtClean="0"/>
+              <a:t>Test the hypothesis for pH adjustment calculations </a:t>
+            </a:r>
+            <a:endParaRPr lang="en-US" dirty="0"/>
+          </a:p>
+        </p:txBody>
+      </p:sp>
+      <p:sp>
+        <p:nvSpPr>
+          <p:cNvPr id="3" name="Content Placeholder 2"/>
+          <p:cNvSpPr>
+            <a:spLocks noGrp="1"/>
+          </p:cNvSpPr>
+          <p:nvPr>
+            <p:ph idx="1"/>
+          </p:nvPr>
+        </p:nvSpPr>
+        <p:spPr/>
+        <p:txBody>
+          <a:bodyPr/>
+          <a:lstStyle/>
+          <a:p>
+            <a:r>
+              <a:rPr lang="en-US" dirty="0" smtClean="0"/>
+              <a:t>We have developed equations based on ANC for how to methodically adjust the pH to reach a target value. This is of particular interest in drinking water treatment. </a:t>
+            </a:r>
+          </a:p>
+          <a:p>
+            <a:r>
+              <a:rPr lang="en-US" dirty="0" smtClean="0"/>
+              <a:t>The method involves measure the ANC of the sample and then using equations to calculate how much acid or base to add to reach the target pH</a:t>
+            </a:r>
+          </a:p>
+          <a:p>
+            <a:r>
+              <a:rPr lang="en-US" dirty="0" smtClean="0"/>
+              <a:t>Here is an </a:t>
+            </a:r>
+            <a:r>
+              <a:rPr lang="en-US" dirty="0" smtClean="0">
+                <a:hlinkClick r:id="rId2"/>
+              </a:rPr>
+              <a:t>example</a:t>
+            </a:r>
+            <a:r>
+              <a:rPr lang="en-US" dirty="0" smtClean="0"/>
+              <a:t> for the town of </a:t>
+            </a:r>
+            <a:r>
+              <a:rPr lang="en-US" dirty="0" err="1" smtClean="0"/>
+              <a:t>Manzaragua</a:t>
+            </a:r>
+            <a:r>
+              <a:rPr lang="en-US" dirty="0" smtClean="0"/>
+              <a:t> in Honduras</a:t>
+            </a:r>
+            <a:endParaRPr lang="en-US" dirty="0"/>
+          </a:p>
+        </p:txBody>
+      </p:sp>
+    </p:spTree>
+    <p:extLst>
+      <p:ext uri="{BB962C8B-B14F-4D97-AF65-F5344CB8AC3E}">
+        <p14:creationId xmlns:p14="http://schemas.microsoft.com/office/powerpoint/2010/main" val="184548996"/>
+      </p:ext>
+    </p:extLst>
+  </p:cSld>
+  <p:clrMapOvr>
+    <a:masterClrMapping/>
+  </p:clrMapOvr>
+  <p:transition>
+    <p:fade/>
+  </p:transition>
+</p:sld>
+</file>
+
 <file path=ppt/slides/slide8.xml><?xml version="1.0" encoding="utf-8"?>
 <p:sld xmlns:a="http://schemas.openxmlformats.org/drawingml/2006/main" xmlns:r="http://schemas.openxmlformats.org/officeDocument/2006/relationships" xmlns:p="http://schemas.openxmlformats.org/presentationml/2006/main">
   <p:cSld>
@@ -12735,12 +12263,8 @@
           <a:lstStyle/>
           <a:p>
             <a:r>
-              <a:rPr lang="en-US" dirty="0"/>
-              <a:t>Nutrient removal </a:t>
-            </a:r>
-            <a:r>
               <a:rPr lang="en-US" dirty="0" smtClean="0"/>
-              <a:t>project</a:t>
+              <a:t>Acid rain</a:t>
             </a:r>
             <a:endParaRPr lang="en-US" dirty="0"/>
           </a:p>
@@ -12763,49 +12287,8 @@
           <a:p>
             <a:r>
               <a:rPr lang="en-US" dirty="0" smtClean="0"/>
-              <a:t>Treat synthetic wastewater with a sequencing batch reactor</a:t>
-            </a:r>
-          </a:p>
-          <a:p>
-            <a:r>
-              <a:rPr lang="en-US" dirty="0" smtClean="0"/>
-              <a:t>Measure oxygen levels</a:t>
-            </a:r>
-          </a:p>
-          <a:p>
-            <a:r>
-              <a:rPr lang="en-US" dirty="0" smtClean="0"/>
-              <a:t>You could test…</a:t>
-            </a:r>
-          </a:p>
-          <a:p>
-            <a:pPr lvl="1"/>
-            <a:r>
-              <a:rPr lang="en-US" dirty="0" smtClean="0"/>
-              <a:t>Methods to control oxygen levels with </a:t>
-            </a:r>
-            <a:r>
-              <a:rPr lang="en-US" dirty="0" err="1" smtClean="0"/>
-              <a:t>ProCoDA</a:t>
-            </a:r>
-            <a:endParaRPr lang="en-US" dirty="0" smtClean="0"/>
-          </a:p>
-          <a:p>
-            <a:pPr lvl="1"/>
-            <a:r>
-              <a:rPr lang="en-US" dirty="0" smtClean="0"/>
-              <a:t>Measure oxygen uptake by turning off air and measuring oxygen uptake rate</a:t>
-            </a:r>
-          </a:p>
-          <a:p>
-            <a:pPr lvl="1"/>
-            <a:endParaRPr lang="en-US" dirty="0" smtClean="0"/>
-          </a:p>
-          <a:p>
-            <a:pPr lvl="1"/>
-            <a:endParaRPr lang="en-US" dirty="0"/>
-          </a:p>
-          <a:p>
+              <a:t>Aerate the lake to see if you can get a system that is in equilibrium with the carbon dioxide in the atmosphere</a:t>
+            </a:r>
             <a:endParaRPr lang="en-US" dirty="0"/>
           </a:p>
         </p:txBody>
@@ -12813,7 +12296,7 @@
     </p:spTree>
     <p:extLst>
       <p:ext uri="{BB962C8B-B14F-4D97-AF65-F5344CB8AC3E}">
-        <p14:creationId xmlns:p14="http://schemas.microsoft.com/office/powerpoint/2010/main" val="3467644242"/>
+        <p14:creationId xmlns:p14="http://schemas.microsoft.com/office/powerpoint/2010/main" val="3094028379"/>
       </p:ext>
     </p:extLst>
   </p:cSld>
@@ -12845,9 +12328,9 @@
       </p:grpSpPr>
       <p:sp>
         <p:nvSpPr>
-          <p:cNvPr id="65538" name="Rectangle 2"/>
-          <p:cNvSpPr>
-            <a:spLocks noGrp="1" noChangeArrowheads="1"/>
+          <p:cNvPr id="2" name="Title 1"/>
+          <p:cNvSpPr>
+            <a:spLocks noGrp="1"/>
           </p:cNvSpPr>
           <p:nvPr>
             <p:ph type="title"/>
@@ -12859,7758 +12342,73 @@
           <a:lstStyle/>
           <a:p>
             <a:r>
-              <a:rPr lang="en-US" altLang="en-US"/>
-              <a:t>SBR OPERATION for Activated Sludge</a:t>
-            </a:r>
-          </a:p>
-        </p:txBody>
-      </p:sp>
-      <p:sp>
-        <p:nvSpPr>
-          <p:cNvPr id="65541" name="AutoShape 5" descr="Trellis"/>
-          <p:cNvSpPr>
-            <a:spLocks noChangeArrowheads="1"/>
-          </p:cNvSpPr>
-          <p:nvPr/>
-        </p:nvSpPr>
-        <p:spPr bwMode="auto">
-          <a:xfrm>
-            <a:off x="412750" y="3640138"/>
-            <a:ext cx="1600200" cy="1219200"/>
-          </a:xfrm>
-          <a:prstGeom prst="roundRect">
-            <a:avLst>
-              <a:gd name="adj" fmla="val 12500"/>
-            </a:avLst>
-          </a:prstGeom>
-          <a:pattFill prst="trellis">
-            <a:fgClr>
-              <a:schemeClr val="accent2"/>
-            </a:fgClr>
-            <a:bgClr>
-              <a:schemeClr val="hlink"/>
-            </a:bgClr>
-          </a:pattFill>
-          <a:ln w="38100">
-            <a:solidFill>
-              <a:schemeClr val="tx1"/>
-            </a:solidFill>
-            <a:round/>
-            <a:headEnd/>
-            <a:tailEnd/>
-          </a:ln>
-          <a:effectLst/>
-          <a:extLst>
-            <a:ext uri="{AF507438-7753-43E0-B8FC-AC1667EBCBE1}">
-              <a14:hiddenEffects xmlns:a14="http://schemas.microsoft.com/office/drawing/2010/main">
-                <a:effectLst>
-                  <a:outerShdw dist="35921" dir="2700000" algn="ctr" rotWithShape="0">
-                    <a:schemeClr val="bg2"/>
-                  </a:outerShdw>
-                </a:effectLst>
-              </a14:hiddenEffects>
-            </a:ext>
-          </a:extLst>
-        </p:spPr>
-        <p:txBody>
-          <a:bodyPr wrap="none" anchor="ctr">
-            <a:spAutoFit/>
-          </a:bodyPr>
+              <a:rPr lang="en-US" smtClean="0"/>
+              <a:t>Next steps</a:t>
+            </a:r>
+            <a:endParaRPr lang="en-US" dirty="0"/>
+          </a:p>
+        </p:txBody>
+      </p:sp>
+      <p:sp>
+        <p:nvSpPr>
+          <p:cNvPr id="3" name="Content Placeholder 2"/>
+          <p:cNvSpPr>
+            <a:spLocks noGrp="1"/>
+          </p:cNvSpPr>
+          <p:nvPr>
+            <p:ph idx="1"/>
+          </p:nvPr>
+        </p:nvSpPr>
+        <p:spPr/>
+        <p:txBody>
+          <a:bodyPr/>
           <a:lstStyle/>
           <a:p>
-            <a:endParaRPr lang="en-US"/>
-          </a:p>
-        </p:txBody>
-      </p:sp>
-      <p:sp>
-        <p:nvSpPr>
-          <p:cNvPr id="65542" name="Rectangle 6"/>
-          <p:cNvSpPr>
-            <a:spLocks noChangeArrowheads="1"/>
-          </p:cNvSpPr>
-          <p:nvPr/>
-        </p:nvSpPr>
-        <p:spPr bwMode="auto">
-          <a:xfrm>
-            <a:off x="412750" y="3627438"/>
-            <a:ext cx="1600200" cy="152400"/>
-          </a:xfrm>
-          <a:prstGeom prst="rect">
-            <a:avLst/>
-          </a:prstGeom>
-          <a:solidFill>
-            <a:schemeClr val="bg1"/>
-          </a:solidFill>
-          <a:ln w="57150">
-            <a:solidFill>
-              <a:schemeClr val="bg1"/>
-            </a:solidFill>
-            <a:miter lim="800000"/>
-            <a:headEnd/>
-            <a:tailEnd/>
-          </a:ln>
-          <a:effectLst/>
-          <a:extLst>
-            <a:ext uri="{AF507438-7753-43E0-B8FC-AC1667EBCBE1}">
-              <a14:hiddenEffects xmlns:a14="http://schemas.microsoft.com/office/drawing/2010/main">
-                <a:effectLst>
-                  <a:outerShdw dist="35921" dir="2700000" algn="ctr" rotWithShape="0">
-                    <a:schemeClr val="bg2"/>
-                  </a:outerShdw>
-                </a:effectLst>
-              </a14:hiddenEffects>
-            </a:ext>
-          </a:extLst>
-        </p:spPr>
-        <p:txBody>
-          <a:bodyPr wrap="none" anchor="ctr">
-            <a:spAutoFit/>
-          </a:bodyPr>
-          <a:lstStyle/>
-          <a:p>
-            <a:endParaRPr lang="en-US"/>
-          </a:p>
-        </p:txBody>
-      </p:sp>
-      <p:sp>
-        <p:nvSpPr>
-          <p:cNvPr id="65543" name="Line 7"/>
-          <p:cNvSpPr>
-            <a:spLocks noChangeShapeType="1"/>
-          </p:cNvSpPr>
-          <p:nvPr/>
-        </p:nvSpPr>
-        <p:spPr bwMode="auto">
-          <a:xfrm flipV="1">
-            <a:off x="412750" y="3716338"/>
-            <a:ext cx="0" cy="152400"/>
-          </a:xfrm>
-          <a:prstGeom prst="line">
-            <a:avLst/>
-          </a:prstGeom>
-          <a:noFill/>
-          <a:ln w="38100">
-            <a:solidFill>
-              <a:schemeClr val="tx1"/>
-            </a:solidFill>
-            <a:round/>
-            <a:headEnd/>
-            <a:tailEnd/>
-          </a:ln>
-          <a:effectLst/>
-          <a:extLst>
-            <a:ext uri="{909E8E84-426E-40DD-AFC4-6F175D3DCCD1}">
-              <a14:hiddenFill xmlns:a14="http://schemas.microsoft.com/office/drawing/2010/main">
-                <a:noFill/>
-              </a14:hiddenFill>
-            </a:ext>
-            <a:ext uri="{AF507438-7753-43E0-B8FC-AC1667EBCBE1}">
-              <a14:hiddenEffects xmlns:a14="http://schemas.microsoft.com/office/drawing/2010/main">
-                <a:effectLst>
-                  <a:outerShdw dist="35921" dir="2700000" algn="ctr" rotWithShape="0">
-                    <a:schemeClr val="bg2"/>
-                  </a:outerShdw>
-                </a:effectLst>
-              </a14:hiddenEffects>
-            </a:ext>
-          </a:extLst>
-        </p:spPr>
-        <p:txBody>
-          <a:bodyPr wrap="none" anchor="ctr">
-            <a:spAutoFit/>
-          </a:bodyPr>
-          <a:lstStyle/>
-          <a:p>
-            <a:endParaRPr lang="en-US"/>
-          </a:p>
-        </p:txBody>
-      </p:sp>
-      <p:sp>
-        <p:nvSpPr>
-          <p:cNvPr id="65544" name="Line 8"/>
-          <p:cNvSpPr>
-            <a:spLocks noChangeShapeType="1"/>
-          </p:cNvSpPr>
-          <p:nvPr/>
-        </p:nvSpPr>
-        <p:spPr bwMode="auto">
-          <a:xfrm flipV="1">
-            <a:off x="2101850" y="3716338"/>
-            <a:ext cx="0" cy="152400"/>
-          </a:xfrm>
-          <a:prstGeom prst="line">
-            <a:avLst/>
-          </a:prstGeom>
-          <a:noFill/>
-          <a:ln w="38100">
-            <a:solidFill>
-              <a:schemeClr val="tx1"/>
-            </a:solidFill>
-            <a:round/>
-            <a:headEnd/>
-            <a:tailEnd/>
-          </a:ln>
-          <a:effectLst/>
-          <a:extLst>
-            <a:ext uri="{909E8E84-426E-40DD-AFC4-6F175D3DCCD1}">
-              <a14:hiddenFill xmlns:a14="http://schemas.microsoft.com/office/drawing/2010/main">
-                <a:noFill/>
-              </a14:hiddenFill>
-            </a:ext>
-            <a:ext uri="{AF507438-7753-43E0-B8FC-AC1667EBCBE1}">
-              <a14:hiddenEffects xmlns:a14="http://schemas.microsoft.com/office/drawing/2010/main">
-                <a:effectLst>
-                  <a:outerShdw dist="35921" dir="2700000" algn="ctr" rotWithShape="0">
-                    <a:schemeClr val="bg2"/>
-                  </a:outerShdw>
-                </a:effectLst>
-              </a14:hiddenEffects>
-            </a:ext>
-          </a:extLst>
-        </p:spPr>
-        <p:txBody>
-          <a:bodyPr wrap="none" anchor="ctr">
-            <a:spAutoFit/>
-          </a:bodyPr>
-          <a:lstStyle/>
-          <a:p>
-            <a:endParaRPr lang="en-US"/>
-          </a:p>
-        </p:txBody>
-      </p:sp>
-      <p:grpSp>
-        <p:nvGrpSpPr>
-          <p:cNvPr id="65545" name="Group 9"/>
-          <p:cNvGrpSpPr>
-            <a:grpSpLocks/>
-          </p:cNvGrpSpPr>
-          <p:nvPr/>
-        </p:nvGrpSpPr>
-        <p:grpSpPr bwMode="auto">
-          <a:xfrm>
-            <a:off x="3781425" y="3643313"/>
-            <a:ext cx="1600200" cy="1219200"/>
-            <a:chOff x="1680" y="3216"/>
-            <a:chExt cx="1008" cy="768"/>
-          </a:xfrm>
-        </p:grpSpPr>
-        <p:sp>
-          <p:nvSpPr>
-            <p:cNvPr id="65546" name="AutoShape 10" descr="Large confetti"/>
-            <p:cNvSpPr>
-              <a:spLocks noChangeArrowheads="1"/>
-            </p:cNvSpPr>
-            <p:nvPr/>
-          </p:nvSpPr>
-          <p:spPr bwMode="auto">
-            <a:xfrm>
-              <a:off x="1680" y="3216"/>
-              <a:ext cx="1008" cy="768"/>
-            </a:xfrm>
-            <a:prstGeom prst="roundRect">
-              <a:avLst>
-                <a:gd name="adj" fmla="val 12500"/>
-              </a:avLst>
-            </a:prstGeom>
-            <a:pattFill prst="lgConfetti">
-              <a:fgClr>
-                <a:schemeClr val="accent2"/>
-              </a:fgClr>
-              <a:bgClr>
-                <a:schemeClr val="hlink"/>
-              </a:bgClr>
-            </a:pattFill>
-            <a:ln w="38100">
-              <a:solidFill>
-                <a:schemeClr val="tx1"/>
-              </a:solidFill>
-              <a:round/>
-              <a:headEnd/>
-              <a:tailEnd/>
-            </a:ln>
-            <a:effectLst/>
-            <a:extLst>
-              <a:ext uri="{AF507438-7753-43E0-B8FC-AC1667EBCBE1}">
-                <a14:hiddenEffects xmlns:a14="http://schemas.microsoft.com/office/drawing/2010/main">
-                  <a:effectLst>
-                    <a:outerShdw dist="35921" dir="2700000" algn="ctr" rotWithShape="0">
-                      <a:schemeClr val="bg2"/>
-                    </a:outerShdw>
-                  </a:effectLst>
-                </a14:hiddenEffects>
-              </a:ext>
-            </a:extLst>
-          </p:spPr>
-          <p:txBody>
-            <a:bodyPr wrap="none" anchor="ctr">
-              <a:spAutoFit/>
-            </a:bodyPr>
-            <a:lstStyle/>
-            <a:p>
-              <a:endParaRPr lang="en-US"/>
-            </a:p>
-          </p:txBody>
-        </p:sp>
-        <p:sp>
-          <p:nvSpPr>
-            <p:cNvPr id="65547" name="Rectangle 11"/>
-            <p:cNvSpPr>
-              <a:spLocks noChangeArrowheads="1"/>
-            </p:cNvSpPr>
-            <p:nvPr/>
-          </p:nvSpPr>
-          <p:spPr bwMode="auto">
-            <a:xfrm>
-              <a:off x="1680" y="3216"/>
-              <a:ext cx="1008" cy="96"/>
-            </a:xfrm>
-            <a:prstGeom prst="rect">
-              <a:avLst/>
-            </a:prstGeom>
-            <a:solidFill>
-              <a:schemeClr val="bg1"/>
-            </a:solidFill>
-            <a:ln w="57150">
-              <a:solidFill>
-                <a:schemeClr val="bg1"/>
-              </a:solidFill>
-              <a:miter lim="800000"/>
-              <a:headEnd/>
-              <a:tailEnd/>
-            </a:ln>
-            <a:effectLst/>
-            <a:extLst>
-              <a:ext uri="{AF507438-7753-43E0-B8FC-AC1667EBCBE1}">
-                <a14:hiddenEffects xmlns:a14="http://schemas.microsoft.com/office/drawing/2010/main">
-                  <a:effectLst>
-                    <a:outerShdw dist="35921" dir="2700000" algn="ctr" rotWithShape="0">
-                      <a:schemeClr val="bg2"/>
-                    </a:outerShdw>
-                  </a:effectLst>
-                </a14:hiddenEffects>
-              </a:ext>
-            </a:extLst>
-          </p:spPr>
-          <p:txBody>
-            <a:bodyPr wrap="none" anchor="ctr">
-              <a:spAutoFit/>
-            </a:bodyPr>
-            <a:lstStyle/>
-            <a:p>
-              <a:endParaRPr lang="en-US"/>
-            </a:p>
-          </p:txBody>
-        </p:sp>
-        <p:sp>
-          <p:nvSpPr>
-            <p:cNvPr id="65548" name="Line 12"/>
-            <p:cNvSpPr>
-              <a:spLocks noChangeShapeType="1"/>
-            </p:cNvSpPr>
-            <p:nvPr/>
-          </p:nvSpPr>
-          <p:spPr bwMode="auto">
-            <a:xfrm flipV="1">
-              <a:off x="1680" y="3264"/>
-              <a:ext cx="0" cy="96"/>
-            </a:xfrm>
-            <a:prstGeom prst="line">
-              <a:avLst/>
-            </a:prstGeom>
-            <a:noFill/>
-            <a:ln w="38100">
-              <a:solidFill>
-                <a:schemeClr val="tx1"/>
-              </a:solidFill>
-              <a:round/>
-              <a:headEnd/>
-              <a:tailEnd/>
-            </a:ln>
-            <a:effectLst/>
-            <a:extLst>
-              <a:ext uri="{909E8E84-426E-40DD-AFC4-6F175D3DCCD1}">
-                <a14:hiddenFill xmlns:a14="http://schemas.microsoft.com/office/drawing/2010/main">
-                  <a:noFill/>
-                </a14:hiddenFill>
-              </a:ext>
-              <a:ext uri="{AF507438-7753-43E0-B8FC-AC1667EBCBE1}">
-                <a14:hiddenEffects xmlns:a14="http://schemas.microsoft.com/office/drawing/2010/main">
-                  <a:effectLst>
-                    <a:outerShdw dist="35921" dir="2700000" algn="ctr" rotWithShape="0">
-                      <a:schemeClr val="bg2"/>
-                    </a:outerShdw>
-                  </a:effectLst>
-                </a14:hiddenEffects>
-              </a:ext>
-            </a:extLst>
-          </p:spPr>
-          <p:txBody>
-            <a:bodyPr wrap="none" anchor="ctr">
-              <a:spAutoFit/>
-            </a:bodyPr>
-            <a:lstStyle/>
-            <a:p>
-              <a:endParaRPr lang="en-US"/>
-            </a:p>
-          </p:txBody>
-        </p:sp>
-        <p:sp>
-          <p:nvSpPr>
-            <p:cNvPr id="65549" name="Line 13"/>
-            <p:cNvSpPr>
-              <a:spLocks noChangeShapeType="1"/>
-            </p:cNvSpPr>
-            <p:nvPr/>
-          </p:nvSpPr>
-          <p:spPr bwMode="auto">
-            <a:xfrm flipV="1">
-              <a:off x="2688" y="3264"/>
-              <a:ext cx="0" cy="96"/>
-            </a:xfrm>
-            <a:prstGeom prst="line">
-              <a:avLst/>
-            </a:prstGeom>
-            <a:noFill/>
-            <a:ln w="38100">
-              <a:solidFill>
-                <a:schemeClr val="tx1"/>
-              </a:solidFill>
-              <a:round/>
-              <a:headEnd/>
-              <a:tailEnd/>
-            </a:ln>
-            <a:effectLst/>
-            <a:extLst>
-              <a:ext uri="{909E8E84-426E-40DD-AFC4-6F175D3DCCD1}">
-                <a14:hiddenFill xmlns:a14="http://schemas.microsoft.com/office/drawing/2010/main">
-                  <a:noFill/>
-                </a14:hiddenFill>
-              </a:ext>
-              <a:ext uri="{AF507438-7753-43E0-B8FC-AC1667EBCBE1}">
-                <a14:hiddenEffects xmlns:a14="http://schemas.microsoft.com/office/drawing/2010/main">
-                  <a:effectLst>
-                    <a:outerShdw dist="35921" dir="2700000" algn="ctr" rotWithShape="0">
-                      <a:schemeClr val="bg2"/>
-                    </a:outerShdw>
-                  </a:effectLst>
-                </a14:hiddenEffects>
-              </a:ext>
-            </a:extLst>
-          </p:spPr>
-          <p:txBody>
-            <a:bodyPr wrap="none" anchor="ctr">
-              <a:spAutoFit/>
-            </a:bodyPr>
-            <a:lstStyle/>
-            <a:p>
-              <a:endParaRPr lang="en-US"/>
-            </a:p>
-          </p:txBody>
-        </p:sp>
-      </p:grpSp>
-      <p:grpSp>
-        <p:nvGrpSpPr>
-          <p:cNvPr id="65560" name="Group 24"/>
-          <p:cNvGrpSpPr>
-            <a:grpSpLocks/>
-          </p:cNvGrpSpPr>
-          <p:nvPr/>
-        </p:nvGrpSpPr>
-        <p:grpSpPr bwMode="auto">
-          <a:xfrm>
-            <a:off x="5454650" y="3641725"/>
-            <a:ext cx="1600200" cy="1219200"/>
-            <a:chOff x="4608" y="2976"/>
-            <a:chExt cx="1008" cy="768"/>
-          </a:xfrm>
-        </p:grpSpPr>
-        <p:sp>
-          <p:nvSpPr>
-            <p:cNvPr id="65561" name="AutoShape 25"/>
-            <p:cNvSpPr>
-              <a:spLocks noChangeArrowheads="1"/>
-            </p:cNvSpPr>
-            <p:nvPr/>
-          </p:nvSpPr>
-          <p:spPr bwMode="auto">
-            <a:xfrm>
-              <a:off x="4608" y="2976"/>
-              <a:ext cx="1008" cy="768"/>
-            </a:xfrm>
-            <a:prstGeom prst="roundRect">
-              <a:avLst>
-                <a:gd name="adj" fmla="val 12500"/>
-              </a:avLst>
-            </a:prstGeom>
-            <a:gradFill rotWithShape="0">
-              <a:gsLst>
-                <a:gs pos="0">
-                  <a:schemeClr val="hlink"/>
-                </a:gs>
-                <a:gs pos="100000">
-                  <a:schemeClr val="accent2"/>
-                </a:gs>
-              </a:gsLst>
-              <a:lin ang="5400000" scaled="1"/>
-            </a:gradFill>
-            <a:ln w="38100">
-              <a:solidFill>
-                <a:schemeClr val="tx1"/>
-              </a:solidFill>
-              <a:round/>
-              <a:headEnd/>
-              <a:tailEnd/>
-            </a:ln>
-            <a:effectLst/>
-            <a:extLst>
-              <a:ext uri="{AF507438-7753-43E0-B8FC-AC1667EBCBE1}">
-                <a14:hiddenEffects xmlns:a14="http://schemas.microsoft.com/office/drawing/2010/main">
-                  <a:effectLst>
-                    <a:outerShdw dist="35921" dir="2700000" algn="ctr" rotWithShape="0">
-                      <a:schemeClr val="bg2"/>
-                    </a:outerShdw>
-                  </a:effectLst>
-                </a14:hiddenEffects>
-              </a:ext>
-            </a:extLst>
-          </p:spPr>
-          <p:txBody>
-            <a:bodyPr wrap="none" anchor="ctr">
-              <a:spAutoFit/>
-            </a:bodyPr>
-            <a:lstStyle/>
-            <a:p>
-              <a:endParaRPr lang="en-US"/>
-            </a:p>
-          </p:txBody>
-        </p:sp>
-        <p:sp>
-          <p:nvSpPr>
-            <p:cNvPr id="65562" name="Rectangle 26"/>
-            <p:cNvSpPr>
-              <a:spLocks noChangeArrowheads="1"/>
-            </p:cNvSpPr>
-            <p:nvPr/>
-          </p:nvSpPr>
-          <p:spPr bwMode="auto">
-            <a:xfrm>
-              <a:off x="4608" y="2976"/>
-              <a:ext cx="1008" cy="96"/>
-            </a:xfrm>
-            <a:prstGeom prst="rect">
-              <a:avLst/>
-            </a:prstGeom>
-            <a:solidFill>
-              <a:schemeClr val="bg1"/>
-            </a:solidFill>
-            <a:ln w="57150">
-              <a:solidFill>
-                <a:schemeClr val="bg1"/>
-              </a:solidFill>
-              <a:miter lim="800000"/>
-              <a:headEnd/>
-              <a:tailEnd/>
-            </a:ln>
-            <a:effectLst/>
-            <a:extLst>
-              <a:ext uri="{AF507438-7753-43E0-B8FC-AC1667EBCBE1}">
-                <a14:hiddenEffects xmlns:a14="http://schemas.microsoft.com/office/drawing/2010/main">
-                  <a:effectLst>
-                    <a:outerShdw dist="35921" dir="2700000" algn="ctr" rotWithShape="0">
-                      <a:schemeClr val="bg2"/>
-                    </a:outerShdw>
-                  </a:effectLst>
-                </a14:hiddenEffects>
-              </a:ext>
-            </a:extLst>
-          </p:spPr>
-          <p:txBody>
-            <a:bodyPr wrap="none" anchor="ctr">
-              <a:spAutoFit/>
-            </a:bodyPr>
-            <a:lstStyle/>
-            <a:p>
-              <a:endParaRPr lang="en-US"/>
-            </a:p>
-          </p:txBody>
-        </p:sp>
-        <p:sp>
-          <p:nvSpPr>
-            <p:cNvPr id="65563" name="Line 27"/>
-            <p:cNvSpPr>
-              <a:spLocks noChangeShapeType="1"/>
-            </p:cNvSpPr>
-            <p:nvPr/>
-          </p:nvSpPr>
-          <p:spPr bwMode="auto">
-            <a:xfrm flipV="1">
-              <a:off x="4608" y="3024"/>
-              <a:ext cx="0" cy="96"/>
-            </a:xfrm>
-            <a:prstGeom prst="line">
-              <a:avLst/>
-            </a:prstGeom>
-            <a:noFill/>
-            <a:ln w="38100">
-              <a:solidFill>
-                <a:schemeClr val="tx1"/>
-              </a:solidFill>
-              <a:round/>
-              <a:headEnd/>
-              <a:tailEnd/>
-            </a:ln>
-            <a:effectLst/>
-            <a:extLst>
-              <a:ext uri="{909E8E84-426E-40DD-AFC4-6F175D3DCCD1}">
-                <a14:hiddenFill xmlns:a14="http://schemas.microsoft.com/office/drawing/2010/main">
-                  <a:noFill/>
-                </a14:hiddenFill>
-              </a:ext>
-              <a:ext uri="{AF507438-7753-43E0-B8FC-AC1667EBCBE1}">
-                <a14:hiddenEffects xmlns:a14="http://schemas.microsoft.com/office/drawing/2010/main">
-                  <a:effectLst>
-                    <a:outerShdw dist="35921" dir="2700000" algn="ctr" rotWithShape="0">
-                      <a:schemeClr val="bg2"/>
-                    </a:outerShdw>
-                  </a:effectLst>
-                </a14:hiddenEffects>
-              </a:ext>
-            </a:extLst>
-          </p:spPr>
-          <p:txBody>
-            <a:bodyPr wrap="none" anchor="ctr">
-              <a:spAutoFit/>
-            </a:bodyPr>
-            <a:lstStyle/>
-            <a:p>
-              <a:endParaRPr lang="en-US"/>
-            </a:p>
-          </p:txBody>
-        </p:sp>
-        <p:sp>
-          <p:nvSpPr>
-            <p:cNvPr id="65564" name="Line 28"/>
-            <p:cNvSpPr>
-              <a:spLocks noChangeShapeType="1"/>
-            </p:cNvSpPr>
-            <p:nvPr/>
-          </p:nvSpPr>
-          <p:spPr bwMode="auto">
-            <a:xfrm flipV="1">
-              <a:off x="5616" y="3024"/>
-              <a:ext cx="0" cy="96"/>
-            </a:xfrm>
-            <a:prstGeom prst="line">
-              <a:avLst/>
-            </a:prstGeom>
-            <a:noFill/>
-            <a:ln w="38100">
-              <a:solidFill>
-                <a:schemeClr val="tx1"/>
-              </a:solidFill>
-              <a:round/>
-              <a:headEnd/>
-              <a:tailEnd/>
-            </a:ln>
-            <a:effectLst/>
-            <a:extLst>
-              <a:ext uri="{909E8E84-426E-40DD-AFC4-6F175D3DCCD1}">
-                <a14:hiddenFill xmlns:a14="http://schemas.microsoft.com/office/drawing/2010/main">
-                  <a:noFill/>
-                </a14:hiddenFill>
-              </a:ext>
-              <a:ext uri="{AF507438-7753-43E0-B8FC-AC1667EBCBE1}">
-                <a14:hiddenEffects xmlns:a14="http://schemas.microsoft.com/office/drawing/2010/main">
-                  <a:effectLst>
-                    <a:outerShdw dist="35921" dir="2700000" algn="ctr" rotWithShape="0">
-                      <a:schemeClr val="bg2"/>
-                    </a:outerShdw>
-                  </a:effectLst>
-                </a14:hiddenEffects>
-              </a:ext>
-            </a:extLst>
-          </p:spPr>
-          <p:txBody>
-            <a:bodyPr wrap="none" anchor="ctr">
-              <a:spAutoFit/>
-            </a:bodyPr>
-            <a:lstStyle/>
-            <a:p>
-              <a:endParaRPr lang="en-US"/>
-            </a:p>
-          </p:txBody>
-        </p:sp>
-      </p:grpSp>
-      <p:grpSp>
-        <p:nvGrpSpPr>
-          <p:cNvPr id="65565" name="Group 29"/>
-          <p:cNvGrpSpPr>
-            <a:grpSpLocks/>
-          </p:cNvGrpSpPr>
-          <p:nvPr/>
-        </p:nvGrpSpPr>
-        <p:grpSpPr bwMode="auto">
-          <a:xfrm>
-            <a:off x="3933825" y="3795713"/>
-            <a:ext cx="595313" cy="1014412"/>
-            <a:chOff x="2929" y="2834"/>
-            <a:chExt cx="375" cy="639"/>
-          </a:xfrm>
-        </p:grpSpPr>
-        <p:sp>
-          <p:nvSpPr>
-            <p:cNvPr id="65566" name="Oval 30"/>
-            <p:cNvSpPr>
-              <a:spLocks noChangeArrowheads="1"/>
-            </p:cNvSpPr>
-            <p:nvPr/>
-          </p:nvSpPr>
-          <p:spPr bwMode="auto">
-            <a:xfrm>
-              <a:off x="2969" y="3352"/>
-              <a:ext cx="32" cy="31"/>
-            </a:xfrm>
-            <a:prstGeom prst="ellipse">
-              <a:avLst/>
-            </a:prstGeom>
-            <a:solidFill>
-              <a:schemeClr val="bg1"/>
-            </a:solidFill>
-            <a:ln w="3175">
-              <a:solidFill>
-                <a:schemeClr val="bg1"/>
-              </a:solidFill>
-              <a:round/>
-              <a:headEnd/>
-              <a:tailEnd/>
-            </a:ln>
-            <a:effectLst/>
-            <a:extLst>
-              <a:ext uri="{AF507438-7753-43E0-B8FC-AC1667EBCBE1}">
-                <a14:hiddenEffects xmlns:a14="http://schemas.microsoft.com/office/drawing/2010/main">
-                  <a:effectLst>
-                    <a:outerShdw dist="35921" dir="2700000" algn="ctr" rotWithShape="0">
-                      <a:schemeClr val="bg2"/>
-                    </a:outerShdw>
-                  </a:effectLst>
-                </a14:hiddenEffects>
-              </a:ext>
-            </a:extLst>
-          </p:spPr>
-          <p:txBody>
-            <a:bodyPr wrap="none" anchor="ctr"/>
-            <a:lstStyle/>
-            <a:p>
-              <a:endParaRPr lang="en-US"/>
-            </a:p>
-          </p:txBody>
-        </p:sp>
-        <p:sp>
-          <p:nvSpPr>
-            <p:cNvPr id="65567" name="Oval 31"/>
-            <p:cNvSpPr>
-              <a:spLocks noChangeArrowheads="1"/>
-            </p:cNvSpPr>
-            <p:nvPr/>
-          </p:nvSpPr>
-          <p:spPr bwMode="auto">
-            <a:xfrm>
-              <a:off x="2980" y="3397"/>
-              <a:ext cx="32" cy="31"/>
-            </a:xfrm>
-            <a:prstGeom prst="ellipse">
-              <a:avLst/>
-            </a:prstGeom>
-            <a:solidFill>
-              <a:schemeClr val="bg1"/>
-            </a:solidFill>
-            <a:ln w="3175">
-              <a:solidFill>
-                <a:schemeClr val="bg1"/>
-              </a:solidFill>
-              <a:round/>
-              <a:headEnd/>
-              <a:tailEnd/>
-            </a:ln>
-            <a:effectLst/>
-            <a:extLst>
-              <a:ext uri="{AF507438-7753-43E0-B8FC-AC1667EBCBE1}">
-                <a14:hiddenEffects xmlns:a14="http://schemas.microsoft.com/office/drawing/2010/main">
-                  <a:effectLst>
-                    <a:outerShdw dist="35921" dir="2700000" algn="ctr" rotWithShape="0">
-                      <a:schemeClr val="bg2"/>
-                    </a:outerShdw>
-                  </a:effectLst>
-                </a14:hiddenEffects>
-              </a:ext>
-            </a:extLst>
-          </p:spPr>
-          <p:txBody>
-            <a:bodyPr wrap="none" anchor="ctr"/>
-            <a:lstStyle/>
-            <a:p>
-              <a:endParaRPr lang="en-US"/>
-            </a:p>
-          </p:txBody>
-        </p:sp>
-        <p:sp>
-          <p:nvSpPr>
-            <p:cNvPr id="65568" name="Oval 32"/>
-            <p:cNvSpPr>
-              <a:spLocks noChangeArrowheads="1"/>
-            </p:cNvSpPr>
-            <p:nvPr/>
-          </p:nvSpPr>
-          <p:spPr bwMode="auto">
-            <a:xfrm>
-              <a:off x="3014" y="3442"/>
-              <a:ext cx="32" cy="31"/>
-            </a:xfrm>
-            <a:prstGeom prst="ellipse">
-              <a:avLst/>
-            </a:prstGeom>
-            <a:solidFill>
-              <a:schemeClr val="bg1"/>
-            </a:solidFill>
-            <a:ln w="3175">
-              <a:solidFill>
-                <a:schemeClr val="bg1"/>
-              </a:solidFill>
-              <a:round/>
-              <a:headEnd/>
-              <a:tailEnd/>
-            </a:ln>
-            <a:effectLst/>
-            <a:extLst>
-              <a:ext uri="{AF507438-7753-43E0-B8FC-AC1667EBCBE1}">
-                <a14:hiddenEffects xmlns:a14="http://schemas.microsoft.com/office/drawing/2010/main">
-                  <a:effectLst>
-                    <a:outerShdw dist="35921" dir="2700000" algn="ctr" rotWithShape="0">
-                      <a:schemeClr val="bg2"/>
-                    </a:outerShdw>
-                  </a:effectLst>
-                </a14:hiddenEffects>
-              </a:ext>
-            </a:extLst>
-          </p:spPr>
-          <p:txBody>
-            <a:bodyPr wrap="none" anchor="ctr"/>
-            <a:lstStyle/>
-            <a:p>
-              <a:endParaRPr lang="en-US"/>
-            </a:p>
-          </p:txBody>
-        </p:sp>
-        <p:sp>
-          <p:nvSpPr>
-            <p:cNvPr id="65569" name="Oval 33"/>
-            <p:cNvSpPr>
-              <a:spLocks noChangeArrowheads="1"/>
-            </p:cNvSpPr>
-            <p:nvPr/>
-          </p:nvSpPr>
-          <p:spPr bwMode="auto">
-            <a:xfrm>
-              <a:off x="3048" y="3408"/>
-              <a:ext cx="31" cy="32"/>
-            </a:xfrm>
-            <a:prstGeom prst="ellipse">
-              <a:avLst/>
-            </a:prstGeom>
-            <a:solidFill>
-              <a:schemeClr val="bg1"/>
-            </a:solidFill>
-            <a:ln w="3175">
-              <a:solidFill>
-                <a:schemeClr val="bg1"/>
-              </a:solidFill>
-              <a:round/>
-              <a:headEnd/>
-              <a:tailEnd/>
-            </a:ln>
-            <a:effectLst/>
-            <a:extLst>
-              <a:ext uri="{AF507438-7753-43E0-B8FC-AC1667EBCBE1}">
-                <a14:hiddenEffects xmlns:a14="http://schemas.microsoft.com/office/drawing/2010/main">
-                  <a:effectLst>
-                    <a:outerShdw dist="35921" dir="2700000" algn="ctr" rotWithShape="0">
-                      <a:schemeClr val="bg2"/>
-                    </a:outerShdw>
-                  </a:effectLst>
-                </a14:hiddenEffects>
-              </a:ext>
-            </a:extLst>
-          </p:spPr>
-          <p:txBody>
-            <a:bodyPr wrap="none" anchor="ctr"/>
-            <a:lstStyle/>
-            <a:p>
-              <a:endParaRPr lang="en-US"/>
-            </a:p>
-          </p:txBody>
-        </p:sp>
-        <p:sp>
-          <p:nvSpPr>
-            <p:cNvPr id="65570" name="Oval 34"/>
-            <p:cNvSpPr>
-              <a:spLocks noChangeArrowheads="1"/>
-            </p:cNvSpPr>
-            <p:nvPr/>
-          </p:nvSpPr>
-          <p:spPr bwMode="auto">
-            <a:xfrm>
-              <a:off x="3081" y="3430"/>
-              <a:ext cx="32" cy="32"/>
-            </a:xfrm>
-            <a:prstGeom prst="ellipse">
-              <a:avLst/>
-            </a:prstGeom>
-            <a:solidFill>
-              <a:schemeClr val="bg1"/>
-            </a:solidFill>
-            <a:ln w="3175">
-              <a:solidFill>
-                <a:schemeClr val="bg1"/>
-              </a:solidFill>
-              <a:round/>
-              <a:headEnd/>
-              <a:tailEnd/>
-            </a:ln>
-            <a:effectLst/>
-            <a:extLst>
-              <a:ext uri="{AF507438-7753-43E0-B8FC-AC1667EBCBE1}">
-                <a14:hiddenEffects xmlns:a14="http://schemas.microsoft.com/office/drawing/2010/main">
-                  <a:effectLst>
-                    <a:outerShdw dist="35921" dir="2700000" algn="ctr" rotWithShape="0">
-                      <a:schemeClr val="bg2"/>
-                    </a:outerShdw>
-                  </a:effectLst>
-                </a14:hiddenEffects>
-              </a:ext>
-            </a:extLst>
-          </p:spPr>
-          <p:txBody>
-            <a:bodyPr wrap="none" anchor="ctr"/>
-            <a:lstStyle/>
-            <a:p>
-              <a:endParaRPr lang="en-US"/>
-            </a:p>
-          </p:txBody>
-        </p:sp>
-        <p:sp>
-          <p:nvSpPr>
-            <p:cNvPr id="65571" name="Oval 35"/>
-            <p:cNvSpPr>
-              <a:spLocks noChangeArrowheads="1"/>
-            </p:cNvSpPr>
-            <p:nvPr/>
-          </p:nvSpPr>
-          <p:spPr bwMode="auto">
-            <a:xfrm>
-              <a:off x="3115" y="3385"/>
-              <a:ext cx="32" cy="32"/>
-            </a:xfrm>
-            <a:prstGeom prst="ellipse">
-              <a:avLst/>
-            </a:prstGeom>
-            <a:solidFill>
-              <a:schemeClr val="bg1"/>
-            </a:solidFill>
-            <a:ln w="3175">
-              <a:solidFill>
-                <a:schemeClr val="bg1"/>
-              </a:solidFill>
-              <a:round/>
-              <a:headEnd/>
-              <a:tailEnd/>
-            </a:ln>
-            <a:effectLst/>
-            <a:extLst>
-              <a:ext uri="{AF507438-7753-43E0-B8FC-AC1667EBCBE1}">
-                <a14:hiddenEffects xmlns:a14="http://schemas.microsoft.com/office/drawing/2010/main">
-                  <a:effectLst>
-                    <a:outerShdw dist="35921" dir="2700000" algn="ctr" rotWithShape="0">
-                      <a:schemeClr val="bg2"/>
-                    </a:outerShdw>
-                  </a:effectLst>
-                </a14:hiddenEffects>
-              </a:ext>
-            </a:extLst>
-          </p:spPr>
-          <p:txBody>
-            <a:bodyPr wrap="none" anchor="ctr"/>
-            <a:lstStyle/>
-            <a:p>
-              <a:endParaRPr lang="en-US"/>
-            </a:p>
-          </p:txBody>
-        </p:sp>
-        <p:sp>
-          <p:nvSpPr>
-            <p:cNvPr id="65572" name="Oval 36"/>
-            <p:cNvSpPr>
-              <a:spLocks noChangeArrowheads="1"/>
-            </p:cNvSpPr>
-            <p:nvPr/>
-          </p:nvSpPr>
-          <p:spPr bwMode="auto">
-            <a:xfrm>
-              <a:off x="3098" y="3340"/>
-              <a:ext cx="32" cy="32"/>
-            </a:xfrm>
-            <a:prstGeom prst="ellipse">
-              <a:avLst/>
-            </a:prstGeom>
-            <a:solidFill>
-              <a:schemeClr val="bg1"/>
-            </a:solidFill>
-            <a:ln w="3175">
-              <a:solidFill>
-                <a:schemeClr val="bg1"/>
-              </a:solidFill>
-              <a:round/>
-              <a:headEnd/>
-              <a:tailEnd/>
-            </a:ln>
-            <a:effectLst/>
-            <a:extLst>
-              <a:ext uri="{AF507438-7753-43E0-B8FC-AC1667EBCBE1}">
-                <a14:hiddenEffects xmlns:a14="http://schemas.microsoft.com/office/drawing/2010/main">
-                  <a:effectLst>
-                    <a:outerShdw dist="35921" dir="2700000" algn="ctr" rotWithShape="0">
-                      <a:schemeClr val="bg2"/>
-                    </a:outerShdw>
-                  </a:effectLst>
-                </a14:hiddenEffects>
-              </a:ext>
-            </a:extLst>
-          </p:spPr>
-          <p:txBody>
-            <a:bodyPr wrap="none" anchor="ctr"/>
-            <a:lstStyle/>
-            <a:p>
-              <a:endParaRPr lang="en-US"/>
-            </a:p>
-          </p:txBody>
-        </p:sp>
-        <p:sp>
-          <p:nvSpPr>
-            <p:cNvPr id="65573" name="Oval 37"/>
-            <p:cNvSpPr>
-              <a:spLocks noChangeArrowheads="1"/>
-            </p:cNvSpPr>
-            <p:nvPr/>
-          </p:nvSpPr>
-          <p:spPr bwMode="auto">
-            <a:xfrm>
-              <a:off x="3031" y="3368"/>
-              <a:ext cx="32" cy="32"/>
-            </a:xfrm>
-            <a:prstGeom prst="ellipse">
-              <a:avLst/>
-            </a:prstGeom>
-            <a:solidFill>
-              <a:schemeClr val="bg1"/>
-            </a:solidFill>
-            <a:ln w="3175">
-              <a:solidFill>
-                <a:schemeClr val="bg1"/>
-              </a:solidFill>
-              <a:round/>
-              <a:headEnd/>
-              <a:tailEnd/>
-            </a:ln>
-            <a:effectLst/>
-            <a:extLst>
-              <a:ext uri="{AF507438-7753-43E0-B8FC-AC1667EBCBE1}">
-                <a14:hiddenEffects xmlns:a14="http://schemas.microsoft.com/office/drawing/2010/main">
-                  <a:effectLst>
-                    <a:outerShdw dist="35921" dir="2700000" algn="ctr" rotWithShape="0">
-                      <a:schemeClr val="bg2"/>
-                    </a:outerShdw>
-                  </a:effectLst>
-                </a14:hiddenEffects>
-              </a:ext>
-            </a:extLst>
-          </p:spPr>
-          <p:txBody>
-            <a:bodyPr wrap="none" anchor="ctr"/>
-            <a:lstStyle/>
-            <a:p>
-              <a:endParaRPr lang="en-US"/>
-            </a:p>
-          </p:txBody>
-        </p:sp>
-        <p:sp>
-          <p:nvSpPr>
-            <p:cNvPr id="65574" name="Oval 38"/>
-            <p:cNvSpPr>
-              <a:spLocks noChangeArrowheads="1"/>
-            </p:cNvSpPr>
-            <p:nvPr/>
-          </p:nvSpPr>
-          <p:spPr bwMode="auto">
-            <a:xfrm>
-              <a:off x="3014" y="3335"/>
-              <a:ext cx="32" cy="32"/>
-            </a:xfrm>
-            <a:prstGeom prst="ellipse">
-              <a:avLst/>
-            </a:prstGeom>
-            <a:solidFill>
-              <a:schemeClr val="bg1"/>
-            </a:solidFill>
-            <a:ln w="3175">
-              <a:solidFill>
-                <a:schemeClr val="bg1"/>
-              </a:solidFill>
-              <a:round/>
-              <a:headEnd/>
-              <a:tailEnd/>
-            </a:ln>
-            <a:effectLst/>
-            <a:extLst>
-              <a:ext uri="{AF507438-7753-43E0-B8FC-AC1667EBCBE1}">
-                <a14:hiddenEffects xmlns:a14="http://schemas.microsoft.com/office/drawing/2010/main">
-                  <a:effectLst>
-                    <a:outerShdw dist="35921" dir="2700000" algn="ctr" rotWithShape="0">
-                      <a:schemeClr val="bg2"/>
-                    </a:outerShdw>
-                  </a:effectLst>
-                </a14:hiddenEffects>
-              </a:ext>
-            </a:extLst>
-          </p:spPr>
-          <p:txBody>
-            <a:bodyPr wrap="none" anchor="ctr"/>
-            <a:lstStyle/>
-            <a:p>
-              <a:endParaRPr lang="en-US"/>
-            </a:p>
-          </p:txBody>
-        </p:sp>
-        <p:sp>
-          <p:nvSpPr>
-            <p:cNvPr id="65575" name="Oval 39"/>
-            <p:cNvSpPr>
-              <a:spLocks noChangeArrowheads="1"/>
-            </p:cNvSpPr>
-            <p:nvPr/>
-          </p:nvSpPr>
-          <p:spPr bwMode="auto">
-            <a:xfrm>
-              <a:off x="3070" y="3307"/>
-              <a:ext cx="32" cy="31"/>
-            </a:xfrm>
-            <a:prstGeom prst="ellipse">
-              <a:avLst/>
-            </a:prstGeom>
-            <a:solidFill>
-              <a:schemeClr val="bg1"/>
-            </a:solidFill>
-            <a:ln w="3175">
-              <a:solidFill>
-                <a:schemeClr val="bg1"/>
-              </a:solidFill>
-              <a:round/>
-              <a:headEnd/>
-              <a:tailEnd/>
-            </a:ln>
-            <a:effectLst/>
-            <a:extLst>
-              <a:ext uri="{AF507438-7753-43E0-B8FC-AC1667EBCBE1}">
-                <a14:hiddenEffects xmlns:a14="http://schemas.microsoft.com/office/drawing/2010/main">
-                  <a:effectLst>
-                    <a:outerShdw dist="35921" dir="2700000" algn="ctr" rotWithShape="0">
-                      <a:schemeClr val="bg2"/>
-                    </a:outerShdw>
-                  </a:effectLst>
-                </a14:hiddenEffects>
-              </a:ext>
-            </a:extLst>
-          </p:spPr>
-          <p:txBody>
-            <a:bodyPr wrap="none" anchor="ctr"/>
-            <a:lstStyle/>
-            <a:p>
-              <a:endParaRPr lang="en-US"/>
-            </a:p>
-          </p:txBody>
-        </p:sp>
-        <p:sp>
-          <p:nvSpPr>
-            <p:cNvPr id="65576" name="Oval 40"/>
-            <p:cNvSpPr>
-              <a:spLocks noChangeArrowheads="1"/>
-            </p:cNvSpPr>
-            <p:nvPr/>
-          </p:nvSpPr>
-          <p:spPr bwMode="auto">
-            <a:xfrm>
-              <a:off x="3126" y="3312"/>
-              <a:ext cx="32" cy="32"/>
-            </a:xfrm>
-            <a:prstGeom prst="ellipse">
-              <a:avLst/>
-            </a:prstGeom>
-            <a:solidFill>
-              <a:schemeClr val="bg1"/>
-            </a:solidFill>
-            <a:ln w="3175">
-              <a:solidFill>
-                <a:schemeClr val="bg1"/>
-              </a:solidFill>
-              <a:round/>
-              <a:headEnd/>
-              <a:tailEnd/>
-            </a:ln>
-            <a:effectLst/>
-            <a:extLst>
-              <a:ext uri="{AF507438-7753-43E0-B8FC-AC1667EBCBE1}">
-                <a14:hiddenEffects xmlns:a14="http://schemas.microsoft.com/office/drawing/2010/main">
-                  <a:effectLst>
-                    <a:outerShdw dist="35921" dir="2700000" algn="ctr" rotWithShape="0">
-                      <a:schemeClr val="bg2"/>
-                    </a:outerShdw>
-                  </a:effectLst>
-                </a14:hiddenEffects>
-              </a:ext>
-            </a:extLst>
-          </p:spPr>
-          <p:txBody>
-            <a:bodyPr wrap="none" anchor="ctr"/>
-            <a:lstStyle/>
-            <a:p>
-              <a:endParaRPr lang="en-US"/>
-            </a:p>
-          </p:txBody>
-        </p:sp>
-        <p:sp>
-          <p:nvSpPr>
-            <p:cNvPr id="65577" name="Oval 41"/>
-            <p:cNvSpPr>
-              <a:spLocks noChangeArrowheads="1"/>
-            </p:cNvSpPr>
-            <p:nvPr/>
-          </p:nvSpPr>
-          <p:spPr bwMode="auto">
-            <a:xfrm>
-              <a:off x="3183" y="3301"/>
-              <a:ext cx="31" cy="32"/>
-            </a:xfrm>
-            <a:prstGeom prst="ellipse">
-              <a:avLst/>
-            </a:prstGeom>
-            <a:solidFill>
-              <a:schemeClr val="bg1"/>
-            </a:solidFill>
-            <a:ln w="3175">
-              <a:solidFill>
-                <a:schemeClr val="bg1"/>
-              </a:solidFill>
-              <a:round/>
-              <a:headEnd/>
-              <a:tailEnd/>
-            </a:ln>
-            <a:effectLst/>
-            <a:extLst>
-              <a:ext uri="{AF507438-7753-43E0-B8FC-AC1667EBCBE1}">
-                <a14:hiddenEffects xmlns:a14="http://schemas.microsoft.com/office/drawing/2010/main">
-                  <a:effectLst>
-                    <a:outerShdw dist="35921" dir="2700000" algn="ctr" rotWithShape="0">
-                      <a:schemeClr val="bg2"/>
-                    </a:outerShdw>
-                  </a:effectLst>
-                </a14:hiddenEffects>
-              </a:ext>
-            </a:extLst>
-          </p:spPr>
-          <p:txBody>
-            <a:bodyPr wrap="none" anchor="ctr"/>
-            <a:lstStyle/>
-            <a:p>
-              <a:endParaRPr lang="en-US"/>
-            </a:p>
-          </p:txBody>
-        </p:sp>
-        <p:sp>
-          <p:nvSpPr>
-            <p:cNvPr id="65578" name="Oval 42"/>
-            <p:cNvSpPr>
-              <a:spLocks noChangeArrowheads="1"/>
-            </p:cNvSpPr>
-            <p:nvPr/>
-          </p:nvSpPr>
-          <p:spPr bwMode="auto">
-            <a:xfrm>
-              <a:off x="3138" y="3256"/>
-              <a:ext cx="31" cy="32"/>
-            </a:xfrm>
-            <a:prstGeom prst="ellipse">
-              <a:avLst/>
-            </a:prstGeom>
-            <a:solidFill>
-              <a:schemeClr val="bg1"/>
-            </a:solidFill>
-            <a:ln w="3175">
-              <a:solidFill>
-                <a:schemeClr val="bg1"/>
-              </a:solidFill>
-              <a:round/>
-              <a:headEnd/>
-              <a:tailEnd/>
-            </a:ln>
-            <a:effectLst/>
-            <a:extLst>
-              <a:ext uri="{AF507438-7753-43E0-B8FC-AC1667EBCBE1}">
-                <a14:hiddenEffects xmlns:a14="http://schemas.microsoft.com/office/drawing/2010/main">
-                  <a:effectLst>
-                    <a:outerShdw dist="35921" dir="2700000" algn="ctr" rotWithShape="0">
-                      <a:schemeClr val="bg2"/>
-                    </a:outerShdw>
-                  </a:effectLst>
-                </a14:hiddenEffects>
-              </a:ext>
-            </a:extLst>
-          </p:spPr>
-          <p:txBody>
-            <a:bodyPr wrap="none" anchor="ctr"/>
-            <a:lstStyle/>
-            <a:p>
-              <a:endParaRPr lang="en-US"/>
-            </a:p>
-          </p:txBody>
-        </p:sp>
-        <p:sp>
-          <p:nvSpPr>
-            <p:cNvPr id="65579" name="Oval 43"/>
-            <p:cNvSpPr>
-              <a:spLocks noChangeArrowheads="1"/>
-            </p:cNvSpPr>
-            <p:nvPr/>
-          </p:nvSpPr>
-          <p:spPr bwMode="auto">
-            <a:xfrm>
-              <a:off x="3042" y="3279"/>
-              <a:ext cx="32" cy="31"/>
-            </a:xfrm>
-            <a:prstGeom prst="ellipse">
-              <a:avLst/>
-            </a:prstGeom>
-            <a:solidFill>
-              <a:schemeClr val="bg1"/>
-            </a:solidFill>
-            <a:ln w="3175">
-              <a:solidFill>
-                <a:schemeClr val="bg1"/>
-              </a:solidFill>
-              <a:round/>
-              <a:headEnd/>
-              <a:tailEnd/>
-            </a:ln>
-            <a:effectLst/>
-            <a:extLst>
-              <a:ext uri="{AF507438-7753-43E0-B8FC-AC1667EBCBE1}">
-                <a14:hiddenEffects xmlns:a14="http://schemas.microsoft.com/office/drawing/2010/main">
-                  <a:effectLst>
-                    <a:outerShdw dist="35921" dir="2700000" algn="ctr" rotWithShape="0">
-                      <a:schemeClr val="bg2"/>
-                    </a:outerShdw>
-                  </a:effectLst>
-                </a14:hiddenEffects>
-              </a:ext>
-            </a:extLst>
-          </p:spPr>
-          <p:txBody>
-            <a:bodyPr wrap="none" anchor="ctr"/>
-            <a:lstStyle/>
-            <a:p>
-              <a:endParaRPr lang="en-US"/>
-            </a:p>
-          </p:txBody>
-        </p:sp>
-        <p:sp>
-          <p:nvSpPr>
-            <p:cNvPr id="65580" name="Oval 44"/>
-            <p:cNvSpPr>
-              <a:spLocks noChangeArrowheads="1"/>
-            </p:cNvSpPr>
-            <p:nvPr/>
-          </p:nvSpPr>
-          <p:spPr bwMode="auto">
-            <a:xfrm>
-              <a:off x="2952" y="3301"/>
-              <a:ext cx="32" cy="32"/>
-            </a:xfrm>
-            <a:prstGeom prst="ellipse">
-              <a:avLst/>
-            </a:prstGeom>
-            <a:solidFill>
-              <a:schemeClr val="bg1"/>
-            </a:solidFill>
-            <a:ln w="3175">
-              <a:solidFill>
-                <a:schemeClr val="bg1"/>
-              </a:solidFill>
-              <a:round/>
-              <a:headEnd/>
-              <a:tailEnd/>
-            </a:ln>
-            <a:effectLst/>
-            <a:extLst>
-              <a:ext uri="{AF507438-7753-43E0-B8FC-AC1667EBCBE1}">
-                <a14:hiddenEffects xmlns:a14="http://schemas.microsoft.com/office/drawing/2010/main">
-                  <a:effectLst>
-                    <a:outerShdw dist="35921" dir="2700000" algn="ctr" rotWithShape="0">
-                      <a:schemeClr val="bg2"/>
-                    </a:outerShdw>
-                  </a:effectLst>
-                </a14:hiddenEffects>
-              </a:ext>
-            </a:extLst>
-          </p:spPr>
-          <p:txBody>
-            <a:bodyPr wrap="none" anchor="ctr"/>
-            <a:lstStyle/>
-            <a:p>
-              <a:endParaRPr lang="en-US"/>
-            </a:p>
-          </p:txBody>
-        </p:sp>
-        <p:sp>
-          <p:nvSpPr>
-            <p:cNvPr id="65581" name="Oval 45"/>
-            <p:cNvSpPr>
-              <a:spLocks noChangeArrowheads="1"/>
-            </p:cNvSpPr>
-            <p:nvPr/>
-          </p:nvSpPr>
-          <p:spPr bwMode="auto">
-            <a:xfrm>
-              <a:off x="2997" y="3290"/>
-              <a:ext cx="32" cy="32"/>
-            </a:xfrm>
-            <a:prstGeom prst="ellipse">
-              <a:avLst/>
-            </a:prstGeom>
-            <a:solidFill>
-              <a:schemeClr val="bg1"/>
-            </a:solidFill>
-            <a:ln w="3175">
-              <a:solidFill>
-                <a:schemeClr val="bg1"/>
-              </a:solidFill>
-              <a:round/>
-              <a:headEnd/>
-              <a:tailEnd/>
-            </a:ln>
-            <a:effectLst/>
-            <a:extLst>
-              <a:ext uri="{AF507438-7753-43E0-B8FC-AC1667EBCBE1}">
-                <a14:hiddenEffects xmlns:a14="http://schemas.microsoft.com/office/drawing/2010/main">
-                  <a:effectLst>
-                    <a:outerShdw dist="35921" dir="2700000" algn="ctr" rotWithShape="0">
-                      <a:schemeClr val="bg2"/>
-                    </a:outerShdw>
-                  </a:effectLst>
-                </a14:hiddenEffects>
-              </a:ext>
-            </a:extLst>
-          </p:spPr>
-          <p:txBody>
-            <a:bodyPr wrap="none" anchor="ctr"/>
-            <a:lstStyle/>
-            <a:p>
-              <a:endParaRPr lang="en-US"/>
-            </a:p>
-          </p:txBody>
-        </p:sp>
-        <p:sp>
-          <p:nvSpPr>
-            <p:cNvPr id="65582" name="Oval 46"/>
-            <p:cNvSpPr>
-              <a:spLocks noChangeArrowheads="1"/>
-            </p:cNvSpPr>
-            <p:nvPr/>
-          </p:nvSpPr>
-          <p:spPr bwMode="auto">
-            <a:xfrm>
-              <a:off x="3042" y="3250"/>
-              <a:ext cx="32" cy="32"/>
-            </a:xfrm>
-            <a:prstGeom prst="ellipse">
-              <a:avLst/>
-            </a:prstGeom>
-            <a:solidFill>
-              <a:schemeClr val="bg1"/>
-            </a:solidFill>
-            <a:ln w="3175">
-              <a:solidFill>
-                <a:schemeClr val="bg1"/>
-              </a:solidFill>
-              <a:round/>
-              <a:headEnd/>
-              <a:tailEnd/>
-            </a:ln>
-            <a:effectLst/>
-            <a:extLst>
-              <a:ext uri="{AF507438-7753-43E0-B8FC-AC1667EBCBE1}">
-                <a14:hiddenEffects xmlns:a14="http://schemas.microsoft.com/office/drawing/2010/main">
-                  <a:effectLst>
-                    <a:outerShdw dist="35921" dir="2700000" algn="ctr" rotWithShape="0">
-                      <a:schemeClr val="bg2"/>
-                    </a:outerShdw>
-                  </a:effectLst>
-                </a14:hiddenEffects>
-              </a:ext>
-            </a:extLst>
-          </p:spPr>
-          <p:txBody>
-            <a:bodyPr wrap="none" anchor="ctr"/>
-            <a:lstStyle/>
-            <a:p>
-              <a:endParaRPr lang="en-US"/>
-            </a:p>
-          </p:txBody>
-        </p:sp>
-        <p:sp>
-          <p:nvSpPr>
-            <p:cNvPr id="65583" name="Oval 47"/>
-            <p:cNvSpPr>
-              <a:spLocks noChangeArrowheads="1"/>
-            </p:cNvSpPr>
-            <p:nvPr/>
-          </p:nvSpPr>
-          <p:spPr bwMode="auto">
-            <a:xfrm>
-              <a:off x="3087" y="3256"/>
-              <a:ext cx="32" cy="32"/>
-            </a:xfrm>
-            <a:prstGeom prst="ellipse">
-              <a:avLst/>
-            </a:prstGeom>
-            <a:solidFill>
-              <a:schemeClr val="bg1"/>
-            </a:solidFill>
-            <a:ln w="3175">
-              <a:solidFill>
-                <a:schemeClr val="bg1"/>
-              </a:solidFill>
-              <a:round/>
-              <a:headEnd/>
-              <a:tailEnd/>
-            </a:ln>
-            <a:effectLst/>
-            <a:extLst>
-              <a:ext uri="{AF507438-7753-43E0-B8FC-AC1667EBCBE1}">
-                <a14:hiddenEffects xmlns:a14="http://schemas.microsoft.com/office/drawing/2010/main">
-                  <a:effectLst>
-                    <a:outerShdw dist="35921" dir="2700000" algn="ctr" rotWithShape="0">
-                      <a:schemeClr val="bg2"/>
-                    </a:outerShdw>
-                  </a:effectLst>
-                </a14:hiddenEffects>
-              </a:ext>
-            </a:extLst>
-          </p:spPr>
-          <p:txBody>
-            <a:bodyPr wrap="none" anchor="ctr"/>
-            <a:lstStyle/>
-            <a:p>
-              <a:endParaRPr lang="en-US"/>
-            </a:p>
-          </p:txBody>
-        </p:sp>
-        <p:sp>
-          <p:nvSpPr>
-            <p:cNvPr id="65584" name="Oval 48"/>
-            <p:cNvSpPr>
-              <a:spLocks noChangeArrowheads="1"/>
-            </p:cNvSpPr>
-            <p:nvPr/>
-          </p:nvSpPr>
-          <p:spPr bwMode="auto">
-            <a:xfrm>
-              <a:off x="2974" y="3262"/>
-              <a:ext cx="32" cy="32"/>
-            </a:xfrm>
-            <a:prstGeom prst="ellipse">
-              <a:avLst/>
-            </a:prstGeom>
-            <a:solidFill>
-              <a:schemeClr val="bg1"/>
-            </a:solidFill>
-            <a:ln w="3175">
-              <a:solidFill>
-                <a:schemeClr val="bg1"/>
-              </a:solidFill>
-              <a:round/>
-              <a:headEnd/>
-              <a:tailEnd/>
-            </a:ln>
-            <a:effectLst/>
-            <a:extLst>
-              <a:ext uri="{AF507438-7753-43E0-B8FC-AC1667EBCBE1}">
-                <a14:hiddenEffects xmlns:a14="http://schemas.microsoft.com/office/drawing/2010/main">
-                  <a:effectLst>
-                    <a:outerShdw dist="35921" dir="2700000" algn="ctr" rotWithShape="0">
-                      <a:schemeClr val="bg2"/>
-                    </a:outerShdw>
-                  </a:effectLst>
-                </a14:hiddenEffects>
-              </a:ext>
-            </a:extLst>
-          </p:spPr>
-          <p:txBody>
-            <a:bodyPr wrap="none" anchor="ctr"/>
-            <a:lstStyle/>
-            <a:p>
-              <a:endParaRPr lang="en-US"/>
-            </a:p>
-          </p:txBody>
-        </p:sp>
-        <p:sp>
-          <p:nvSpPr>
-            <p:cNvPr id="65585" name="Oval 49"/>
-            <p:cNvSpPr>
-              <a:spLocks noChangeArrowheads="1"/>
-            </p:cNvSpPr>
-            <p:nvPr/>
-          </p:nvSpPr>
-          <p:spPr bwMode="auto">
-            <a:xfrm>
-              <a:off x="2941" y="3256"/>
-              <a:ext cx="32" cy="32"/>
-            </a:xfrm>
-            <a:prstGeom prst="ellipse">
-              <a:avLst/>
-            </a:prstGeom>
-            <a:solidFill>
-              <a:schemeClr val="bg1"/>
-            </a:solidFill>
-            <a:ln w="3175">
-              <a:solidFill>
-                <a:schemeClr val="bg1"/>
-              </a:solidFill>
-              <a:round/>
-              <a:headEnd/>
-              <a:tailEnd/>
-            </a:ln>
-            <a:effectLst/>
-            <a:extLst>
-              <a:ext uri="{AF507438-7753-43E0-B8FC-AC1667EBCBE1}">
-                <a14:hiddenEffects xmlns:a14="http://schemas.microsoft.com/office/drawing/2010/main">
-                  <a:effectLst>
-                    <a:outerShdw dist="35921" dir="2700000" algn="ctr" rotWithShape="0">
-                      <a:schemeClr val="bg2"/>
-                    </a:outerShdw>
-                  </a:effectLst>
-                </a14:hiddenEffects>
-              </a:ext>
-            </a:extLst>
-          </p:spPr>
-          <p:txBody>
-            <a:bodyPr wrap="none" anchor="ctr"/>
-            <a:lstStyle/>
-            <a:p>
-              <a:endParaRPr lang="en-US"/>
-            </a:p>
-          </p:txBody>
-        </p:sp>
-        <p:sp>
-          <p:nvSpPr>
-            <p:cNvPr id="65586" name="Oval 50"/>
-            <p:cNvSpPr>
-              <a:spLocks noChangeArrowheads="1"/>
-            </p:cNvSpPr>
-            <p:nvPr/>
-          </p:nvSpPr>
-          <p:spPr bwMode="auto">
-            <a:xfrm>
-              <a:off x="2969" y="3211"/>
-              <a:ext cx="32" cy="32"/>
-            </a:xfrm>
-            <a:prstGeom prst="ellipse">
-              <a:avLst/>
-            </a:prstGeom>
-            <a:solidFill>
-              <a:schemeClr val="bg1"/>
-            </a:solidFill>
-            <a:ln w="3175">
-              <a:solidFill>
-                <a:schemeClr val="bg1"/>
-              </a:solidFill>
-              <a:round/>
-              <a:headEnd/>
-              <a:tailEnd/>
-            </a:ln>
-            <a:effectLst/>
-            <a:extLst>
-              <a:ext uri="{AF507438-7753-43E0-B8FC-AC1667EBCBE1}">
-                <a14:hiddenEffects xmlns:a14="http://schemas.microsoft.com/office/drawing/2010/main">
-                  <a:effectLst>
-                    <a:outerShdw dist="35921" dir="2700000" algn="ctr" rotWithShape="0">
-                      <a:schemeClr val="bg2"/>
-                    </a:outerShdw>
-                  </a:effectLst>
-                </a14:hiddenEffects>
-              </a:ext>
-            </a:extLst>
-          </p:spPr>
-          <p:txBody>
-            <a:bodyPr wrap="none" anchor="ctr"/>
-            <a:lstStyle/>
-            <a:p>
-              <a:endParaRPr lang="en-US"/>
-            </a:p>
-          </p:txBody>
-        </p:sp>
-        <p:sp>
-          <p:nvSpPr>
-            <p:cNvPr id="65587" name="Oval 51"/>
-            <p:cNvSpPr>
-              <a:spLocks noChangeArrowheads="1"/>
-            </p:cNvSpPr>
-            <p:nvPr/>
-          </p:nvSpPr>
-          <p:spPr bwMode="auto">
-            <a:xfrm>
-              <a:off x="2997" y="3205"/>
-              <a:ext cx="32" cy="32"/>
-            </a:xfrm>
-            <a:prstGeom prst="ellipse">
-              <a:avLst/>
-            </a:prstGeom>
-            <a:solidFill>
-              <a:schemeClr val="bg1"/>
-            </a:solidFill>
-            <a:ln w="3175">
-              <a:solidFill>
-                <a:schemeClr val="bg1"/>
-              </a:solidFill>
-              <a:round/>
-              <a:headEnd/>
-              <a:tailEnd/>
-            </a:ln>
-            <a:effectLst/>
-            <a:extLst>
-              <a:ext uri="{AF507438-7753-43E0-B8FC-AC1667EBCBE1}">
-                <a14:hiddenEffects xmlns:a14="http://schemas.microsoft.com/office/drawing/2010/main">
-                  <a:effectLst>
-                    <a:outerShdw dist="35921" dir="2700000" algn="ctr" rotWithShape="0">
-                      <a:schemeClr val="bg2"/>
-                    </a:outerShdw>
-                  </a:effectLst>
-                </a14:hiddenEffects>
-              </a:ext>
-            </a:extLst>
-          </p:spPr>
-          <p:txBody>
-            <a:bodyPr wrap="none" anchor="ctr"/>
-            <a:lstStyle/>
-            <a:p>
-              <a:endParaRPr lang="en-US"/>
-            </a:p>
-          </p:txBody>
-        </p:sp>
-        <p:sp>
-          <p:nvSpPr>
-            <p:cNvPr id="65588" name="Oval 52"/>
-            <p:cNvSpPr>
-              <a:spLocks noChangeArrowheads="1"/>
-            </p:cNvSpPr>
-            <p:nvPr/>
-          </p:nvSpPr>
-          <p:spPr bwMode="auto">
-            <a:xfrm>
-              <a:off x="2929" y="3312"/>
-              <a:ext cx="32" cy="32"/>
-            </a:xfrm>
-            <a:prstGeom prst="ellipse">
-              <a:avLst/>
-            </a:prstGeom>
-            <a:solidFill>
-              <a:schemeClr val="bg1"/>
-            </a:solidFill>
-            <a:ln w="3175">
-              <a:solidFill>
-                <a:schemeClr val="bg1"/>
-              </a:solidFill>
-              <a:round/>
-              <a:headEnd/>
-              <a:tailEnd/>
-            </a:ln>
-            <a:effectLst/>
-            <a:extLst>
-              <a:ext uri="{AF507438-7753-43E0-B8FC-AC1667EBCBE1}">
-                <a14:hiddenEffects xmlns:a14="http://schemas.microsoft.com/office/drawing/2010/main">
-                  <a:effectLst>
-                    <a:outerShdw dist="35921" dir="2700000" algn="ctr" rotWithShape="0">
-                      <a:schemeClr val="bg2"/>
-                    </a:outerShdw>
-                  </a:effectLst>
-                </a14:hiddenEffects>
-              </a:ext>
-            </a:extLst>
-          </p:spPr>
-          <p:txBody>
-            <a:bodyPr wrap="none" anchor="ctr"/>
-            <a:lstStyle/>
-            <a:p>
-              <a:endParaRPr lang="en-US"/>
-            </a:p>
-          </p:txBody>
-        </p:sp>
-        <p:sp>
-          <p:nvSpPr>
-            <p:cNvPr id="65589" name="Oval 53"/>
-            <p:cNvSpPr>
-              <a:spLocks noChangeArrowheads="1"/>
-            </p:cNvSpPr>
-            <p:nvPr/>
-          </p:nvSpPr>
-          <p:spPr bwMode="auto">
-            <a:xfrm>
-              <a:off x="3053" y="3222"/>
-              <a:ext cx="32" cy="32"/>
-            </a:xfrm>
-            <a:prstGeom prst="ellipse">
-              <a:avLst/>
-            </a:prstGeom>
-            <a:solidFill>
-              <a:schemeClr val="bg1"/>
-            </a:solidFill>
-            <a:ln w="3175">
-              <a:solidFill>
-                <a:schemeClr val="bg1"/>
-              </a:solidFill>
-              <a:round/>
-              <a:headEnd/>
-              <a:tailEnd/>
-            </a:ln>
-            <a:effectLst/>
-            <a:extLst>
-              <a:ext uri="{AF507438-7753-43E0-B8FC-AC1667EBCBE1}">
-                <a14:hiddenEffects xmlns:a14="http://schemas.microsoft.com/office/drawing/2010/main">
-                  <a:effectLst>
-                    <a:outerShdw dist="35921" dir="2700000" algn="ctr" rotWithShape="0">
-                      <a:schemeClr val="bg2"/>
-                    </a:outerShdw>
-                  </a:effectLst>
-                </a14:hiddenEffects>
-              </a:ext>
-            </a:extLst>
-          </p:spPr>
-          <p:txBody>
-            <a:bodyPr wrap="none" anchor="ctr"/>
-            <a:lstStyle/>
-            <a:p>
-              <a:endParaRPr lang="en-US"/>
-            </a:p>
-          </p:txBody>
-        </p:sp>
-        <p:sp>
-          <p:nvSpPr>
-            <p:cNvPr id="65590" name="Oval 54"/>
-            <p:cNvSpPr>
-              <a:spLocks noChangeArrowheads="1"/>
-            </p:cNvSpPr>
-            <p:nvPr/>
-          </p:nvSpPr>
-          <p:spPr bwMode="auto">
-            <a:xfrm>
-              <a:off x="3177" y="3222"/>
-              <a:ext cx="32" cy="32"/>
-            </a:xfrm>
-            <a:prstGeom prst="ellipse">
-              <a:avLst/>
-            </a:prstGeom>
-            <a:solidFill>
-              <a:schemeClr val="bg1"/>
-            </a:solidFill>
-            <a:ln w="3175">
-              <a:solidFill>
-                <a:schemeClr val="bg1"/>
-              </a:solidFill>
-              <a:round/>
-              <a:headEnd/>
-              <a:tailEnd/>
-            </a:ln>
-            <a:effectLst/>
-            <a:extLst>
-              <a:ext uri="{AF507438-7753-43E0-B8FC-AC1667EBCBE1}">
-                <a14:hiddenEffects xmlns:a14="http://schemas.microsoft.com/office/drawing/2010/main">
-                  <a:effectLst>
-                    <a:outerShdw dist="35921" dir="2700000" algn="ctr" rotWithShape="0">
-                      <a:schemeClr val="bg2"/>
-                    </a:outerShdw>
-                  </a:effectLst>
-                </a14:hiddenEffects>
-              </a:ext>
-            </a:extLst>
-          </p:spPr>
-          <p:txBody>
-            <a:bodyPr wrap="none" anchor="ctr"/>
-            <a:lstStyle/>
-            <a:p>
-              <a:endParaRPr lang="en-US"/>
-            </a:p>
-          </p:txBody>
-        </p:sp>
-        <p:sp>
-          <p:nvSpPr>
-            <p:cNvPr id="65591" name="Oval 55"/>
-            <p:cNvSpPr>
-              <a:spLocks noChangeArrowheads="1"/>
-            </p:cNvSpPr>
-            <p:nvPr/>
-          </p:nvSpPr>
-          <p:spPr bwMode="auto">
-            <a:xfrm>
-              <a:off x="3126" y="3222"/>
-              <a:ext cx="32" cy="32"/>
-            </a:xfrm>
-            <a:prstGeom prst="ellipse">
-              <a:avLst/>
-            </a:prstGeom>
-            <a:solidFill>
-              <a:schemeClr val="bg1"/>
-            </a:solidFill>
-            <a:ln w="3175">
-              <a:solidFill>
-                <a:schemeClr val="bg1"/>
-              </a:solidFill>
-              <a:round/>
-              <a:headEnd/>
-              <a:tailEnd/>
-            </a:ln>
-            <a:effectLst/>
-            <a:extLst>
-              <a:ext uri="{AF507438-7753-43E0-B8FC-AC1667EBCBE1}">
-                <a14:hiddenEffects xmlns:a14="http://schemas.microsoft.com/office/drawing/2010/main">
-                  <a:effectLst>
-                    <a:outerShdw dist="35921" dir="2700000" algn="ctr" rotWithShape="0">
-                      <a:schemeClr val="bg2"/>
-                    </a:outerShdw>
-                  </a:effectLst>
-                </a14:hiddenEffects>
-              </a:ext>
-            </a:extLst>
-          </p:spPr>
-          <p:txBody>
-            <a:bodyPr wrap="none" anchor="ctr"/>
-            <a:lstStyle/>
-            <a:p>
-              <a:endParaRPr lang="en-US"/>
-            </a:p>
-          </p:txBody>
-        </p:sp>
-        <p:sp>
-          <p:nvSpPr>
-            <p:cNvPr id="65592" name="Oval 56"/>
-            <p:cNvSpPr>
-              <a:spLocks noChangeArrowheads="1"/>
-            </p:cNvSpPr>
-            <p:nvPr/>
-          </p:nvSpPr>
-          <p:spPr bwMode="auto">
-            <a:xfrm>
-              <a:off x="3076" y="3172"/>
-              <a:ext cx="32" cy="32"/>
-            </a:xfrm>
-            <a:prstGeom prst="ellipse">
-              <a:avLst/>
-            </a:prstGeom>
-            <a:solidFill>
-              <a:schemeClr val="bg1"/>
-            </a:solidFill>
-            <a:ln w="3175">
-              <a:solidFill>
-                <a:schemeClr val="bg1"/>
-              </a:solidFill>
-              <a:round/>
-              <a:headEnd/>
-              <a:tailEnd/>
-            </a:ln>
-            <a:effectLst/>
-            <a:extLst>
-              <a:ext uri="{AF507438-7753-43E0-B8FC-AC1667EBCBE1}">
-                <a14:hiddenEffects xmlns:a14="http://schemas.microsoft.com/office/drawing/2010/main">
-                  <a:effectLst>
-                    <a:outerShdw dist="35921" dir="2700000" algn="ctr" rotWithShape="0">
-                      <a:schemeClr val="bg2"/>
-                    </a:outerShdw>
-                  </a:effectLst>
-                </a14:hiddenEffects>
-              </a:ext>
-            </a:extLst>
-          </p:spPr>
-          <p:txBody>
-            <a:bodyPr wrap="none" anchor="ctr"/>
-            <a:lstStyle/>
-            <a:p>
-              <a:endParaRPr lang="en-US"/>
-            </a:p>
-          </p:txBody>
-        </p:sp>
-        <p:sp>
-          <p:nvSpPr>
-            <p:cNvPr id="65593" name="Oval 57"/>
-            <p:cNvSpPr>
-              <a:spLocks noChangeArrowheads="1"/>
-            </p:cNvSpPr>
-            <p:nvPr/>
-          </p:nvSpPr>
-          <p:spPr bwMode="auto">
-            <a:xfrm>
-              <a:off x="3025" y="3194"/>
-              <a:ext cx="32" cy="32"/>
-            </a:xfrm>
-            <a:prstGeom prst="ellipse">
-              <a:avLst/>
-            </a:prstGeom>
-            <a:solidFill>
-              <a:schemeClr val="bg1"/>
-            </a:solidFill>
-            <a:ln w="3175">
-              <a:solidFill>
-                <a:schemeClr val="bg1"/>
-              </a:solidFill>
-              <a:round/>
-              <a:headEnd/>
-              <a:tailEnd/>
-            </a:ln>
-            <a:effectLst/>
-            <a:extLst>
-              <a:ext uri="{AF507438-7753-43E0-B8FC-AC1667EBCBE1}">
-                <a14:hiddenEffects xmlns:a14="http://schemas.microsoft.com/office/drawing/2010/main">
-                  <a:effectLst>
-                    <a:outerShdw dist="35921" dir="2700000" algn="ctr" rotWithShape="0">
-                      <a:schemeClr val="bg2"/>
-                    </a:outerShdw>
-                  </a:effectLst>
-                </a14:hiddenEffects>
-              </a:ext>
-            </a:extLst>
-          </p:spPr>
-          <p:txBody>
-            <a:bodyPr wrap="none" anchor="ctr"/>
-            <a:lstStyle/>
-            <a:p>
-              <a:endParaRPr lang="en-US"/>
-            </a:p>
-          </p:txBody>
-        </p:sp>
-        <p:sp>
-          <p:nvSpPr>
-            <p:cNvPr id="65594" name="Oval 58"/>
-            <p:cNvSpPr>
-              <a:spLocks noChangeArrowheads="1"/>
-            </p:cNvSpPr>
-            <p:nvPr/>
-          </p:nvSpPr>
-          <p:spPr bwMode="auto">
-            <a:xfrm>
-              <a:off x="2974" y="3132"/>
-              <a:ext cx="32" cy="32"/>
-            </a:xfrm>
-            <a:prstGeom prst="ellipse">
-              <a:avLst/>
-            </a:prstGeom>
-            <a:solidFill>
-              <a:schemeClr val="bg1"/>
-            </a:solidFill>
-            <a:ln w="3175">
-              <a:solidFill>
-                <a:schemeClr val="bg1"/>
-              </a:solidFill>
-              <a:round/>
-              <a:headEnd/>
-              <a:tailEnd/>
-            </a:ln>
-            <a:effectLst/>
-            <a:extLst>
-              <a:ext uri="{AF507438-7753-43E0-B8FC-AC1667EBCBE1}">
-                <a14:hiddenEffects xmlns:a14="http://schemas.microsoft.com/office/drawing/2010/main">
-                  <a:effectLst>
-                    <a:outerShdw dist="35921" dir="2700000" algn="ctr" rotWithShape="0">
-                      <a:schemeClr val="bg2"/>
-                    </a:outerShdw>
-                  </a:effectLst>
-                </a14:hiddenEffects>
-              </a:ext>
-            </a:extLst>
-          </p:spPr>
-          <p:txBody>
-            <a:bodyPr wrap="none" anchor="ctr"/>
-            <a:lstStyle/>
-            <a:p>
-              <a:endParaRPr lang="en-US"/>
-            </a:p>
-          </p:txBody>
-        </p:sp>
-        <p:sp>
-          <p:nvSpPr>
-            <p:cNvPr id="65595" name="Oval 59"/>
-            <p:cNvSpPr>
-              <a:spLocks noChangeArrowheads="1"/>
-            </p:cNvSpPr>
-            <p:nvPr/>
-          </p:nvSpPr>
-          <p:spPr bwMode="auto">
-            <a:xfrm>
-              <a:off x="3008" y="3160"/>
-              <a:ext cx="32" cy="32"/>
-            </a:xfrm>
-            <a:prstGeom prst="ellipse">
-              <a:avLst/>
-            </a:prstGeom>
-            <a:solidFill>
-              <a:schemeClr val="bg1"/>
-            </a:solidFill>
-            <a:ln w="3175">
-              <a:solidFill>
-                <a:schemeClr val="bg1"/>
-              </a:solidFill>
-              <a:round/>
-              <a:headEnd/>
-              <a:tailEnd/>
-            </a:ln>
-            <a:effectLst/>
-            <a:extLst>
-              <a:ext uri="{AF507438-7753-43E0-B8FC-AC1667EBCBE1}">
-                <a14:hiddenEffects xmlns:a14="http://schemas.microsoft.com/office/drawing/2010/main">
-                  <a:effectLst>
-                    <a:outerShdw dist="35921" dir="2700000" algn="ctr" rotWithShape="0">
-                      <a:schemeClr val="bg2"/>
-                    </a:outerShdw>
-                  </a:effectLst>
-                </a14:hiddenEffects>
-              </a:ext>
-            </a:extLst>
-          </p:spPr>
-          <p:txBody>
-            <a:bodyPr wrap="none" anchor="ctr"/>
-            <a:lstStyle/>
-            <a:p>
-              <a:endParaRPr lang="en-US"/>
-            </a:p>
-          </p:txBody>
-        </p:sp>
-        <p:sp>
-          <p:nvSpPr>
-            <p:cNvPr id="65596" name="Oval 60"/>
-            <p:cNvSpPr>
-              <a:spLocks noChangeArrowheads="1"/>
-            </p:cNvSpPr>
-            <p:nvPr/>
-          </p:nvSpPr>
-          <p:spPr bwMode="auto">
-            <a:xfrm>
-              <a:off x="3042" y="3132"/>
-              <a:ext cx="32" cy="32"/>
-            </a:xfrm>
-            <a:prstGeom prst="ellipse">
-              <a:avLst/>
-            </a:prstGeom>
-            <a:solidFill>
-              <a:schemeClr val="bg1"/>
-            </a:solidFill>
-            <a:ln w="3175">
-              <a:solidFill>
-                <a:schemeClr val="bg1"/>
-              </a:solidFill>
-              <a:round/>
-              <a:headEnd/>
-              <a:tailEnd/>
-            </a:ln>
-            <a:effectLst/>
-            <a:extLst>
-              <a:ext uri="{AF507438-7753-43E0-B8FC-AC1667EBCBE1}">
-                <a14:hiddenEffects xmlns:a14="http://schemas.microsoft.com/office/drawing/2010/main">
-                  <a:effectLst>
-                    <a:outerShdw dist="35921" dir="2700000" algn="ctr" rotWithShape="0">
-                      <a:schemeClr val="bg2"/>
-                    </a:outerShdw>
-                  </a:effectLst>
-                </a14:hiddenEffects>
-              </a:ext>
-            </a:extLst>
-          </p:spPr>
-          <p:txBody>
-            <a:bodyPr wrap="none" anchor="ctr"/>
-            <a:lstStyle/>
-            <a:p>
-              <a:endParaRPr lang="en-US"/>
-            </a:p>
-          </p:txBody>
-        </p:sp>
-        <p:sp>
-          <p:nvSpPr>
-            <p:cNvPr id="65597" name="Oval 61"/>
-            <p:cNvSpPr>
-              <a:spLocks noChangeArrowheads="1"/>
-            </p:cNvSpPr>
-            <p:nvPr/>
-          </p:nvSpPr>
-          <p:spPr bwMode="auto">
-            <a:xfrm>
-              <a:off x="3126" y="3177"/>
-              <a:ext cx="32" cy="32"/>
-            </a:xfrm>
-            <a:prstGeom prst="ellipse">
-              <a:avLst/>
-            </a:prstGeom>
-            <a:solidFill>
-              <a:schemeClr val="bg1"/>
-            </a:solidFill>
-            <a:ln w="3175">
-              <a:solidFill>
-                <a:schemeClr val="bg1"/>
-              </a:solidFill>
-              <a:round/>
-              <a:headEnd/>
-              <a:tailEnd/>
-            </a:ln>
-            <a:effectLst/>
-            <a:extLst>
-              <a:ext uri="{AF507438-7753-43E0-B8FC-AC1667EBCBE1}">
-                <a14:hiddenEffects xmlns:a14="http://schemas.microsoft.com/office/drawing/2010/main">
-                  <a:effectLst>
-                    <a:outerShdw dist="35921" dir="2700000" algn="ctr" rotWithShape="0">
-                      <a:schemeClr val="bg2"/>
-                    </a:outerShdw>
-                  </a:effectLst>
-                </a14:hiddenEffects>
-              </a:ext>
-            </a:extLst>
-          </p:spPr>
-          <p:txBody>
-            <a:bodyPr wrap="none" anchor="ctr"/>
-            <a:lstStyle/>
-            <a:p>
-              <a:endParaRPr lang="en-US"/>
-            </a:p>
-          </p:txBody>
-        </p:sp>
-        <p:sp>
-          <p:nvSpPr>
-            <p:cNvPr id="65598" name="Oval 62"/>
-            <p:cNvSpPr>
-              <a:spLocks noChangeArrowheads="1"/>
-            </p:cNvSpPr>
-            <p:nvPr/>
-          </p:nvSpPr>
-          <p:spPr bwMode="auto">
-            <a:xfrm>
-              <a:off x="3211" y="3177"/>
-              <a:ext cx="31" cy="32"/>
-            </a:xfrm>
-            <a:prstGeom prst="ellipse">
-              <a:avLst/>
-            </a:prstGeom>
-            <a:solidFill>
-              <a:schemeClr val="bg1"/>
-            </a:solidFill>
-            <a:ln w="3175">
-              <a:solidFill>
-                <a:schemeClr val="bg1"/>
-              </a:solidFill>
-              <a:round/>
-              <a:headEnd/>
-              <a:tailEnd/>
-            </a:ln>
-            <a:effectLst/>
-            <a:extLst>
-              <a:ext uri="{AF507438-7753-43E0-B8FC-AC1667EBCBE1}">
-                <a14:hiddenEffects xmlns:a14="http://schemas.microsoft.com/office/drawing/2010/main">
-                  <a:effectLst>
-                    <a:outerShdw dist="35921" dir="2700000" algn="ctr" rotWithShape="0">
-                      <a:schemeClr val="bg2"/>
-                    </a:outerShdw>
-                  </a:effectLst>
-                </a14:hiddenEffects>
-              </a:ext>
-            </a:extLst>
-          </p:spPr>
-          <p:txBody>
-            <a:bodyPr wrap="none" anchor="ctr"/>
-            <a:lstStyle/>
-            <a:p>
-              <a:endParaRPr lang="en-US"/>
-            </a:p>
-          </p:txBody>
-        </p:sp>
-        <p:sp>
-          <p:nvSpPr>
-            <p:cNvPr id="65599" name="Oval 63"/>
-            <p:cNvSpPr>
-              <a:spLocks noChangeArrowheads="1"/>
-            </p:cNvSpPr>
-            <p:nvPr/>
-          </p:nvSpPr>
-          <p:spPr bwMode="auto">
-            <a:xfrm>
-              <a:off x="3171" y="3138"/>
-              <a:ext cx="32" cy="32"/>
-            </a:xfrm>
-            <a:prstGeom prst="ellipse">
-              <a:avLst/>
-            </a:prstGeom>
-            <a:solidFill>
-              <a:schemeClr val="bg1"/>
-            </a:solidFill>
-            <a:ln w="3175">
-              <a:solidFill>
-                <a:schemeClr val="bg1"/>
-              </a:solidFill>
-              <a:round/>
-              <a:headEnd/>
-              <a:tailEnd/>
-            </a:ln>
-            <a:effectLst/>
-            <a:extLst>
-              <a:ext uri="{AF507438-7753-43E0-B8FC-AC1667EBCBE1}">
-                <a14:hiddenEffects xmlns:a14="http://schemas.microsoft.com/office/drawing/2010/main">
-                  <a:effectLst>
-                    <a:outerShdw dist="35921" dir="2700000" algn="ctr" rotWithShape="0">
-                      <a:schemeClr val="bg2"/>
-                    </a:outerShdw>
-                  </a:effectLst>
-                </a14:hiddenEffects>
-              </a:ext>
-            </a:extLst>
-          </p:spPr>
-          <p:txBody>
-            <a:bodyPr wrap="none" anchor="ctr"/>
-            <a:lstStyle/>
-            <a:p>
-              <a:endParaRPr lang="en-US"/>
-            </a:p>
-          </p:txBody>
-        </p:sp>
-        <p:sp>
-          <p:nvSpPr>
-            <p:cNvPr id="65600" name="Oval 64"/>
-            <p:cNvSpPr>
-              <a:spLocks noChangeArrowheads="1"/>
-            </p:cNvSpPr>
-            <p:nvPr/>
-          </p:nvSpPr>
-          <p:spPr bwMode="auto">
-            <a:xfrm>
-              <a:off x="3132" y="3127"/>
-              <a:ext cx="32" cy="32"/>
-            </a:xfrm>
-            <a:prstGeom prst="ellipse">
-              <a:avLst/>
-            </a:prstGeom>
-            <a:solidFill>
-              <a:schemeClr val="bg1"/>
-            </a:solidFill>
-            <a:ln w="3175">
-              <a:solidFill>
-                <a:schemeClr val="bg1"/>
-              </a:solidFill>
-              <a:round/>
-              <a:headEnd/>
-              <a:tailEnd/>
-            </a:ln>
-            <a:effectLst/>
-            <a:extLst>
-              <a:ext uri="{AF507438-7753-43E0-B8FC-AC1667EBCBE1}">
-                <a14:hiddenEffects xmlns:a14="http://schemas.microsoft.com/office/drawing/2010/main">
-                  <a:effectLst>
-                    <a:outerShdw dist="35921" dir="2700000" algn="ctr" rotWithShape="0">
-                      <a:schemeClr val="bg2"/>
-                    </a:outerShdw>
-                  </a:effectLst>
-                </a14:hiddenEffects>
-              </a:ext>
-            </a:extLst>
-          </p:spPr>
-          <p:txBody>
-            <a:bodyPr wrap="none" anchor="ctr"/>
-            <a:lstStyle/>
-            <a:p>
-              <a:endParaRPr lang="en-US"/>
-            </a:p>
-          </p:txBody>
-        </p:sp>
-        <p:sp>
-          <p:nvSpPr>
-            <p:cNvPr id="65601" name="Oval 65"/>
-            <p:cNvSpPr>
-              <a:spLocks noChangeArrowheads="1"/>
-            </p:cNvSpPr>
-            <p:nvPr/>
-          </p:nvSpPr>
-          <p:spPr bwMode="auto">
-            <a:xfrm>
-              <a:off x="3070" y="3115"/>
-              <a:ext cx="32" cy="32"/>
-            </a:xfrm>
-            <a:prstGeom prst="ellipse">
-              <a:avLst/>
-            </a:prstGeom>
-            <a:solidFill>
-              <a:schemeClr val="bg1"/>
-            </a:solidFill>
-            <a:ln w="3175">
-              <a:solidFill>
-                <a:schemeClr val="bg1"/>
-              </a:solidFill>
-              <a:round/>
-              <a:headEnd/>
-              <a:tailEnd/>
-            </a:ln>
-            <a:effectLst/>
-            <a:extLst>
-              <a:ext uri="{AF507438-7753-43E0-B8FC-AC1667EBCBE1}">
-                <a14:hiddenEffects xmlns:a14="http://schemas.microsoft.com/office/drawing/2010/main">
-                  <a:effectLst>
-                    <a:outerShdw dist="35921" dir="2700000" algn="ctr" rotWithShape="0">
-                      <a:schemeClr val="bg2"/>
-                    </a:outerShdw>
-                  </a:effectLst>
-                </a14:hiddenEffects>
-              </a:ext>
-            </a:extLst>
-          </p:spPr>
-          <p:txBody>
-            <a:bodyPr wrap="none" anchor="ctr"/>
-            <a:lstStyle/>
-            <a:p>
-              <a:endParaRPr lang="en-US"/>
-            </a:p>
-          </p:txBody>
-        </p:sp>
-        <p:sp>
-          <p:nvSpPr>
-            <p:cNvPr id="65602" name="Oval 66"/>
-            <p:cNvSpPr>
-              <a:spLocks noChangeArrowheads="1"/>
-            </p:cNvSpPr>
-            <p:nvPr/>
-          </p:nvSpPr>
-          <p:spPr bwMode="auto">
-            <a:xfrm>
-              <a:off x="3008" y="3127"/>
-              <a:ext cx="32" cy="32"/>
-            </a:xfrm>
-            <a:prstGeom prst="ellipse">
-              <a:avLst/>
-            </a:prstGeom>
-            <a:solidFill>
-              <a:schemeClr val="bg1"/>
-            </a:solidFill>
-            <a:ln w="3175">
-              <a:solidFill>
-                <a:schemeClr val="bg1"/>
-              </a:solidFill>
-              <a:round/>
-              <a:headEnd/>
-              <a:tailEnd/>
-            </a:ln>
-            <a:effectLst/>
-            <a:extLst>
-              <a:ext uri="{AF507438-7753-43E0-B8FC-AC1667EBCBE1}">
-                <a14:hiddenEffects xmlns:a14="http://schemas.microsoft.com/office/drawing/2010/main">
-                  <a:effectLst>
-                    <a:outerShdw dist="35921" dir="2700000" algn="ctr" rotWithShape="0">
-                      <a:schemeClr val="bg2"/>
-                    </a:outerShdw>
-                  </a:effectLst>
-                </a14:hiddenEffects>
-              </a:ext>
-            </a:extLst>
-          </p:spPr>
-          <p:txBody>
-            <a:bodyPr wrap="none" anchor="ctr"/>
-            <a:lstStyle/>
-            <a:p>
-              <a:endParaRPr lang="en-US"/>
-            </a:p>
-          </p:txBody>
-        </p:sp>
-        <p:sp>
-          <p:nvSpPr>
-            <p:cNvPr id="65603" name="Oval 67"/>
-            <p:cNvSpPr>
-              <a:spLocks noChangeArrowheads="1"/>
-            </p:cNvSpPr>
-            <p:nvPr/>
-          </p:nvSpPr>
-          <p:spPr bwMode="auto">
-            <a:xfrm>
-              <a:off x="2946" y="3093"/>
-              <a:ext cx="32" cy="32"/>
-            </a:xfrm>
-            <a:prstGeom prst="ellipse">
-              <a:avLst/>
-            </a:prstGeom>
-            <a:solidFill>
-              <a:schemeClr val="bg1"/>
-            </a:solidFill>
-            <a:ln w="3175">
-              <a:solidFill>
-                <a:schemeClr val="bg1"/>
-              </a:solidFill>
-              <a:round/>
-              <a:headEnd/>
-              <a:tailEnd/>
-            </a:ln>
-            <a:effectLst/>
-            <a:extLst>
-              <a:ext uri="{AF507438-7753-43E0-B8FC-AC1667EBCBE1}">
-                <a14:hiddenEffects xmlns:a14="http://schemas.microsoft.com/office/drawing/2010/main">
-                  <a:effectLst>
-                    <a:outerShdw dist="35921" dir="2700000" algn="ctr" rotWithShape="0">
-                      <a:schemeClr val="bg2"/>
-                    </a:outerShdw>
-                  </a:effectLst>
-                </a14:hiddenEffects>
-              </a:ext>
-            </a:extLst>
-          </p:spPr>
-          <p:txBody>
-            <a:bodyPr wrap="none" anchor="ctr"/>
-            <a:lstStyle/>
-            <a:p>
-              <a:endParaRPr lang="en-US"/>
-            </a:p>
-          </p:txBody>
-        </p:sp>
-        <p:sp>
-          <p:nvSpPr>
-            <p:cNvPr id="65604" name="Oval 68"/>
-            <p:cNvSpPr>
-              <a:spLocks noChangeArrowheads="1"/>
-            </p:cNvSpPr>
-            <p:nvPr/>
-          </p:nvSpPr>
-          <p:spPr bwMode="auto">
-            <a:xfrm>
-              <a:off x="3014" y="3082"/>
-              <a:ext cx="32" cy="32"/>
-            </a:xfrm>
-            <a:prstGeom prst="ellipse">
-              <a:avLst/>
-            </a:prstGeom>
-            <a:solidFill>
-              <a:schemeClr val="bg1"/>
-            </a:solidFill>
-            <a:ln w="3175">
-              <a:solidFill>
-                <a:schemeClr val="bg1"/>
-              </a:solidFill>
-              <a:round/>
-              <a:headEnd/>
-              <a:tailEnd/>
-            </a:ln>
-            <a:effectLst/>
-            <a:extLst>
-              <a:ext uri="{AF507438-7753-43E0-B8FC-AC1667EBCBE1}">
-                <a14:hiddenEffects xmlns:a14="http://schemas.microsoft.com/office/drawing/2010/main">
-                  <a:effectLst>
-                    <a:outerShdw dist="35921" dir="2700000" algn="ctr" rotWithShape="0">
-                      <a:schemeClr val="bg2"/>
-                    </a:outerShdw>
-                  </a:effectLst>
-                </a14:hiddenEffects>
-              </a:ext>
-            </a:extLst>
-          </p:spPr>
-          <p:txBody>
-            <a:bodyPr wrap="none" anchor="ctr"/>
-            <a:lstStyle/>
-            <a:p>
-              <a:endParaRPr lang="en-US"/>
-            </a:p>
-          </p:txBody>
-        </p:sp>
-        <p:sp>
-          <p:nvSpPr>
-            <p:cNvPr id="65605" name="Oval 69"/>
-            <p:cNvSpPr>
-              <a:spLocks noChangeArrowheads="1"/>
-            </p:cNvSpPr>
-            <p:nvPr/>
-          </p:nvSpPr>
-          <p:spPr bwMode="auto">
-            <a:xfrm>
-              <a:off x="3070" y="3087"/>
-              <a:ext cx="32" cy="32"/>
-            </a:xfrm>
-            <a:prstGeom prst="ellipse">
-              <a:avLst/>
-            </a:prstGeom>
-            <a:solidFill>
-              <a:schemeClr val="bg1"/>
-            </a:solidFill>
-            <a:ln w="3175">
-              <a:solidFill>
-                <a:schemeClr val="bg1"/>
-              </a:solidFill>
-              <a:round/>
-              <a:headEnd/>
-              <a:tailEnd/>
-            </a:ln>
-            <a:effectLst/>
-            <a:extLst>
-              <a:ext uri="{AF507438-7753-43E0-B8FC-AC1667EBCBE1}">
-                <a14:hiddenEffects xmlns:a14="http://schemas.microsoft.com/office/drawing/2010/main">
-                  <a:effectLst>
-                    <a:outerShdw dist="35921" dir="2700000" algn="ctr" rotWithShape="0">
-                      <a:schemeClr val="bg2"/>
-                    </a:outerShdw>
-                  </a:effectLst>
-                </a14:hiddenEffects>
-              </a:ext>
-            </a:extLst>
-          </p:spPr>
-          <p:txBody>
-            <a:bodyPr wrap="none" anchor="ctr"/>
-            <a:lstStyle/>
-            <a:p>
-              <a:endParaRPr lang="en-US"/>
-            </a:p>
-          </p:txBody>
-        </p:sp>
-        <p:sp>
-          <p:nvSpPr>
-            <p:cNvPr id="65606" name="Oval 70"/>
-            <p:cNvSpPr>
-              <a:spLocks noChangeArrowheads="1"/>
-            </p:cNvSpPr>
-            <p:nvPr/>
-          </p:nvSpPr>
-          <p:spPr bwMode="auto">
-            <a:xfrm>
-              <a:off x="3126" y="3070"/>
-              <a:ext cx="32" cy="32"/>
-            </a:xfrm>
-            <a:prstGeom prst="ellipse">
-              <a:avLst/>
-            </a:prstGeom>
-            <a:solidFill>
-              <a:schemeClr val="bg1"/>
-            </a:solidFill>
-            <a:ln w="3175">
-              <a:solidFill>
-                <a:schemeClr val="bg1"/>
-              </a:solidFill>
-              <a:round/>
-              <a:headEnd/>
-              <a:tailEnd/>
-            </a:ln>
-            <a:effectLst/>
-            <a:extLst>
-              <a:ext uri="{AF507438-7753-43E0-B8FC-AC1667EBCBE1}">
-                <a14:hiddenEffects xmlns:a14="http://schemas.microsoft.com/office/drawing/2010/main">
-                  <a:effectLst>
-                    <a:outerShdw dist="35921" dir="2700000" algn="ctr" rotWithShape="0">
-                      <a:schemeClr val="bg2"/>
-                    </a:outerShdw>
-                  </a:effectLst>
-                </a14:hiddenEffects>
-              </a:ext>
-            </a:extLst>
-          </p:spPr>
-          <p:txBody>
-            <a:bodyPr wrap="none" anchor="ctr"/>
-            <a:lstStyle/>
-            <a:p>
-              <a:endParaRPr lang="en-US"/>
-            </a:p>
-          </p:txBody>
-        </p:sp>
-        <p:sp>
-          <p:nvSpPr>
-            <p:cNvPr id="65607" name="Oval 71"/>
-            <p:cNvSpPr>
-              <a:spLocks noChangeArrowheads="1"/>
-            </p:cNvSpPr>
-            <p:nvPr/>
-          </p:nvSpPr>
-          <p:spPr bwMode="auto">
-            <a:xfrm>
-              <a:off x="3183" y="3087"/>
-              <a:ext cx="31" cy="32"/>
-            </a:xfrm>
-            <a:prstGeom prst="ellipse">
-              <a:avLst/>
-            </a:prstGeom>
-            <a:solidFill>
-              <a:schemeClr val="bg1"/>
-            </a:solidFill>
-            <a:ln w="3175">
-              <a:solidFill>
-                <a:schemeClr val="bg1"/>
-              </a:solidFill>
-              <a:round/>
-              <a:headEnd/>
-              <a:tailEnd/>
-            </a:ln>
-            <a:effectLst/>
-            <a:extLst>
-              <a:ext uri="{AF507438-7753-43E0-B8FC-AC1667EBCBE1}">
-                <a14:hiddenEffects xmlns:a14="http://schemas.microsoft.com/office/drawing/2010/main">
-                  <a:effectLst>
-                    <a:outerShdw dist="35921" dir="2700000" algn="ctr" rotWithShape="0">
-                      <a:schemeClr val="bg2"/>
-                    </a:outerShdw>
-                  </a:effectLst>
-                </a14:hiddenEffects>
-              </a:ext>
-            </a:extLst>
-          </p:spPr>
-          <p:txBody>
-            <a:bodyPr wrap="none" anchor="ctr"/>
-            <a:lstStyle/>
-            <a:p>
-              <a:endParaRPr lang="en-US"/>
-            </a:p>
-          </p:txBody>
-        </p:sp>
-        <p:sp>
-          <p:nvSpPr>
-            <p:cNvPr id="65608" name="Oval 72"/>
-            <p:cNvSpPr>
-              <a:spLocks noChangeArrowheads="1"/>
-            </p:cNvSpPr>
-            <p:nvPr/>
-          </p:nvSpPr>
-          <p:spPr bwMode="auto">
-            <a:xfrm>
-              <a:off x="3239" y="3104"/>
-              <a:ext cx="32" cy="32"/>
-            </a:xfrm>
-            <a:prstGeom prst="ellipse">
-              <a:avLst/>
-            </a:prstGeom>
-            <a:solidFill>
-              <a:schemeClr val="bg1"/>
-            </a:solidFill>
-            <a:ln w="3175">
-              <a:solidFill>
-                <a:schemeClr val="bg1"/>
-              </a:solidFill>
-              <a:round/>
-              <a:headEnd/>
-              <a:tailEnd/>
-            </a:ln>
-            <a:effectLst/>
-            <a:extLst>
-              <a:ext uri="{AF507438-7753-43E0-B8FC-AC1667EBCBE1}">
-                <a14:hiddenEffects xmlns:a14="http://schemas.microsoft.com/office/drawing/2010/main">
-                  <a:effectLst>
-                    <a:outerShdw dist="35921" dir="2700000" algn="ctr" rotWithShape="0">
-                      <a:schemeClr val="bg2"/>
-                    </a:outerShdw>
-                  </a:effectLst>
-                </a14:hiddenEffects>
-              </a:ext>
-            </a:extLst>
-          </p:spPr>
-          <p:txBody>
-            <a:bodyPr wrap="none" anchor="ctr"/>
-            <a:lstStyle/>
-            <a:p>
-              <a:endParaRPr lang="en-US"/>
-            </a:p>
-          </p:txBody>
-        </p:sp>
-        <p:sp>
-          <p:nvSpPr>
-            <p:cNvPr id="65609" name="Oval 73"/>
-            <p:cNvSpPr>
-              <a:spLocks noChangeArrowheads="1"/>
-            </p:cNvSpPr>
-            <p:nvPr/>
-          </p:nvSpPr>
-          <p:spPr bwMode="auto">
-            <a:xfrm>
-              <a:off x="3149" y="3020"/>
-              <a:ext cx="32" cy="32"/>
-            </a:xfrm>
-            <a:prstGeom prst="ellipse">
-              <a:avLst/>
-            </a:prstGeom>
-            <a:solidFill>
-              <a:schemeClr val="bg1"/>
-            </a:solidFill>
-            <a:ln w="3175">
-              <a:solidFill>
-                <a:schemeClr val="bg1"/>
-              </a:solidFill>
-              <a:round/>
-              <a:headEnd/>
-              <a:tailEnd/>
-            </a:ln>
-            <a:effectLst/>
-            <a:extLst>
-              <a:ext uri="{AF507438-7753-43E0-B8FC-AC1667EBCBE1}">
-                <a14:hiddenEffects xmlns:a14="http://schemas.microsoft.com/office/drawing/2010/main">
-                  <a:effectLst>
-                    <a:outerShdw dist="35921" dir="2700000" algn="ctr" rotWithShape="0">
-                      <a:schemeClr val="bg2"/>
-                    </a:outerShdw>
-                  </a:effectLst>
-                </a14:hiddenEffects>
-              </a:ext>
-            </a:extLst>
-          </p:spPr>
-          <p:txBody>
-            <a:bodyPr wrap="none" anchor="ctr"/>
-            <a:lstStyle/>
-            <a:p>
-              <a:endParaRPr lang="en-US"/>
-            </a:p>
-          </p:txBody>
-        </p:sp>
-        <p:sp>
-          <p:nvSpPr>
-            <p:cNvPr id="65610" name="Oval 74"/>
-            <p:cNvSpPr>
-              <a:spLocks noChangeArrowheads="1"/>
-            </p:cNvSpPr>
-            <p:nvPr/>
-          </p:nvSpPr>
-          <p:spPr bwMode="auto">
-            <a:xfrm>
-              <a:off x="3053" y="3042"/>
-              <a:ext cx="32" cy="32"/>
-            </a:xfrm>
-            <a:prstGeom prst="ellipse">
-              <a:avLst/>
-            </a:prstGeom>
-            <a:solidFill>
-              <a:schemeClr val="bg1"/>
-            </a:solidFill>
-            <a:ln w="3175">
-              <a:solidFill>
-                <a:schemeClr val="bg1"/>
-              </a:solidFill>
-              <a:round/>
-              <a:headEnd/>
-              <a:tailEnd/>
-            </a:ln>
-            <a:effectLst/>
-            <a:extLst>
-              <a:ext uri="{AF507438-7753-43E0-B8FC-AC1667EBCBE1}">
-                <a14:hiddenEffects xmlns:a14="http://schemas.microsoft.com/office/drawing/2010/main">
-                  <a:effectLst>
-                    <a:outerShdw dist="35921" dir="2700000" algn="ctr" rotWithShape="0">
-                      <a:schemeClr val="bg2"/>
-                    </a:outerShdw>
-                  </a:effectLst>
-                </a14:hiddenEffects>
-              </a:ext>
-            </a:extLst>
-          </p:spPr>
-          <p:txBody>
-            <a:bodyPr wrap="none" anchor="ctr"/>
-            <a:lstStyle/>
-            <a:p>
-              <a:endParaRPr lang="en-US"/>
-            </a:p>
-          </p:txBody>
-        </p:sp>
-        <p:sp>
-          <p:nvSpPr>
-            <p:cNvPr id="65611" name="Oval 75"/>
-            <p:cNvSpPr>
-              <a:spLocks noChangeArrowheads="1"/>
-            </p:cNvSpPr>
-            <p:nvPr/>
-          </p:nvSpPr>
-          <p:spPr bwMode="auto">
-            <a:xfrm>
-              <a:off x="3053" y="3014"/>
-              <a:ext cx="32" cy="32"/>
-            </a:xfrm>
-            <a:prstGeom prst="ellipse">
-              <a:avLst/>
-            </a:prstGeom>
-            <a:solidFill>
-              <a:schemeClr val="bg1"/>
-            </a:solidFill>
-            <a:ln w="3175">
-              <a:solidFill>
-                <a:schemeClr val="bg1"/>
-              </a:solidFill>
-              <a:round/>
-              <a:headEnd/>
-              <a:tailEnd/>
-            </a:ln>
-            <a:effectLst/>
-            <a:extLst>
-              <a:ext uri="{AF507438-7753-43E0-B8FC-AC1667EBCBE1}">
-                <a14:hiddenEffects xmlns:a14="http://schemas.microsoft.com/office/drawing/2010/main">
-                  <a:effectLst>
-                    <a:outerShdw dist="35921" dir="2700000" algn="ctr" rotWithShape="0">
-                      <a:schemeClr val="bg2"/>
-                    </a:outerShdw>
-                  </a:effectLst>
-                </a14:hiddenEffects>
-              </a:ext>
-            </a:extLst>
-          </p:spPr>
-          <p:txBody>
-            <a:bodyPr wrap="none" anchor="ctr"/>
-            <a:lstStyle/>
-            <a:p>
-              <a:endParaRPr lang="en-US"/>
-            </a:p>
-          </p:txBody>
-        </p:sp>
-        <p:sp>
-          <p:nvSpPr>
-            <p:cNvPr id="65612" name="Oval 76"/>
-            <p:cNvSpPr>
-              <a:spLocks noChangeArrowheads="1"/>
-            </p:cNvSpPr>
-            <p:nvPr/>
-          </p:nvSpPr>
-          <p:spPr bwMode="auto">
-            <a:xfrm>
-              <a:off x="3098" y="3020"/>
-              <a:ext cx="32" cy="32"/>
-            </a:xfrm>
-            <a:prstGeom prst="ellipse">
-              <a:avLst/>
-            </a:prstGeom>
-            <a:solidFill>
-              <a:schemeClr val="bg1"/>
-            </a:solidFill>
-            <a:ln w="3175">
-              <a:solidFill>
-                <a:schemeClr val="bg1"/>
-              </a:solidFill>
-              <a:round/>
-              <a:headEnd/>
-              <a:tailEnd/>
-            </a:ln>
-            <a:effectLst/>
-            <a:extLst>
-              <a:ext uri="{AF507438-7753-43E0-B8FC-AC1667EBCBE1}">
-                <a14:hiddenEffects xmlns:a14="http://schemas.microsoft.com/office/drawing/2010/main">
-                  <a:effectLst>
-                    <a:outerShdw dist="35921" dir="2700000" algn="ctr" rotWithShape="0">
-                      <a:schemeClr val="bg2"/>
-                    </a:outerShdw>
-                  </a:effectLst>
-                </a14:hiddenEffects>
-              </a:ext>
-            </a:extLst>
-          </p:spPr>
-          <p:txBody>
-            <a:bodyPr wrap="none" anchor="ctr"/>
-            <a:lstStyle/>
-            <a:p>
-              <a:endParaRPr lang="en-US"/>
-            </a:p>
-          </p:txBody>
-        </p:sp>
-        <p:sp>
-          <p:nvSpPr>
-            <p:cNvPr id="65613" name="Oval 77"/>
-            <p:cNvSpPr>
-              <a:spLocks noChangeArrowheads="1"/>
-            </p:cNvSpPr>
-            <p:nvPr/>
-          </p:nvSpPr>
-          <p:spPr bwMode="auto">
-            <a:xfrm>
-              <a:off x="2986" y="3026"/>
-              <a:ext cx="32" cy="31"/>
-            </a:xfrm>
-            <a:prstGeom prst="ellipse">
-              <a:avLst/>
-            </a:prstGeom>
-            <a:solidFill>
-              <a:schemeClr val="bg1"/>
-            </a:solidFill>
-            <a:ln w="3175">
-              <a:solidFill>
-                <a:schemeClr val="bg1"/>
-              </a:solidFill>
-              <a:round/>
-              <a:headEnd/>
-              <a:tailEnd/>
-            </a:ln>
-            <a:effectLst/>
-            <a:extLst>
-              <a:ext uri="{AF507438-7753-43E0-B8FC-AC1667EBCBE1}">
-                <a14:hiddenEffects xmlns:a14="http://schemas.microsoft.com/office/drawing/2010/main">
-                  <a:effectLst>
-                    <a:outerShdw dist="35921" dir="2700000" algn="ctr" rotWithShape="0">
-                      <a:schemeClr val="bg2"/>
-                    </a:outerShdw>
-                  </a:effectLst>
-                </a14:hiddenEffects>
-              </a:ext>
-            </a:extLst>
-          </p:spPr>
-          <p:txBody>
-            <a:bodyPr wrap="none" anchor="ctr"/>
-            <a:lstStyle/>
-            <a:p>
-              <a:endParaRPr lang="en-US"/>
-            </a:p>
-          </p:txBody>
-        </p:sp>
-        <p:sp>
-          <p:nvSpPr>
-            <p:cNvPr id="65614" name="Oval 78"/>
-            <p:cNvSpPr>
-              <a:spLocks noChangeArrowheads="1"/>
-            </p:cNvSpPr>
-            <p:nvPr/>
-          </p:nvSpPr>
-          <p:spPr bwMode="auto">
-            <a:xfrm>
-              <a:off x="2952" y="3020"/>
-              <a:ext cx="32" cy="32"/>
-            </a:xfrm>
-            <a:prstGeom prst="ellipse">
-              <a:avLst/>
-            </a:prstGeom>
-            <a:solidFill>
-              <a:schemeClr val="bg1"/>
-            </a:solidFill>
-            <a:ln w="3175">
-              <a:solidFill>
-                <a:schemeClr val="bg1"/>
-              </a:solidFill>
-              <a:round/>
-              <a:headEnd/>
-              <a:tailEnd/>
-            </a:ln>
-            <a:effectLst/>
-            <a:extLst>
-              <a:ext uri="{AF507438-7753-43E0-B8FC-AC1667EBCBE1}">
-                <a14:hiddenEffects xmlns:a14="http://schemas.microsoft.com/office/drawing/2010/main">
-                  <a:effectLst>
-                    <a:outerShdw dist="35921" dir="2700000" algn="ctr" rotWithShape="0">
-                      <a:schemeClr val="bg2"/>
-                    </a:outerShdw>
-                  </a:effectLst>
-                </a14:hiddenEffects>
-              </a:ext>
-            </a:extLst>
-          </p:spPr>
-          <p:txBody>
-            <a:bodyPr wrap="none" anchor="ctr"/>
-            <a:lstStyle/>
-            <a:p>
-              <a:endParaRPr lang="en-US"/>
-            </a:p>
-          </p:txBody>
-        </p:sp>
-        <p:sp>
-          <p:nvSpPr>
-            <p:cNvPr id="65615" name="Oval 79"/>
-            <p:cNvSpPr>
-              <a:spLocks noChangeArrowheads="1"/>
-            </p:cNvSpPr>
-            <p:nvPr/>
-          </p:nvSpPr>
-          <p:spPr bwMode="auto">
-            <a:xfrm>
-              <a:off x="2980" y="2975"/>
-              <a:ext cx="32" cy="32"/>
-            </a:xfrm>
-            <a:prstGeom prst="ellipse">
-              <a:avLst/>
-            </a:prstGeom>
-            <a:solidFill>
-              <a:schemeClr val="bg1"/>
-            </a:solidFill>
-            <a:ln w="3175">
-              <a:solidFill>
-                <a:schemeClr val="bg1"/>
-              </a:solidFill>
-              <a:round/>
-              <a:headEnd/>
-              <a:tailEnd/>
-            </a:ln>
-            <a:effectLst/>
-            <a:extLst>
-              <a:ext uri="{AF507438-7753-43E0-B8FC-AC1667EBCBE1}">
-                <a14:hiddenEffects xmlns:a14="http://schemas.microsoft.com/office/drawing/2010/main">
-                  <a:effectLst>
-                    <a:outerShdw dist="35921" dir="2700000" algn="ctr" rotWithShape="0">
-                      <a:schemeClr val="bg2"/>
-                    </a:outerShdw>
-                  </a:effectLst>
-                </a14:hiddenEffects>
-              </a:ext>
-            </a:extLst>
-          </p:spPr>
-          <p:txBody>
-            <a:bodyPr wrap="none" anchor="ctr"/>
-            <a:lstStyle/>
-            <a:p>
-              <a:endParaRPr lang="en-US"/>
-            </a:p>
-          </p:txBody>
-        </p:sp>
-        <p:sp>
-          <p:nvSpPr>
-            <p:cNvPr id="65616" name="Oval 80"/>
-            <p:cNvSpPr>
-              <a:spLocks noChangeArrowheads="1"/>
-            </p:cNvSpPr>
-            <p:nvPr/>
-          </p:nvSpPr>
-          <p:spPr bwMode="auto">
-            <a:xfrm>
-              <a:off x="3008" y="2969"/>
-              <a:ext cx="32" cy="32"/>
-            </a:xfrm>
-            <a:prstGeom prst="ellipse">
-              <a:avLst/>
-            </a:prstGeom>
-            <a:solidFill>
-              <a:schemeClr val="bg1"/>
-            </a:solidFill>
-            <a:ln w="3175">
-              <a:solidFill>
-                <a:schemeClr val="bg1"/>
-              </a:solidFill>
-              <a:round/>
-              <a:headEnd/>
-              <a:tailEnd/>
-            </a:ln>
-            <a:effectLst/>
-            <a:extLst>
-              <a:ext uri="{AF507438-7753-43E0-B8FC-AC1667EBCBE1}">
-                <a14:hiddenEffects xmlns:a14="http://schemas.microsoft.com/office/drawing/2010/main">
-                  <a:effectLst>
-                    <a:outerShdw dist="35921" dir="2700000" algn="ctr" rotWithShape="0">
-                      <a:schemeClr val="bg2"/>
-                    </a:outerShdw>
-                  </a:effectLst>
-                </a14:hiddenEffects>
-              </a:ext>
-            </a:extLst>
-          </p:spPr>
-          <p:txBody>
-            <a:bodyPr wrap="none" anchor="ctr"/>
-            <a:lstStyle/>
-            <a:p>
-              <a:endParaRPr lang="en-US"/>
-            </a:p>
-          </p:txBody>
-        </p:sp>
-        <p:sp>
-          <p:nvSpPr>
-            <p:cNvPr id="65617" name="Oval 81"/>
-            <p:cNvSpPr>
-              <a:spLocks noChangeArrowheads="1"/>
-            </p:cNvSpPr>
-            <p:nvPr/>
-          </p:nvSpPr>
-          <p:spPr bwMode="auto">
-            <a:xfrm>
-              <a:off x="3064" y="2986"/>
-              <a:ext cx="32" cy="32"/>
-            </a:xfrm>
-            <a:prstGeom prst="ellipse">
-              <a:avLst/>
-            </a:prstGeom>
-            <a:solidFill>
-              <a:schemeClr val="bg1"/>
-            </a:solidFill>
-            <a:ln w="3175">
-              <a:solidFill>
-                <a:schemeClr val="bg1"/>
-              </a:solidFill>
-              <a:round/>
-              <a:headEnd/>
-              <a:tailEnd/>
-            </a:ln>
-            <a:effectLst/>
-            <a:extLst>
-              <a:ext uri="{AF507438-7753-43E0-B8FC-AC1667EBCBE1}">
-                <a14:hiddenEffects xmlns:a14="http://schemas.microsoft.com/office/drawing/2010/main">
-                  <a:effectLst>
-                    <a:outerShdw dist="35921" dir="2700000" algn="ctr" rotWithShape="0">
-                      <a:schemeClr val="bg2"/>
-                    </a:outerShdw>
-                  </a:effectLst>
-                </a14:hiddenEffects>
-              </a:ext>
-            </a:extLst>
-          </p:spPr>
-          <p:txBody>
-            <a:bodyPr wrap="none" anchor="ctr"/>
-            <a:lstStyle/>
-            <a:p>
-              <a:endParaRPr lang="en-US"/>
-            </a:p>
-          </p:txBody>
-        </p:sp>
-        <p:sp>
-          <p:nvSpPr>
-            <p:cNvPr id="65618" name="Oval 82"/>
-            <p:cNvSpPr>
-              <a:spLocks noChangeArrowheads="1"/>
-            </p:cNvSpPr>
-            <p:nvPr/>
-          </p:nvSpPr>
-          <p:spPr bwMode="auto">
-            <a:xfrm>
-              <a:off x="3188" y="2986"/>
-              <a:ext cx="32" cy="32"/>
-            </a:xfrm>
-            <a:prstGeom prst="ellipse">
-              <a:avLst/>
-            </a:prstGeom>
-            <a:solidFill>
-              <a:schemeClr val="bg1"/>
-            </a:solidFill>
-            <a:ln w="3175">
-              <a:solidFill>
-                <a:schemeClr val="bg1"/>
-              </a:solidFill>
-              <a:round/>
-              <a:headEnd/>
-              <a:tailEnd/>
-            </a:ln>
-            <a:effectLst/>
-            <a:extLst>
-              <a:ext uri="{AF507438-7753-43E0-B8FC-AC1667EBCBE1}">
-                <a14:hiddenEffects xmlns:a14="http://schemas.microsoft.com/office/drawing/2010/main">
-                  <a:effectLst>
-                    <a:outerShdw dist="35921" dir="2700000" algn="ctr" rotWithShape="0">
-                      <a:schemeClr val="bg2"/>
-                    </a:outerShdw>
-                  </a:effectLst>
-                </a14:hiddenEffects>
-              </a:ext>
-            </a:extLst>
-          </p:spPr>
-          <p:txBody>
-            <a:bodyPr wrap="none" anchor="ctr"/>
-            <a:lstStyle/>
-            <a:p>
-              <a:endParaRPr lang="en-US"/>
-            </a:p>
-          </p:txBody>
-        </p:sp>
-        <p:sp>
-          <p:nvSpPr>
-            <p:cNvPr id="65619" name="Oval 83"/>
-            <p:cNvSpPr>
-              <a:spLocks noChangeArrowheads="1"/>
-            </p:cNvSpPr>
-            <p:nvPr/>
-          </p:nvSpPr>
-          <p:spPr bwMode="auto">
-            <a:xfrm>
-              <a:off x="3138" y="2986"/>
-              <a:ext cx="31" cy="32"/>
-            </a:xfrm>
-            <a:prstGeom prst="ellipse">
-              <a:avLst/>
-            </a:prstGeom>
-            <a:solidFill>
-              <a:schemeClr val="bg1"/>
-            </a:solidFill>
-            <a:ln w="3175">
-              <a:solidFill>
-                <a:schemeClr val="bg1"/>
-              </a:solidFill>
-              <a:round/>
-              <a:headEnd/>
-              <a:tailEnd/>
-            </a:ln>
-            <a:effectLst/>
-            <a:extLst>
-              <a:ext uri="{AF507438-7753-43E0-B8FC-AC1667EBCBE1}">
-                <a14:hiddenEffects xmlns:a14="http://schemas.microsoft.com/office/drawing/2010/main">
-                  <a:effectLst>
-                    <a:outerShdw dist="35921" dir="2700000" algn="ctr" rotWithShape="0">
-                      <a:schemeClr val="bg2"/>
-                    </a:outerShdw>
-                  </a:effectLst>
-                </a14:hiddenEffects>
-              </a:ext>
-            </a:extLst>
-          </p:spPr>
-          <p:txBody>
-            <a:bodyPr wrap="none" anchor="ctr"/>
-            <a:lstStyle/>
-            <a:p>
-              <a:endParaRPr lang="en-US"/>
-            </a:p>
-          </p:txBody>
-        </p:sp>
-        <p:sp>
-          <p:nvSpPr>
-            <p:cNvPr id="65620" name="Oval 84"/>
-            <p:cNvSpPr>
-              <a:spLocks noChangeArrowheads="1"/>
-            </p:cNvSpPr>
-            <p:nvPr/>
-          </p:nvSpPr>
-          <p:spPr bwMode="auto">
-            <a:xfrm>
-              <a:off x="3087" y="2936"/>
-              <a:ext cx="32" cy="31"/>
-            </a:xfrm>
-            <a:prstGeom prst="ellipse">
-              <a:avLst/>
-            </a:prstGeom>
-            <a:solidFill>
-              <a:schemeClr val="bg1"/>
-            </a:solidFill>
-            <a:ln w="3175">
-              <a:solidFill>
-                <a:schemeClr val="bg1"/>
-              </a:solidFill>
-              <a:round/>
-              <a:headEnd/>
-              <a:tailEnd/>
-            </a:ln>
-            <a:effectLst/>
-            <a:extLst>
-              <a:ext uri="{AF507438-7753-43E0-B8FC-AC1667EBCBE1}">
-                <a14:hiddenEffects xmlns:a14="http://schemas.microsoft.com/office/drawing/2010/main">
-                  <a:effectLst>
-                    <a:outerShdw dist="35921" dir="2700000" algn="ctr" rotWithShape="0">
-                      <a:schemeClr val="bg2"/>
-                    </a:outerShdw>
-                  </a:effectLst>
-                </a14:hiddenEffects>
-              </a:ext>
-            </a:extLst>
-          </p:spPr>
-          <p:txBody>
-            <a:bodyPr wrap="none" anchor="ctr"/>
-            <a:lstStyle/>
-            <a:p>
-              <a:endParaRPr lang="en-US"/>
-            </a:p>
-          </p:txBody>
-        </p:sp>
-        <p:sp>
-          <p:nvSpPr>
-            <p:cNvPr id="65621" name="Oval 85"/>
-            <p:cNvSpPr>
-              <a:spLocks noChangeArrowheads="1"/>
-            </p:cNvSpPr>
-            <p:nvPr/>
-          </p:nvSpPr>
-          <p:spPr bwMode="auto">
-            <a:xfrm>
-              <a:off x="3036" y="2958"/>
-              <a:ext cx="32" cy="32"/>
-            </a:xfrm>
-            <a:prstGeom prst="ellipse">
-              <a:avLst/>
-            </a:prstGeom>
-            <a:solidFill>
-              <a:schemeClr val="bg1"/>
-            </a:solidFill>
-            <a:ln w="3175">
-              <a:solidFill>
-                <a:schemeClr val="bg1"/>
-              </a:solidFill>
-              <a:round/>
-              <a:headEnd/>
-              <a:tailEnd/>
-            </a:ln>
-            <a:effectLst/>
-            <a:extLst>
-              <a:ext uri="{AF507438-7753-43E0-B8FC-AC1667EBCBE1}">
-                <a14:hiddenEffects xmlns:a14="http://schemas.microsoft.com/office/drawing/2010/main">
-                  <a:effectLst>
-                    <a:outerShdw dist="35921" dir="2700000" algn="ctr" rotWithShape="0">
-                      <a:schemeClr val="bg2"/>
-                    </a:outerShdw>
-                  </a:effectLst>
-                </a14:hiddenEffects>
-              </a:ext>
-            </a:extLst>
-          </p:spPr>
-          <p:txBody>
-            <a:bodyPr wrap="none" anchor="ctr"/>
-            <a:lstStyle/>
-            <a:p>
-              <a:endParaRPr lang="en-US"/>
-            </a:p>
-          </p:txBody>
-        </p:sp>
-        <p:sp>
-          <p:nvSpPr>
-            <p:cNvPr id="65622" name="Oval 86"/>
-            <p:cNvSpPr>
-              <a:spLocks noChangeArrowheads="1"/>
-            </p:cNvSpPr>
-            <p:nvPr/>
-          </p:nvSpPr>
-          <p:spPr bwMode="auto">
-            <a:xfrm>
-              <a:off x="2986" y="2896"/>
-              <a:ext cx="32" cy="32"/>
-            </a:xfrm>
-            <a:prstGeom prst="ellipse">
-              <a:avLst/>
-            </a:prstGeom>
-            <a:solidFill>
-              <a:schemeClr val="bg1"/>
-            </a:solidFill>
-            <a:ln w="3175">
-              <a:solidFill>
-                <a:schemeClr val="bg1"/>
-              </a:solidFill>
-              <a:round/>
-              <a:headEnd/>
-              <a:tailEnd/>
-            </a:ln>
-            <a:effectLst/>
-            <a:extLst>
-              <a:ext uri="{AF507438-7753-43E0-B8FC-AC1667EBCBE1}">
-                <a14:hiddenEffects xmlns:a14="http://schemas.microsoft.com/office/drawing/2010/main">
-                  <a:effectLst>
-                    <a:outerShdw dist="35921" dir="2700000" algn="ctr" rotWithShape="0">
-                      <a:schemeClr val="bg2"/>
-                    </a:outerShdw>
-                  </a:effectLst>
-                </a14:hiddenEffects>
-              </a:ext>
-            </a:extLst>
-          </p:spPr>
-          <p:txBody>
-            <a:bodyPr wrap="none" anchor="ctr"/>
-            <a:lstStyle/>
-            <a:p>
-              <a:endParaRPr lang="en-US"/>
-            </a:p>
-          </p:txBody>
-        </p:sp>
-        <p:sp>
-          <p:nvSpPr>
-            <p:cNvPr id="65623" name="Oval 87"/>
-            <p:cNvSpPr>
-              <a:spLocks noChangeArrowheads="1"/>
-            </p:cNvSpPr>
-            <p:nvPr/>
-          </p:nvSpPr>
-          <p:spPr bwMode="auto">
-            <a:xfrm>
-              <a:off x="3019" y="2924"/>
-              <a:ext cx="32" cy="32"/>
-            </a:xfrm>
-            <a:prstGeom prst="ellipse">
-              <a:avLst/>
-            </a:prstGeom>
-            <a:solidFill>
-              <a:schemeClr val="bg1"/>
-            </a:solidFill>
-            <a:ln w="3175">
-              <a:solidFill>
-                <a:schemeClr val="bg1"/>
-              </a:solidFill>
-              <a:round/>
-              <a:headEnd/>
-              <a:tailEnd/>
-            </a:ln>
-            <a:effectLst/>
-            <a:extLst>
-              <a:ext uri="{AF507438-7753-43E0-B8FC-AC1667EBCBE1}">
-                <a14:hiddenEffects xmlns:a14="http://schemas.microsoft.com/office/drawing/2010/main">
-                  <a:effectLst>
-                    <a:outerShdw dist="35921" dir="2700000" algn="ctr" rotWithShape="0">
-                      <a:schemeClr val="bg2"/>
-                    </a:outerShdw>
-                  </a:effectLst>
-                </a14:hiddenEffects>
-              </a:ext>
-            </a:extLst>
-          </p:spPr>
-          <p:txBody>
-            <a:bodyPr wrap="none" anchor="ctr"/>
-            <a:lstStyle/>
-            <a:p>
-              <a:endParaRPr lang="en-US"/>
-            </a:p>
-          </p:txBody>
-        </p:sp>
-        <p:sp>
-          <p:nvSpPr>
-            <p:cNvPr id="65624" name="Oval 88"/>
-            <p:cNvSpPr>
-              <a:spLocks noChangeArrowheads="1"/>
-            </p:cNvSpPr>
-            <p:nvPr/>
-          </p:nvSpPr>
-          <p:spPr bwMode="auto">
-            <a:xfrm>
-              <a:off x="3053" y="2896"/>
-              <a:ext cx="32" cy="32"/>
-            </a:xfrm>
-            <a:prstGeom prst="ellipse">
-              <a:avLst/>
-            </a:prstGeom>
-            <a:solidFill>
-              <a:schemeClr val="bg1"/>
-            </a:solidFill>
-            <a:ln w="3175">
-              <a:solidFill>
-                <a:schemeClr val="bg1"/>
-              </a:solidFill>
-              <a:round/>
-              <a:headEnd/>
-              <a:tailEnd/>
-            </a:ln>
-            <a:effectLst/>
-            <a:extLst>
-              <a:ext uri="{AF507438-7753-43E0-B8FC-AC1667EBCBE1}">
-                <a14:hiddenEffects xmlns:a14="http://schemas.microsoft.com/office/drawing/2010/main">
-                  <a:effectLst>
-                    <a:outerShdw dist="35921" dir="2700000" algn="ctr" rotWithShape="0">
-                      <a:schemeClr val="bg2"/>
-                    </a:outerShdw>
-                  </a:effectLst>
-                </a14:hiddenEffects>
-              </a:ext>
-            </a:extLst>
-          </p:spPr>
-          <p:txBody>
-            <a:bodyPr wrap="none" anchor="ctr"/>
-            <a:lstStyle/>
-            <a:p>
-              <a:endParaRPr lang="en-US"/>
-            </a:p>
-          </p:txBody>
-        </p:sp>
-        <p:sp>
-          <p:nvSpPr>
-            <p:cNvPr id="65625" name="Oval 89"/>
-            <p:cNvSpPr>
-              <a:spLocks noChangeArrowheads="1"/>
-            </p:cNvSpPr>
-            <p:nvPr/>
-          </p:nvSpPr>
-          <p:spPr bwMode="auto">
-            <a:xfrm>
-              <a:off x="3138" y="2941"/>
-              <a:ext cx="31" cy="32"/>
-            </a:xfrm>
-            <a:prstGeom prst="ellipse">
-              <a:avLst/>
-            </a:prstGeom>
-            <a:solidFill>
-              <a:schemeClr val="bg1"/>
-            </a:solidFill>
-            <a:ln w="3175">
-              <a:solidFill>
-                <a:schemeClr val="bg1"/>
-              </a:solidFill>
-              <a:round/>
-              <a:headEnd/>
-              <a:tailEnd/>
-            </a:ln>
-            <a:effectLst/>
-            <a:extLst>
-              <a:ext uri="{AF507438-7753-43E0-B8FC-AC1667EBCBE1}">
-                <a14:hiddenEffects xmlns:a14="http://schemas.microsoft.com/office/drawing/2010/main">
-                  <a:effectLst>
-                    <a:outerShdw dist="35921" dir="2700000" algn="ctr" rotWithShape="0">
-                      <a:schemeClr val="bg2"/>
-                    </a:outerShdw>
-                  </a:effectLst>
-                </a14:hiddenEffects>
-              </a:ext>
-            </a:extLst>
-          </p:spPr>
-          <p:txBody>
-            <a:bodyPr wrap="none" anchor="ctr"/>
-            <a:lstStyle/>
-            <a:p>
-              <a:endParaRPr lang="en-US"/>
-            </a:p>
-          </p:txBody>
-        </p:sp>
-        <p:sp>
-          <p:nvSpPr>
-            <p:cNvPr id="65626" name="Oval 90"/>
-            <p:cNvSpPr>
-              <a:spLocks noChangeArrowheads="1"/>
-            </p:cNvSpPr>
-            <p:nvPr/>
-          </p:nvSpPr>
-          <p:spPr bwMode="auto">
-            <a:xfrm>
-              <a:off x="3222" y="2941"/>
-              <a:ext cx="32" cy="32"/>
-            </a:xfrm>
-            <a:prstGeom prst="ellipse">
-              <a:avLst/>
-            </a:prstGeom>
-            <a:solidFill>
-              <a:schemeClr val="bg1"/>
-            </a:solidFill>
-            <a:ln w="3175">
-              <a:solidFill>
-                <a:schemeClr val="bg1"/>
-              </a:solidFill>
-              <a:round/>
-              <a:headEnd/>
-              <a:tailEnd/>
-            </a:ln>
-            <a:effectLst/>
-            <a:extLst>
-              <a:ext uri="{AF507438-7753-43E0-B8FC-AC1667EBCBE1}">
-                <a14:hiddenEffects xmlns:a14="http://schemas.microsoft.com/office/drawing/2010/main">
-                  <a:effectLst>
-                    <a:outerShdw dist="35921" dir="2700000" algn="ctr" rotWithShape="0">
-                      <a:schemeClr val="bg2"/>
-                    </a:outerShdw>
-                  </a:effectLst>
-                </a14:hiddenEffects>
-              </a:ext>
-            </a:extLst>
-          </p:spPr>
-          <p:txBody>
-            <a:bodyPr wrap="none" anchor="ctr"/>
-            <a:lstStyle/>
-            <a:p>
-              <a:endParaRPr lang="en-US"/>
-            </a:p>
-          </p:txBody>
-        </p:sp>
-        <p:sp>
-          <p:nvSpPr>
-            <p:cNvPr id="65627" name="Oval 91"/>
-            <p:cNvSpPr>
-              <a:spLocks noChangeArrowheads="1"/>
-            </p:cNvSpPr>
-            <p:nvPr/>
-          </p:nvSpPr>
-          <p:spPr bwMode="auto">
-            <a:xfrm>
-              <a:off x="3183" y="2902"/>
-              <a:ext cx="31" cy="32"/>
-            </a:xfrm>
-            <a:prstGeom prst="ellipse">
-              <a:avLst/>
-            </a:prstGeom>
-            <a:solidFill>
-              <a:schemeClr val="bg1"/>
-            </a:solidFill>
-            <a:ln w="3175">
-              <a:solidFill>
-                <a:schemeClr val="bg1"/>
-              </a:solidFill>
-              <a:round/>
-              <a:headEnd/>
-              <a:tailEnd/>
-            </a:ln>
-            <a:effectLst/>
-            <a:extLst>
-              <a:ext uri="{AF507438-7753-43E0-B8FC-AC1667EBCBE1}">
-                <a14:hiddenEffects xmlns:a14="http://schemas.microsoft.com/office/drawing/2010/main">
-                  <a:effectLst>
-                    <a:outerShdw dist="35921" dir="2700000" algn="ctr" rotWithShape="0">
-                      <a:schemeClr val="bg2"/>
-                    </a:outerShdw>
-                  </a:effectLst>
-                </a14:hiddenEffects>
-              </a:ext>
-            </a:extLst>
-          </p:spPr>
-          <p:txBody>
-            <a:bodyPr wrap="none" anchor="ctr"/>
-            <a:lstStyle/>
-            <a:p>
-              <a:endParaRPr lang="en-US"/>
-            </a:p>
-          </p:txBody>
-        </p:sp>
-        <p:sp>
-          <p:nvSpPr>
-            <p:cNvPr id="65628" name="Oval 92"/>
-            <p:cNvSpPr>
-              <a:spLocks noChangeArrowheads="1"/>
-            </p:cNvSpPr>
-            <p:nvPr/>
-          </p:nvSpPr>
-          <p:spPr bwMode="auto">
-            <a:xfrm>
-              <a:off x="3143" y="2891"/>
-              <a:ext cx="32" cy="31"/>
-            </a:xfrm>
-            <a:prstGeom prst="ellipse">
-              <a:avLst/>
-            </a:prstGeom>
-            <a:solidFill>
-              <a:schemeClr val="bg1"/>
-            </a:solidFill>
-            <a:ln w="3175">
-              <a:solidFill>
-                <a:schemeClr val="bg1"/>
-              </a:solidFill>
-              <a:round/>
-              <a:headEnd/>
-              <a:tailEnd/>
-            </a:ln>
-            <a:effectLst/>
-            <a:extLst>
-              <a:ext uri="{AF507438-7753-43E0-B8FC-AC1667EBCBE1}">
-                <a14:hiddenEffects xmlns:a14="http://schemas.microsoft.com/office/drawing/2010/main">
-                  <a:effectLst>
-                    <a:outerShdw dist="35921" dir="2700000" algn="ctr" rotWithShape="0">
-                      <a:schemeClr val="bg2"/>
-                    </a:outerShdw>
-                  </a:effectLst>
-                </a14:hiddenEffects>
-              </a:ext>
-            </a:extLst>
-          </p:spPr>
-          <p:txBody>
-            <a:bodyPr wrap="none" anchor="ctr"/>
-            <a:lstStyle/>
-            <a:p>
-              <a:endParaRPr lang="en-US"/>
-            </a:p>
-          </p:txBody>
-        </p:sp>
-        <p:sp>
-          <p:nvSpPr>
-            <p:cNvPr id="65629" name="Oval 93"/>
-            <p:cNvSpPr>
-              <a:spLocks noChangeArrowheads="1"/>
-            </p:cNvSpPr>
-            <p:nvPr/>
-          </p:nvSpPr>
-          <p:spPr bwMode="auto">
-            <a:xfrm>
-              <a:off x="3081" y="2879"/>
-              <a:ext cx="32" cy="32"/>
-            </a:xfrm>
-            <a:prstGeom prst="ellipse">
-              <a:avLst/>
-            </a:prstGeom>
-            <a:solidFill>
-              <a:schemeClr val="bg1"/>
-            </a:solidFill>
-            <a:ln w="3175">
-              <a:solidFill>
-                <a:schemeClr val="bg1"/>
-              </a:solidFill>
-              <a:round/>
-              <a:headEnd/>
-              <a:tailEnd/>
-            </a:ln>
-            <a:effectLst/>
-            <a:extLst>
-              <a:ext uri="{AF507438-7753-43E0-B8FC-AC1667EBCBE1}">
-                <a14:hiddenEffects xmlns:a14="http://schemas.microsoft.com/office/drawing/2010/main">
-                  <a:effectLst>
-                    <a:outerShdw dist="35921" dir="2700000" algn="ctr" rotWithShape="0">
-                      <a:schemeClr val="bg2"/>
-                    </a:outerShdw>
-                  </a:effectLst>
-                </a14:hiddenEffects>
-              </a:ext>
-            </a:extLst>
-          </p:spPr>
-          <p:txBody>
-            <a:bodyPr wrap="none" anchor="ctr"/>
-            <a:lstStyle/>
-            <a:p>
-              <a:endParaRPr lang="en-US"/>
-            </a:p>
-          </p:txBody>
-        </p:sp>
-        <p:sp>
-          <p:nvSpPr>
-            <p:cNvPr id="65630" name="Oval 94"/>
-            <p:cNvSpPr>
-              <a:spLocks noChangeArrowheads="1"/>
-            </p:cNvSpPr>
-            <p:nvPr/>
-          </p:nvSpPr>
-          <p:spPr bwMode="auto">
-            <a:xfrm>
-              <a:off x="3019" y="2891"/>
-              <a:ext cx="32" cy="31"/>
-            </a:xfrm>
-            <a:prstGeom prst="ellipse">
-              <a:avLst/>
-            </a:prstGeom>
-            <a:solidFill>
-              <a:schemeClr val="bg1"/>
-            </a:solidFill>
-            <a:ln w="3175">
-              <a:solidFill>
-                <a:schemeClr val="bg1"/>
-              </a:solidFill>
-              <a:round/>
-              <a:headEnd/>
-              <a:tailEnd/>
-            </a:ln>
-            <a:effectLst/>
-            <a:extLst>
-              <a:ext uri="{AF507438-7753-43E0-B8FC-AC1667EBCBE1}">
-                <a14:hiddenEffects xmlns:a14="http://schemas.microsoft.com/office/drawing/2010/main">
-                  <a:effectLst>
-                    <a:outerShdw dist="35921" dir="2700000" algn="ctr" rotWithShape="0">
-                      <a:schemeClr val="bg2"/>
-                    </a:outerShdw>
-                  </a:effectLst>
-                </a14:hiddenEffects>
-              </a:ext>
-            </a:extLst>
-          </p:spPr>
-          <p:txBody>
-            <a:bodyPr wrap="none" anchor="ctr"/>
-            <a:lstStyle/>
-            <a:p>
-              <a:endParaRPr lang="en-US"/>
-            </a:p>
-          </p:txBody>
-        </p:sp>
-        <p:sp>
-          <p:nvSpPr>
-            <p:cNvPr id="65631" name="Oval 95"/>
-            <p:cNvSpPr>
-              <a:spLocks noChangeArrowheads="1"/>
-            </p:cNvSpPr>
-            <p:nvPr/>
-          </p:nvSpPr>
-          <p:spPr bwMode="auto">
-            <a:xfrm>
-              <a:off x="2958" y="2857"/>
-              <a:ext cx="31" cy="32"/>
-            </a:xfrm>
-            <a:prstGeom prst="ellipse">
-              <a:avLst/>
-            </a:prstGeom>
-            <a:solidFill>
-              <a:schemeClr val="bg1"/>
-            </a:solidFill>
-            <a:ln w="3175">
-              <a:solidFill>
-                <a:schemeClr val="bg1"/>
-              </a:solidFill>
-              <a:round/>
-              <a:headEnd/>
-              <a:tailEnd/>
-            </a:ln>
-            <a:effectLst/>
-            <a:extLst>
-              <a:ext uri="{AF507438-7753-43E0-B8FC-AC1667EBCBE1}">
-                <a14:hiddenEffects xmlns:a14="http://schemas.microsoft.com/office/drawing/2010/main">
-                  <a:effectLst>
-                    <a:outerShdw dist="35921" dir="2700000" algn="ctr" rotWithShape="0">
-                      <a:schemeClr val="bg2"/>
-                    </a:outerShdw>
-                  </a:effectLst>
-                </a14:hiddenEffects>
-              </a:ext>
-            </a:extLst>
-          </p:spPr>
-          <p:txBody>
-            <a:bodyPr wrap="none" anchor="ctr"/>
-            <a:lstStyle/>
-            <a:p>
-              <a:endParaRPr lang="en-US"/>
-            </a:p>
-          </p:txBody>
-        </p:sp>
-        <p:sp>
-          <p:nvSpPr>
-            <p:cNvPr id="65632" name="Oval 96"/>
-            <p:cNvSpPr>
-              <a:spLocks noChangeArrowheads="1"/>
-            </p:cNvSpPr>
-            <p:nvPr/>
-          </p:nvSpPr>
-          <p:spPr bwMode="auto">
-            <a:xfrm>
-              <a:off x="3025" y="2846"/>
-              <a:ext cx="32" cy="31"/>
-            </a:xfrm>
-            <a:prstGeom prst="ellipse">
-              <a:avLst/>
-            </a:prstGeom>
-            <a:solidFill>
-              <a:schemeClr val="bg1"/>
-            </a:solidFill>
-            <a:ln w="3175">
-              <a:solidFill>
-                <a:schemeClr val="bg1"/>
-              </a:solidFill>
-              <a:round/>
-              <a:headEnd/>
-              <a:tailEnd/>
-            </a:ln>
-            <a:effectLst/>
-            <a:extLst>
-              <a:ext uri="{AF507438-7753-43E0-B8FC-AC1667EBCBE1}">
-                <a14:hiddenEffects xmlns:a14="http://schemas.microsoft.com/office/drawing/2010/main">
-                  <a:effectLst>
-                    <a:outerShdw dist="35921" dir="2700000" algn="ctr" rotWithShape="0">
-                      <a:schemeClr val="bg2"/>
-                    </a:outerShdw>
-                  </a:effectLst>
-                </a14:hiddenEffects>
-              </a:ext>
-            </a:extLst>
-          </p:spPr>
-          <p:txBody>
-            <a:bodyPr wrap="none" anchor="ctr"/>
-            <a:lstStyle/>
-            <a:p>
-              <a:endParaRPr lang="en-US"/>
-            </a:p>
-          </p:txBody>
-        </p:sp>
-        <p:sp>
-          <p:nvSpPr>
-            <p:cNvPr id="65633" name="Oval 97"/>
-            <p:cNvSpPr>
-              <a:spLocks noChangeArrowheads="1"/>
-            </p:cNvSpPr>
-            <p:nvPr/>
-          </p:nvSpPr>
-          <p:spPr bwMode="auto">
-            <a:xfrm>
-              <a:off x="3081" y="2851"/>
-              <a:ext cx="32" cy="32"/>
-            </a:xfrm>
-            <a:prstGeom prst="ellipse">
-              <a:avLst/>
-            </a:prstGeom>
-            <a:solidFill>
-              <a:schemeClr val="bg1"/>
-            </a:solidFill>
-            <a:ln w="3175">
-              <a:solidFill>
-                <a:schemeClr val="bg1"/>
-              </a:solidFill>
-              <a:round/>
-              <a:headEnd/>
-              <a:tailEnd/>
-            </a:ln>
-            <a:effectLst/>
-            <a:extLst>
-              <a:ext uri="{AF507438-7753-43E0-B8FC-AC1667EBCBE1}">
-                <a14:hiddenEffects xmlns:a14="http://schemas.microsoft.com/office/drawing/2010/main">
-                  <a:effectLst>
-                    <a:outerShdw dist="35921" dir="2700000" algn="ctr" rotWithShape="0">
-                      <a:schemeClr val="bg2"/>
-                    </a:outerShdw>
-                  </a:effectLst>
-                </a14:hiddenEffects>
-              </a:ext>
-            </a:extLst>
-          </p:spPr>
-          <p:txBody>
-            <a:bodyPr wrap="none" anchor="ctr"/>
-            <a:lstStyle/>
-            <a:p>
-              <a:endParaRPr lang="en-US"/>
-            </a:p>
-          </p:txBody>
-        </p:sp>
-        <p:sp>
-          <p:nvSpPr>
-            <p:cNvPr id="65634" name="Oval 98"/>
-            <p:cNvSpPr>
-              <a:spLocks noChangeArrowheads="1"/>
-            </p:cNvSpPr>
-            <p:nvPr/>
-          </p:nvSpPr>
-          <p:spPr bwMode="auto">
-            <a:xfrm>
-              <a:off x="3138" y="2834"/>
-              <a:ext cx="31" cy="32"/>
-            </a:xfrm>
-            <a:prstGeom prst="ellipse">
-              <a:avLst/>
-            </a:prstGeom>
-            <a:solidFill>
-              <a:schemeClr val="bg1"/>
-            </a:solidFill>
-            <a:ln w="3175">
-              <a:solidFill>
-                <a:schemeClr val="bg1"/>
-              </a:solidFill>
-              <a:round/>
-              <a:headEnd/>
-              <a:tailEnd/>
-            </a:ln>
-            <a:effectLst/>
-            <a:extLst>
-              <a:ext uri="{AF507438-7753-43E0-B8FC-AC1667EBCBE1}">
-                <a14:hiddenEffects xmlns:a14="http://schemas.microsoft.com/office/drawing/2010/main">
-                  <a:effectLst>
-                    <a:outerShdw dist="35921" dir="2700000" algn="ctr" rotWithShape="0">
-                      <a:schemeClr val="bg2"/>
-                    </a:outerShdw>
-                  </a:effectLst>
-                </a14:hiddenEffects>
-              </a:ext>
-            </a:extLst>
-          </p:spPr>
-          <p:txBody>
-            <a:bodyPr wrap="none" anchor="ctr"/>
-            <a:lstStyle/>
-            <a:p>
-              <a:endParaRPr lang="en-US"/>
-            </a:p>
-          </p:txBody>
-        </p:sp>
-        <p:sp>
-          <p:nvSpPr>
-            <p:cNvPr id="65635" name="Oval 99"/>
-            <p:cNvSpPr>
-              <a:spLocks noChangeArrowheads="1"/>
-            </p:cNvSpPr>
-            <p:nvPr/>
-          </p:nvSpPr>
-          <p:spPr bwMode="auto">
-            <a:xfrm>
-              <a:off x="3194" y="2851"/>
-              <a:ext cx="32" cy="32"/>
-            </a:xfrm>
-            <a:prstGeom prst="ellipse">
-              <a:avLst/>
-            </a:prstGeom>
-            <a:solidFill>
-              <a:schemeClr val="bg1"/>
-            </a:solidFill>
-            <a:ln w="3175">
-              <a:solidFill>
-                <a:schemeClr val="bg1"/>
-              </a:solidFill>
-              <a:round/>
-              <a:headEnd/>
-              <a:tailEnd/>
-            </a:ln>
-            <a:effectLst/>
-            <a:extLst>
-              <a:ext uri="{AF507438-7753-43E0-B8FC-AC1667EBCBE1}">
-                <a14:hiddenEffects xmlns:a14="http://schemas.microsoft.com/office/drawing/2010/main">
-                  <a:effectLst>
-                    <a:outerShdw dist="35921" dir="2700000" algn="ctr" rotWithShape="0">
-                      <a:schemeClr val="bg2"/>
-                    </a:outerShdw>
-                  </a:effectLst>
-                </a14:hiddenEffects>
-              </a:ext>
-            </a:extLst>
-          </p:spPr>
-          <p:txBody>
-            <a:bodyPr wrap="none" anchor="ctr"/>
-            <a:lstStyle/>
-            <a:p>
-              <a:endParaRPr lang="en-US"/>
-            </a:p>
-          </p:txBody>
-        </p:sp>
-        <p:sp>
-          <p:nvSpPr>
-            <p:cNvPr id="65636" name="Oval 100"/>
-            <p:cNvSpPr>
-              <a:spLocks noChangeArrowheads="1"/>
-            </p:cNvSpPr>
-            <p:nvPr/>
-          </p:nvSpPr>
-          <p:spPr bwMode="auto">
-            <a:xfrm>
-              <a:off x="3250" y="2868"/>
-              <a:ext cx="32" cy="32"/>
-            </a:xfrm>
-            <a:prstGeom prst="ellipse">
-              <a:avLst/>
-            </a:prstGeom>
-            <a:solidFill>
-              <a:schemeClr val="bg1"/>
-            </a:solidFill>
-            <a:ln w="3175">
-              <a:solidFill>
-                <a:schemeClr val="bg1"/>
-              </a:solidFill>
-              <a:round/>
-              <a:headEnd/>
-              <a:tailEnd/>
-            </a:ln>
-            <a:effectLst/>
-            <a:extLst>
-              <a:ext uri="{AF507438-7753-43E0-B8FC-AC1667EBCBE1}">
-                <a14:hiddenEffects xmlns:a14="http://schemas.microsoft.com/office/drawing/2010/main">
-                  <a:effectLst>
-                    <a:outerShdw dist="35921" dir="2700000" algn="ctr" rotWithShape="0">
-                      <a:schemeClr val="bg2"/>
-                    </a:outerShdw>
-                  </a:effectLst>
-                </a14:hiddenEffects>
-              </a:ext>
-            </a:extLst>
-          </p:spPr>
-          <p:txBody>
-            <a:bodyPr wrap="none" anchor="ctr"/>
-            <a:lstStyle/>
-            <a:p>
-              <a:endParaRPr lang="en-US"/>
-            </a:p>
-          </p:txBody>
-        </p:sp>
-        <p:sp>
-          <p:nvSpPr>
-            <p:cNvPr id="65637" name="Oval 101"/>
-            <p:cNvSpPr>
-              <a:spLocks noChangeArrowheads="1"/>
-            </p:cNvSpPr>
-            <p:nvPr/>
-          </p:nvSpPr>
-          <p:spPr bwMode="auto">
-            <a:xfrm>
-              <a:off x="3250" y="3031"/>
-              <a:ext cx="32" cy="32"/>
-            </a:xfrm>
-            <a:prstGeom prst="ellipse">
-              <a:avLst/>
-            </a:prstGeom>
-            <a:solidFill>
-              <a:schemeClr val="bg1"/>
-            </a:solidFill>
-            <a:ln w="3175">
-              <a:solidFill>
-                <a:schemeClr val="bg1"/>
-              </a:solidFill>
-              <a:round/>
-              <a:headEnd/>
-              <a:tailEnd/>
-            </a:ln>
-            <a:effectLst/>
-            <a:extLst>
-              <a:ext uri="{AF507438-7753-43E0-B8FC-AC1667EBCBE1}">
-                <a14:hiddenEffects xmlns:a14="http://schemas.microsoft.com/office/drawing/2010/main">
-                  <a:effectLst>
-                    <a:outerShdw dist="35921" dir="2700000" algn="ctr" rotWithShape="0">
-                      <a:schemeClr val="bg2"/>
-                    </a:outerShdw>
-                  </a:effectLst>
-                </a14:hiddenEffects>
-              </a:ext>
-            </a:extLst>
-          </p:spPr>
-          <p:txBody>
-            <a:bodyPr wrap="none" anchor="ctr"/>
-            <a:lstStyle/>
-            <a:p>
-              <a:endParaRPr lang="en-US"/>
-            </a:p>
-          </p:txBody>
-        </p:sp>
-        <p:sp>
-          <p:nvSpPr>
-            <p:cNvPr id="65638" name="Oval 102"/>
-            <p:cNvSpPr>
-              <a:spLocks noChangeArrowheads="1"/>
-            </p:cNvSpPr>
-            <p:nvPr/>
-          </p:nvSpPr>
-          <p:spPr bwMode="auto">
-            <a:xfrm>
-              <a:off x="3272" y="2952"/>
-              <a:ext cx="32" cy="32"/>
-            </a:xfrm>
-            <a:prstGeom prst="ellipse">
-              <a:avLst/>
-            </a:prstGeom>
-            <a:solidFill>
-              <a:schemeClr val="bg1"/>
-            </a:solidFill>
-            <a:ln w="3175">
-              <a:solidFill>
-                <a:schemeClr val="bg1"/>
-              </a:solidFill>
-              <a:round/>
-              <a:headEnd/>
-              <a:tailEnd/>
-            </a:ln>
-            <a:effectLst/>
-            <a:extLst>
-              <a:ext uri="{AF507438-7753-43E0-B8FC-AC1667EBCBE1}">
-                <a14:hiddenEffects xmlns:a14="http://schemas.microsoft.com/office/drawing/2010/main">
-                  <a:effectLst>
-                    <a:outerShdw dist="35921" dir="2700000" algn="ctr" rotWithShape="0">
-                      <a:schemeClr val="bg2"/>
-                    </a:outerShdw>
-                  </a:effectLst>
-                </a14:hiddenEffects>
-              </a:ext>
-            </a:extLst>
-          </p:spPr>
-          <p:txBody>
-            <a:bodyPr wrap="none" anchor="ctr"/>
-            <a:lstStyle/>
-            <a:p>
-              <a:endParaRPr lang="en-US"/>
-            </a:p>
-          </p:txBody>
-        </p:sp>
-        <p:sp>
-          <p:nvSpPr>
-            <p:cNvPr id="65639" name="Oval 103"/>
-            <p:cNvSpPr>
-              <a:spLocks noChangeArrowheads="1"/>
-            </p:cNvSpPr>
-            <p:nvPr/>
-          </p:nvSpPr>
-          <p:spPr bwMode="auto">
-            <a:xfrm>
-              <a:off x="3211" y="3048"/>
-              <a:ext cx="31" cy="32"/>
-            </a:xfrm>
-            <a:prstGeom prst="ellipse">
-              <a:avLst/>
-            </a:prstGeom>
-            <a:solidFill>
-              <a:schemeClr val="bg1"/>
-            </a:solidFill>
-            <a:ln w="3175">
-              <a:solidFill>
-                <a:schemeClr val="bg1"/>
-              </a:solidFill>
-              <a:round/>
-              <a:headEnd/>
-              <a:tailEnd/>
-            </a:ln>
-            <a:effectLst/>
-            <a:extLst>
-              <a:ext uri="{AF507438-7753-43E0-B8FC-AC1667EBCBE1}">
-                <a14:hiddenEffects xmlns:a14="http://schemas.microsoft.com/office/drawing/2010/main">
-                  <a:effectLst>
-                    <a:outerShdw dist="35921" dir="2700000" algn="ctr" rotWithShape="0">
-                      <a:schemeClr val="bg2"/>
-                    </a:outerShdw>
-                  </a:effectLst>
-                </a14:hiddenEffects>
-              </a:ext>
-            </a:extLst>
-          </p:spPr>
-          <p:txBody>
-            <a:bodyPr wrap="none" anchor="ctr"/>
-            <a:lstStyle/>
-            <a:p>
-              <a:endParaRPr lang="en-US"/>
-            </a:p>
-          </p:txBody>
-        </p:sp>
-        <p:sp>
-          <p:nvSpPr>
-            <p:cNvPr id="65640" name="Oval 104"/>
-            <p:cNvSpPr>
-              <a:spLocks noChangeArrowheads="1"/>
-            </p:cNvSpPr>
-            <p:nvPr/>
-          </p:nvSpPr>
-          <p:spPr bwMode="auto">
-            <a:xfrm>
-              <a:off x="3149" y="3144"/>
-              <a:ext cx="32" cy="31"/>
-            </a:xfrm>
-            <a:prstGeom prst="ellipse">
-              <a:avLst/>
-            </a:prstGeom>
-            <a:solidFill>
-              <a:schemeClr val="bg1"/>
-            </a:solidFill>
-            <a:ln w="3175">
-              <a:solidFill>
-                <a:schemeClr val="bg1"/>
-              </a:solidFill>
-              <a:round/>
-              <a:headEnd/>
-              <a:tailEnd/>
-            </a:ln>
-            <a:effectLst/>
-            <a:extLst>
-              <a:ext uri="{AF507438-7753-43E0-B8FC-AC1667EBCBE1}">
-                <a14:hiddenEffects xmlns:a14="http://schemas.microsoft.com/office/drawing/2010/main">
-                  <a:effectLst>
-                    <a:outerShdw dist="35921" dir="2700000" algn="ctr" rotWithShape="0">
-                      <a:schemeClr val="bg2"/>
-                    </a:outerShdw>
-                  </a:effectLst>
-                </a14:hiddenEffects>
-              </a:ext>
-            </a:extLst>
-          </p:spPr>
-          <p:txBody>
-            <a:bodyPr wrap="none" anchor="ctr"/>
-            <a:lstStyle/>
-            <a:p>
-              <a:endParaRPr lang="en-US"/>
-            </a:p>
-          </p:txBody>
-        </p:sp>
-      </p:grpSp>
-      <p:graphicFrame>
-        <p:nvGraphicFramePr>
-          <p:cNvPr id="65643" name="Object 107"/>
-          <p:cNvGraphicFramePr>
-            <a:graphicFrameLocks noChangeAspect="1"/>
-          </p:cNvGraphicFramePr>
-          <p:nvPr/>
-        </p:nvGraphicFramePr>
-        <p:xfrm>
-          <a:off x="4787900" y="3195638"/>
-          <a:ext cx="533400" cy="368300"/>
-        </p:xfrm>
-        <a:graphic>
-          <a:graphicData uri="http://schemas.openxmlformats.org/presentationml/2006/ole">
-            <mc:AlternateContent xmlns:mc="http://schemas.openxmlformats.org/markup-compatibility/2006">
-              <mc:Choice xmlns:v="urn:schemas-microsoft-com:vml" Requires="v">
-                <p:oleObj spid="_x0000_s1028" name="Equation" r:id="rId4" imgW="533160" imgH="368280" progId="Equation.DSMT4">
-                  <p:embed/>
-                </p:oleObj>
-              </mc:Choice>
-              <mc:Fallback>
-                <p:oleObj name="Equation" r:id="rId4" imgW="533160" imgH="368280" progId="Equation.DSMT4">
-                  <p:embed/>
-                  <p:pic>
-                    <p:nvPicPr>
-                      <p:cNvPr id="65643" name="Object 107"/>
-                      <p:cNvPicPr>
-                        <a:picLocks noChangeAspect="1" noChangeArrowheads="1"/>
-                      </p:cNvPicPr>
-                      <p:nvPr/>
-                    </p:nvPicPr>
-                    <p:blipFill>
-                      <a:blip r:embed="rId5">
-                        <a:extLst>
-                          <a:ext uri="{28A0092B-C50C-407E-A947-70E740481C1C}">
-                            <a14:useLocalDpi xmlns:a14="http://schemas.microsoft.com/office/drawing/2010/main" val="0"/>
-                          </a:ext>
-                        </a:extLst>
-                      </a:blip>
-                      <a:srcRect/>
-                      <a:stretch>
-                        <a:fillRect/>
-                      </a:stretch>
-                    </p:blipFill>
-                    <p:spPr bwMode="auto">
-                      <a:xfrm>
-                        <a:off x="4787900" y="3195638"/>
-                        <a:ext cx="533400" cy="368300"/>
-                      </a:xfrm>
-                      <a:prstGeom prst="rect">
-                        <a:avLst/>
-                      </a:prstGeom>
-                      <a:noFill/>
-                      <a:ln>
-                        <a:noFill/>
-                      </a:ln>
-                      <a:effectLst/>
-                      <a:extLst>
-                        <a:ext uri="{909E8E84-426E-40DD-AFC4-6F175D3DCCD1}">
-                          <a14:hiddenFill xmlns:a14="http://schemas.microsoft.com/office/drawing/2010/main">
-                            <a:solidFill>
-                              <a:schemeClr val="bg1"/>
-                            </a:solidFill>
-                          </a14:hiddenFill>
-                        </a:ext>
-                        <a:ext uri="{91240B29-F687-4F45-9708-019B960494DF}">
-                          <a14:hiddenLine xmlns:a14="http://schemas.microsoft.com/office/drawing/2010/main" w="12700">
-                            <a:solidFill>
-                              <a:schemeClr val="tx1"/>
-                            </a:solidFill>
-                            <a:miter lim="800000"/>
-                            <a:headEnd type="none" w="lg" len="med"/>
-                            <a:tailEnd type="none" w="lg" len="med"/>
-                          </a14:hiddenLine>
-                        </a:ext>
-                        <a:ext uri="{AF507438-7753-43E0-B8FC-AC1667EBCBE1}">
-                          <a14:hiddenEffects xmlns:a14="http://schemas.microsoft.com/office/drawing/2010/main">
-                            <a:effectLst>
-                              <a:outerShdw dist="35921" dir="2700000" algn="ctr" rotWithShape="0">
-                                <a:schemeClr val="bg2"/>
-                              </a:outerShdw>
-                            </a:effectLst>
-                          </a14:hiddenEffects>
-                        </a:ext>
-                      </a:extLst>
-                    </p:spPr>
-                  </p:pic>
-                </p:oleObj>
-              </mc:Fallback>
-            </mc:AlternateContent>
-          </a:graphicData>
-        </a:graphic>
-      </p:graphicFrame>
-      <p:sp>
-        <p:nvSpPr>
-          <p:cNvPr id="65644" name="Line 108"/>
-          <p:cNvSpPr>
-            <a:spLocks noChangeShapeType="1"/>
-          </p:cNvSpPr>
-          <p:nvPr/>
-        </p:nvSpPr>
-        <p:spPr bwMode="auto">
-          <a:xfrm flipV="1">
-            <a:off x="5000625" y="3567113"/>
-            <a:ext cx="0" cy="304800"/>
-          </a:xfrm>
-          <a:prstGeom prst="line">
-            <a:avLst/>
-          </a:prstGeom>
-          <a:noFill/>
-          <a:ln w="12700">
-            <a:solidFill>
-              <a:schemeClr val="tx1"/>
-            </a:solidFill>
-            <a:round/>
-            <a:headEnd/>
-            <a:tailEnd type="triangle" w="med" len="med"/>
-          </a:ln>
-          <a:effectLst/>
-          <a:extLst>
-            <a:ext uri="{909E8E84-426E-40DD-AFC4-6F175D3DCCD1}">
-              <a14:hiddenFill xmlns:a14="http://schemas.microsoft.com/office/drawing/2010/main">
-                <a:noFill/>
-              </a14:hiddenFill>
-            </a:ext>
-            <a:ext uri="{AF507438-7753-43E0-B8FC-AC1667EBCBE1}">
-              <a14:hiddenEffects xmlns:a14="http://schemas.microsoft.com/office/drawing/2010/main">
-                <a:effectLst>
-                  <a:outerShdw dist="35921" dir="2700000" algn="ctr" rotWithShape="0">
-                    <a:schemeClr val="bg2"/>
-                  </a:outerShdw>
-                </a:effectLst>
-              </a14:hiddenEffects>
-            </a:ext>
-          </a:extLst>
-        </p:spPr>
-        <p:txBody>
-          <a:bodyPr wrap="none" anchor="ctr">
-            <a:spAutoFit/>
-          </a:bodyPr>
-          <a:lstStyle/>
-          <a:p>
-            <a:endParaRPr lang="en-US"/>
-          </a:p>
-        </p:txBody>
-      </p:sp>
-      <p:sp>
-        <p:nvSpPr>
-          <p:cNvPr id="65736" name="Text Box 200"/>
-          <p:cNvSpPr txBox="1">
-            <a:spLocks noChangeArrowheads="1"/>
-          </p:cNvSpPr>
-          <p:nvPr/>
-        </p:nvSpPr>
-        <p:spPr bwMode="auto">
-          <a:xfrm>
-            <a:off x="4243388" y="4937125"/>
-            <a:ext cx="565150" cy="457200"/>
-          </a:xfrm>
-          <a:prstGeom prst="rect">
-            <a:avLst/>
-          </a:prstGeom>
-          <a:noFill/>
-          <a:ln>
-            <a:noFill/>
-          </a:ln>
-          <a:effectLst/>
-          <a:extLst>
-            <a:ext uri="{909E8E84-426E-40DD-AFC4-6F175D3DCCD1}">
-              <a14:hiddenFill xmlns:a14="http://schemas.microsoft.com/office/drawing/2010/main">
-                <a:solidFill>
-                  <a:schemeClr val="bg1"/>
-                </a:solidFill>
-              </a14:hiddenFill>
-            </a:ext>
-            <a:ext uri="{91240B29-F687-4F45-9708-019B960494DF}">
-              <a14:hiddenLine xmlns:a14="http://schemas.microsoft.com/office/drawing/2010/main" w="12700">
-                <a:solidFill>
-                  <a:schemeClr val="tx1"/>
-                </a:solidFill>
-                <a:miter lim="800000"/>
-                <a:headEnd/>
-                <a:tailEnd/>
-              </a14:hiddenLine>
-            </a:ext>
-            <a:ext uri="{AF507438-7753-43E0-B8FC-AC1667EBCBE1}">
-              <a14:hiddenEffects xmlns:a14="http://schemas.microsoft.com/office/drawing/2010/main">
-                <a:effectLst>
-                  <a:outerShdw dist="35921" dir="2700000" algn="ctr" rotWithShape="0">
-                    <a:schemeClr val="bg2"/>
-                  </a:outerShdw>
-                </a:effectLst>
-              </a14:hiddenEffects>
-            </a:ext>
-          </a:extLst>
-        </p:spPr>
-        <p:txBody>
-          <a:bodyPr wrap="none">
-            <a:spAutoFit/>
-          </a:bodyPr>
-          <a:lstStyle/>
-          <a:p>
-            <a:r>
-              <a:rPr lang="en-US" altLang="en-US" sz="2400"/>
-              <a:t>4 h</a:t>
-            </a:r>
-          </a:p>
-        </p:txBody>
-      </p:sp>
-      <p:sp>
-        <p:nvSpPr>
-          <p:cNvPr id="65742" name="Freeform 206"/>
-          <p:cNvSpPr>
-            <a:spLocks/>
-          </p:cNvSpPr>
-          <p:nvPr/>
-        </p:nvSpPr>
-        <p:spPr bwMode="auto">
-          <a:xfrm>
-            <a:off x="1279525" y="4840288"/>
-            <a:ext cx="7864475" cy="2017712"/>
-          </a:xfrm>
-          <a:custGeom>
-            <a:avLst/>
-            <a:gdLst>
-              <a:gd name="T0" fmla="*/ 4522 w 4954"/>
-              <a:gd name="T1" fmla="*/ 0 h 599"/>
-              <a:gd name="T2" fmla="*/ 4315 w 4954"/>
-              <a:gd name="T3" fmla="*/ 521 h 599"/>
-              <a:gd name="T4" fmla="*/ 690 w 4954"/>
-              <a:gd name="T5" fmla="*/ 468 h 599"/>
-              <a:gd name="T6" fmla="*/ 173 w 4954"/>
-              <a:gd name="T7" fmla="*/ 23 h 599"/>
-            </a:gdLst>
-            <a:ahLst/>
-            <a:cxnLst>
-              <a:cxn ang="0">
-                <a:pos x="T0" y="T1"/>
-              </a:cxn>
-              <a:cxn ang="0">
-                <a:pos x="T2" y="T3"/>
-              </a:cxn>
-              <a:cxn ang="0">
-                <a:pos x="T4" y="T5"/>
-              </a:cxn>
-              <a:cxn ang="0">
-                <a:pos x="T6" y="T7"/>
-              </a:cxn>
-            </a:cxnLst>
-            <a:rect l="0" t="0" r="r" b="b"/>
-            <a:pathLst>
-              <a:path w="4954" h="599">
-                <a:moveTo>
-                  <a:pt x="4522" y="0"/>
-                </a:moveTo>
-                <a:cubicBezTo>
-                  <a:pt x="4684" y="15"/>
-                  <a:pt x="4954" y="443"/>
-                  <a:pt x="4315" y="521"/>
-                </a:cubicBezTo>
-                <a:cubicBezTo>
-                  <a:pt x="3677" y="599"/>
-                  <a:pt x="1380" y="551"/>
-                  <a:pt x="690" y="468"/>
-                </a:cubicBezTo>
-                <a:cubicBezTo>
-                  <a:pt x="0" y="385"/>
-                  <a:pt x="178" y="276"/>
-                  <a:pt x="173" y="23"/>
-                </a:cubicBezTo>
-              </a:path>
-            </a:pathLst>
-          </a:custGeom>
-          <a:noFill/>
-          <a:ln w="28575" cap="flat" cmpd="sng">
-            <a:solidFill>
-              <a:schemeClr val="tx1"/>
-            </a:solidFill>
-            <a:prstDash val="solid"/>
-            <a:round/>
-            <a:headEnd/>
-            <a:tailEnd type="triangle" w="med" len="med"/>
-          </a:ln>
-          <a:effectLst/>
-          <a:extLst>
-            <a:ext uri="{909E8E84-426E-40DD-AFC4-6F175D3DCCD1}">
-              <a14:hiddenFill xmlns:a14="http://schemas.microsoft.com/office/drawing/2010/main">
-                <a:solidFill>
-                  <a:schemeClr val="bg1"/>
-                </a:solidFill>
-              </a14:hiddenFill>
-            </a:ext>
-            <a:ext uri="{AF507438-7753-43E0-B8FC-AC1667EBCBE1}">
-              <a14:hiddenEffects xmlns:a14="http://schemas.microsoft.com/office/drawing/2010/main">
-                <a:effectLst>
-                  <a:outerShdw dist="35921" dir="2700000" algn="ctr" rotWithShape="0">
-                    <a:schemeClr val="bg2"/>
-                  </a:outerShdw>
-                </a:effectLst>
-              </a14:hiddenEffects>
-            </a:ext>
-          </a:extLst>
-        </p:spPr>
-        <p:txBody>
-          <a:bodyPr anchor="ctr">
-            <a:spAutoFit/>
-          </a:bodyPr>
-          <a:lstStyle/>
-          <a:p>
-            <a:endParaRPr lang="en-US"/>
-          </a:p>
-        </p:txBody>
-      </p:sp>
-      <p:sp>
-        <p:nvSpPr>
-          <p:cNvPr id="65743" name="Text Box 207"/>
-          <p:cNvSpPr txBox="1">
-            <a:spLocks noChangeArrowheads="1"/>
-          </p:cNvSpPr>
-          <p:nvPr/>
-        </p:nvSpPr>
-        <p:spPr bwMode="auto">
-          <a:xfrm>
-            <a:off x="4554538" y="3783013"/>
-            <a:ext cx="930275" cy="457200"/>
-          </a:xfrm>
-          <a:prstGeom prst="rect">
-            <a:avLst/>
-          </a:prstGeom>
-          <a:noFill/>
-          <a:ln>
-            <a:noFill/>
-          </a:ln>
-          <a:effectLst>
-            <a:outerShdw dist="35921" dir="2700000" algn="ctr" rotWithShape="0">
-              <a:schemeClr val="bg2"/>
-            </a:outerShdw>
-          </a:effectLst>
-          <a:extLst>
-            <a:ext uri="{909E8E84-426E-40DD-AFC4-6F175D3DCCD1}">
-              <a14:hiddenFill xmlns:a14="http://schemas.microsoft.com/office/drawing/2010/main">
-                <a:solidFill>
-                  <a:schemeClr val="bg1"/>
-                </a:solidFill>
-              </a14:hiddenFill>
-            </a:ext>
-            <a:ext uri="{91240B29-F687-4F45-9708-019B960494DF}">
-              <a14:hiddenLine xmlns:a14="http://schemas.microsoft.com/office/drawing/2010/main" w="12700">
-                <a:solidFill>
-                  <a:schemeClr val="tx1"/>
-                </a:solidFill>
-                <a:miter lim="800000"/>
-                <a:headEnd/>
-                <a:tailEnd/>
-              </a14:hiddenLine>
-            </a:ext>
-          </a:extLst>
-        </p:spPr>
-        <p:txBody>
-          <a:bodyPr wrap="none">
-            <a:spAutoFit/>
-          </a:bodyPr>
-          <a:lstStyle/>
-          <a:p>
-            <a:r>
-              <a:rPr lang="en-US" altLang="en-US" sz="2400">
-                <a:solidFill>
-                  <a:schemeClr val="accent1"/>
-                </a:solidFill>
-              </a:rPr>
-              <a:t>BOD</a:t>
-            </a:r>
-            <a:r>
-              <a:rPr lang="en-US" altLang="en-US" sz="2400" baseline="30000">
-                <a:solidFill>
-                  <a:schemeClr val="accent1"/>
-                </a:solidFill>
-              </a:rPr>
-              <a:t>0</a:t>
-            </a:r>
-            <a:endParaRPr lang="en-US" altLang="en-US" sz="2400">
-              <a:solidFill>
-                <a:schemeClr val="accent1"/>
-              </a:solidFill>
-            </a:endParaRPr>
-          </a:p>
-        </p:txBody>
-      </p:sp>
-      <p:sp>
-        <p:nvSpPr>
-          <p:cNvPr id="65747" name="Text Box 211"/>
-          <p:cNvSpPr txBox="1">
-            <a:spLocks noChangeArrowheads="1"/>
-          </p:cNvSpPr>
-          <p:nvPr/>
-        </p:nvSpPr>
-        <p:spPr bwMode="auto">
-          <a:xfrm>
-            <a:off x="3878263" y="4327525"/>
-            <a:ext cx="1233487" cy="457200"/>
-          </a:xfrm>
-          <a:prstGeom prst="rect">
-            <a:avLst/>
-          </a:prstGeom>
-          <a:noFill/>
-          <a:ln>
-            <a:noFill/>
-          </a:ln>
-          <a:effectLst>
-            <a:outerShdw dist="35921" dir="2700000" algn="ctr" rotWithShape="0">
-              <a:schemeClr val="bg2"/>
-            </a:outerShdw>
-          </a:effectLst>
-          <a:extLst>
-            <a:ext uri="{909E8E84-426E-40DD-AFC4-6F175D3DCCD1}">
-              <a14:hiddenFill xmlns:a14="http://schemas.microsoft.com/office/drawing/2010/main">
-                <a:solidFill>
-                  <a:schemeClr val="bg1"/>
-                </a:solidFill>
-              </a14:hiddenFill>
-            </a:ext>
-            <a:ext uri="{91240B29-F687-4F45-9708-019B960494DF}">
-              <a14:hiddenLine xmlns:a14="http://schemas.microsoft.com/office/drawing/2010/main" w="12700">
-                <a:solidFill>
-                  <a:schemeClr val="tx1"/>
-                </a:solidFill>
-                <a:miter lim="800000"/>
-                <a:headEnd/>
-                <a:tailEnd/>
-              </a14:hiddenLine>
-            </a:ext>
-          </a:extLst>
-        </p:spPr>
-        <p:txBody>
-          <a:bodyPr wrap="none">
-            <a:spAutoFit/>
-          </a:bodyPr>
-          <a:lstStyle/>
-          <a:p>
-            <a:r>
-              <a:rPr lang="en-US" altLang="en-US" sz="2400">
-                <a:solidFill>
-                  <a:schemeClr val="accent1"/>
-                </a:solidFill>
-              </a:rPr>
-              <a:t>Biomass</a:t>
-            </a:r>
-          </a:p>
-        </p:txBody>
-      </p:sp>
-      <p:sp>
-        <p:nvSpPr>
-          <p:cNvPr id="65752" name="Rectangle 216"/>
-          <p:cNvSpPr>
-            <a:spLocks noChangeArrowheads="1"/>
-          </p:cNvSpPr>
-          <p:nvPr/>
-        </p:nvSpPr>
-        <p:spPr bwMode="auto">
-          <a:xfrm>
-            <a:off x="434975" y="3757613"/>
-            <a:ext cx="1560513" cy="765175"/>
-          </a:xfrm>
-          <a:prstGeom prst="rect">
-            <a:avLst/>
-          </a:prstGeom>
-          <a:solidFill>
-            <a:schemeClr val="bg1"/>
-          </a:solidFill>
-          <a:ln>
-            <a:noFill/>
-          </a:ln>
-          <a:effectLst/>
-          <a:extLst>
-            <a:ext uri="{91240B29-F687-4F45-9708-019B960494DF}">
-              <a14:hiddenLine xmlns:a14="http://schemas.microsoft.com/office/drawing/2010/main" w="57150">
-                <a:solidFill>
-                  <a:schemeClr val="bg1"/>
-                </a:solidFill>
-                <a:miter lim="800000"/>
-                <a:headEnd/>
-                <a:tailEnd/>
-              </a14:hiddenLine>
-            </a:ext>
-            <a:ext uri="{AF507438-7753-43E0-B8FC-AC1667EBCBE1}">
-              <a14:hiddenEffects xmlns:a14="http://schemas.microsoft.com/office/drawing/2010/main">
-                <a:effectLst>
-                  <a:outerShdw dist="35921" dir="2700000" algn="ctr" rotWithShape="0">
-                    <a:schemeClr val="bg2"/>
-                  </a:outerShdw>
-                </a:effectLst>
-              </a14:hiddenEffects>
-            </a:ext>
-          </a:extLst>
-        </p:spPr>
-        <p:txBody>
-          <a:bodyPr anchor="ctr">
-            <a:spAutoFit/>
-          </a:bodyPr>
-          <a:lstStyle/>
-          <a:p>
-            <a:endParaRPr lang="en-US"/>
-          </a:p>
-        </p:txBody>
-      </p:sp>
-      <p:sp>
-        <p:nvSpPr>
-          <p:cNvPr id="65754" name="Rectangle 218"/>
-          <p:cNvSpPr>
-            <a:spLocks noChangeArrowheads="1"/>
-          </p:cNvSpPr>
-          <p:nvPr/>
-        </p:nvSpPr>
-        <p:spPr bwMode="auto">
-          <a:xfrm>
-            <a:off x="434975" y="3963988"/>
-            <a:ext cx="1560513" cy="560387"/>
-          </a:xfrm>
-          <a:prstGeom prst="rect">
-            <a:avLst/>
-          </a:prstGeom>
-          <a:solidFill>
-            <a:schemeClr val="hlink"/>
-          </a:solidFill>
-          <a:ln>
-            <a:noFill/>
-          </a:ln>
-          <a:effectLst/>
-          <a:extLst>
-            <a:ext uri="{91240B29-F687-4F45-9708-019B960494DF}">
-              <a14:hiddenLine xmlns:a14="http://schemas.microsoft.com/office/drawing/2010/main" w="57150">
-                <a:solidFill>
-                  <a:schemeClr val="bg1"/>
-                </a:solidFill>
-                <a:miter lim="800000"/>
-                <a:headEnd/>
-                <a:tailEnd/>
-              </a14:hiddenLine>
-            </a:ext>
-            <a:ext uri="{AF507438-7753-43E0-B8FC-AC1667EBCBE1}">
-              <a14:hiddenEffects xmlns:a14="http://schemas.microsoft.com/office/drawing/2010/main">
-                <a:effectLst>
-                  <a:outerShdw dist="35921" dir="2700000" algn="ctr" rotWithShape="0">
-                    <a:schemeClr val="bg2"/>
-                  </a:outerShdw>
-                </a:effectLst>
-              </a14:hiddenEffects>
-            </a:ext>
-          </a:extLst>
-        </p:spPr>
-        <p:txBody>
-          <a:bodyPr anchor="ctr">
-            <a:spAutoFit/>
-          </a:bodyPr>
-          <a:lstStyle/>
-          <a:p>
-            <a:endParaRPr lang="en-US"/>
-          </a:p>
-        </p:txBody>
-      </p:sp>
-      <p:sp>
-        <p:nvSpPr>
-          <p:cNvPr id="65755" name="AutoShape 219" descr="Trellis"/>
-          <p:cNvSpPr>
-            <a:spLocks noChangeArrowheads="1"/>
-          </p:cNvSpPr>
-          <p:nvPr/>
-        </p:nvSpPr>
-        <p:spPr bwMode="auto">
-          <a:xfrm>
-            <a:off x="2085975" y="3640138"/>
-            <a:ext cx="1600200" cy="1219200"/>
-          </a:xfrm>
-          <a:prstGeom prst="roundRect">
-            <a:avLst>
-              <a:gd name="adj" fmla="val 12500"/>
-            </a:avLst>
-          </a:prstGeom>
-          <a:pattFill prst="trellis">
-            <a:fgClr>
-              <a:schemeClr val="accent2"/>
-            </a:fgClr>
-            <a:bgClr>
-              <a:schemeClr val="hlink"/>
-            </a:bgClr>
-          </a:pattFill>
-          <a:ln w="38100">
-            <a:solidFill>
-              <a:schemeClr val="tx1"/>
-            </a:solidFill>
-            <a:round/>
-            <a:headEnd/>
-            <a:tailEnd/>
-          </a:ln>
-          <a:effectLst/>
-          <a:extLst>
-            <a:ext uri="{AF507438-7753-43E0-B8FC-AC1667EBCBE1}">
-              <a14:hiddenEffects xmlns:a14="http://schemas.microsoft.com/office/drawing/2010/main">
-                <a:effectLst>
-                  <a:outerShdw dist="35921" dir="2700000" algn="ctr" rotWithShape="0">
-                    <a:schemeClr val="bg2"/>
-                  </a:outerShdw>
-                </a:effectLst>
-              </a14:hiddenEffects>
-            </a:ext>
-          </a:extLst>
-        </p:spPr>
-        <p:txBody>
-          <a:bodyPr wrap="none" anchor="ctr">
-            <a:spAutoFit/>
-          </a:bodyPr>
-          <a:lstStyle/>
-          <a:p>
-            <a:endParaRPr lang="en-US"/>
-          </a:p>
-        </p:txBody>
-      </p:sp>
-      <p:sp>
-        <p:nvSpPr>
-          <p:cNvPr id="65756" name="Rectangle 220"/>
-          <p:cNvSpPr>
-            <a:spLocks noChangeArrowheads="1"/>
-          </p:cNvSpPr>
-          <p:nvPr/>
-        </p:nvSpPr>
-        <p:spPr bwMode="auto">
-          <a:xfrm>
-            <a:off x="2085975" y="3627438"/>
-            <a:ext cx="1600200" cy="152400"/>
-          </a:xfrm>
-          <a:prstGeom prst="rect">
-            <a:avLst/>
-          </a:prstGeom>
-          <a:solidFill>
-            <a:schemeClr val="bg1"/>
-          </a:solidFill>
-          <a:ln w="57150">
-            <a:solidFill>
-              <a:schemeClr val="bg1"/>
-            </a:solidFill>
-            <a:miter lim="800000"/>
-            <a:headEnd/>
-            <a:tailEnd/>
-          </a:ln>
-          <a:effectLst/>
-          <a:extLst>
-            <a:ext uri="{AF507438-7753-43E0-B8FC-AC1667EBCBE1}">
-              <a14:hiddenEffects xmlns:a14="http://schemas.microsoft.com/office/drawing/2010/main">
-                <a:effectLst>
-                  <a:outerShdw dist="35921" dir="2700000" algn="ctr" rotWithShape="0">
-                    <a:schemeClr val="bg2"/>
-                  </a:outerShdw>
-                </a:effectLst>
-              </a14:hiddenEffects>
-            </a:ext>
-          </a:extLst>
-        </p:spPr>
-        <p:txBody>
-          <a:bodyPr wrap="none" anchor="ctr">
-            <a:spAutoFit/>
-          </a:bodyPr>
-          <a:lstStyle/>
-          <a:p>
-            <a:endParaRPr lang="en-US"/>
-          </a:p>
-        </p:txBody>
-      </p:sp>
-      <p:sp>
-        <p:nvSpPr>
-          <p:cNvPr id="65757" name="Line 221"/>
-          <p:cNvSpPr>
-            <a:spLocks noChangeShapeType="1"/>
-          </p:cNvSpPr>
-          <p:nvPr/>
-        </p:nvSpPr>
-        <p:spPr bwMode="auto">
-          <a:xfrm flipV="1">
-            <a:off x="2085975" y="3716338"/>
-            <a:ext cx="0" cy="152400"/>
-          </a:xfrm>
-          <a:prstGeom prst="line">
-            <a:avLst/>
-          </a:prstGeom>
-          <a:noFill/>
-          <a:ln w="38100">
-            <a:solidFill>
-              <a:schemeClr val="tx1"/>
-            </a:solidFill>
-            <a:round/>
-            <a:headEnd/>
-            <a:tailEnd/>
-          </a:ln>
-          <a:effectLst/>
-          <a:extLst>
-            <a:ext uri="{909E8E84-426E-40DD-AFC4-6F175D3DCCD1}">
-              <a14:hiddenFill xmlns:a14="http://schemas.microsoft.com/office/drawing/2010/main">
-                <a:noFill/>
-              </a14:hiddenFill>
-            </a:ext>
-            <a:ext uri="{AF507438-7753-43E0-B8FC-AC1667EBCBE1}">
-              <a14:hiddenEffects xmlns:a14="http://schemas.microsoft.com/office/drawing/2010/main">
-                <a:effectLst>
-                  <a:outerShdw dist="35921" dir="2700000" algn="ctr" rotWithShape="0">
-                    <a:schemeClr val="bg2"/>
-                  </a:outerShdw>
-                </a:effectLst>
-              </a14:hiddenEffects>
-            </a:ext>
-          </a:extLst>
-        </p:spPr>
-        <p:txBody>
-          <a:bodyPr wrap="none" anchor="ctr">
-            <a:spAutoFit/>
-          </a:bodyPr>
-          <a:lstStyle/>
-          <a:p>
-            <a:endParaRPr lang="en-US"/>
-          </a:p>
-        </p:txBody>
-      </p:sp>
-      <p:sp>
-        <p:nvSpPr>
-          <p:cNvPr id="65758" name="Line 222"/>
-          <p:cNvSpPr>
-            <a:spLocks noChangeShapeType="1"/>
-          </p:cNvSpPr>
-          <p:nvPr/>
-        </p:nvSpPr>
-        <p:spPr bwMode="auto">
-          <a:xfrm flipV="1">
-            <a:off x="3686175" y="3716338"/>
-            <a:ext cx="0" cy="152400"/>
-          </a:xfrm>
-          <a:prstGeom prst="line">
-            <a:avLst/>
-          </a:prstGeom>
-          <a:noFill/>
-          <a:ln w="38100">
-            <a:solidFill>
-              <a:schemeClr val="tx1"/>
-            </a:solidFill>
-            <a:round/>
-            <a:headEnd/>
-            <a:tailEnd/>
-          </a:ln>
-          <a:effectLst/>
-          <a:extLst>
-            <a:ext uri="{909E8E84-426E-40DD-AFC4-6F175D3DCCD1}">
-              <a14:hiddenFill xmlns:a14="http://schemas.microsoft.com/office/drawing/2010/main">
-                <a:noFill/>
-              </a14:hiddenFill>
-            </a:ext>
-            <a:ext uri="{AF507438-7753-43E0-B8FC-AC1667EBCBE1}">
-              <a14:hiddenEffects xmlns:a14="http://schemas.microsoft.com/office/drawing/2010/main">
-                <a:effectLst>
-                  <a:outerShdw dist="35921" dir="2700000" algn="ctr" rotWithShape="0">
-                    <a:schemeClr val="bg2"/>
-                  </a:outerShdw>
-                </a:effectLst>
-              </a14:hiddenEffects>
-            </a:ext>
-          </a:extLst>
-        </p:spPr>
-        <p:txBody>
-          <a:bodyPr wrap="none" anchor="ctr">
-            <a:spAutoFit/>
-          </a:bodyPr>
-          <a:lstStyle/>
-          <a:p>
-            <a:endParaRPr lang="en-US"/>
-          </a:p>
-        </p:txBody>
-      </p:sp>
-      <p:sp>
-        <p:nvSpPr>
-          <p:cNvPr id="65760" name="Rectangle 224"/>
-          <p:cNvSpPr>
-            <a:spLocks noChangeArrowheads="1"/>
-          </p:cNvSpPr>
-          <p:nvPr/>
-        </p:nvSpPr>
-        <p:spPr bwMode="auto">
-          <a:xfrm>
-            <a:off x="2105025" y="3946525"/>
-            <a:ext cx="1565275" cy="557213"/>
-          </a:xfrm>
-          <a:prstGeom prst="rect">
-            <a:avLst/>
-          </a:prstGeom>
-          <a:solidFill>
-            <a:schemeClr val="hlink"/>
-          </a:solidFill>
-          <a:ln>
-            <a:noFill/>
-          </a:ln>
-          <a:effectLst/>
-          <a:extLst>
-            <a:ext uri="{91240B29-F687-4F45-9708-019B960494DF}">
-              <a14:hiddenLine xmlns:a14="http://schemas.microsoft.com/office/drawing/2010/main" w="57150">
-                <a:solidFill>
-                  <a:schemeClr val="bg1"/>
-                </a:solidFill>
-                <a:miter lim="800000"/>
-                <a:headEnd/>
-                <a:tailEnd/>
-              </a14:hiddenLine>
-            </a:ext>
-            <a:ext uri="{AF507438-7753-43E0-B8FC-AC1667EBCBE1}">
-              <a14:hiddenEffects xmlns:a14="http://schemas.microsoft.com/office/drawing/2010/main">
-                <a:effectLst>
-                  <a:outerShdw dist="35921" dir="2700000" algn="ctr" rotWithShape="0">
-                    <a:schemeClr val="bg2"/>
-                  </a:outerShdw>
-                </a:effectLst>
-              </a14:hiddenEffects>
-            </a:ext>
-          </a:extLst>
-        </p:spPr>
-        <p:txBody>
-          <a:bodyPr anchor="ctr">
-            <a:spAutoFit/>
-          </a:bodyPr>
-          <a:lstStyle/>
-          <a:p>
-            <a:endParaRPr lang="en-US"/>
-          </a:p>
-        </p:txBody>
-      </p:sp>
-      <p:grpSp>
-        <p:nvGrpSpPr>
-          <p:cNvPr id="65761" name="Group 225"/>
-          <p:cNvGrpSpPr>
-            <a:grpSpLocks/>
-          </p:cNvGrpSpPr>
-          <p:nvPr/>
-        </p:nvGrpSpPr>
-        <p:grpSpPr bwMode="auto">
-          <a:xfrm>
-            <a:off x="7142163" y="3641725"/>
-            <a:ext cx="1600200" cy="1219200"/>
-            <a:chOff x="4608" y="2976"/>
-            <a:chExt cx="1008" cy="768"/>
-          </a:xfrm>
-        </p:grpSpPr>
-        <p:sp>
-          <p:nvSpPr>
-            <p:cNvPr id="65762" name="AutoShape 226"/>
-            <p:cNvSpPr>
-              <a:spLocks noChangeArrowheads="1"/>
-            </p:cNvSpPr>
-            <p:nvPr/>
-          </p:nvSpPr>
-          <p:spPr bwMode="auto">
-            <a:xfrm>
-              <a:off x="4608" y="2976"/>
-              <a:ext cx="1008" cy="768"/>
-            </a:xfrm>
-            <a:prstGeom prst="roundRect">
-              <a:avLst>
-                <a:gd name="adj" fmla="val 12500"/>
-              </a:avLst>
-            </a:prstGeom>
-            <a:gradFill rotWithShape="0">
-              <a:gsLst>
-                <a:gs pos="0">
-                  <a:schemeClr val="hlink"/>
-                </a:gs>
-                <a:gs pos="100000">
-                  <a:schemeClr val="accent2"/>
-                </a:gs>
-              </a:gsLst>
-              <a:lin ang="5400000" scaled="1"/>
-            </a:gradFill>
-            <a:ln w="38100">
-              <a:solidFill>
-                <a:schemeClr val="tx1"/>
-              </a:solidFill>
-              <a:round/>
-              <a:headEnd/>
-              <a:tailEnd/>
-            </a:ln>
-            <a:effectLst/>
-            <a:extLst>
-              <a:ext uri="{AF507438-7753-43E0-B8FC-AC1667EBCBE1}">
-                <a14:hiddenEffects xmlns:a14="http://schemas.microsoft.com/office/drawing/2010/main">
-                  <a:effectLst>
-                    <a:outerShdw dist="35921" dir="2700000" algn="ctr" rotWithShape="0">
-                      <a:schemeClr val="bg2"/>
-                    </a:outerShdw>
-                  </a:effectLst>
-                </a14:hiddenEffects>
-              </a:ext>
-            </a:extLst>
-          </p:spPr>
-          <p:txBody>
-            <a:bodyPr wrap="none" anchor="ctr">
-              <a:spAutoFit/>
-            </a:bodyPr>
-            <a:lstStyle/>
-            <a:p>
-              <a:endParaRPr lang="en-US"/>
-            </a:p>
-          </p:txBody>
-        </p:sp>
-        <p:sp>
-          <p:nvSpPr>
-            <p:cNvPr id="65763" name="Rectangle 227"/>
-            <p:cNvSpPr>
-              <a:spLocks noChangeArrowheads="1"/>
-            </p:cNvSpPr>
-            <p:nvPr/>
-          </p:nvSpPr>
-          <p:spPr bwMode="auto">
-            <a:xfrm>
-              <a:off x="4608" y="2976"/>
-              <a:ext cx="1008" cy="96"/>
-            </a:xfrm>
-            <a:prstGeom prst="rect">
-              <a:avLst/>
-            </a:prstGeom>
-            <a:solidFill>
-              <a:schemeClr val="bg1"/>
-            </a:solidFill>
-            <a:ln w="57150">
-              <a:solidFill>
-                <a:schemeClr val="bg1"/>
-              </a:solidFill>
-              <a:miter lim="800000"/>
-              <a:headEnd/>
-              <a:tailEnd/>
-            </a:ln>
-            <a:effectLst/>
-            <a:extLst>
-              <a:ext uri="{AF507438-7753-43E0-B8FC-AC1667EBCBE1}">
-                <a14:hiddenEffects xmlns:a14="http://schemas.microsoft.com/office/drawing/2010/main">
-                  <a:effectLst>
-                    <a:outerShdw dist="35921" dir="2700000" algn="ctr" rotWithShape="0">
-                      <a:schemeClr val="bg2"/>
-                    </a:outerShdw>
-                  </a:effectLst>
-                </a14:hiddenEffects>
-              </a:ext>
-            </a:extLst>
-          </p:spPr>
-          <p:txBody>
-            <a:bodyPr wrap="none" anchor="ctr">
-              <a:spAutoFit/>
-            </a:bodyPr>
-            <a:lstStyle/>
-            <a:p>
-              <a:endParaRPr lang="en-US"/>
-            </a:p>
-          </p:txBody>
-        </p:sp>
-        <p:sp>
-          <p:nvSpPr>
-            <p:cNvPr id="65764" name="Line 228"/>
-            <p:cNvSpPr>
-              <a:spLocks noChangeShapeType="1"/>
-            </p:cNvSpPr>
-            <p:nvPr/>
-          </p:nvSpPr>
-          <p:spPr bwMode="auto">
-            <a:xfrm flipV="1">
-              <a:off x="4608" y="3024"/>
-              <a:ext cx="0" cy="96"/>
-            </a:xfrm>
-            <a:prstGeom prst="line">
-              <a:avLst/>
-            </a:prstGeom>
-            <a:noFill/>
-            <a:ln w="38100">
-              <a:solidFill>
-                <a:schemeClr val="tx1"/>
-              </a:solidFill>
-              <a:round/>
-              <a:headEnd/>
-              <a:tailEnd/>
-            </a:ln>
-            <a:effectLst/>
-            <a:extLst>
-              <a:ext uri="{909E8E84-426E-40DD-AFC4-6F175D3DCCD1}">
-                <a14:hiddenFill xmlns:a14="http://schemas.microsoft.com/office/drawing/2010/main">
-                  <a:noFill/>
-                </a14:hiddenFill>
-              </a:ext>
-              <a:ext uri="{AF507438-7753-43E0-B8FC-AC1667EBCBE1}">
-                <a14:hiddenEffects xmlns:a14="http://schemas.microsoft.com/office/drawing/2010/main">
-                  <a:effectLst>
-                    <a:outerShdw dist="35921" dir="2700000" algn="ctr" rotWithShape="0">
-                      <a:schemeClr val="bg2"/>
-                    </a:outerShdw>
-                  </a:effectLst>
-                </a14:hiddenEffects>
-              </a:ext>
-            </a:extLst>
-          </p:spPr>
-          <p:txBody>
-            <a:bodyPr wrap="none" anchor="ctr">
-              <a:spAutoFit/>
-            </a:bodyPr>
-            <a:lstStyle/>
-            <a:p>
-              <a:endParaRPr lang="en-US"/>
-            </a:p>
-          </p:txBody>
-        </p:sp>
-        <p:sp>
-          <p:nvSpPr>
-            <p:cNvPr id="65765" name="Line 229"/>
-            <p:cNvSpPr>
-              <a:spLocks noChangeShapeType="1"/>
-            </p:cNvSpPr>
-            <p:nvPr/>
-          </p:nvSpPr>
-          <p:spPr bwMode="auto">
-            <a:xfrm flipV="1">
-              <a:off x="5616" y="3024"/>
-              <a:ext cx="0" cy="96"/>
-            </a:xfrm>
-            <a:prstGeom prst="line">
-              <a:avLst/>
-            </a:prstGeom>
-            <a:noFill/>
-            <a:ln w="38100">
-              <a:solidFill>
-                <a:schemeClr val="tx1"/>
-              </a:solidFill>
-              <a:round/>
-              <a:headEnd/>
-              <a:tailEnd/>
-            </a:ln>
-            <a:effectLst/>
-            <a:extLst>
-              <a:ext uri="{909E8E84-426E-40DD-AFC4-6F175D3DCCD1}">
-                <a14:hiddenFill xmlns:a14="http://schemas.microsoft.com/office/drawing/2010/main">
-                  <a:noFill/>
-                </a14:hiddenFill>
-              </a:ext>
-              <a:ext uri="{AF507438-7753-43E0-B8FC-AC1667EBCBE1}">
-                <a14:hiddenEffects xmlns:a14="http://schemas.microsoft.com/office/drawing/2010/main">
-                  <a:effectLst>
-                    <a:outerShdw dist="35921" dir="2700000" algn="ctr" rotWithShape="0">
-                      <a:schemeClr val="bg2"/>
-                    </a:outerShdw>
-                  </a:effectLst>
-                </a14:hiddenEffects>
-              </a:ext>
-            </a:extLst>
-          </p:spPr>
-          <p:txBody>
-            <a:bodyPr wrap="none" anchor="ctr">
-              <a:spAutoFit/>
-            </a:bodyPr>
-            <a:lstStyle/>
-            <a:p>
-              <a:endParaRPr lang="en-US"/>
-            </a:p>
-          </p:txBody>
-        </p:sp>
-      </p:grpSp>
-      <p:sp>
-        <p:nvSpPr>
-          <p:cNvPr id="65766" name="Rectangle 230"/>
-          <p:cNvSpPr>
-            <a:spLocks noChangeArrowheads="1"/>
-          </p:cNvSpPr>
-          <p:nvPr/>
-        </p:nvSpPr>
-        <p:spPr bwMode="auto">
-          <a:xfrm>
-            <a:off x="7169150" y="3773488"/>
-            <a:ext cx="1550988" cy="715962"/>
-          </a:xfrm>
-          <a:prstGeom prst="rect">
-            <a:avLst/>
-          </a:prstGeom>
-          <a:solidFill>
-            <a:schemeClr val="bg1"/>
-          </a:solidFill>
-          <a:ln>
-            <a:noFill/>
-          </a:ln>
-          <a:effectLst/>
-          <a:extLst>
-            <a:ext uri="{91240B29-F687-4F45-9708-019B960494DF}">
-              <a14:hiddenLine xmlns:a14="http://schemas.microsoft.com/office/drawing/2010/main" w="57150">
-                <a:solidFill>
-                  <a:schemeClr val="bg1"/>
-                </a:solidFill>
-                <a:miter lim="800000"/>
-                <a:headEnd/>
-                <a:tailEnd/>
-              </a14:hiddenLine>
-            </a:ext>
-            <a:ext uri="{AF507438-7753-43E0-B8FC-AC1667EBCBE1}">
-              <a14:hiddenEffects xmlns:a14="http://schemas.microsoft.com/office/drawing/2010/main">
-                <a:effectLst>
-                  <a:outerShdw dist="35921" dir="2700000" algn="ctr" rotWithShape="0">
-                    <a:schemeClr val="bg2"/>
-                  </a:outerShdw>
-                </a:effectLst>
-              </a14:hiddenEffects>
-            </a:ext>
-          </a:extLst>
-        </p:spPr>
-        <p:txBody>
-          <a:bodyPr anchor="ctr">
-            <a:spAutoFit/>
-          </a:bodyPr>
-          <a:lstStyle/>
-          <a:p>
-            <a:endParaRPr lang="en-US"/>
-          </a:p>
-        </p:txBody>
-      </p:sp>
-      <p:sp>
-        <p:nvSpPr>
-          <p:cNvPr id="65767" name="Text Box 231"/>
-          <p:cNvSpPr txBox="1">
-            <a:spLocks noChangeArrowheads="1"/>
-          </p:cNvSpPr>
-          <p:nvPr/>
-        </p:nvSpPr>
-        <p:spPr bwMode="auto">
-          <a:xfrm>
-            <a:off x="646113" y="2198688"/>
-            <a:ext cx="1204912" cy="822325"/>
-          </a:xfrm>
-          <a:prstGeom prst="rect">
-            <a:avLst/>
-          </a:prstGeom>
-          <a:noFill/>
-          <a:ln>
-            <a:noFill/>
-          </a:ln>
-          <a:effectLst/>
-          <a:extLst>
-            <a:ext uri="{909E8E84-426E-40DD-AFC4-6F175D3DCCD1}">
-              <a14:hiddenFill xmlns:a14="http://schemas.microsoft.com/office/drawing/2010/main">
-                <a:solidFill>
-                  <a:schemeClr val="bg1"/>
-                </a:solidFill>
-              </a14:hiddenFill>
-            </a:ext>
-            <a:ext uri="{91240B29-F687-4F45-9708-019B960494DF}">
-              <a14:hiddenLine xmlns:a14="http://schemas.microsoft.com/office/drawing/2010/main" w="12700">
-                <a:solidFill>
-                  <a:schemeClr val="tx1"/>
-                </a:solidFill>
-                <a:miter lim="800000"/>
-                <a:headEnd type="none" w="lg" len="med"/>
-                <a:tailEnd type="none" w="lg" len="med"/>
-              </a14:hiddenLine>
-            </a:ext>
-            <a:ext uri="{AF507438-7753-43E0-B8FC-AC1667EBCBE1}">
-              <a14:hiddenEffects xmlns:a14="http://schemas.microsoft.com/office/drawing/2010/main">
-                <a:effectLst>
-                  <a:outerShdw dist="35921" dir="2700000" algn="ctr" rotWithShape="0">
-                    <a:schemeClr val="bg2"/>
-                  </a:outerShdw>
-                </a:effectLst>
-              </a14:hiddenEffects>
-            </a:ext>
-          </a:extLst>
-        </p:spPr>
-        <p:txBody>
-          <a:bodyPr>
-            <a:spAutoFit/>
-          </a:bodyPr>
-          <a:lstStyle/>
-          <a:p>
-            <a:pPr algn="ctr"/>
-            <a:r>
-              <a:rPr lang="en-US" altLang="en-US" sz="2400"/>
-              <a:t>Add tap water</a:t>
-            </a:r>
-          </a:p>
-        </p:txBody>
-      </p:sp>
-      <p:sp>
-        <p:nvSpPr>
-          <p:cNvPr id="65768" name="Rectangle 232"/>
-          <p:cNvSpPr>
-            <a:spLocks noChangeArrowheads="1"/>
-          </p:cNvSpPr>
-          <p:nvPr/>
-        </p:nvSpPr>
-        <p:spPr bwMode="auto">
-          <a:xfrm>
-            <a:off x="2117725" y="3748088"/>
-            <a:ext cx="1550988" cy="220662"/>
-          </a:xfrm>
-          <a:prstGeom prst="rect">
-            <a:avLst/>
-          </a:prstGeom>
-          <a:solidFill>
-            <a:schemeClr val="bg1"/>
-          </a:solidFill>
-          <a:ln>
-            <a:noFill/>
-          </a:ln>
-          <a:effectLst/>
-          <a:extLst>
-            <a:ext uri="{91240B29-F687-4F45-9708-019B960494DF}">
-              <a14:hiddenLine xmlns:a14="http://schemas.microsoft.com/office/drawing/2010/main" w="57150">
-                <a:solidFill>
-                  <a:schemeClr val="bg1"/>
-                </a:solidFill>
-                <a:miter lim="800000"/>
-                <a:headEnd/>
-                <a:tailEnd/>
-              </a14:hiddenLine>
-            </a:ext>
-            <a:ext uri="{AF507438-7753-43E0-B8FC-AC1667EBCBE1}">
-              <a14:hiddenEffects xmlns:a14="http://schemas.microsoft.com/office/drawing/2010/main">
-                <a:effectLst>
-                  <a:outerShdw dist="35921" dir="2700000" algn="ctr" rotWithShape="0">
-                    <a:schemeClr val="bg2"/>
-                  </a:outerShdw>
-                </a:effectLst>
-              </a14:hiddenEffects>
-            </a:ext>
-          </a:extLst>
-        </p:spPr>
-        <p:txBody>
-          <a:bodyPr anchor="ctr">
-            <a:spAutoFit/>
-          </a:bodyPr>
-          <a:lstStyle/>
-          <a:p>
-            <a:endParaRPr lang="en-US"/>
-          </a:p>
-        </p:txBody>
-      </p:sp>
-      <p:sp>
-        <p:nvSpPr>
-          <p:cNvPr id="65759" name="Rectangle 223"/>
-          <p:cNvSpPr>
-            <a:spLocks noChangeArrowheads="1"/>
-          </p:cNvSpPr>
-          <p:nvPr/>
-        </p:nvSpPr>
-        <p:spPr bwMode="auto">
-          <a:xfrm>
-            <a:off x="2105025" y="3811588"/>
-            <a:ext cx="1565275" cy="160337"/>
-          </a:xfrm>
-          <a:prstGeom prst="rect">
-            <a:avLst/>
-          </a:prstGeom>
-          <a:solidFill>
-            <a:schemeClr val="accent2"/>
-          </a:solidFill>
-          <a:ln>
-            <a:noFill/>
-          </a:ln>
-          <a:effectLst/>
-          <a:extLst>
-            <a:ext uri="{91240B29-F687-4F45-9708-019B960494DF}">
-              <a14:hiddenLine xmlns:a14="http://schemas.microsoft.com/office/drawing/2010/main" w="57150">
-                <a:solidFill>
-                  <a:schemeClr val="bg1"/>
-                </a:solidFill>
-                <a:miter lim="800000"/>
-                <a:headEnd/>
-                <a:tailEnd/>
-              </a14:hiddenLine>
-            </a:ext>
-            <a:ext uri="{AF507438-7753-43E0-B8FC-AC1667EBCBE1}">
-              <a14:hiddenEffects xmlns:a14="http://schemas.microsoft.com/office/drawing/2010/main">
-                <a:effectLst>
-                  <a:outerShdw dist="35921" dir="2700000" algn="ctr" rotWithShape="0">
-                    <a:schemeClr val="bg2"/>
-                  </a:outerShdw>
-                </a:effectLst>
-              </a14:hiddenEffects>
-            </a:ext>
-          </a:extLst>
-        </p:spPr>
-        <p:txBody>
-          <a:bodyPr anchor="ctr">
-            <a:spAutoFit/>
-          </a:bodyPr>
-          <a:lstStyle/>
-          <a:p>
-            <a:endParaRPr lang="en-US"/>
-          </a:p>
-        </p:txBody>
-      </p:sp>
-      <p:sp>
-        <p:nvSpPr>
-          <p:cNvPr id="65769" name="Text Box 233"/>
-          <p:cNvSpPr txBox="1">
-            <a:spLocks noChangeArrowheads="1"/>
-          </p:cNvSpPr>
-          <p:nvPr/>
-        </p:nvSpPr>
-        <p:spPr bwMode="auto">
-          <a:xfrm>
-            <a:off x="2028825" y="2198688"/>
-            <a:ext cx="1754188" cy="1187450"/>
-          </a:xfrm>
-          <a:prstGeom prst="rect">
-            <a:avLst/>
-          </a:prstGeom>
-          <a:noFill/>
-          <a:ln>
-            <a:noFill/>
-          </a:ln>
-          <a:effectLst/>
-          <a:extLst>
-            <a:ext uri="{909E8E84-426E-40DD-AFC4-6F175D3DCCD1}">
-              <a14:hiddenFill xmlns:a14="http://schemas.microsoft.com/office/drawing/2010/main">
-                <a:solidFill>
-                  <a:schemeClr val="bg1"/>
-                </a:solidFill>
-              </a14:hiddenFill>
-            </a:ext>
-            <a:ext uri="{91240B29-F687-4F45-9708-019B960494DF}">
-              <a14:hiddenLine xmlns:a14="http://schemas.microsoft.com/office/drawing/2010/main" w="12700">
-                <a:solidFill>
-                  <a:schemeClr val="tx1"/>
-                </a:solidFill>
-                <a:miter lim="800000"/>
-                <a:headEnd type="none" w="lg" len="med"/>
-                <a:tailEnd type="none" w="lg" len="med"/>
-              </a14:hiddenLine>
-            </a:ext>
-            <a:ext uri="{AF507438-7753-43E0-B8FC-AC1667EBCBE1}">
-              <a14:hiddenEffects xmlns:a14="http://schemas.microsoft.com/office/drawing/2010/main">
-                <a:effectLst>
-                  <a:outerShdw dist="35921" dir="2700000" algn="ctr" rotWithShape="0">
-                    <a:schemeClr val="bg2"/>
-                  </a:outerShdw>
-                </a:effectLst>
-              </a14:hiddenEffects>
-            </a:ext>
-          </a:extLst>
-        </p:spPr>
-        <p:txBody>
-          <a:bodyPr>
-            <a:spAutoFit/>
-          </a:bodyPr>
-          <a:lstStyle/>
-          <a:p>
-            <a:pPr algn="ctr"/>
-            <a:r>
-              <a:rPr lang="en-US" altLang="en-US" sz="2400"/>
-              <a:t>Add 20x concentrated waste</a:t>
-            </a:r>
-          </a:p>
-        </p:txBody>
-      </p:sp>
-      <p:sp>
-        <p:nvSpPr>
-          <p:cNvPr id="65770" name="Text Box 234"/>
-          <p:cNvSpPr txBox="1">
-            <a:spLocks noChangeArrowheads="1"/>
-          </p:cNvSpPr>
-          <p:nvPr/>
-        </p:nvSpPr>
-        <p:spPr bwMode="auto">
-          <a:xfrm>
-            <a:off x="4025900" y="2198688"/>
-            <a:ext cx="1204913" cy="457200"/>
-          </a:xfrm>
-          <a:prstGeom prst="rect">
-            <a:avLst/>
-          </a:prstGeom>
-          <a:noFill/>
-          <a:ln>
-            <a:noFill/>
-          </a:ln>
-          <a:effectLst/>
-          <a:extLst>
-            <a:ext uri="{909E8E84-426E-40DD-AFC4-6F175D3DCCD1}">
-              <a14:hiddenFill xmlns:a14="http://schemas.microsoft.com/office/drawing/2010/main">
-                <a:solidFill>
-                  <a:schemeClr val="bg1"/>
-                </a:solidFill>
-              </a14:hiddenFill>
-            </a:ext>
-            <a:ext uri="{91240B29-F687-4F45-9708-019B960494DF}">
-              <a14:hiddenLine xmlns:a14="http://schemas.microsoft.com/office/drawing/2010/main" w="12700">
-                <a:solidFill>
-                  <a:schemeClr val="tx1"/>
-                </a:solidFill>
-                <a:miter lim="800000"/>
-                <a:headEnd type="none" w="lg" len="med"/>
-                <a:tailEnd type="none" w="lg" len="med"/>
-              </a14:hiddenLine>
-            </a:ext>
-            <a:ext uri="{AF507438-7753-43E0-B8FC-AC1667EBCBE1}">
-              <a14:hiddenEffects xmlns:a14="http://schemas.microsoft.com/office/drawing/2010/main">
-                <a:effectLst>
-                  <a:outerShdw dist="35921" dir="2700000" algn="ctr" rotWithShape="0">
-                    <a:schemeClr val="bg2"/>
-                  </a:outerShdw>
-                </a:effectLst>
-              </a14:hiddenEffects>
-            </a:ext>
-          </a:extLst>
-        </p:spPr>
-        <p:txBody>
-          <a:bodyPr>
-            <a:spAutoFit/>
-          </a:bodyPr>
-          <a:lstStyle/>
-          <a:p>
-            <a:pPr algn="ctr"/>
-            <a:r>
-              <a:rPr lang="en-US" altLang="en-US" sz="2400"/>
-              <a:t>Aerate</a:t>
-            </a:r>
-          </a:p>
-        </p:txBody>
-      </p:sp>
-      <p:sp>
-        <p:nvSpPr>
-          <p:cNvPr id="65771" name="Text Box 235"/>
-          <p:cNvSpPr txBox="1">
-            <a:spLocks noChangeArrowheads="1"/>
-          </p:cNvSpPr>
-          <p:nvPr/>
-        </p:nvSpPr>
-        <p:spPr bwMode="auto">
-          <a:xfrm>
-            <a:off x="5637213" y="2198688"/>
-            <a:ext cx="1204912" cy="457200"/>
-          </a:xfrm>
-          <a:prstGeom prst="rect">
-            <a:avLst/>
-          </a:prstGeom>
-          <a:noFill/>
-          <a:ln>
-            <a:noFill/>
-          </a:ln>
-          <a:effectLst/>
-          <a:extLst>
-            <a:ext uri="{909E8E84-426E-40DD-AFC4-6F175D3DCCD1}">
-              <a14:hiddenFill xmlns:a14="http://schemas.microsoft.com/office/drawing/2010/main">
-                <a:solidFill>
-                  <a:schemeClr val="bg1"/>
-                </a:solidFill>
-              </a14:hiddenFill>
-            </a:ext>
-            <a:ext uri="{91240B29-F687-4F45-9708-019B960494DF}">
-              <a14:hiddenLine xmlns:a14="http://schemas.microsoft.com/office/drawing/2010/main" w="12700">
-                <a:solidFill>
-                  <a:schemeClr val="tx1"/>
-                </a:solidFill>
-                <a:miter lim="800000"/>
-                <a:headEnd type="none" w="lg" len="med"/>
-                <a:tailEnd type="none" w="lg" len="med"/>
-              </a14:hiddenLine>
-            </a:ext>
-            <a:ext uri="{AF507438-7753-43E0-B8FC-AC1667EBCBE1}">
-              <a14:hiddenEffects xmlns:a14="http://schemas.microsoft.com/office/drawing/2010/main">
-                <a:effectLst>
-                  <a:outerShdw dist="35921" dir="2700000" algn="ctr" rotWithShape="0">
-                    <a:schemeClr val="bg2"/>
-                  </a:outerShdw>
-                </a:effectLst>
-              </a14:hiddenEffects>
-            </a:ext>
-          </a:extLst>
-        </p:spPr>
-        <p:txBody>
-          <a:bodyPr>
-            <a:spAutoFit/>
-          </a:bodyPr>
-          <a:lstStyle/>
-          <a:p>
-            <a:pPr algn="ctr"/>
-            <a:r>
-              <a:rPr lang="en-US" altLang="en-US" sz="2400"/>
-              <a:t>Settle</a:t>
-            </a:r>
-          </a:p>
-        </p:txBody>
-      </p:sp>
-      <p:sp>
-        <p:nvSpPr>
-          <p:cNvPr id="65772" name="Text Box 236"/>
-          <p:cNvSpPr txBox="1">
-            <a:spLocks noChangeArrowheads="1"/>
-          </p:cNvSpPr>
-          <p:nvPr/>
-        </p:nvSpPr>
-        <p:spPr bwMode="auto">
-          <a:xfrm>
-            <a:off x="7110413" y="2198688"/>
-            <a:ext cx="1724025" cy="1187450"/>
-          </a:xfrm>
-          <a:prstGeom prst="rect">
-            <a:avLst/>
-          </a:prstGeom>
-          <a:noFill/>
-          <a:ln>
-            <a:noFill/>
-          </a:ln>
-          <a:effectLst/>
-          <a:extLst>
-            <a:ext uri="{909E8E84-426E-40DD-AFC4-6F175D3DCCD1}">
-              <a14:hiddenFill xmlns:a14="http://schemas.microsoft.com/office/drawing/2010/main">
-                <a:solidFill>
-                  <a:schemeClr val="bg1"/>
-                </a:solidFill>
-              </a14:hiddenFill>
-            </a:ext>
-            <a:ext uri="{91240B29-F687-4F45-9708-019B960494DF}">
-              <a14:hiddenLine xmlns:a14="http://schemas.microsoft.com/office/drawing/2010/main" w="12700">
-                <a:solidFill>
-                  <a:schemeClr val="tx1"/>
-                </a:solidFill>
-                <a:miter lim="800000"/>
-                <a:headEnd type="none" w="lg" len="med"/>
-                <a:tailEnd type="none" w="lg" len="med"/>
-              </a14:hiddenLine>
-            </a:ext>
-            <a:ext uri="{AF507438-7753-43E0-B8FC-AC1667EBCBE1}">
-              <a14:hiddenEffects xmlns:a14="http://schemas.microsoft.com/office/drawing/2010/main">
-                <a:effectLst>
-                  <a:outerShdw dist="35921" dir="2700000" algn="ctr" rotWithShape="0">
-                    <a:schemeClr val="bg2"/>
-                  </a:outerShdw>
-                </a:effectLst>
-              </a14:hiddenEffects>
-            </a:ext>
-          </a:extLst>
-        </p:spPr>
-        <p:txBody>
-          <a:bodyPr>
-            <a:spAutoFit/>
-          </a:bodyPr>
-          <a:lstStyle/>
-          <a:p>
-            <a:pPr algn="ctr"/>
-            <a:r>
-              <a:rPr lang="en-US" altLang="en-US" sz="2400"/>
-              <a:t>Discharge Clean Supernatant</a:t>
-            </a:r>
-          </a:p>
-        </p:txBody>
-      </p:sp>
-      <p:sp>
-        <p:nvSpPr>
-          <p:cNvPr id="65773" name="Rectangle 237"/>
-          <p:cNvSpPr>
-            <a:spLocks noChangeArrowheads="1"/>
-          </p:cNvSpPr>
-          <p:nvPr/>
-        </p:nvSpPr>
-        <p:spPr bwMode="auto">
-          <a:xfrm>
-            <a:off x="7169150" y="3930650"/>
-            <a:ext cx="1560513" cy="560388"/>
-          </a:xfrm>
-          <a:prstGeom prst="rect">
-            <a:avLst/>
-          </a:prstGeom>
-          <a:solidFill>
-            <a:schemeClr val="hlink"/>
-          </a:solidFill>
-          <a:ln>
-            <a:noFill/>
-          </a:ln>
-          <a:effectLst/>
-          <a:extLst>
-            <a:ext uri="{91240B29-F687-4F45-9708-019B960494DF}">
-              <a14:hiddenLine xmlns:a14="http://schemas.microsoft.com/office/drawing/2010/main" w="57150">
-                <a:solidFill>
-                  <a:schemeClr val="bg1"/>
-                </a:solidFill>
-                <a:miter lim="800000"/>
-                <a:headEnd/>
-                <a:tailEnd/>
-              </a14:hiddenLine>
-            </a:ext>
-            <a:ext uri="{AF507438-7753-43E0-B8FC-AC1667EBCBE1}">
-              <a14:hiddenEffects xmlns:a14="http://schemas.microsoft.com/office/drawing/2010/main">
-                <a:effectLst>
-                  <a:outerShdw dist="35921" dir="2700000" algn="ctr" rotWithShape="0">
-                    <a:schemeClr val="bg2"/>
-                  </a:outerShdw>
-                </a:effectLst>
-              </a14:hiddenEffects>
-            </a:ext>
-          </a:extLst>
-        </p:spPr>
-        <p:txBody>
-          <a:bodyPr anchor="ctr">
-            <a:spAutoFit/>
-          </a:bodyPr>
-          <a:lstStyle/>
-          <a:p>
-            <a:endParaRPr lang="en-US"/>
-          </a:p>
-        </p:txBody>
-      </p:sp>
-      <p:sp>
-        <p:nvSpPr>
-          <p:cNvPr id="65774" name="Rectangle 238"/>
-          <p:cNvSpPr>
-            <a:spLocks noChangeArrowheads="1"/>
-          </p:cNvSpPr>
-          <p:nvPr/>
-        </p:nvSpPr>
-        <p:spPr bwMode="auto">
-          <a:xfrm>
-            <a:off x="7165975" y="3775075"/>
-            <a:ext cx="1560513" cy="717550"/>
-          </a:xfrm>
-          <a:prstGeom prst="rect">
-            <a:avLst/>
-          </a:prstGeom>
-          <a:solidFill>
-            <a:schemeClr val="bg1"/>
-          </a:solidFill>
-          <a:ln>
-            <a:noFill/>
-          </a:ln>
-          <a:effectLst/>
-          <a:extLst>
-            <a:ext uri="{91240B29-F687-4F45-9708-019B960494DF}">
-              <a14:hiddenLine xmlns:a14="http://schemas.microsoft.com/office/drawing/2010/main" w="57150">
-                <a:solidFill>
-                  <a:schemeClr val="bg1"/>
-                </a:solidFill>
-                <a:miter lim="800000"/>
-                <a:headEnd/>
-                <a:tailEnd/>
-              </a14:hiddenLine>
-            </a:ext>
-            <a:ext uri="{AF507438-7753-43E0-B8FC-AC1667EBCBE1}">
-              <a14:hiddenEffects xmlns:a14="http://schemas.microsoft.com/office/drawing/2010/main">
-                <a:effectLst>
-                  <a:outerShdw dist="35921" dir="2700000" algn="ctr" rotWithShape="0">
-                    <a:schemeClr val="bg2"/>
-                  </a:outerShdw>
-                </a:effectLst>
-              </a14:hiddenEffects>
-            </a:ext>
-          </a:extLst>
-        </p:spPr>
-        <p:txBody>
-          <a:bodyPr anchor="ctr">
-            <a:spAutoFit/>
-          </a:bodyPr>
-          <a:lstStyle/>
-          <a:p>
-            <a:endParaRPr lang="en-US"/>
-          </a:p>
-        </p:txBody>
-      </p:sp>
-      <p:graphicFrame>
-        <p:nvGraphicFramePr>
-          <p:cNvPr id="65775" name="Object 239"/>
-          <p:cNvGraphicFramePr>
-            <a:graphicFrameLocks noChangeAspect="1"/>
-          </p:cNvGraphicFramePr>
-          <p:nvPr/>
-        </p:nvGraphicFramePr>
-        <p:xfrm>
-          <a:off x="2211388" y="5006975"/>
-          <a:ext cx="1157287" cy="841375"/>
-        </p:xfrm>
-        <a:graphic>
-          <a:graphicData uri="http://schemas.openxmlformats.org/presentationml/2006/ole">
-            <mc:AlternateContent xmlns:mc="http://schemas.openxmlformats.org/markup-compatibility/2006">
-              <mc:Choice xmlns:v="urn:schemas-microsoft-com:vml" Requires="v">
-                <p:oleObj spid="_x0000_s1029" name="Photo Editor Photo" r:id="rId6" imgW="2685714" imgH="1952898" progId="MSPhotoEd.3">
-                  <p:embed/>
-                </p:oleObj>
-              </mc:Choice>
-              <mc:Fallback>
-                <p:oleObj name="Photo Editor Photo" r:id="rId6" imgW="2685714" imgH="1952898" progId="MSPhotoEd.3">
-                  <p:embed/>
-                  <p:pic>
-                    <p:nvPicPr>
-                      <p:cNvPr id="65775" name="Object 239"/>
-                      <p:cNvPicPr>
-                        <a:picLocks noChangeAspect="1" noChangeArrowheads="1"/>
-                      </p:cNvPicPr>
-                      <p:nvPr/>
-                    </p:nvPicPr>
-                    <p:blipFill>
-                      <a:blip r:embed="rId7">
-                        <a:extLst>
-                          <a:ext uri="{28A0092B-C50C-407E-A947-70E740481C1C}">
-                            <a14:useLocalDpi xmlns:a14="http://schemas.microsoft.com/office/drawing/2010/main" val="0"/>
-                          </a:ext>
-                        </a:extLst>
-                      </a:blip>
-                      <a:srcRect/>
-                      <a:stretch>
-                        <a:fillRect/>
-                      </a:stretch>
-                    </p:blipFill>
-                    <p:spPr bwMode="auto">
-                      <a:xfrm>
-                        <a:off x="2211388" y="5006975"/>
-                        <a:ext cx="1157287" cy="841375"/>
-                      </a:xfrm>
-                      <a:prstGeom prst="rect">
-                        <a:avLst/>
-                      </a:prstGeom>
-                      <a:noFill/>
-                      <a:ln>
-                        <a:noFill/>
-                      </a:ln>
-                      <a:effectLst/>
-                      <a:extLst>
-                        <a:ext uri="{909E8E84-426E-40DD-AFC4-6F175D3DCCD1}">
-                          <a14:hiddenFill xmlns:a14="http://schemas.microsoft.com/office/drawing/2010/main">
-                            <a:solidFill>
-                              <a:srgbClr val="FCFEB9"/>
-                            </a:solidFill>
-                          </a14:hiddenFill>
-                        </a:ext>
-                        <a:ext uri="{91240B29-F687-4F45-9708-019B960494DF}">
-                          <a14:hiddenLine xmlns:a14="http://schemas.microsoft.com/office/drawing/2010/main" w="12700">
-                            <a:solidFill>
-                              <a:schemeClr val="tx1"/>
-                            </a:solidFill>
-                            <a:miter lim="800000"/>
-                            <a:headEnd/>
-                            <a:tailEnd/>
-                          </a14:hiddenLine>
-                        </a:ext>
-                        <a:ext uri="{AF507438-7753-43E0-B8FC-AC1667EBCBE1}">
-                          <a14:hiddenEffects xmlns:a14="http://schemas.microsoft.com/office/drawing/2010/main">
-                            <a:effectLst>
-                              <a:outerShdw dist="35921" dir="2700000" algn="ctr" rotWithShape="0">
-                                <a:schemeClr val="bg2"/>
-                              </a:outerShdw>
-                            </a:effectLst>
-                          </a14:hiddenEffects>
-                        </a:ext>
-                      </a:extLst>
-                    </p:spPr>
-                  </p:pic>
-                </p:oleObj>
-              </mc:Fallback>
-            </mc:AlternateContent>
-          </a:graphicData>
-        </a:graphic>
-      </p:graphicFrame>
-      <p:grpSp>
-        <p:nvGrpSpPr>
-          <p:cNvPr id="65776" name="Group 240"/>
-          <p:cNvGrpSpPr>
-            <a:grpSpLocks/>
-          </p:cNvGrpSpPr>
-          <p:nvPr/>
-        </p:nvGrpSpPr>
-        <p:grpSpPr bwMode="auto">
-          <a:xfrm>
-            <a:off x="3802063" y="4914900"/>
-            <a:ext cx="1587500" cy="869950"/>
-            <a:chOff x="3336" y="2692"/>
-            <a:chExt cx="1000" cy="548"/>
-          </a:xfrm>
-        </p:grpSpPr>
-        <p:sp>
-          <p:nvSpPr>
-            <p:cNvPr id="65777" name="AutoShape 241"/>
-            <p:cNvSpPr>
-              <a:spLocks noChangeArrowheads="1"/>
-            </p:cNvSpPr>
-            <p:nvPr/>
-          </p:nvSpPr>
-          <p:spPr bwMode="auto">
-            <a:xfrm flipV="1">
-              <a:off x="3336" y="2800"/>
-              <a:ext cx="1000" cy="392"/>
-            </a:xfrm>
-            <a:custGeom>
-              <a:avLst/>
-              <a:gdLst>
-                <a:gd name="G0" fmla="+- 1727 0 0"/>
-                <a:gd name="G1" fmla="+- 21600 0 1727"/>
-                <a:gd name="G2" fmla="*/ 1727 1 2"/>
-                <a:gd name="G3" fmla="+- 21600 0 G2"/>
-                <a:gd name="G4" fmla="+/ 1727 21600 2"/>
-                <a:gd name="G5" fmla="+/ G1 0 2"/>
-                <a:gd name="G6" fmla="*/ 21600 21600 1727"/>
-                <a:gd name="G7" fmla="*/ G6 1 2"/>
-                <a:gd name="G8" fmla="+- 21600 0 G7"/>
-                <a:gd name="G9" fmla="*/ 21600 1 2"/>
-                <a:gd name="G10" fmla="+- 1727 0 G9"/>
-                <a:gd name="G11" fmla="?: G10 G8 0"/>
-                <a:gd name="G12" fmla="?: G10 G7 21600"/>
-                <a:gd name="T0" fmla="*/ 20736 w 21600"/>
-                <a:gd name="T1" fmla="*/ 10800 h 21600"/>
-                <a:gd name="T2" fmla="*/ 10800 w 21600"/>
-                <a:gd name="T3" fmla="*/ 21600 h 21600"/>
-                <a:gd name="T4" fmla="*/ 864 w 21600"/>
-                <a:gd name="T5" fmla="*/ 10800 h 21600"/>
-                <a:gd name="T6" fmla="*/ 10800 w 21600"/>
-                <a:gd name="T7" fmla="*/ 0 h 21600"/>
-                <a:gd name="T8" fmla="*/ 2664 w 21600"/>
-                <a:gd name="T9" fmla="*/ 2664 h 21600"/>
-                <a:gd name="T10" fmla="*/ 18936 w 21600"/>
-                <a:gd name="T11" fmla="*/ 18936 h 21600"/>
-              </a:gdLst>
-              <a:ahLst/>
-              <a:cxnLst>
-                <a:cxn ang="0">
-                  <a:pos x="T0" y="T1"/>
-                </a:cxn>
-                <a:cxn ang="0">
-                  <a:pos x="T2" y="T3"/>
-                </a:cxn>
-                <a:cxn ang="0">
-                  <a:pos x="T4" y="T5"/>
-                </a:cxn>
-                <a:cxn ang="0">
-                  <a:pos x="T6" y="T7"/>
-                </a:cxn>
-              </a:cxnLst>
-              <a:rect l="T8" t="T9" r="T10" b="T11"/>
-              <a:pathLst>
-                <a:path w="21600" h="21600">
-                  <a:moveTo>
-                    <a:pt x="0" y="0"/>
-                  </a:moveTo>
-                  <a:lnTo>
-                    <a:pt x="1727" y="21600"/>
-                  </a:lnTo>
-                  <a:lnTo>
-                    <a:pt x="19873" y="21600"/>
-                  </a:lnTo>
-                  <a:lnTo>
-                    <a:pt x="21600" y="0"/>
-                  </a:lnTo>
-                  <a:close/>
-                </a:path>
-              </a:pathLst>
-            </a:custGeom>
-            <a:solidFill>
-              <a:srgbClr val="CF0E30"/>
-            </a:solidFill>
-            <a:ln w="12700">
-              <a:solidFill>
-                <a:schemeClr val="tx1"/>
-              </a:solidFill>
-              <a:miter lim="800000"/>
-              <a:headEnd/>
-              <a:tailEnd/>
-            </a:ln>
-            <a:effectLst/>
-            <a:extLst>
-              <a:ext uri="{AF507438-7753-43E0-B8FC-AC1667EBCBE1}">
-                <a14:hiddenEffects xmlns:a14="http://schemas.microsoft.com/office/drawing/2010/main">
-                  <a:effectLst>
-                    <a:outerShdw dist="35921" dir="2700000" algn="ctr" rotWithShape="0">
-                      <a:schemeClr val="bg2"/>
-                    </a:outerShdw>
-                  </a:effectLst>
-                </a14:hiddenEffects>
-              </a:ext>
-            </a:extLst>
-          </p:spPr>
-          <p:txBody>
-            <a:bodyPr wrap="none" anchor="ctr"/>
-            <a:lstStyle/>
-            <a:p>
-              <a:endParaRPr lang="en-US"/>
-            </a:p>
-          </p:txBody>
-        </p:sp>
-        <p:sp>
-          <p:nvSpPr>
-            <p:cNvPr id="65778" name="AutoShape 242"/>
-            <p:cNvSpPr>
-              <a:spLocks noChangeArrowheads="1"/>
-            </p:cNvSpPr>
-            <p:nvPr/>
-          </p:nvSpPr>
-          <p:spPr bwMode="auto">
-            <a:xfrm>
-              <a:off x="3396" y="2692"/>
-              <a:ext cx="872" cy="72"/>
-            </a:xfrm>
-            <a:prstGeom prst="roundRect">
-              <a:avLst>
-                <a:gd name="adj" fmla="val 12495"/>
-              </a:avLst>
-            </a:prstGeom>
-            <a:solidFill>
-              <a:srgbClr val="FFFFFF"/>
-            </a:solidFill>
-            <a:ln w="38100">
-              <a:solidFill>
-                <a:schemeClr val="tx1"/>
-              </a:solidFill>
-              <a:round/>
-              <a:headEnd/>
-              <a:tailEnd/>
-            </a:ln>
-            <a:effectLst/>
-            <a:extLst>
-              <a:ext uri="{AF507438-7753-43E0-B8FC-AC1667EBCBE1}">
-                <a14:hiddenEffects xmlns:a14="http://schemas.microsoft.com/office/drawing/2010/main">
-                  <a:effectLst>
-                    <a:outerShdw dist="35921" dir="2700000" algn="ctr" rotWithShape="0">
-                      <a:schemeClr val="bg2"/>
-                    </a:outerShdw>
-                  </a:effectLst>
-                </a14:hiddenEffects>
-              </a:ext>
-            </a:extLst>
-          </p:spPr>
-          <p:txBody>
-            <a:bodyPr wrap="none" anchor="ctr"/>
-            <a:lstStyle/>
-            <a:p>
-              <a:endParaRPr lang="en-US"/>
-            </a:p>
-          </p:txBody>
-        </p:sp>
-        <p:sp>
-          <p:nvSpPr>
-            <p:cNvPr id="65779" name="Oval 243"/>
-            <p:cNvSpPr>
-              <a:spLocks noChangeArrowheads="1"/>
-            </p:cNvSpPr>
-            <p:nvPr/>
-          </p:nvSpPr>
-          <p:spPr bwMode="auto">
-            <a:xfrm>
-              <a:off x="3928" y="2912"/>
-              <a:ext cx="136" cy="136"/>
-            </a:xfrm>
-            <a:prstGeom prst="ellipse">
-              <a:avLst/>
-            </a:prstGeom>
-            <a:solidFill>
-              <a:schemeClr val="bg2"/>
-            </a:solidFill>
-            <a:ln w="12700">
-              <a:solidFill>
-                <a:schemeClr val="tx1"/>
-              </a:solidFill>
-              <a:round/>
-              <a:headEnd/>
-              <a:tailEnd/>
-            </a:ln>
-            <a:effectLst/>
-            <a:extLst>
-              <a:ext uri="{AF507438-7753-43E0-B8FC-AC1667EBCBE1}">
-                <a14:hiddenEffects xmlns:a14="http://schemas.microsoft.com/office/drawing/2010/main">
-                  <a:effectLst>
-                    <a:outerShdw dist="35921" dir="2700000" algn="ctr" rotWithShape="0">
-                      <a:schemeClr val="bg2"/>
-                    </a:outerShdw>
-                  </a:effectLst>
-                </a14:hiddenEffects>
-              </a:ext>
-            </a:extLst>
-          </p:spPr>
-          <p:txBody>
-            <a:bodyPr wrap="none" anchor="ctr"/>
-            <a:lstStyle/>
-            <a:p>
-              <a:endParaRPr lang="en-US"/>
-            </a:p>
-          </p:txBody>
-        </p:sp>
-        <p:sp>
-          <p:nvSpPr>
-            <p:cNvPr id="65780" name="Rectangle 244"/>
-            <p:cNvSpPr>
-              <a:spLocks noChangeArrowheads="1"/>
-            </p:cNvSpPr>
-            <p:nvPr/>
-          </p:nvSpPr>
-          <p:spPr bwMode="auto">
-            <a:xfrm>
-              <a:off x="3432" y="3200"/>
-              <a:ext cx="88" cy="40"/>
-            </a:xfrm>
-            <a:prstGeom prst="rect">
-              <a:avLst/>
-            </a:prstGeom>
-            <a:solidFill>
-              <a:schemeClr val="bg2"/>
-            </a:solidFill>
-            <a:ln w="12700">
-              <a:solidFill>
-                <a:schemeClr val="tx1"/>
-              </a:solidFill>
-              <a:miter lim="800000"/>
-              <a:headEnd/>
-              <a:tailEnd/>
-            </a:ln>
-            <a:effectLst/>
-            <a:extLst>
-              <a:ext uri="{AF507438-7753-43E0-B8FC-AC1667EBCBE1}">
-                <a14:hiddenEffects xmlns:a14="http://schemas.microsoft.com/office/drawing/2010/main">
-                  <a:effectLst>
-                    <a:outerShdw dist="35921" dir="2700000" algn="ctr" rotWithShape="0">
-                      <a:schemeClr val="bg2"/>
-                    </a:outerShdw>
-                  </a:effectLst>
-                </a14:hiddenEffects>
-              </a:ext>
-            </a:extLst>
-          </p:spPr>
-          <p:txBody>
-            <a:bodyPr wrap="none" anchor="ctr"/>
-            <a:lstStyle/>
-            <a:p>
-              <a:endParaRPr lang="en-US"/>
-            </a:p>
-          </p:txBody>
-        </p:sp>
-        <p:sp>
-          <p:nvSpPr>
-            <p:cNvPr id="65781" name="Rectangle 245"/>
-            <p:cNvSpPr>
-              <a:spLocks noChangeArrowheads="1"/>
-            </p:cNvSpPr>
-            <p:nvPr/>
-          </p:nvSpPr>
-          <p:spPr bwMode="auto">
-            <a:xfrm>
-              <a:off x="4144" y="3200"/>
-              <a:ext cx="88" cy="40"/>
-            </a:xfrm>
-            <a:prstGeom prst="rect">
-              <a:avLst/>
-            </a:prstGeom>
-            <a:solidFill>
-              <a:schemeClr val="bg2"/>
-            </a:solidFill>
-            <a:ln w="12700">
-              <a:solidFill>
-                <a:schemeClr val="tx1"/>
-              </a:solidFill>
-              <a:miter lim="800000"/>
-              <a:headEnd/>
-              <a:tailEnd/>
-            </a:ln>
-            <a:effectLst/>
-            <a:extLst>
-              <a:ext uri="{AF507438-7753-43E0-B8FC-AC1667EBCBE1}">
-                <a14:hiddenEffects xmlns:a14="http://schemas.microsoft.com/office/drawing/2010/main">
-                  <a:effectLst>
-                    <a:outerShdw dist="35921" dir="2700000" algn="ctr" rotWithShape="0">
-                      <a:schemeClr val="bg2"/>
-                    </a:outerShdw>
-                  </a:effectLst>
-                </a14:hiddenEffects>
-              </a:ext>
-            </a:extLst>
-          </p:spPr>
-          <p:txBody>
-            <a:bodyPr wrap="none" anchor="ctr"/>
-            <a:lstStyle/>
-            <a:p>
-              <a:endParaRPr lang="en-US"/>
-            </a:p>
-          </p:txBody>
-        </p:sp>
-      </p:grpSp>
-      <p:grpSp>
-        <p:nvGrpSpPr>
-          <p:cNvPr id="65784" name="Group 248"/>
-          <p:cNvGrpSpPr>
-            <a:grpSpLocks/>
-          </p:cNvGrpSpPr>
-          <p:nvPr/>
-        </p:nvGrpSpPr>
-        <p:grpSpPr bwMode="auto">
-          <a:xfrm>
-            <a:off x="4306888" y="4727575"/>
-            <a:ext cx="549275" cy="104775"/>
-            <a:chOff x="2534" y="3883"/>
-            <a:chExt cx="412" cy="132"/>
-          </a:xfrm>
-        </p:grpSpPr>
-        <p:sp>
-          <p:nvSpPr>
-            <p:cNvPr id="65782" name="AutoShape 246"/>
-            <p:cNvSpPr>
-              <a:spLocks noChangeArrowheads="1"/>
-            </p:cNvSpPr>
-            <p:nvPr/>
-          </p:nvSpPr>
-          <p:spPr bwMode="auto">
-            <a:xfrm>
-              <a:off x="2534" y="3907"/>
-              <a:ext cx="412" cy="83"/>
-            </a:xfrm>
-            <a:prstGeom prst="roundRect">
-              <a:avLst>
-                <a:gd name="adj" fmla="val 16667"/>
-              </a:avLst>
-            </a:prstGeom>
-            <a:solidFill>
-              <a:schemeClr val="tx1"/>
-            </a:solidFill>
-            <a:ln w="12700">
-              <a:solidFill>
-                <a:schemeClr val="bg2"/>
-              </a:solidFill>
-              <a:round/>
-              <a:headEnd type="none" w="lg" len="med"/>
-              <a:tailEnd type="none" w="lg" len="med"/>
-            </a:ln>
-            <a:effectLst/>
-            <a:extLst>
-              <a:ext uri="{AF507438-7753-43E0-B8FC-AC1667EBCBE1}">
-                <a14:hiddenEffects xmlns:a14="http://schemas.microsoft.com/office/drawing/2010/main">
-                  <a:effectLst>
-                    <a:outerShdw dist="35921" dir="2700000" algn="ctr" rotWithShape="0">
-                      <a:schemeClr val="bg2"/>
-                    </a:outerShdw>
-                  </a:effectLst>
-                </a14:hiddenEffects>
-              </a:ext>
-            </a:extLst>
-          </p:spPr>
-          <p:txBody>
-            <a:bodyPr wrap="none" anchor="ctr">
-              <a:spAutoFit/>
-            </a:bodyPr>
-            <a:lstStyle/>
-            <a:p>
-              <a:endParaRPr lang="en-US"/>
-            </a:p>
-          </p:txBody>
-        </p:sp>
-        <p:sp>
-          <p:nvSpPr>
-            <p:cNvPr id="65783" name="AutoShape 247"/>
-            <p:cNvSpPr>
-              <a:spLocks noChangeArrowheads="1"/>
-            </p:cNvSpPr>
-            <p:nvPr/>
-          </p:nvSpPr>
-          <p:spPr bwMode="auto">
-            <a:xfrm>
-              <a:off x="2723" y="3883"/>
-              <a:ext cx="33" cy="132"/>
-            </a:xfrm>
-            <a:prstGeom prst="roundRect">
-              <a:avLst>
-                <a:gd name="adj" fmla="val 16667"/>
-              </a:avLst>
-            </a:prstGeom>
-            <a:solidFill>
-              <a:schemeClr val="tx1"/>
-            </a:solidFill>
-            <a:ln w="12700">
-              <a:solidFill>
-                <a:schemeClr val="bg2"/>
-              </a:solidFill>
-              <a:round/>
-              <a:headEnd type="none" w="lg" len="med"/>
-              <a:tailEnd type="none" w="lg" len="med"/>
-            </a:ln>
-            <a:effectLst/>
-            <a:extLst>
-              <a:ext uri="{AF507438-7753-43E0-B8FC-AC1667EBCBE1}">
-                <a14:hiddenEffects xmlns:a14="http://schemas.microsoft.com/office/drawing/2010/main">
-                  <a:effectLst>
-                    <a:outerShdw dist="35921" dir="2700000" algn="ctr" rotWithShape="0">
-                      <a:schemeClr val="bg2"/>
-                    </a:outerShdw>
-                  </a:effectLst>
-                </a14:hiddenEffects>
-              </a:ext>
-            </a:extLst>
-          </p:spPr>
-          <p:txBody>
-            <a:bodyPr anchor="ctr">
-              <a:spAutoFit/>
-            </a:bodyPr>
-            <a:lstStyle/>
-            <a:p>
-              <a:endParaRPr lang="en-US"/>
-            </a:p>
-          </p:txBody>
-        </p:sp>
-      </p:grpSp>
-      <p:grpSp>
-        <p:nvGrpSpPr>
-          <p:cNvPr id="65798" name="Group 262"/>
-          <p:cNvGrpSpPr>
-            <a:grpSpLocks/>
-          </p:cNvGrpSpPr>
-          <p:nvPr/>
-        </p:nvGrpSpPr>
-        <p:grpSpPr bwMode="auto">
-          <a:xfrm rot="-10800000">
-            <a:off x="23813" y="4595813"/>
-            <a:ext cx="369887" cy="466725"/>
-            <a:chOff x="1621" y="1259"/>
-            <a:chExt cx="402" cy="508"/>
-          </a:xfrm>
-        </p:grpSpPr>
-        <p:sp>
-          <p:nvSpPr>
-            <p:cNvPr id="65799" name="Freeform 263"/>
-            <p:cNvSpPr>
-              <a:spLocks/>
-            </p:cNvSpPr>
-            <p:nvPr/>
-          </p:nvSpPr>
-          <p:spPr bwMode="auto">
-            <a:xfrm>
-              <a:off x="1623" y="1618"/>
-              <a:ext cx="400" cy="72"/>
-            </a:xfrm>
-            <a:custGeom>
-              <a:avLst/>
-              <a:gdLst>
-                <a:gd name="T0" fmla="*/ 9 w 439"/>
-                <a:gd name="T1" fmla="*/ 0 h 54"/>
-                <a:gd name="T2" fmla="*/ 5 w 439"/>
-                <a:gd name="T3" fmla="*/ 2 h 54"/>
-                <a:gd name="T4" fmla="*/ 3 w 439"/>
-                <a:gd name="T5" fmla="*/ 2 h 54"/>
-                <a:gd name="T6" fmla="*/ 1 w 439"/>
-                <a:gd name="T7" fmla="*/ 6 h 54"/>
-                <a:gd name="T8" fmla="*/ 0 w 439"/>
-                <a:gd name="T9" fmla="*/ 10 h 54"/>
-                <a:gd name="T10" fmla="*/ 0 w 439"/>
-                <a:gd name="T11" fmla="*/ 46 h 54"/>
-                <a:gd name="T12" fmla="*/ 1 w 439"/>
-                <a:gd name="T13" fmla="*/ 50 h 54"/>
-                <a:gd name="T14" fmla="*/ 3 w 439"/>
-                <a:gd name="T15" fmla="*/ 52 h 54"/>
-                <a:gd name="T16" fmla="*/ 5 w 439"/>
-                <a:gd name="T17" fmla="*/ 54 h 54"/>
-                <a:gd name="T18" fmla="*/ 9 w 439"/>
-                <a:gd name="T19" fmla="*/ 54 h 54"/>
-                <a:gd name="T20" fmla="*/ 430 w 439"/>
-                <a:gd name="T21" fmla="*/ 54 h 54"/>
-                <a:gd name="T22" fmla="*/ 433 w 439"/>
-                <a:gd name="T23" fmla="*/ 54 h 54"/>
-                <a:gd name="T24" fmla="*/ 435 w 439"/>
-                <a:gd name="T25" fmla="*/ 52 h 54"/>
-                <a:gd name="T26" fmla="*/ 439 w 439"/>
-                <a:gd name="T27" fmla="*/ 50 h 54"/>
-                <a:gd name="T28" fmla="*/ 439 w 439"/>
-                <a:gd name="T29" fmla="*/ 46 h 54"/>
-                <a:gd name="T30" fmla="*/ 439 w 439"/>
-                <a:gd name="T31" fmla="*/ 10 h 54"/>
-                <a:gd name="T32" fmla="*/ 439 w 439"/>
-                <a:gd name="T33" fmla="*/ 6 h 54"/>
-                <a:gd name="T34" fmla="*/ 435 w 439"/>
-                <a:gd name="T35" fmla="*/ 2 h 54"/>
-                <a:gd name="T36" fmla="*/ 433 w 439"/>
-                <a:gd name="T37" fmla="*/ 2 h 54"/>
-                <a:gd name="T38" fmla="*/ 430 w 439"/>
-                <a:gd name="T39" fmla="*/ 0 h 54"/>
-                <a:gd name="T40" fmla="*/ 9 w 439"/>
-                <a:gd name="T41" fmla="*/ 0 h 54"/>
-              </a:gdLst>
-              <a:ahLst/>
-              <a:cxnLst>
-                <a:cxn ang="0">
-                  <a:pos x="T0" y="T1"/>
-                </a:cxn>
-                <a:cxn ang="0">
-                  <a:pos x="T2" y="T3"/>
-                </a:cxn>
-                <a:cxn ang="0">
-                  <a:pos x="T4" y="T5"/>
-                </a:cxn>
-                <a:cxn ang="0">
-                  <a:pos x="T6" y="T7"/>
-                </a:cxn>
-                <a:cxn ang="0">
-                  <a:pos x="T8" y="T9"/>
-                </a:cxn>
-                <a:cxn ang="0">
-                  <a:pos x="T10" y="T11"/>
-                </a:cxn>
-                <a:cxn ang="0">
-                  <a:pos x="T12" y="T13"/>
-                </a:cxn>
-                <a:cxn ang="0">
-                  <a:pos x="T14" y="T15"/>
-                </a:cxn>
-                <a:cxn ang="0">
-                  <a:pos x="T16" y="T17"/>
-                </a:cxn>
-                <a:cxn ang="0">
-                  <a:pos x="T18" y="T19"/>
-                </a:cxn>
-                <a:cxn ang="0">
-                  <a:pos x="T20" y="T21"/>
-                </a:cxn>
-                <a:cxn ang="0">
-                  <a:pos x="T22" y="T23"/>
-                </a:cxn>
-                <a:cxn ang="0">
-                  <a:pos x="T24" y="T25"/>
-                </a:cxn>
-                <a:cxn ang="0">
-                  <a:pos x="T26" y="T27"/>
-                </a:cxn>
-                <a:cxn ang="0">
-                  <a:pos x="T28" y="T29"/>
-                </a:cxn>
-                <a:cxn ang="0">
-                  <a:pos x="T30" y="T31"/>
-                </a:cxn>
-                <a:cxn ang="0">
-                  <a:pos x="T32" y="T33"/>
-                </a:cxn>
-                <a:cxn ang="0">
-                  <a:pos x="T34" y="T35"/>
-                </a:cxn>
-                <a:cxn ang="0">
-                  <a:pos x="T36" y="T37"/>
-                </a:cxn>
-                <a:cxn ang="0">
-                  <a:pos x="T38" y="T39"/>
-                </a:cxn>
-                <a:cxn ang="0">
-                  <a:pos x="T40" y="T41"/>
-                </a:cxn>
-              </a:cxnLst>
-              <a:rect l="0" t="0" r="r" b="b"/>
-              <a:pathLst>
-                <a:path w="439" h="54">
-                  <a:moveTo>
-                    <a:pt x="9" y="0"/>
-                  </a:moveTo>
-                  <a:lnTo>
-                    <a:pt x="5" y="2"/>
-                  </a:lnTo>
-                  <a:lnTo>
-                    <a:pt x="3" y="2"/>
-                  </a:lnTo>
-                  <a:lnTo>
-                    <a:pt x="1" y="6"/>
-                  </a:lnTo>
-                  <a:lnTo>
-                    <a:pt x="0" y="10"/>
-                  </a:lnTo>
-                  <a:lnTo>
-                    <a:pt x="0" y="46"/>
-                  </a:lnTo>
-                  <a:lnTo>
-                    <a:pt x="1" y="50"/>
-                  </a:lnTo>
-                  <a:lnTo>
-                    <a:pt x="3" y="52"/>
-                  </a:lnTo>
-                  <a:lnTo>
-                    <a:pt x="5" y="54"/>
-                  </a:lnTo>
-                  <a:lnTo>
-                    <a:pt x="9" y="54"/>
-                  </a:lnTo>
-                  <a:lnTo>
-                    <a:pt x="430" y="54"/>
-                  </a:lnTo>
-                  <a:lnTo>
-                    <a:pt x="433" y="54"/>
-                  </a:lnTo>
-                  <a:lnTo>
-                    <a:pt x="435" y="52"/>
-                  </a:lnTo>
-                  <a:lnTo>
-                    <a:pt x="439" y="50"/>
-                  </a:lnTo>
-                  <a:lnTo>
-                    <a:pt x="439" y="46"/>
-                  </a:lnTo>
-                  <a:lnTo>
-                    <a:pt x="439" y="10"/>
-                  </a:lnTo>
-                  <a:lnTo>
-                    <a:pt x="439" y="6"/>
-                  </a:lnTo>
-                  <a:lnTo>
-                    <a:pt x="435" y="2"/>
-                  </a:lnTo>
-                  <a:lnTo>
-                    <a:pt x="433" y="2"/>
-                  </a:lnTo>
-                  <a:lnTo>
-                    <a:pt x="430" y="0"/>
-                  </a:lnTo>
-                  <a:lnTo>
-                    <a:pt x="9" y="0"/>
-                  </a:lnTo>
-                  <a:close/>
-                </a:path>
-              </a:pathLst>
-            </a:custGeom>
-            <a:solidFill>
-              <a:srgbClr val="000000"/>
-            </a:solidFill>
-            <a:ln w="7938">
-              <a:solidFill>
-                <a:srgbClr val="DDDDDD"/>
-              </a:solidFill>
-              <a:prstDash val="solid"/>
-              <a:round/>
-              <a:headEnd/>
-              <a:tailEnd/>
-            </a:ln>
-          </p:spPr>
-          <p:txBody>
-            <a:bodyPr/>
-            <a:lstStyle/>
-            <a:p>
-              <a:endParaRPr lang="en-US"/>
-            </a:p>
-          </p:txBody>
-        </p:sp>
-        <p:sp>
-          <p:nvSpPr>
-            <p:cNvPr id="65800" name="Freeform 264"/>
-            <p:cNvSpPr>
-              <a:spLocks/>
-            </p:cNvSpPr>
-            <p:nvPr/>
-          </p:nvSpPr>
-          <p:spPr bwMode="auto">
-            <a:xfrm>
-              <a:off x="1729" y="1602"/>
-              <a:ext cx="188" cy="104"/>
-            </a:xfrm>
-            <a:custGeom>
-              <a:avLst/>
-              <a:gdLst>
-                <a:gd name="T0" fmla="*/ 9 w 439"/>
-                <a:gd name="T1" fmla="*/ 0 h 54"/>
-                <a:gd name="T2" fmla="*/ 5 w 439"/>
-                <a:gd name="T3" fmla="*/ 2 h 54"/>
-                <a:gd name="T4" fmla="*/ 3 w 439"/>
-                <a:gd name="T5" fmla="*/ 2 h 54"/>
-                <a:gd name="T6" fmla="*/ 1 w 439"/>
-                <a:gd name="T7" fmla="*/ 6 h 54"/>
-                <a:gd name="T8" fmla="*/ 0 w 439"/>
-                <a:gd name="T9" fmla="*/ 10 h 54"/>
-                <a:gd name="T10" fmla="*/ 0 w 439"/>
-                <a:gd name="T11" fmla="*/ 46 h 54"/>
-                <a:gd name="T12" fmla="*/ 1 w 439"/>
-                <a:gd name="T13" fmla="*/ 50 h 54"/>
-                <a:gd name="T14" fmla="*/ 3 w 439"/>
-                <a:gd name="T15" fmla="*/ 52 h 54"/>
-                <a:gd name="T16" fmla="*/ 5 w 439"/>
-                <a:gd name="T17" fmla="*/ 54 h 54"/>
-                <a:gd name="T18" fmla="*/ 9 w 439"/>
-                <a:gd name="T19" fmla="*/ 54 h 54"/>
-                <a:gd name="T20" fmla="*/ 430 w 439"/>
-                <a:gd name="T21" fmla="*/ 54 h 54"/>
-                <a:gd name="T22" fmla="*/ 433 w 439"/>
-                <a:gd name="T23" fmla="*/ 54 h 54"/>
-                <a:gd name="T24" fmla="*/ 435 w 439"/>
-                <a:gd name="T25" fmla="*/ 52 h 54"/>
-                <a:gd name="T26" fmla="*/ 439 w 439"/>
-                <a:gd name="T27" fmla="*/ 50 h 54"/>
-                <a:gd name="T28" fmla="*/ 439 w 439"/>
-                <a:gd name="T29" fmla="*/ 46 h 54"/>
-                <a:gd name="T30" fmla="*/ 439 w 439"/>
-                <a:gd name="T31" fmla="*/ 10 h 54"/>
-                <a:gd name="T32" fmla="*/ 439 w 439"/>
-                <a:gd name="T33" fmla="*/ 6 h 54"/>
-                <a:gd name="T34" fmla="*/ 435 w 439"/>
-                <a:gd name="T35" fmla="*/ 2 h 54"/>
-                <a:gd name="T36" fmla="*/ 433 w 439"/>
-                <a:gd name="T37" fmla="*/ 2 h 54"/>
-                <a:gd name="T38" fmla="*/ 430 w 439"/>
-                <a:gd name="T39" fmla="*/ 0 h 54"/>
-                <a:gd name="T40" fmla="*/ 9 w 439"/>
-                <a:gd name="T41" fmla="*/ 0 h 54"/>
-              </a:gdLst>
-              <a:ahLst/>
-              <a:cxnLst>
-                <a:cxn ang="0">
-                  <a:pos x="T0" y="T1"/>
-                </a:cxn>
-                <a:cxn ang="0">
-                  <a:pos x="T2" y="T3"/>
-                </a:cxn>
-                <a:cxn ang="0">
-                  <a:pos x="T4" y="T5"/>
-                </a:cxn>
-                <a:cxn ang="0">
-                  <a:pos x="T6" y="T7"/>
-                </a:cxn>
-                <a:cxn ang="0">
-                  <a:pos x="T8" y="T9"/>
-                </a:cxn>
-                <a:cxn ang="0">
-                  <a:pos x="T10" y="T11"/>
-                </a:cxn>
-                <a:cxn ang="0">
-                  <a:pos x="T12" y="T13"/>
-                </a:cxn>
-                <a:cxn ang="0">
-                  <a:pos x="T14" y="T15"/>
-                </a:cxn>
-                <a:cxn ang="0">
-                  <a:pos x="T16" y="T17"/>
-                </a:cxn>
-                <a:cxn ang="0">
-                  <a:pos x="T18" y="T19"/>
-                </a:cxn>
-                <a:cxn ang="0">
-                  <a:pos x="T20" y="T21"/>
-                </a:cxn>
-                <a:cxn ang="0">
-                  <a:pos x="T22" y="T23"/>
-                </a:cxn>
-                <a:cxn ang="0">
-                  <a:pos x="T24" y="T25"/>
-                </a:cxn>
-                <a:cxn ang="0">
-                  <a:pos x="T26" y="T27"/>
-                </a:cxn>
-                <a:cxn ang="0">
-                  <a:pos x="T28" y="T29"/>
-                </a:cxn>
-                <a:cxn ang="0">
-                  <a:pos x="T30" y="T31"/>
-                </a:cxn>
-                <a:cxn ang="0">
-                  <a:pos x="T32" y="T33"/>
-                </a:cxn>
-                <a:cxn ang="0">
-                  <a:pos x="T34" y="T35"/>
-                </a:cxn>
-                <a:cxn ang="0">
-                  <a:pos x="T36" y="T37"/>
-                </a:cxn>
-                <a:cxn ang="0">
-                  <a:pos x="T38" y="T39"/>
-                </a:cxn>
-                <a:cxn ang="0">
-                  <a:pos x="T40" y="T41"/>
-                </a:cxn>
-              </a:cxnLst>
-              <a:rect l="0" t="0" r="r" b="b"/>
-              <a:pathLst>
-                <a:path w="439" h="54">
-                  <a:moveTo>
-                    <a:pt x="9" y="0"/>
-                  </a:moveTo>
-                  <a:lnTo>
-                    <a:pt x="5" y="2"/>
-                  </a:lnTo>
-                  <a:lnTo>
-                    <a:pt x="3" y="2"/>
-                  </a:lnTo>
-                  <a:lnTo>
-                    <a:pt x="1" y="6"/>
-                  </a:lnTo>
-                  <a:lnTo>
-                    <a:pt x="0" y="10"/>
-                  </a:lnTo>
-                  <a:lnTo>
-                    <a:pt x="0" y="46"/>
-                  </a:lnTo>
-                  <a:lnTo>
-                    <a:pt x="1" y="50"/>
-                  </a:lnTo>
-                  <a:lnTo>
-                    <a:pt x="3" y="52"/>
-                  </a:lnTo>
-                  <a:lnTo>
-                    <a:pt x="5" y="54"/>
-                  </a:lnTo>
-                  <a:lnTo>
-                    <a:pt x="9" y="54"/>
-                  </a:lnTo>
-                  <a:lnTo>
-                    <a:pt x="430" y="54"/>
-                  </a:lnTo>
-                  <a:lnTo>
-                    <a:pt x="433" y="54"/>
-                  </a:lnTo>
-                  <a:lnTo>
-                    <a:pt x="435" y="52"/>
-                  </a:lnTo>
-                  <a:lnTo>
-                    <a:pt x="439" y="50"/>
-                  </a:lnTo>
-                  <a:lnTo>
-                    <a:pt x="439" y="46"/>
-                  </a:lnTo>
-                  <a:lnTo>
-                    <a:pt x="439" y="10"/>
-                  </a:lnTo>
-                  <a:lnTo>
-                    <a:pt x="439" y="6"/>
-                  </a:lnTo>
-                  <a:lnTo>
-                    <a:pt x="435" y="2"/>
-                  </a:lnTo>
-                  <a:lnTo>
-                    <a:pt x="433" y="2"/>
-                  </a:lnTo>
-                  <a:lnTo>
-                    <a:pt x="430" y="0"/>
-                  </a:lnTo>
-                  <a:lnTo>
-                    <a:pt x="9" y="0"/>
-                  </a:lnTo>
-                  <a:close/>
-                </a:path>
-              </a:pathLst>
-            </a:custGeom>
-            <a:solidFill>
-              <a:srgbClr val="000000"/>
-            </a:solidFill>
-            <a:ln w="7938">
-              <a:solidFill>
-                <a:srgbClr val="DDDDDD"/>
-              </a:solidFill>
-              <a:prstDash val="solid"/>
-              <a:round/>
-              <a:headEnd/>
-              <a:tailEnd/>
-            </a:ln>
-          </p:spPr>
-          <p:txBody>
-            <a:bodyPr/>
-            <a:lstStyle/>
-            <a:p>
-              <a:endParaRPr lang="en-US"/>
-            </a:p>
-          </p:txBody>
-        </p:sp>
-        <p:sp>
-          <p:nvSpPr>
-            <p:cNvPr id="65801" name="Rectangle 265"/>
-            <p:cNvSpPr>
-              <a:spLocks noChangeArrowheads="1"/>
-            </p:cNvSpPr>
-            <p:nvPr/>
-          </p:nvSpPr>
-          <p:spPr bwMode="auto">
-            <a:xfrm>
-              <a:off x="1762" y="1541"/>
-              <a:ext cx="120" cy="226"/>
-            </a:xfrm>
-            <a:prstGeom prst="rect">
-              <a:avLst/>
-            </a:prstGeom>
-            <a:solidFill>
-              <a:srgbClr val="000000"/>
-            </a:solidFill>
-            <a:ln w="7938">
-              <a:solidFill>
-                <a:srgbClr val="DDDDDD"/>
-              </a:solidFill>
-              <a:miter lim="800000"/>
-              <a:headEnd/>
-              <a:tailEnd/>
-            </a:ln>
-          </p:spPr>
-          <p:txBody>
-            <a:bodyPr/>
-            <a:lstStyle/>
-            <a:p>
-              <a:endParaRPr lang="en-US"/>
-            </a:p>
-          </p:txBody>
-        </p:sp>
-        <p:sp>
-          <p:nvSpPr>
-            <p:cNvPr id="65802" name="Freeform 266"/>
-            <p:cNvSpPr>
-              <a:spLocks/>
-            </p:cNvSpPr>
-            <p:nvPr/>
-          </p:nvSpPr>
-          <p:spPr bwMode="auto">
-            <a:xfrm>
-              <a:off x="1621" y="1259"/>
-              <a:ext cx="251" cy="275"/>
-            </a:xfrm>
-            <a:custGeom>
-              <a:avLst/>
-              <a:gdLst>
-                <a:gd name="T0" fmla="*/ 251 w 251"/>
-                <a:gd name="T1" fmla="*/ 270 h 275"/>
-                <a:gd name="T2" fmla="*/ 49 w 251"/>
-                <a:gd name="T3" fmla="*/ 230 h 275"/>
-                <a:gd name="T4" fmla="*/ 0 w 251"/>
-                <a:gd name="T5" fmla="*/ 0 h 275"/>
-              </a:gdLst>
-              <a:ahLst/>
-              <a:cxnLst>
-                <a:cxn ang="0">
-                  <a:pos x="T0" y="T1"/>
-                </a:cxn>
-                <a:cxn ang="0">
-                  <a:pos x="T2" y="T3"/>
-                </a:cxn>
-                <a:cxn ang="0">
-                  <a:pos x="T4" y="T5"/>
-                </a:cxn>
-              </a:cxnLst>
-              <a:rect l="0" t="0" r="r" b="b"/>
-              <a:pathLst>
-                <a:path w="251" h="275">
-                  <a:moveTo>
-                    <a:pt x="251" y="270"/>
-                  </a:moveTo>
-                  <a:cubicBezTo>
-                    <a:pt x="217" y="263"/>
-                    <a:pt x="91" y="275"/>
-                    <a:pt x="49" y="230"/>
-                  </a:cubicBezTo>
-                  <a:cubicBezTo>
-                    <a:pt x="7" y="185"/>
-                    <a:pt x="10" y="48"/>
-                    <a:pt x="0" y="0"/>
-                  </a:cubicBezTo>
-                </a:path>
-              </a:pathLst>
-            </a:custGeom>
-            <a:noFill/>
-            <a:ln w="38100" cap="flat" cmpd="sng">
-              <a:solidFill>
-                <a:schemeClr val="accent1"/>
-              </a:solidFill>
-              <a:prstDash val="solid"/>
-              <a:round/>
-              <a:headEnd type="none" w="lg" len="med"/>
-              <a:tailEnd type="none" w="lg" len="med"/>
-            </a:ln>
-            <a:effectLst/>
-            <a:extLst>
-              <a:ext uri="{909E8E84-426E-40DD-AFC4-6F175D3DCCD1}">
-                <a14:hiddenFill xmlns:a14="http://schemas.microsoft.com/office/drawing/2010/main">
-                  <a:solidFill>
-                    <a:schemeClr val="bg1"/>
-                  </a:solidFill>
-                </a14:hiddenFill>
-              </a:ext>
-              <a:ext uri="{AF507438-7753-43E0-B8FC-AC1667EBCBE1}">
-                <a14:hiddenEffects xmlns:a14="http://schemas.microsoft.com/office/drawing/2010/main">
-                  <a:effectLst>
-                    <a:outerShdw dist="35921" dir="2700000" algn="ctr" rotWithShape="0">
-                      <a:schemeClr val="bg2"/>
-                    </a:outerShdw>
-                  </a:effectLst>
-                </a14:hiddenEffects>
-              </a:ext>
-            </a:extLst>
-          </p:spPr>
-          <p:txBody>
-            <a:bodyPr anchor="ctr">
-              <a:spAutoFit/>
-            </a:bodyPr>
-            <a:lstStyle/>
-            <a:p>
-              <a:endParaRPr lang="en-US"/>
-            </a:p>
-          </p:txBody>
-        </p:sp>
-      </p:grpSp>
-      <p:pic>
-        <p:nvPicPr>
-          <p:cNvPr id="65803" name="Picture 267" descr="solenoidvalve"/>
-          <p:cNvPicPr>
-            <a:picLocks noChangeAspect="1" noChangeArrowheads="1"/>
-          </p:cNvPicPr>
-          <p:nvPr/>
-        </p:nvPicPr>
-        <p:blipFill>
-          <a:blip r:embed="rId8">
-            <a:clrChange>
-              <a:clrFrom>
-                <a:srgbClr val="FFFFFF"/>
-              </a:clrFrom>
-              <a:clrTo>
-                <a:srgbClr val="FFFFFF">
-                  <a:alpha val="0"/>
-                </a:srgbClr>
-              </a:clrTo>
-            </a:clrChange>
-            <a:extLst>
-              <a:ext uri="{28A0092B-C50C-407E-A947-70E740481C1C}">
-                <a14:useLocalDpi xmlns:a14="http://schemas.microsoft.com/office/drawing/2010/main" val="0"/>
-              </a:ext>
-            </a:extLst>
-          </a:blip>
-          <a:srcRect/>
-          <a:stretch>
-            <a:fillRect/>
-          </a:stretch>
-        </p:blipFill>
-        <p:spPr bwMode="auto">
-          <a:xfrm>
-            <a:off x="708025" y="4951413"/>
-            <a:ext cx="560388" cy="695325"/>
-          </a:xfrm>
-          <a:prstGeom prst="rect">
-            <a:avLst/>
-          </a:prstGeom>
-          <a:noFill/>
-          <a:extLst>
-            <a:ext uri="{909E8E84-426E-40DD-AFC4-6F175D3DCCD1}">
-              <a14:hiddenFill xmlns:a14="http://schemas.microsoft.com/office/drawing/2010/main">
-                <a:solidFill>
-                  <a:srgbClr val="FFFFFF"/>
-                </a:solidFill>
-              </a14:hiddenFill>
-            </a:ext>
-          </a:extLst>
-        </p:spPr>
-      </p:pic>
-      <p:grpSp>
-        <p:nvGrpSpPr>
-          <p:cNvPr id="65804" name="Group 268"/>
-          <p:cNvGrpSpPr>
-            <a:grpSpLocks/>
-          </p:cNvGrpSpPr>
-          <p:nvPr/>
-        </p:nvGrpSpPr>
-        <p:grpSpPr bwMode="auto">
-          <a:xfrm rot="10800000" flipH="1">
-            <a:off x="8729663" y="4583113"/>
-            <a:ext cx="369887" cy="466725"/>
-            <a:chOff x="1621" y="1259"/>
-            <a:chExt cx="402" cy="508"/>
-          </a:xfrm>
-        </p:grpSpPr>
-        <p:sp>
-          <p:nvSpPr>
-            <p:cNvPr id="65805" name="Freeform 269"/>
-            <p:cNvSpPr>
-              <a:spLocks/>
-            </p:cNvSpPr>
-            <p:nvPr/>
-          </p:nvSpPr>
-          <p:spPr bwMode="auto">
-            <a:xfrm>
-              <a:off x="1623" y="1618"/>
-              <a:ext cx="400" cy="72"/>
-            </a:xfrm>
-            <a:custGeom>
-              <a:avLst/>
-              <a:gdLst>
-                <a:gd name="T0" fmla="*/ 9 w 439"/>
-                <a:gd name="T1" fmla="*/ 0 h 54"/>
-                <a:gd name="T2" fmla="*/ 5 w 439"/>
-                <a:gd name="T3" fmla="*/ 2 h 54"/>
-                <a:gd name="T4" fmla="*/ 3 w 439"/>
-                <a:gd name="T5" fmla="*/ 2 h 54"/>
-                <a:gd name="T6" fmla="*/ 1 w 439"/>
-                <a:gd name="T7" fmla="*/ 6 h 54"/>
-                <a:gd name="T8" fmla="*/ 0 w 439"/>
-                <a:gd name="T9" fmla="*/ 10 h 54"/>
-                <a:gd name="T10" fmla="*/ 0 w 439"/>
-                <a:gd name="T11" fmla="*/ 46 h 54"/>
-                <a:gd name="T12" fmla="*/ 1 w 439"/>
-                <a:gd name="T13" fmla="*/ 50 h 54"/>
-                <a:gd name="T14" fmla="*/ 3 w 439"/>
-                <a:gd name="T15" fmla="*/ 52 h 54"/>
-                <a:gd name="T16" fmla="*/ 5 w 439"/>
-                <a:gd name="T17" fmla="*/ 54 h 54"/>
-                <a:gd name="T18" fmla="*/ 9 w 439"/>
-                <a:gd name="T19" fmla="*/ 54 h 54"/>
-                <a:gd name="T20" fmla="*/ 430 w 439"/>
-                <a:gd name="T21" fmla="*/ 54 h 54"/>
-                <a:gd name="T22" fmla="*/ 433 w 439"/>
-                <a:gd name="T23" fmla="*/ 54 h 54"/>
-                <a:gd name="T24" fmla="*/ 435 w 439"/>
-                <a:gd name="T25" fmla="*/ 52 h 54"/>
-                <a:gd name="T26" fmla="*/ 439 w 439"/>
-                <a:gd name="T27" fmla="*/ 50 h 54"/>
-                <a:gd name="T28" fmla="*/ 439 w 439"/>
-                <a:gd name="T29" fmla="*/ 46 h 54"/>
-                <a:gd name="T30" fmla="*/ 439 w 439"/>
-                <a:gd name="T31" fmla="*/ 10 h 54"/>
-                <a:gd name="T32" fmla="*/ 439 w 439"/>
-                <a:gd name="T33" fmla="*/ 6 h 54"/>
-                <a:gd name="T34" fmla="*/ 435 w 439"/>
-                <a:gd name="T35" fmla="*/ 2 h 54"/>
-                <a:gd name="T36" fmla="*/ 433 w 439"/>
-                <a:gd name="T37" fmla="*/ 2 h 54"/>
-                <a:gd name="T38" fmla="*/ 430 w 439"/>
-                <a:gd name="T39" fmla="*/ 0 h 54"/>
-                <a:gd name="T40" fmla="*/ 9 w 439"/>
-                <a:gd name="T41" fmla="*/ 0 h 54"/>
-              </a:gdLst>
-              <a:ahLst/>
-              <a:cxnLst>
-                <a:cxn ang="0">
-                  <a:pos x="T0" y="T1"/>
-                </a:cxn>
-                <a:cxn ang="0">
-                  <a:pos x="T2" y="T3"/>
-                </a:cxn>
-                <a:cxn ang="0">
-                  <a:pos x="T4" y="T5"/>
-                </a:cxn>
-                <a:cxn ang="0">
-                  <a:pos x="T6" y="T7"/>
-                </a:cxn>
-                <a:cxn ang="0">
-                  <a:pos x="T8" y="T9"/>
-                </a:cxn>
-                <a:cxn ang="0">
-                  <a:pos x="T10" y="T11"/>
-                </a:cxn>
-                <a:cxn ang="0">
-                  <a:pos x="T12" y="T13"/>
-                </a:cxn>
-                <a:cxn ang="0">
-                  <a:pos x="T14" y="T15"/>
-                </a:cxn>
-                <a:cxn ang="0">
-                  <a:pos x="T16" y="T17"/>
-                </a:cxn>
-                <a:cxn ang="0">
-                  <a:pos x="T18" y="T19"/>
-                </a:cxn>
-                <a:cxn ang="0">
-                  <a:pos x="T20" y="T21"/>
-                </a:cxn>
-                <a:cxn ang="0">
-                  <a:pos x="T22" y="T23"/>
-                </a:cxn>
-                <a:cxn ang="0">
-                  <a:pos x="T24" y="T25"/>
-                </a:cxn>
-                <a:cxn ang="0">
-                  <a:pos x="T26" y="T27"/>
-                </a:cxn>
-                <a:cxn ang="0">
-                  <a:pos x="T28" y="T29"/>
-                </a:cxn>
-                <a:cxn ang="0">
-                  <a:pos x="T30" y="T31"/>
-                </a:cxn>
-                <a:cxn ang="0">
-                  <a:pos x="T32" y="T33"/>
-                </a:cxn>
-                <a:cxn ang="0">
-                  <a:pos x="T34" y="T35"/>
-                </a:cxn>
-                <a:cxn ang="0">
-                  <a:pos x="T36" y="T37"/>
-                </a:cxn>
-                <a:cxn ang="0">
-                  <a:pos x="T38" y="T39"/>
-                </a:cxn>
-                <a:cxn ang="0">
-                  <a:pos x="T40" y="T41"/>
-                </a:cxn>
-              </a:cxnLst>
-              <a:rect l="0" t="0" r="r" b="b"/>
-              <a:pathLst>
-                <a:path w="439" h="54">
-                  <a:moveTo>
-                    <a:pt x="9" y="0"/>
-                  </a:moveTo>
-                  <a:lnTo>
-                    <a:pt x="5" y="2"/>
-                  </a:lnTo>
-                  <a:lnTo>
-                    <a:pt x="3" y="2"/>
-                  </a:lnTo>
-                  <a:lnTo>
-                    <a:pt x="1" y="6"/>
-                  </a:lnTo>
-                  <a:lnTo>
-                    <a:pt x="0" y="10"/>
-                  </a:lnTo>
-                  <a:lnTo>
-                    <a:pt x="0" y="46"/>
-                  </a:lnTo>
-                  <a:lnTo>
-                    <a:pt x="1" y="50"/>
-                  </a:lnTo>
-                  <a:lnTo>
-                    <a:pt x="3" y="52"/>
-                  </a:lnTo>
-                  <a:lnTo>
-                    <a:pt x="5" y="54"/>
-                  </a:lnTo>
-                  <a:lnTo>
-                    <a:pt x="9" y="54"/>
-                  </a:lnTo>
-                  <a:lnTo>
-                    <a:pt x="430" y="54"/>
-                  </a:lnTo>
-                  <a:lnTo>
-                    <a:pt x="433" y="54"/>
-                  </a:lnTo>
-                  <a:lnTo>
-                    <a:pt x="435" y="52"/>
-                  </a:lnTo>
-                  <a:lnTo>
-                    <a:pt x="439" y="50"/>
-                  </a:lnTo>
-                  <a:lnTo>
-                    <a:pt x="439" y="46"/>
-                  </a:lnTo>
-                  <a:lnTo>
-                    <a:pt x="439" y="10"/>
-                  </a:lnTo>
-                  <a:lnTo>
-                    <a:pt x="439" y="6"/>
-                  </a:lnTo>
-                  <a:lnTo>
-                    <a:pt x="435" y="2"/>
-                  </a:lnTo>
-                  <a:lnTo>
-                    <a:pt x="433" y="2"/>
-                  </a:lnTo>
-                  <a:lnTo>
-                    <a:pt x="430" y="0"/>
-                  </a:lnTo>
-                  <a:lnTo>
-                    <a:pt x="9" y="0"/>
-                  </a:lnTo>
-                  <a:close/>
-                </a:path>
-              </a:pathLst>
-            </a:custGeom>
-            <a:solidFill>
-              <a:srgbClr val="000000"/>
-            </a:solidFill>
-            <a:ln w="7938">
-              <a:solidFill>
-                <a:srgbClr val="DDDDDD"/>
-              </a:solidFill>
-              <a:prstDash val="solid"/>
-              <a:round/>
-              <a:headEnd/>
-              <a:tailEnd/>
-            </a:ln>
-          </p:spPr>
-          <p:txBody>
-            <a:bodyPr/>
-            <a:lstStyle/>
-            <a:p>
-              <a:endParaRPr lang="en-US"/>
-            </a:p>
-          </p:txBody>
-        </p:sp>
-        <p:sp>
-          <p:nvSpPr>
-            <p:cNvPr id="65806" name="Freeform 270"/>
-            <p:cNvSpPr>
-              <a:spLocks/>
-            </p:cNvSpPr>
-            <p:nvPr/>
-          </p:nvSpPr>
-          <p:spPr bwMode="auto">
-            <a:xfrm>
-              <a:off x="1729" y="1602"/>
-              <a:ext cx="188" cy="104"/>
-            </a:xfrm>
-            <a:custGeom>
-              <a:avLst/>
-              <a:gdLst>
-                <a:gd name="T0" fmla="*/ 9 w 439"/>
-                <a:gd name="T1" fmla="*/ 0 h 54"/>
-                <a:gd name="T2" fmla="*/ 5 w 439"/>
-                <a:gd name="T3" fmla="*/ 2 h 54"/>
-                <a:gd name="T4" fmla="*/ 3 w 439"/>
-                <a:gd name="T5" fmla="*/ 2 h 54"/>
-                <a:gd name="T6" fmla="*/ 1 w 439"/>
-                <a:gd name="T7" fmla="*/ 6 h 54"/>
-                <a:gd name="T8" fmla="*/ 0 w 439"/>
-                <a:gd name="T9" fmla="*/ 10 h 54"/>
-                <a:gd name="T10" fmla="*/ 0 w 439"/>
-                <a:gd name="T11" fmla="*/ 46 h 54"/>
-                <a:gd name="T12" fmla="*/ 1 w 439"/>
-                <a:gd name="T13" fmla="*/ 50 h 54"/>
-                <a:gd name="T14" fmla="*/ 3 w 439"/>
-                <a:gd name="T15" fmla="*/ 52 h 54"/>
-                <a:gd name="T16" fmla="*/ 5 w 439"/>
-                <a:gd name="T17" fmla="*/ 54 h 54"/>
-                <a:gd name="T18" fmla="*/ 9 w 439"/>
-                <a:gd name="T19" fmla="*/ 54 h 54"/>
-                <a:gd name="T20" fmla="*/ 430 w 439"/>
-                <a:gd name="T21" fmla="*/ 54 h 54"/>
-                <a:gd name="T22" fmla="*/ 433 w 439"/>
-                <a:gd name="T23" fmla="*/ 54 h 54"/>
-                <a:gd name="T24" fmla="*/ 435 w 439"/>
-                <a:gd name="T25" fmla="*/ 52 h 54"/>
-                <a:gd name="T26" fmla="*/ 439 w 439"/>
-                <a:gd name="T27" fmla="*/ 50 h 54"/>
-                <a:gd name="T28" fmla="*/ 439 w 439"/>
-                <a:gd name="T29" fmla="*/ 46 h 54"/>
-                <a:gd name="T30" fmla="*/ 439 w 439"/>
-                <a:gd name="T31" fmla="*/ 10 h 54"/>
-                <a:gd name="T32" fmla="*/ 439 w 439"/>
-                <a:gd name="T33" fmla="*/ 6 h 54"/>
-                <a:gd name="T34" fmla="*/ 435 w 439"/>
-                <a:gd name="T35" fmla="*/ 2 h 54"/>
-                <a:gd name="T36" fmla="*/ 433 w 439"/>
-                <a:gd name="T37" fmla="*/ 2 h 54"/>
-                <a:gd name="T38" fmla="*/ 430 w 439"/>
-                <a:gd name="T39" fmla="*/ 0 h 54"/>
-                <a:gd name="T40" fmla="*/ 9 w 439"/>
-                <a:gd name="T41" fmla="*/ 0 h 54"/>
-              </a:gdLst>
-              <a:ahLst/>
-              <a:cxnLst>
-                <a:cxn ang="0">
-                  <a:pos x="T0" y="T1"/>
-                </a:cxn>
-                <a:cxn ang="0">
-                  <a:pos x="T2" y="T3"/>
-                </a:cxn>
-                <a:cxn ang="0">
-                  <a:pos x="T4" y="T5"/>
-                </a:cxn>
-                <a:cxn ang="0">
-                  <a:pos x="T6" y="T7"/>
-                </a:cxn>
-                <a:cxn ang="0">
-                  <a:pos x="T8" y="T9"/>
-                </a:cxn>
-                <a:cxn ang="0">
-                  <a:pos x="T10" y="T11"/>
-                </a:cxn>
-                <a:cxn ang="0">
-                  <a:pos x="T12" y="T13"/>
-                </a:cxn>
-                <a:cxn ang="0">
-                  <a:pos x="T14" y="T15"/>
-                </a:cxn>
-                <a:cxn ang="0">
-                  <a:pos x="T16" y="T17"/>
-                </a:cxn>
-                <a:cxn ang="0">
-                  <a:pos x="T18" y="T19"/>
-                </a:cxn>
-                <a:cxn ang="0">
-                  <a:pos x="T20" y="T21"/>
-                </a:cxn>
-                <a:cxn ang="0">
-                  <a:pos x="T22" y="T23"/>
-                </a:cxn>
-                <a:cxn ang="0">
-                  <a:pos x="T24" y="T25"/>
-                </a:cxn>
-                <a:cxn ang="0">
-                  <a:pos x="T26" y="T27"/>
-                </a:cxn>
-                <a:cxn ang="0">
-                  <a:pos x="T28" y="T29"/>
-                </a:cxn>
-                <a:cxn ang="0">
-                  <a:pos x="T30" y="T31"/>
-                </a:cxn>
-                <a:cxn ang="0">
-                  <a:pos x="T32" y="T33"/>
-                </a:cxn>
-                <a:cxn ang="0">
-                  <a:pos x="T34" y="T35"/>
-                </a:cxn>
-                <a:cxn ang="0">
-                  <a:pos x="T36" y="T37"/>
-                </a:cxn>
-                <a:cxn ang="0">
-                  <a:pos x="T38" y="T39"/>
-                </a:cxn>
-                <a:cxn ang="0">
-                  <a:pos x="T40" y="T41"/>
-                </a:cxn>
-              </a:cxnLst>
-              <a:rect l="0" t="0" r="r" b="b"/>
-              <a:pathLst>
-                <a:path w="439" h="54">
-                  <a:moveTo>
-                    <a:pt x="9" y="0"/>
-                  </a:moveTo>
-                  <a:lnTo>
-                    <a:pt x="5" y="2"/>
-                  </a:lnTo>
-                  <a:lnTo>
-                    <a:pt x="3" y="2"/>
-                  </a:lnTo>
-                  <a:lnTo>
-                    <a:pt x="1" y="6"/>
-                  </a:lnTo>
-                  <a:lnTo>
-                    <a:pt x="0" y="10"/>
-                  </a:lnTo>
-                  <a:lnTo>
-                    <a:pt x="0" y="46"/>
-                  </a:lnTo>
-                  <a:lnTo>
-                    <a:pt x="1" y="50"/>
-                  </a:lnTo>
-                  <a:lnTo>
-                    <a:pt x="3" y="52"/>
-                  </a:lnTo>
-                  <a:lnTo>
-                    <a:pt x="5" y="54"/>
-                  </a:lnTo>
-                  <a:lnTo>
-                    <a:pt x="9" y="54"/>
-                  </a:lnTo>
-                  <a:lnTo>
-                    <a:pt x="430" y="54"/>
-                  </a:lnTo>
-                  <a:lnTo>
-                    <a:pt x="433" y="54"/>
-                  </a:lnTo>
-                  <a:lnTo>
-                    <a:pt x="435" y="52"/>
-                  </a:lnTo>
-                  <a:lnTo>
-                    <a:pt x="439" y="50"/>
-                  </a:lnTo>
-                  <a:lnTo>
-                    <a:pt x="439" y="46"/>
-                  </a:lnTo>
-                  <a:lnTo>
-                    <a:pt x="439" y="10"/>
-                  </a:lnTo>
-                  <a:lnTo>
-                    <a:pt x="439" y="6"/>
-                  </a:lnTo>
-                  <a:lnTo>
-                    <a:pt x="435" y="2"/>
-                  </a:lnTo>
-                  <a:lnTo>
-                    <a:pt x="433" y="2"/>
-                  </a:lnTo>
-                  <a:lnTo>
-                    <a:pt x="430" y="0"/>
-                  </a:lnTo>
-                  <a:lnTo>
-                    <a:pt x="9" y="0"/>
-                  </a:lnTo>
-                  <a:close/>
-                </a:path>
-              </a:pathLst>
-            </a:custGeom>
-            <a:solidFill>
-              <a:srgbClr val="000000"/>
-            </a:solidFill>
-            <a:ln w="7938">
-              <a:solidFill>
-                <a:srgbClr val="DDDDDD"/>
-              </a:solidFill>
-              <a:prstDash val="solid"/>
-              <a:round/>
-              <a:headEnd/>
-              <a:tailEnd/>
-            </a:ln>
-          </p:spPr>
-          <p:txBody>
-            <a:bodyPr/>
-            <a:lstStyle/>
-            <a:p>
-              <a:endParaRPr lang="en-US"/>
-            </a:p>
-          </p:txBody>
-        </p:sp>
-        <p:sp>
-          <p:nvSpPr>
-            <p:cNvPr id="65807" name="Rectangle 271"/>
-            <p:cNvSpPr>
-              <a:spLocks noChangeArrowheads="1"/>
-            </p:cNvSpPr>
-            <p:nvPr/>
-          </p:nvSpPr>
-          <p:spPr bwMode="auto">
-            <a:xfrm>
-              <a:off x="1762" y="1541"/>
-              <a:ext cx="120" cy="226"/>
-            </a:xfrm>
-            <a:prstGeom prst="rect">
-              <a:avLst/>
-            </a:prstGeom>
-            <a:solidFill>
-              <a:srgbClr val="000000"/>
-            </a:solidFill>
-            <a:ln w="7938">
-              <a:solidFill>
-                <a:srgbClr val="DDDDDD"/>
-              </a:solidFill>
-              <a:miter lim="800000"/>
-              <a:headEnd/>
-              <a:tailEnd/>
-            </a:ln>
-          </p:spPr>
-          <p:txBody>
-            <a:bodyPr/>
-            <a:lstStyle/>
-            <a:p>
-              <a:endParaRPr lang="en-US"/>
-            </a:p>
-          </p:txBody>
-        </p:sp>
-        <p:sp>
-          <p:nvSpPr>
-            <p:cNvPr id="65808" name="Freeform 272"/>
-            <p:cNvSpPr>
-              <a:spLocks/>
-            </p:cNvSpPr>
-            <p:nvPr/>
-          </p:nvSpPr>
-          <p:spPr bwMode="auto">
-            <a:xfrm>
-              <a:off x="1621" y="1259"/>
-              <a:ext cx="251" cy="275"/>
-            </a:xfrm>
-            <a:custGeom>
-              <a:avLst/>
-              <a:gdLst>
-                <a:gd name="T0" fmla="*/ 251 w 251"/>
-                <a:gd name="T1" fmla="*/ 270 h 275"/>
-                <a:gd name="T2" fmla="*/ 49 w 251"/>
-                <a:gd name="T3" fmla="*/ 230 h 275"/>
-                <a:gd name="T4" fmla="*/ 0 w 251"/>
-                <a:gd name="T5" fmla="*/ 0 h 275"/>
-              </a:gdLst>
-              <a:ahLst/>
-              <a:cxnLst>
-                <a:cxn ang="0">
-                  <a:pos x="T0" y="T1"/>
-                </a:cxn>
-                <a:cxn ang="0">
-                  <a:pos x="T2" y="T3"/>
-                </a:cxn>
-                <a:cxn ang="0">
-                  <a:pos x="T4" y="T5"/>
-                </a:cxn>
-              </a:cxnLst>
-              <a:rect l="0" t="0" r="r" b="b"/>
-              <a:pathLst>
-                <a:path w="251" h="275">
-                  <a:moveTo>
-                    <a:pt x="251" y="270"/>
-                  </a:moveTo>
-                  <a:cubicBezTo>
-                    <a:pt x="217" y="263"/>
-                    <a:pt x="91" y="275"/>
-                    <a:pt x="49" y="230"/>
-                  </a:cubicBezTo>
-                  <a:cubicBezTo>
-                    <a:pt x="7" y="185"/>
-                    <a:pt x="10" y="48"/>
-                    <a:pt x="0" y="0"/>
-                  </a:cubicBezTo>
-                </a:path>
-              </a:pathLst>
-            </a:custGeom>
-            <a:noFill/>
-            <a:ln w="38100" cap="flat" cmpd="sng">
-              <a:solidFill>
-                <a:schemeClr val="accent1"/>
-              </a:solidFill>
-              <a:prstDash val="solid"/>
-              <a:round/>
-              <a:headEnd type="none" w="lg" len="med"/>
-              <a:tailEnd type="none" w="lg" len="med"/>
-            </a:ln>
-            <a:effectLst/>
-            <a:extLst>
-              <a:ext uri="{909E8E84-426E-40DD-AFC4-6F175D3DCCD1}">
-                <a14:hiddenFill xmlns:a14="http://schemas.microsoft.com/office/drawing/2010/main">
-                  <a:solidFill>
-                    <a:schemeClr val="bg1"/>
-                  </a:solidFill>
-                </a14:hiddenFill>
-              </a:ext>
-              <a:ext uri="{AF507438-7753-43E0-B8FC-AC1667EBCBE1}">
-                <a14:hiddenEffects xmlns:a14="http://schemas.microsoft.com/office/drawing/2010/main">
-                  <a:effectLst>
-                    <a:outerShdw dist="35921" dir="2700000" algn="ctr" rotWithShape="0">
-                      <a:schemeClr val="bg2"/>
-                    </a:outerShdw>
-                  </a:effectLst>
-                </a14:hiddenEffects>
-              </a:ext>
-            </a:extLst>
-          </p:spPr>
-          <p:txBody>
-            <a:bodyPr anchor="ctr">
-              <a:spAutoFit/>
-            </a:bodyPr>
-            <a:lstStyle/>
-            <a:p>
-              <a:endParaRPr lang="en-US"/>
-            </a:p>
-          </p:txBody>
-        </p:sp>
-      </p:grpSp>
-      <p:pic>
-        <p:nvPicPr>
-          <p:cNvPr id="65809" name="Picture 273" descr="solenoidvalve"/>
-          <p:cNvPicPr>
-            <a:picLocks noChangeAspect="1" noChangeArrowheads="1"/>
-          </p:cNvPicPr>
-          <p:nvPr/>
-        </p:nvPicPr>
-        <p:blipFill>
-          <a:blip r:embed="rId8">
-            <a:clrChange>
-              <a:clrFrom>
-                <a:srgbClr val="FFFFFF"/>
-              </a:clrFrom>
-              <a:clrTo>
-                <a:srgbClr val="FFFFFF">
-                  <a:alpha val="0"/>
-                </a:srgbClr>
-              </a:clrTo>
-            </a:clrChange>
-            <a:extLst>
-              <a:ext uri="{28A0092B-C50C-407E-A947-70E740481C1C}">
-                <a14:useLocalDpi xmlns:a14="http://schemas.microsoft.com/office/drawing/2010/main" val="0"/>
-              </a:ext>
-            </a:extLst>
-          </a:blip>
-          <a:srcRect/>
-          <a:stretch>
-            <a:fillRect/>
-          </a:stretch>
-        </p:blipFill>
-        <p:spPr bwMode="auto">
-          <a:xfrm>
-            <a:off x="7623175" y="4926013"/>
-            <a:ext cx="560388" cy="695325"/>
-          </a:xfrm>
-          <a:prstGeom prst="rect">
-            <a:avLst/>
-          </a:prstGeom>
-          <a:noFill/>
-          <a:extLst>
-            <a:ext uri="{909E8E84-426E-40DD-AFC4-6F175D3DCCD1}">
-              <a14:hiddenFill xmlns:a14="http://schemas.microsoft.com/office/drawing/2010/main">
-                <a:solidFill>
-                  <a:srgbClr val="FFFFFF"/>
-                </a:solidFill>
-              </a14:hiddenFill>
-            </a:ext>
-          </a:extLst>
-        </p:spPr>
-      </p:pic>
+            <a:r>
+              <a:rPr lang="en-US" dirty="0" smtClean="0"/>
+              <a:t>Come to lab prepared to discuss</a:t>
+            </a:r>
+          </a:p>
+          <a:p>
+            <a:pPr lvl="1"/>
+            <a:r>
+              <a:rPr lang="en-US" dirty="0" smtClean="0"/>
+              <a:t>What seems interesting to you?  </a:t>
+            </a:r>
+          </a:p>
+          <a:p>
+            <a:pPr lvl="1"/>
+            <a:r>
+              <a:rPr lang="en-US" dirty="0" smtClean="0"/>
+              <a:t>Is there anything that can help with other projects (research)?  </a:t>
+            </a:r>
+          </a:p>
+          <a:p>
+            <a:pPr lvl="1"/>
+            <a:r>
+              <a:rPr lang="en-US" dirty="0" smtClean="0"/>
+              <a:t>Anything that is relevant to potential grad school research?  </a:t>
+            </a:r>
+          </a:p>
+          <a:p>
+            <a:pPr lvl="1"/>
+            <a:r>
+              <a:rPr lang="en-US" dirty="0" smtClean="0"/>
+              <a:t>Anything relevant to potential internships/jobs?</a:t>
+            </a:r>
+          </a:p>
+          <a:p>
+            <a:r>
+              <a:rPr lang="en-US" dirty="0" smtClean="0"/>
+              <a:t>BRAINSTORM and discuss with your groups.</a:t>
+            </a:r>
+          </a:p>
+        </p:txBody>
+      </p:sp>
     </p:spTree>
     <p:extLst>
       <p:ext uri="{BB962C8B-B14F-4D97-AF65-F5344CB8AC3E}">
-        <p14:creationId xmlns:p14="http://schemas.microsoft.com/office/powerpoint/2010/main" val="1299442865"/>
+        <p14:creationId xmlns:p14="http://schemas.microsoft.com/office/powerpoint/2010/main" val="1203524912"/>
       </p:ext>
     </p:extLst>
   </p:cSld>
@@ -20623,532 +12421,7 @@
   <p:timing>
     <p:tnLst>
       <p:par>
-        <p:cTn id="1" dur="indefinite" restart="never" nodeType="tmRoot">
-          <p:childTnLst>
-            <p:seq concurrent="1" nextAc="seek">
-              <p:cTn id="2" dur="indefinite" nodeType="mainSeq">
-                <p:childTnLst>
-                  <p:par>
-                    <p:cTn id="3" fill="hold" nodeType="clickPar">
-                      <p:stCondLst>
-                        <p:cond delay="indefinite"/>
-                      </p:stCondLst>
-                      <p:childTnLst>
-                        <p:par>
-                          <p:cTn id="4" fill="hold" nodeType="withGroup">
-                            <p:stCondLst>
-                              <p:cond delay="0"/>
-                            </p:stCondLst>
-                            <p:childTnLst>
-                              <p:par>
-                                <p:cTn id="5" presetID="17" presetClass="entr" presetSubtype="4" fill="hold" nodeType="clickEffect">
-                                  <p:stCondLst>
-                                    <p:cond delay="0"/>
-                                  </p:stCondLst>
-                                  <p:childTnLst>
-                                    <p:set>
-                                      <p:cBhvr>
-                                        <p:cTn id="6" dur="1" fill="hold">
-                                          <p:stCondLst>
-                                            <p:cond delay="0"/>
-                                          </p:stCondLst>
-                                        </p:cTn>
-                                        <p:tgtEl>
-                                          <p:spTgt spid="65754"/>
-                                        </p:tgtEl>
-                                        <p:attrNameLst>
-                                          <p:attrName>style.visibility</p:attrName>
-                                        </p:attrNameLst>
-                                      </p:cBhvr>
-                                      <p:to>
-                                        <p:strVal val="visible"/>
-                                      </p:to>
-                                    </p:set>
-                                    <p:anim calcmode="lin" valueType="num">
-                                      <p:cBhvr>
-                                        <p:cTn id="7" dur="500" fill="hold"/>
-                                        <p:tgtEl>
-                                          <p:spTgt spid="65754"/>
-                                        </p:tgtEl>
-                                        <p:attrNameLst>
-                                          <p:attrName>ppt_x</p:attrName>
-                                        </p:attrNameLst>
-                                      </p:cBhvr>
-                                      <p:tavLst>
-                                        <p:tav tm="0">
-                                          <p:val>
-                                            <p:strVal val="#ppt_x"/>
-                                          </p:val>
-                                        </p:tav>
-                                        <p:tav tm="100000">
-                                          <p:val>
-                                            <p:strVal val="#ppt_x"/>
-                                          </p:val>
-                                        </p:tav>
-                                      </p:tavLst>
-                                    </p:anim>
-                                    <p:anim calcmode="lin" valueType="num">
-                                      <p:cBhvr>
-                                        <p:cTn id="8" dur="500" fill="hold"/>
-                                        <p:tgtEl>
-                                          <p:spTgt spid="65754"/>
-                                        </p:tgtEl>
-                                        <p:attrNameLst>
-                                          <p:attrName>ppt_y</p:attrName>
-                                        </p:attrNameLst>
-                                      </p:cBhvr>
-                                      <p:tavLst>
-                                        <p:tav tm="0">
-                                          <p:val>
-                                            <p:strVal val="#ppt_y+#ppt_h/2"/>
-                                          </p:val>
-                                        </p:tav>
-                                        <p:tav tm="100000">
-                                          <p:val>
-                                            <p:strVal val="#ppt_y"/>
-                                          </p:val>
-                                        </p:tav>
-                                      </p:tavLst>
-                                    </p:anim>
-                                    <p:anim calcmode="lin" valueType="num">
-                                      <p:cBhvr>
-                                        <p:cTn id="9" dur="500" fill="hold"/>
-                                        <p:tgtEl>
-                                          <p:spTgt spid="65754"/>
-                                        </p:tgtEl>
-                                        <p:attrNameLst>
-                                          <p:attrName>ppt_w</p:attrName>
-                                        </p:attrNameLst>
-                                      </p:cBhvr>
-                                      <p:tavLst>
-                                        <p:tav tm="0">
-                                          <p:val>
-                                            <p:strVal val="#ppt_w"/>
-                                          </p:val>
-                                        </p:tav>
-                                        <p:tav tm="100000">
-                                          <p:val>
-                                            <p:strVal val="#ppt_w"/>
-                                          </p:val>
-                                        </p:tav>
-                                      </p:tavLst>
-                                    </p:anim>
-                                    <p:anim calcmode="lin" valueType="num">
-                                      <p:cBhvr>
-                                        <p:cTn id="10" dur="500" fill="hold"/>
-                                        <p:tgtEl>
-                                          <p:spTgt spid="65754"/>
-                                        </p:tgtEl>
-                                        <p:attrNameLst>
-                                          <p:attrName>ppt_h</p:attrName>
-                                        </p:attrNameLst>
-                                      </p:cBhvr>
-                                      <p:tavLst>
-                                        <p:tav tm="0">
-                                          <p:val>
-                                            <p:fltVal val="0"/>
-                                          </p:val>
-                                        </p:tav>
-                                        <p:tav tm="100000">
-                                          <p:val>
-                                            <p:strVal val="#ppt_h"/>
-                                          </p:val>
-                                        </p:tav>
-                                      </p:tavLst>
-                                    </p:anim>
-                                  </p:childTnLst>
-                                </p:cTn>
-                              </p:par>
-                            </p:childTnLst>
-                          </p:cTn>
-                        </p:par>
-                      </p:childTnLst>
-                    </p:cTn>
-                  </p:par>
-                  <p:par>
-                    <p:cTn id="11" fill="hold" nodeType="clickPar">
-                      <p:stCondLst>
-                        <p:cond delay="indefinite"/>
-                      </p:stCondLst>
-                      <p:childTnLst>
-                        <p:par>
-                          <p:cTn id="12" fill="hold" nodeType="withGroup">
-                            <p:stCondLst>
-                              <p:cond delay="0"/>
-                            </p:stCondLst>
-                            <p:childTnLst>
-                              <p:par>
-                                <p:cTn id="13" presetID="17" presetClass="entr" presetSubtype="4" fill="hold" nodeType="clickEffect">
-                                  <p:stCondLst>
-                                    <p:cond delay="0"/>
-                                  </p:stCondLst>
-                                  <p:childTnLst>
-                                    <p:set>
-                                      <p:cBhvr>
-                                        <p:cTn id="14" dur="1" fill="hold">
-                                          <p:stCondLst>
-                                            <p:cond delay="0"/>
-                                          </p:stCondLst>
-                                        </p:cTn>
-                                        <p:tgtEl>
-                                          <p:spTgt spid="65759"/>
-                                        </p:tgtEl>
-                                        <p:attrNameLst>
-                                          <p:attrName>style.visibility</p:attrName>
-                                        </p:attrNameLst>
-                                      </p:cBhvr>
-                                      <p:to>
-                                        <p:strVal val="visible"/>
-                                      </p:to>
-                                    </p:set>
-                                    <p:anim calcmode="lin" valueType="num">
-                                      <p:cBhvr>
-                                        <p:cTn id="15" dur="500" fill="hold"/>
-                                        <p:tgtEl>
-                                          <p:spTgt spid="65759"/>
-                                        </p:tgtEl>
-                                        <p:attrNameLst>
-                                          <p:attrName>ppt_x</p:attrName>
-                                        </p:attrNameLst>
-                                      </p:cBhvr>
-                                      <p:tavLst>
-                                        <p:tav tm="0">
-                                          <p:val>
-                                            <p:strVal val="#ppt_x"/>
-                                          </p:val>
-                                        </p:tav>
-                                        <p:tav tm="100000">
-                                          <p:val>
-                                            <p:strVal val="#ppt_x"/>
-                                          </p:val>
-                                        </p:tav>
-                                      </p:tavLst>
-                                    </p:anim>
-                                    <p:anim calcmode="lin" valueType="num">
-                                      <p:cBhvr>
-                                        <p:cTn id="16" dur="500" fill="hold"/>
-                                        <p:tgtEl>
-                                          <p:spTgt spid="65759"/>
-                                        </p:tgtEl>
-                                        <p:attrNameLst>
-                                          <p:attrName>ppt_y</p:attrName>
-                                        </p:attrNameLst>
-                                      </p:cBhvr>
-                                      <p:tavLst>
-                                        <p:tav tm="0">
-                                          <p:val>
-                                            <p:strVal val="#ppt_y+#ppt_h/2"/>
-                                          </p:val>
-                                        </p:tav>
-                                        <p:tav tm="100000">
-                                          <p:val>
-                                            <p:strVal val="#ppt_y"/>
-                                          </p:val>
-                                        </p:tav>
-                                      </p:tavLst>
-                                    </p:anim>
-                                    <p:anim calcmode="lin" valueType="num">
-                                      <p:cBhvr>
-                                        <p:cTn id="17" dur="500" fill="hold"/>
-                                        <p:tgtEl>
-                                          <p:spTgt spid="65759"/>
-                                        </p:tgtEl>
-                                        <p:attrNameLst>
-                                          <p:attrName>ppt_w</p:attrName>
-                                        </p:attrNameLst>
-                                      </p:cBhvr>
-                                      <p:tavLst>
-                                        <p:tav tm="0">
-                                          <p:val>
-                                            <p:strVal val="#ppt_w"/>
-                                          </p:val>
-                                        </p:tav>
-                                        <p:tav tm="100000">
-                                          <p:val>
-                                            <p:strVal val="#ppt_w"/>
-                                          </p:val>
-                                        </p:tav>
-                                      </p:tavLst>
-                                    </p:anim>
-                                    <p:anim calcmode="lin" valueType="num">
-                                      <p:cBhvr>
-                                        <p:cTn id="18" dur="500" fill="hold"/>
-                                        <p:tgtEl>
-                                          <p:spTgt spid="65759"/>
-                                        </p:tgtEl>
-                                        <p:attrNameLst>
-                                          <p:attrName>ppt_h</p:attrName>
-                                        </p:attrNameLst>
-                                      </p:cBhvr>
-                                      <p:tavLst>
-                                        <p:tav tm="0">
-                                          <p:val>
-                                            <p:fltVal val="0"/>
-                                          </p:val>
-                                        </p:tav>
-                                        <p:tav tm="100000">
-                                          <p:val>
-                                            <p:strVal val="#ppt_h"/>
-                                          </p:val>
-                                        </p:tav>
-                                      </p:tavLst>
-                                    </p:anim>
-                                  </p:childTnLst>
-                                </p:cTn>
-                              </p:par>
-                            </p:childTnLst>
-                          </p:cTn>
-                        </p:par>
-                      </p:childTnLst>
-                    </p:cTn>
-                  </p:par>
-                  <p:par>
-                    <p:cTn id="19" fill="hold" nodeType="clickPar">
-                      <p:stCondLst>
-                        <p:cond delay="indefinite"/>
-                      </p:stCondLst>
-                      <p:childTnLst>
-                        <p:par>
-                          <p:cTn id="20" fill="hold" nodeType="withGroup">
-                            <p:stCondLst>
-                              <p:cond delay="0"/>
-                            </p:stCondLst>
-                            <p:childTnLst>
-                              <p:par>
-                                <p:cTn id="21" presetID="17" presetClass="entr" presetSubtype="10" fill="hold" nodeType="clickEffect">
-                                  <p:stCondLst>
-                                    <p:cond delay="0"/>
-                                  </p:stCondLst>
-                                  <p:childTnLst>
-                                    <p:set>
-                                      <p:cBhvr>
-                                        <p:cTn id="22" dur="1" fill="hold">
-                                          <p:stCondLst>
-                                            <p:cond delay="0"/>
-                                          </p:stCondLst>
-                                        </p:cTn>
-                                        <p:tgtEl>
-                                          <p:spTgt spid="65784"/>
-                                        </p:tgtEl>
-                                        <p:attrNameLst>
-                                          <p:attrName>style.visibility</p:attrName>
-                                        </p:attrNameLst>
-                                      </p:cBhvr>
-                                      <p:to>
-                                        <p:strVal val="visible"/>
-                                      </p:to>
-                                    </p:set>
-                                    <p:anim calcmode="lin" valueType="num">
-                                      <p:cBhvr>
-                                        <p:cTn id="23" dur="500" fill="hold"/>
-                                        <p:tgtEl>
-                                          <p:spTgt spid="65784"/>
-                                        </p:tgtEl>
-                                        <p:attrNameLst>
-                                          <p:attrName>ppt_w</p:attrName>
-                                        </p:attrNameLst>
-                                      </p:cBhvr>
-                                      <p:tavLst>
-                                        <p:tav tm="0">
-                                          <p:val>
-                                            <p:fltVal val="0"/>
-                                          </p:val>
-                                        </p:tav>
-                                        <p:tav tm="100000">
-                                          <p:val>
-                                            <p:strVal val="#ppt_w"/>
-                                          </p:val>
-                                        </p:tav>
-                                      </p:tavLst>
-                                    </p:anim>
-                                    <p:anim calcmode="lin" valueType="num">
-                                      <p:cBhvr>
-                                        <p:cTn id="24" dur="500" fill="hold"/>
-                                        <p:tgtEl>
-                                          <p:spTgt spid="65784"/>
-                                        </p:tgtEl>
-                                        <p:attrNameLst>
-                                          <p:attrName>ppt_h</p:attrName>
-                                        </p:attrNameLst>
-                                      </p:cBhvr>
-                                      <p:tavLst>
-                                        <p:tav tm="0">
-                                          <p:val>
-                                            <p:strVal val="#ppt_h"/>
-                                          </p:val>
-                                        </p:tav>
-                                        <p:tav tm="100000">
-                                          <p:val>
-                                            <p:strVal val="#ppt_h"/>
-                                          </p:val>
-                                        </p:tav>
-                                      </p:tavLst>
-                                    </p:anim>
-                                  </p:childTnLst>
-                                </p:cTn>
-                              </p:par>
-                            </p:childTnLst>
-                          </p:cTn>
-                        </p:par>
-                      </p:childTnLst>
-                    </p:cTn>
-                  </p:par>
-                  <p:par>
-                    <p:cTn id="25" fill="hold" nodeType="clickPar">
-                      <p:stCondLst>
-                        <p:cond delay="indefinite"/>
-                      </p:stCondLst>
-                      <p:childTnLst>
-                        <p:par>
-                          <p:cTn id="26" fill="hold" nodeType="withGroup">
-                            <p:stCondLst>
-                              <p:cond delay="0"/>
-                            </p:stCondLst>
-                            <p:childTnLst>
-                              <p:par>
-                                <p:cTn id="27" presetID="17" presetClass="entr" presetSubtype="1" fill="hold" nodeType="clickEffect">
-                                  <p:stCondLst>
-                                    <p:cond delay="0"/>
-                                  </p:stCondLst>
-                                  <p:childTnLst>
-                                    <p:set>
-                                      <p:cBhvr>
-                                        <p:cTn id="28" dur="1" fill="hold">
-                                          <p:stCondLst>
-                                            <p:cond delay="0"/>
-                                          </p:stCondLst>
-                                        </p:cTn>
-                                        <p:tgtEl>
-                                          <p:spTgt spid="65774"/>
-                                        </p:tgtEl>
-                                        <p:attrNameLst>
-                                          <p:attrName>style.visibility</p:attrName>
-                                        </p:attrNameLst>
-                                      </p:cBhvr>
-                                      <p:to>
-                                        <p:strVal val="visible"/>
-                                      </p:to>
-                                    </p:set>
-                                    <p:anim calcmode="lin" valueType="num">
-                                      <p:cBhvr>
-                                        <p:cTn id="29" dur="500" fill="hold"/>
-                                        <p:tgtEl>
-                                          <p:spTgt spid="65774"/>
-                                        </p:tgtEl>
-                                        <p:attrNameLst>
-                                          <p:attrName>ppt_x</p:attrName>
-                                        </p:attrNameLst>
-                                      </p:cBhvr>
-                                      <p:tavLst>
-                                        <p:tav tm="0">
-                                          <p:val>
-                                            <p:strVal val="#ppt_x"/>
-                                          </p:val>
-                                        </p:tav>
-                                        <p:tav tm="100000">
-                                          <p:val>
-                                            <p:strVal val="#ppt_x"/>
-                                          </p:val>
-                                        </p:tav>
-                                      </p:tavLst>
-                                    </p:anim>
-                                    <p:anim calcmode="lin" valueType="num">
-                                      <p:cBhvr>
-                                        <p:cTn id="30" dur="500" fill="hold"/>
-                                        <p:tgtEl>
-                                          <p:spTgt spid="65774"/>
-                                        </p:tgtEl>
-                                        <p:attrNameLst>
-                                          <p:attrName>ppt_y</p:attrName>
-                                        </p:attrNameLst>
-                                      </p:cBhvr>
-                                      <p:tavLst>
-                                        <p:tav tm="0">
-                                          <p:val>
-                                            <p:strVal val="#ppt_y-#ppt_h/2"/>
-                                          </p:val>
-                                        </p:tav>
-                                        <p:tav tm="100000">
-                                          <p:val>
-                                            <p:strVal val="#ppt_y"/>
-                                          </p:val>
-                                        </p:tav>
-                                      </p:tavLst>
-                                    </p:anim>
-                                    <p:anim calcmode="lin" valueType="num">
-                                      <p:cBhvr>
-                                        <p:cTn id="31" dur="500" fill="hold"/>
-                                        <p:tgtEl>
-                                          <p:spTgt spid="65774"/>
-                                        </p:tgtEl>
-                                        <p:attrNameLst>
-                                          <p:attrName>ppt_w</p:attrName>
-                                        </p:attrNameLst>
-                                      </p:cBhvr>
-                                      <p:tavLst>
-                                        <p:tav tm="0">
-                                          <p:val>
-                                            <p:strVal val="#ppt_w"/>
-                                          </p:val>
-                                        </p:tav>
-                                        <p:tav tm="100000">
-                                          <p:val>
-                                            <p:strVal val="#ppt_w"/>
-                                          </p:val>
-                                        </p:tav>
-                                      </p:tavLst>
-                                    </p:anim>
-                                    <p:anim calcmode="lin" valueType="num">
-                                      <p:cBhvr>
-                                        <p:cTn id="32" dur="500" fill="hold"/>
-                                        <p:tgtEl>
-                                          <p:spTgt spid="65774"/>
-                                        </p:tgtEl>
-                                        <p:attrNameLst>
-                                          <p:attrName>ppt_h</p:attrName>
-                                        </p:attrNameLst>
-                                      </p:cBhvr>
-                                      <p:tavLst>
-                                        <p:tav tm="0">
-                                          <p:val>
-                                            <p:fltVal val="0"/>
-                                          </p:val>
-                                        </p:tav>
-                                        <p:tav tm="100000">
-                                          <p:val>
-                                            <p:strVal val="#ppt_h"/>
-                                          </p:val>
-                                        </p:tav>
-                                      </p:tavLst>
-                                    </p:anim>
-                                  </p:childTnLst>
-                                </p:cTn>
-                              </p:par>
-                            </p:childTnLst>
-                          </p:cTn>
-                        </p:par>
-                      </p:childTnLst>
-                    </p:cTn>
-                  </p:par>
-                </p:childTnLst>
-              </p:cTn>
-              <p:prevCondLst>
-                <p:cond evt="onPrev" delay="0">
-                  <p:tgtEl>
-                    <p:sldTgt/>
-                  </p:tgtEl>
-                </p:cond>
-              </p:prevCondLst>
-              <p:nextCondLst>
-                <p:cond evt="onNext" delay="0">
-                  <p:tgtEl>
-                    <p:sldTgt/>
-                  </p:tgtEl>
-                </p:cond>
-              </p:nextCondLst>
-            </p:seq>
-          </p:childTnLst>
-        </p:cTn>
+        <p:cTn id="1" dur="indefinite" restart="never" nodeType="tmRoot"/>
       </p:par>
     </p:tnLst>
   </p:timing>

--- a/website/pptx/Project_Ideas.pptx
+++ b/website/pptx/Project_Ideas.pptx
@@ -8,10 +8,10 @@
     <p:sldMasterId id="2147483684" r:id="rId4"/>
   </p:sldMasterIdLst>
   <p:notesMasterIdLst>
-    <p:notesMasterId r:id="rId14"/>
+    <p:notesMasterId r:id="rId15"/>
   </p:notesMasterIdLst>
   <p:handoutMasterIdLst>
-    <p:handoutMasterId r:id="rId15"/>
+    <p:handoutMasterId r:id="rId16"/>
   </p:handoutMasterIdLst>
   <p:sldIdLst>
     <p:sldId id="283" r:id="rId5"/>
@@ -22,7 +22,8 @@
     <p:sldId id="290" r:id="rId10"/>
     <p:sldId id="291" r:id="rId11"/>
     <p:sldId id="292" r:id="rId12"/>
-    <p:sldId id="287" r:id="rId13"/>
+    <p:sldId id="293" r:id="rId13"/>
+    <p:sldId id="287" r:id="rId14"/>
   </p:sldIdLst>
   <p:sldSz cx="9144000" cy="6858000" type="screen4x3"/>
   <p:notesSz cx="7315200" cy="9601200"/>
@@ -10442,6 +10443,125 @@
 </p:sld>
 </file>
 
+<file path=ppt/slides/slide10.xml><?xml version="1.0" encoding="utf-8"?>
+<p:sld xmlns:a="http://schemas.openxmlformats.org/drawingml/2006/main" xmlns:r="http://schemas.openxmlformats.org/officeDocument/2006/relationships" xmlns:p="http://schemas.openxmlformats.org/presentationml/2006/main">
+  <p:cSld>
+    <p:spTree>
+      <p:nvGrpSpPr>
+        <p:cNvPr id="1" name=""/>
+        <p:cNvGrpSpPr/>
+        <p:nvPr/>
+      </p:nvGrpSpPr>
+      <p:grpSpPr>
+        <a:xfrm>
+          <a:off x="0" y="0"/>
+          <a:ext cx="0" cy="0"/>
+          <a:chOff x="0" y="0"/>
+          <a:chExt cx="0" cy="0"/>
+        </a:xfrm>
+      </p:grpSpPr>
+      <p:sp>
+        <p:nvSpPr>
+          <p:cNvPr id="2" name="Title 1"/>
+          <p:cNvSpPr>
+            <a:spLocks noGrp="1"/>
+          </p:cNvSpPr>
+          <p:nvPr>
+            <p:ph type="title"/>
+          </p:nvPr>
+        </p:nvSpPr>
+        <p:spPr/>
+        <p:txBody>
+          <a:bodyPr/>
+          <a:lstStyle/>
+          <a:p>
+            <a:r>
+              <a:rPr lang="en-US" smtClean="0"/>
+              <a:t>Next steps</a:t>
+            </a:r>
+            <a:endParaRPr lang="en-US" dirty="0"/>
+          </a:p>
+        </p:txBody>
+      </p:sp>
+      <p:sp>
+        <p:nvSpPr>
+          <p:cNvPr id="3" name="Content Placeholder 2"/>
+          <p:cNvSpPr>
+            <a:spLocks noGrp="1"/>
+          </p:cNvSpPr>
+          <p:nvPr>
+            <p:ph idx="1"/>
+          </p:nvPr>
+        </p:nvSpPr>
+        <p:spPr/>
+        <p:txBody>
+          <a:bodyPr/>
+          <a:lstStyle/>
+          <a:p>
+            <a:r>
+              <a:rPr lang="en-US" dirty="0" smtClean="0"/>
+              <a:t>Come to lab prepared to discuss</a:t>
+            </a:r>
+          </a:p>
+          <a:p>
+            <a:pPr lvl="1"/>
+            <a:r>
+              <a:rPr lang="en-US" dirty="0" smtClean="0"/>
+              <a:t>What seems interesting to you?  </a:t>
+            </a:r>
+          </a:p>
+          <a:p>
+            <a:pPr lvl="1"/>
+            <a:r>
+              <a:rPr lang="en-US" dirty="0" smtClean="0"/>
+              <a:t>Is there anything that can help with other projects (research)?  </a:t>
+            </a:r>
+          </a:p>
+          <a:p>
+            <a:pPr lvl="1"/>
+            <a:r>
+              <a:rPr lang="en-US" dirty="0" smtClean="0"/>
+              <a:t>Anything that is relevant to potential grad school research?  </a:t>
+            </a:r>
+          </a:p>
+          <a:p>
+            <a:pPr lvl="1"/>
+            <a:r>
+              <a:rPr lang="en-US" dirty="0" smtClean="0"/>
+              <a:t>Anything relevant to potential internships/jobs?</a:t>
+            </a:r>
+          </a:p>
+          <a:p>
+            <a:r>
+              <a:rPr lang="en-US" dirty="0" smtClean="0"/>
+              <a:t>BRAINSTORM and discuss with your groups.</a:t>
+            </a:r>
+          </a:p>
+        </p:txBody>
+      </p:sp>
+    </p:spTree>
+    <p:extLst>
+      <p:ext uri="{BB962C8B-B14F-4D97-AF65-F5344CB8AC3E}">
+        <p14:creationId xmlns:p14="http://schemas.microsoft.com/office/powerpoint/2010/main" val="1203524912"/>
+      </p:ext>
+    </p:extLst>
+  </p:cSld>
+  <p:clrMapOvr>
+    <a:masterClrMapping/>
+  </p:clrMapOvr>
+  <p:transition>
+    <p:fade/>
+  </p:transition>
+  <p:timing>
+    <p:tnLst>
+      <p:par>
+        <p:cTn id="1" dur="indefinite" restart="never" nodeType="tmRoot"/>
+      </p:par>
+    </p:tnLst>
+  </p:timing>
+</p:sld>
+</file>
+
 <file path=ppt/slides/slide2.xml><?xml version="1.0" encoding="utf-8"?>
 <p:sld xmlns:a="http://schemas.openxmlformats.org/drawingml/2006/main" xmlns:r="http://schemas.openxmlformats.org/officeDocument/2006/relationships" xmlns:p="http://schemas.openxmlformats.org/presentationml/2006/main">
   <p:cSld>
@@ -11513,15 +11633,7 @@
           <a:p>
             <a:r>
               <a:rPr lang="en-US" dirty="0" smtClean="0"/>
-              <a:t>Proposals </a:t>
-            </a:r>
-            <a:r>
-              <a:rPr lang="en-US" dirty="0" smtClean="0"/>
-              <a:t>(not graded) – </a:t>
-            </a:r>
-            <a:r>
-              <a:rPr lang="en-US" dirty="0" smtClean="0"/>
-              <a:t>what to include</a:t>
+              <a:t>Proposals (not graded) – what to include</a:t>
             </a:r>
             <a:endParaRPr lang="en-US" dirty="0"/>
           </a:p>
@@ -11822,20 +11934,14 @@
           <a:p>
             <a:r>
               <a:rPr lang="en-US" sz="2800" dirty="0" smtClean="0"/>
-              <a:t>Build your apparatus </a:t>
-            </a:r>
-            <a:r>
-              <a:rPr lang="en-US" sz="2800" dirty="0" smtClean="0"/>
-              <a:t>next week and conduct first experiment</a:t>
-            </a:r>
-            <a:endParaRPr lang="en-US" sz="2800" dirty="0" smtClean="0"/>
+              <a:t>Build your apparatus next week and conduct first experiment</a:t>
+            </a:r>
           </a:p>
           <a:p>
             <a:r>
               <a:rPr lang="en-US" sz="2800" dirty="0" smtClean="0"/>
               <a:t>Finish data collection the week before break</a:t>
             </a:r>
-            <a:endParaRPr lang="en-US" sz="2800" dirty="0" smtClean="0"/>
           </a:p>
           <a:p>
             <a:r>
@@ -11958,11 +12064,7 @@
             </a:r>
             <a:r>
               <a:rPr lang="en-US" dirty="0" smtClean="0"/>
-              <a:t>that has a higher </a:t>
-            </a:r>
-            <a:r>
-              <a:rPr lang="en-US" dirty="0" smtClean="0"/>
-              <a:t>oxygen transfer efficiency</a:t>
+              <a:t>that has a higher oxygen transfer efficiency</a:t>
             </a:r>
             <a:endParaRPr lang="en-US" dirty="0"/>
           </a:p>
@@ -12048,24 +12150,24 @@
           <a:p>
             <a:r>
               <a:rPr lang="en-US" dirty="0" smtClean="0"/>
-              <a:t>Test </a:t>
+              <a:t>Test effect of flow rate on shape of adsorption curve (mass transport controls adsorption kinetics and thus time matters</a:t>
             </a:r>
             <a:r>
               <a:rPr lang="en-US" dirty="0" smtClean="0"/>
-              <a:t>effect </a:t>
-            </a:r>
+              <a:t>)</a:t>
+            </a:r>
+          </a:p>
+          <a:p>
             <a:r>
               <a:rPr lang="en-US" dirty="0" smtClean="0"/>
-              <a:t>of flow rate on shape of adsorption curve (mass transport controls adsorption kinetics and thus time </a:t>
-            </a:r>
-            <a:r>
-              <a:rPr lang="en-US" smtClean="0"/>
-              <a:t>matters</a:t>
-            </a:r>
-            <a:r>
-              <a:rPr lang="en-US" smtClean="0"/>
-              <a:t>)</a:t>
-            </a:r>
+              <a:t>Test the effect of 3 different sizes of activated carbon (large granules, small granules, powder)</a:t>
+            </a:r>
+          </a:p>
+          <a:p>
+            <a:pPr marL="0" indent="0">
+              <a:buNone/>
+            </a:pPr>
+            <a:endParaRPr lang="en-US" dirty="0" smtClean="0"/>
           </a:p>
           <a:p>
             <a:endParaRPr lang="en-US" dirty="0" smtClean="0"/>
@@ -12097,7 +12199,7 @@
         </p:blipFill>
         <p:spPr>
           <a:xfrm>
-            <a:off x="5809593" y="3132498"/>
+            <a:off x="5809593" y="4393739"/>
             <a:ext cx="3105807" cy="2070538"/>
           </a:xfrm>
           <a:prstGeom prst="rect">
@@ -12155,7 +12257,15 @@
           <a:p>
             <a:r>
               <a:rPr lang="en-US" dirty="0" smtClean="0"/>
-              <a:t>Test the hypothesis for pH adjustment calculations </a:t>
+              <a:t>Test </a:t>
+            </a:r>
+            <a:r>
+              <a:rPr lang="en-US" dirty="0" smtClean="0"/>
+              <a:t>pH </a:t>
+            </a:r>
+            <a:r>
+              <a:rPr lang="en-US" dirty="0" smtClean="0"/>
+              <a:t>adjustment calculations </a:t>
             </a:r>
             <a:endParaRPr lang="en-US" dirty="0"/>
           </a:p>
@@ -12177,40 +12287,62 @@
           <a:lstStyle/>
           <a:p>
             <a:r>
-              <a:rPr lang="en-US" dirty="0" smtClean="0"/>
+              <a:rPr lang="en-US" sz="2400" dirty="0" smtClean="0"/>
               <a:t>We have developed equations based on ANC for how to methodically adjust the pH to reach a target value. This is of particular interest in drinking water treatment. </a:t>
             </a:r>
           </a:p>
           <a:p>
             <a:r>
-              <a:rPr lang="en-US" dirty="0" smtClean="0"/>
+              <a:rPr lang="en-US" sz="2400" dirty="0" smtClean="0"/>
               <a:t>The method involves measure the ANC of the sample and then using equations to calculate how much acid or base to add to reach the target pH</a:t>
             </a:r>
           </a:p>
           <a:p>
             <a:r>
-              <a:rPr lang="en-US" dirty="0" smtClean="0"/>
+              <a:rPr lang="en-US" sz="2400" dirty="0" smtClean="0"/>
               <a:t>Here is an </a:t>
             </a:r>
             <a:r>
-              <a:rPr lang="en-US" dirty="0" smtClean="0">
+              <a:rPr lang="en-US" sz="2400" dirty="0" smtClean="0">
                 <a:hlinkClick r:id="rId2"/>
               </a:rPr>
               <a:t>example</a:t>
             </a:r>
             <a:r>
-              <a:rPr lang="en-US" dirty="0" smtClean="0"/>
+              <a:rPr lang="en-US" sz="2400" dirty="0" smtClean="0"/>
               <a:t> for the town of </a:t>
             </a:r>
             <a:r>
-              <a:rPr lang="en-US" dirty="0" err="1" smtClean="0"/>
+              <a:rPr lang="en-US" sz="2400" dirty="0" err="1" smtClean="0"/>
               <a:t>Manzaragua</a:t>
             </a:r>
             <a:r>
-              <a:rPr lang="en-US" dirty="0" smtClean="0"/>
-              <a:t> in Honduras</a:t>
-            </a:r>
-            <a:endParaRPr lang="en-US" dirty="0"/>
+              <a:rPr lang="en-US" sz="2400" dirty="0" smtClean="0"/>
+              <a:t> in </a:t>
+            </a:r>
+            <a:r>
+              <a:rPr lang="en-US" sz="2400" dirty="0" smtClean="0"/>
+              <a:t>Honduras</a:t>
+            </a:r>
+          </a:p>
+          <a:p>
+            <a:r>
+              <a:rPr lang="en-US" sz="2400" dirty="0" smtClean="0"/>
+              <a:t>Measure ANC of tap water and then use equations to calculate amount of acid and base required to adjust tap water to target </a:t>
+            </a:r>
+            <a:r>
+              <a:rPr lang="en-US" sz="2400" dirty="0" err="1" smtClean="0"/>
+              <a:t>pH.</a:t>
+            </a:r>
+            <a:r>
+              <a:rPr lang="en-US" sz="2400" dirty="0"/>
+              <a:t> </a:t>
+            </a:r>
+            <a:r>
+              <a:rPr lang="en-US" sz="2400" dirty="0" smtClean="0"/>
+              <a:t>Test ability to set pH to 5, 6, 7, 8, 9</a:t>
+            </a:r>
+            <a:endParaRPr lang="en-US" sz="2400" dirty="0"/>
           </a:p>
         </p:txBody>
       </p:sp>
@@ -12342,8 +12474,8 @@
           <a:lstStyle/>
           <a:p>
             <a:r>
-              <a:rPr lang="en-US" smtClean="0"/>
-              <a:t>Next steps</a:t>
+              <a:rPr lang="en-US" dirty="0" smtClean="0"/>
+              <a:t>Reactors</a:t>
             </a:r>
             <a:endParaRPr lang="en-US" dirty="0"/>
           </a:p>
@@ -12366,49 +12498,52 @@
           <a:p>
             <a:r>
               <a:rPr lang="en-US" dirty="0" smtClean="0"/>
-              <a:t>Come to lab prepared to discuss</a:t>
+              <a:t>Use either pulse (using the red dye leftover from the adsorption lab) </a:t>
+            </a:r>
+            <a:r>
+              <a:rPr lang="en-US" dirty="0"/>
+              <a:t>or step inputs </a:t>
+            </a:r>
+            <a:r>
+              <a:rPr lang="en-US" dirty="0" smtClean="0"/>
+              <a:t>to test…</a:t>
             </a:r>
           </a:p>
           <a:p>
             <a:pPr lvl="1"/>
             <a:r>
               <a:rPr lang="en-US" dirty="0" smtClean="0"/>
-              <a:t>What seems interesting to you?  </a:t>
+              <a:t>Straight vs coiled laminar flow tube flow</a:t>
             </a:r>
           </a:p>
           <a:p>
             <a:pPr lvl="1"/>
             <a:r>
               <a:rPr lang="en-US" dirty="0" smtClean="0"/>
-              <a:t>Is there anything that can help with other projects (research)?  </a:t>
+              <a:t>Laminar vs turbulent pipe flow</a:t>
             </a:r>
           </a:p>
           <a:p>
             <a:pPr lvl="1"/>
             <a:r>
               <a:rPr lang="en-US" dirty="0" smtClean="0"/>
-              <a:t>Anything that is relevant to potential grad school research?  </a:t>
+              <a:t>CMFR in series</a:t>
             </a:r>
           </a:p>
           <a:p>
             <a:pPr lvl="1"/>
             <a:r>
               <a:rPr lang="en-US" dirty="0" smtClean="0"/>
-              <a:t>Anything relevant to potential internships/jobs?</a:t>
-            </a:r>
-          </a:p>
-          <a:p>
-            <a:r>
-              <a:rPr lang="en-US" dirty="0" smtClean="0"/>
-              <a:t>BRAINSTORM and discuss with your groups.</a:t>
-            </a:r>
+              <a:t>More baffle</a:t>
+            </a:r>
+            <a:endParaRPr lang="en-US" dirty="0"/>
           </a:p>
         </p:txBody>
       </p:sp>
     </p:spTree>
     <p:extLst>
       <p:ext uri="{BB962C8B-B14F-4D97-AF65-F5344CB8AC3E}">
-        <p14:creationId xmlns:p14="http://schemas.microsoft.com/office/powerpoint/2010/main" val="1203524912"/>
+        <p14:creationId xmlns:p14="http://schemas.microsoft.com/office/powerpoint/2010/main" val="1030766259"/>
       </p:ext>
     </p:extLst>
   </p:cSld>
@@ -12418,13 +12553,6 @@
   <p:transition>
     <p:fade/>
   </p:transition>
-  <p:timing>
-    <p:tnLst>
-      <p:par>
-        <p:cTn id="1" dur="indefinite" restart="never" nodeType="tmRoot"/>
-      </p:par>
-    </p:tnLst>
-  </p:timing>
 </p:sld>
 </file>
 
